--- a/1º semestre/Revisões by danny/2º bimestre/Revisão Algoritmos.pptx
+++ b/1º semestre/Revisões by danny/2º bimestre/Revisão Algoritmos.pptx
@@ -5,23 +5,28 @@
     <p:sldMasterId id="2147483648" r:id="rId1"/>
   </p:sldMasterIdLst>
   <p:notesMasterIdLst>
-    <p:notesMasterId r:id="rId16"/>
+    <p:notesMasterId r:id="rId21"/>
   </p:notesMasterIdLst>
   <p:sldIdLst>
     <p:sldId id="256" r:id="rId2"/>
-    <p:sldId id="257" r:id="rId3"/>
-    <p:sldId id="258" r:id="rId4"/>
-    <p:sldId id="262" r:id="rId5"/>
-    <p:sldId id="263" r:id="rId6"/>
-    <p:sldId id="264" r:id="rId7"/>
-    <p:sldId id="265" r:id="rId8"/>
-    <p:sldId id="266" r:id="rId9"/>
-    <p:sldId id="267" r:id="rId10"/>
-    <p:sldId id="268" r:id="rId11"/>
-    <p:sldId id="269" r:id="rId12"/>
-    <p:sldId id="270" r:id="rId13"/>
-    <p:sldId id="271" r:id="rId14"/>
-    <p:sldId id="272" r:id="rId15"/>
+    <p:sldId id="273" r:id="rId3"/>
+    <p:sldId id="274" r:id="rId4"/>
+    <p:sldId id="275" r:id="rId5"/>
+    <p:sldId id="277" r:id="rId6"/>
+    <p:sldId id="276" r:id="rId7"/>
+    <p:sldId id="257" r:id="rId8"/>
+    <p:sldId id="258" r:id="rId9"/>
+    <p:sldId id="262" r:id="rId10"/>
+    <p:sldId id="263" r:id="rId11"/>
+    <p:sldId id="264" r:id="rId12"/>
+    <p:sldId id="265" r:id="rId13"/>
+    <p:sldId id="266" r:id="rId14"/>
+    <p:sldId id="267" r:id="rId15"/>
+    <p:sldId id="268" r:id="rId16"/>
+    <p:sldId id="269" r:id="rId17"/>
+    <p:sldId id="270" r:id="rId18"/>
+    <p:sldId id="271" r:id="rId19"/>
+    <p:sldId id="272" r:id="rId20"/>
   </p:sldIdLst>
   <p:sldSz cx="12192000" cy="6858000"/>
   <p:notesSz cx="6858000" cy="9144000"/>
@@ -542,7 +547,91 @@
           <a:p>
             <a:fld id="{A9A7DB56-8055-4830-B452-75AA04796B0A}" type="slidenum">
               <a:rPr lang="pt-BR" smtClean="0"/>
-              <a:t>9</a:t>
+              <a:t>4</a:t>
+            </a:fld>
+            <a:endParaRPr lang="pt-BR"/>
+          </a:p>
+        </p:txBody>
+      </p:sp>
+    </p:spTree>
+    <p:extLst>
+      <p:ext uri="{BB962C8B-B14F-4D97-AF65-F5344CB8AC3E}">
+        <p14:creationId xmlns:p14="http://schemas.microsoft.com/office/powerpoint/2010/main" val="4085656453"/>
+      </p:ext>
+    </p:extLst>
+  </p:cSld>
+  <p:clrMapOvr>
+    <a:masterClrMapping/>
+  </p:clrMapOvr>
+</p:notes>
+</file>
+
+<file path=ppt/notesSlides/notesSlide2.xml><?xml version="1.0" encoding="utf-8"?>
+<p:notes xmlns:a="http://schemas.openxmlformats.org/drawingml/2006/main" xmlns:r="http://schemas.openxmlformats.org/officeDocument/2006/relationships" xmlns:p="http://schemas.openxmlformats.org/presentationml/2006/main">
+  <p:cSld>
+    <p:spTree>
+      <p:nvGrpSpPr>
+        <p:cNvPr id="1" name=""/>
+        <p:cNvGrpSpPr/>
+        <p:nvPr/>
+      </p:nvGrpSpPr>
+      <p:grpSpPr>
+        <a:xfrm>
+          <a:off x="0" y="0"/>
+          <a:ext cx="0" cy="0"/>
+          <a:chOff x="0" y="0"/>
+          <a:chExt cx="0" cy="0"/>
+        </a:xfrm>
+      </p:grpSpPr>
+      <p:sp>
+        <p:nvSpPr>
+          <p:cNvPr id="2" name="Espaço Reservado para Imagem de Slide 1"/>
+          <p:cNvSpPr>
+            <a:spLocks noGrp="1" noRot="1" noChangeAspect="1"/>
+          </p:cNvSpPr>
+          <p:nvPr>
+            <p:ph type="sldImg"/>
+          </p:nvPr>
+        </p:nvSpPr>
+        <p:spPr/>
+      </p:sp>
+      <p:sp>
+        <p:nvSpPr>
+          <p:cNvPr id="3" name="Espaço Reservado para Anotações 2"/>
+          <p:cNvSpPr>
+            <a:spLocks noGrp="1"/>
+          </p:cNvSpPr>
+          <p:nvPr>
+            <p:ph type="body" idx="1"/>
+          </p:nvPr>
+        </p:nvSpPr>
+        <p:spPr/>
+        <p:txBody>
+          <a:bodyPr/>
+          <a:lstStyle/>
+          <a:p>
+            <a:endParaRPr lang="pt-BR" dirty="0"/>
+          </a:p>
+        </p:txBody>
+      </p:sp>
+      <p:sp>
+        <p:nvSpPr>
+          <p:cNvPr id="4" name="Espaço Reservado para Número de Slide 3"/>
+          <p:cNvSpPr>
+            <a:spLocks noGrp="1"/>
+          </p:cNvSpPr>
+          <p:nvPr>
+            <p:ph type="sldNum" sz="quarter" idx="10"/>
+          </p:nvPr>
+        </p:nvSpPr>
+        <p:spPr/>
+        <p:txBody>
+          <a:bodyPr/>
+          <a:lstStyle/>
+          <a:p>
+            <a:fld id="{A9A7DB56-8055-4830-B452-75AA04796B0A}" type="slidenum">
+              <a:rPr lang="pt-BR" smtClean="0"/>
+              <a:t>14</a:t>
             </a:fld>
             <a:endParaRPr lang="pt-BR"/>
           </a:p>
@@ -3197,6 +3286,2484 @@
           <p:cNvPr id="2" name="Espaço Reservado para Conteúdo 1">
             <a:extLst>
               <a:ext uri="{FF2B5EF4-FFF2-40B4-BE49-F238E27FC236}">
+                <a16:creationId xmlns:a16="http://schemas.microsoft.com/office/drawing/2014/main" id="{0E0D8B3E-4577-449C-A063-3C25B1B52F35}"/>
+              </a:ext>
+            </a:extLst>
+          </p:cNvPr>
+          <p:cNvSpPr>
+            <a:spLocks noGrp="1"/>
+          </p:cNvSpPr>
+          <p:nvPr>
+            <p:ph idx="13"/>
+          </p:nvPr>
+        </p:nvSpPr>
+        <p:spPr>
+          <a:xfrm>
+            <a:off x="378822" y="351291"/>
+            <a:ext cx="10136777" cy="6176118"/>
+          </a:xfrm>
+        </p:spPr>
+        <p:txBody>
+          <a:bodyPr>
+            <a:normAutofit fontScale="92500" lnSpcReduction="10000"/>
+          </a:bodyPr>
+          <a:lstStyle/>
+          <a:p>
+            <a:pPr marL="0" indent="0">
+              <a:buNone/>
+            </a:pPr>
+            <a:r>
+              <a:rPr lang="pt-BR" dirty="0"/>
+              <a:t>Quando declaramos uma variável dentro de uma função, nós a chamamos de variavel local, pois ela não é vista fora da função. Por exemplo:</a:t>
+            </a:r>
+          </a:p>
+          <a:p>
+            <a:pPr marL="0" indent="0">
+              <a:buNone/>
+            </a:pPr>
+            <a:endParaRPr lang="pt-BR" dirty="0"/>
+          </a:p>
+          <a:p>
+            <a:pPr marL="0" indent="0">
+              <a:buNone/>
+            </a:pPr>
+            <a:endParaRPr lang="pt-BR" dirty="0"/>
+          </a:p>
+          <a:p>
+            <a:pPr marL="0" indent="0">
+              <a:buNone/>
+            </a:pPr>
+            <a:endParaRPr lang="pt-BR" dirty="0"/>
+          </a:p>
+          <a:p>
+            <a:pPr marL="0" indent="0">
+              <a:buNone/>
+            </a:pPr>
+            <a:endParaRPr lang="pt-BR" dirty="0"/>
+          </a:p>
+          <a:p>
+            <a:pPr marL="0" indent="0">
+              <a:buNone/>
+            </a:pPr>
+            <a:endParaRPr lang="pt-BR" dirty="0"/>
+          </a:p>
+          <a:p>
+            <a:pPr marL="0" indent="0">
+              <a:buNone/>
+            </a:pPr>
+            <a:endParaRPr lang="pt-BR" dirty="0"/>
+          </a:p>
+          <a:p>
+            <a:pPr marL="0" indent="0">
+              <a:buNone/>
+            </a:pPr>
+            <a:endParaRPr lang="pt-BR" dirty="0"/>
+          </a:p>
+          <a:p>
+            <a:pPr marL="0" indent="0">
+              <a:buNone/>
+            </a:pPr>
+            <a:endParaRPr lang="pt-BR" dirty="0"/>
+          </a:p>
+          <a:p>
+            <a:pPr marL="0" indent="0">
+              <a:buNone/>
+            </a:pPr>
+            <a:endParaRPr lang="pt-BR" dirty="0"/>
+          </a:p>
+          <a:p>
+            <a:pPr marL="0" indent="0">
+              <a:buNone/>
+            </a:pPr>
+            <a:r>
+              <a:rPr lang="pt-BR" dirty="0"/>
+              <a:t>Esse erro ocorre pois como eu disse, a variavel par é local, ou seja, fora dessa função ela não existe.</a:t>
+            </a:r>
+          </a:p>
+          <a:p>
+            <a:endParaRPr lang="pt-BR" dirty="0"/>
+          </a:p>
+        </p:txBody>
+      </p:sp>
+      <p:graphicFrame>
+        <p:nvGraphicFramePr>
+          <p:cNvPr id="3" name="Tabela 2">
+            <a:extLst>
+              <a:ext uri="{FF2B5EF4-FFF2-40B4-BE49-F238E27FC236}">
+                <a16:creationId xmlns:a16="http://schemas.microsoft.com/office/drawing/2014/main" id="{6324055D-CB92-4940-BBDE-6AFF2CA00D06}"/>
+              </a:ext>
+            </a:extLst>
+          </p:cNvPr>
+          <p:cNvGraphicFramePr>
+            <a:graphicFrameLocks noGrp="1"/>
+          </p:cNvGraphicFramePr>
+          <p:nvPr>
+            <p:extLst>
+              <p:ext uri="{D42A27DB-BD31-4B8C-83A1-F6EECF244321}">
+                <p14:modId xmlns:p14="http://schemas.microsoft.com/office/powerpoint/2010/main" val="3052804847"/>
+              </p:ext>
+            </p:extLst>
+          </p:nvPr>
+        </p:nvGraphicFramePr>
+        <p:xfrm>
+          <a:off x="378822" y="1586434"/>
+          <a:ext cx="9496698" cy="3688080"/>
+        </p:xfrm>
+        <a:graphic>
+          <a:graphicData uri="http://schemas.openxmlformats.org/drawingml/2006/table">
+            <a:tbl>
+              <a:tblPr firstRow="1" bandRow="1">
+                <a:tableStyleId>{16D9F66E-5EB9-4882-86FB-DCBF35E3C3E4}</a:tableStyleId>
+              </a:tblPr>
+              <a:tblGrid>
+                <a:gridCol w="9496698">
+                  <a:extLst>
+                    <a:ext uri="{9D8B030D-6E8A-4147-A177-3AD203B41FA5}">
+                      <a16:colId xmlns:a16="http://schemas.microsoft.com/office/drawing/2014/main" val="57608438"/>
+                    </a:ext>
+                  </a:extLst>
+                </a:gridCol>
+              </a:tblGrid>
+              <a:tr h="3337728">
+                <a:tc>
+                  <a:txBody>
+                    <a:bodyPr/>
+                    <a:lstStyle/>
+                    <a:p>
+                      <a:pPr marL="0" indent="0">
+                        <a:buNone/>
+                      </a:pPr>
+                      <a:r>
+                        <a:rPr lang="pt-BR" sz="2000" dirty="0" err="1">
+                          <a:solidFill>
+                            <a:srgbClr val="CE6D0C"/>
+                          </a:solidFill>
+                          <a:latin typeface="Arial" panose="020B0604020202020204" pitchFamily="34" charset="0"/>
+                          <a:cs typeface="Arial" panose="020B0604020202020204" pitchFamily="34" charset="0"/>
+                        </a:rPr>
+                        <a:t>def</a:t>
+                      </a:r>
+                      <a:r>
+                        <a:rPr lang="pt-BR" sz="2000" dirty="0">
+                          <a:solidFill>
+                            <a:srgbClr val="F19D49"/>
+                          </a:solidFill>
+                          <a:latin typeface="Arial" panose="020B0604020202020204" pitchFamily="34" charset="0"/>
+                          <a:cs typeface="Arial" panose="020B0604020202020204" pitchFamily="34" charset="0"/>
+                        </a:rPr>
+                        <a:t> </a:t>
+                      </a:r>
+                      <a:r>
+                        <a:rPr lang="pt-BR" sz="2000" dirty="0" err="1">
+                          <a:solidFill>
+                            <a:schemeClr val="accent2"/>
+                          </a:solidFill>
+                          <a:latin typeface="Arial" panose="020B0604020202020204" pitchFamily="34" charset="0"/>
+                          <a:cs typeface="Arial" panose="020B0604020202020204" pitchFamily="34" charset="0"/>
+                        </a:rPr>
+                        <a:t>epar</a:t>
+                      </a:r>
+                      <a:r>
+                        <a:rPr lang="pt-BR" sz="2000" dirty="0">
+                          <a:latin typeface="Arial" panose="020B0604020202020204" pitchFamily="34" charset="0"/>
+                          <a:cs typeface="Arial" panose="020B0604020202020204" pitchFamily="34" charset="0"/>
+                        </a:rPr>
+                        <a:t>(x):</a:t>
+                      </a:r>
+                    </a:p>
+                    <a:p>
+                      <a:pPr marL="0" indent="0">
+                        <a:buNone/>
+                        <a:tabLst>
+                          <a:tab pos="360363" algn="l"/>
+                        </a:tabLst>
+                      </a:pPr>
+                      <a:r>
+                        <a:rPr lang="pt-BR" sz="2000" dirty="0">
+                          <a:latin typeface="Arial" panose="020B0604020202020204" pitchFamily="34" charset="0"/>
+                          <a:cs typeface="Arial" panose="020B0604020202020204" pitchFamily="34" charset="0"/>
+                        </a:rPr>
+                        <a:t>	</a:t>
+                      </a:r>
+                      <a:r>
+                        <a:rPr lang="pt-BR" sz="2000" dirty="0" err="1">
+                          <a:solidFill>
+                            <a:srgbClr val="CE6D0C"/>
+                          </a:solidFill>
+                          <a:latin typeface="Arial" panose="020B0604020202020204" pitchFamily="34" charset="0"/>
+                          <a:cs typeface="Arial" panose="020B0604020202020204" pitchFamily="34" charset="0"/>
+                        </a:rPr>
+                        <a:t>if</a:t>
+                      </a:r>
+                      <a:r>
+                        <a:rPr lang="pt-BR" sz="2000" dirty="0">
+                          <a:solidFill>
+                            <a:schemeClr val="accent2">
+                              <a:lumMod val="75000"/>
+                            </a:schemeClr>
+                          </a:solidFill>
+                          <a:latin typeface="Arial" panose="020B0604020202020204" pitchFamily="34" charset="0"/>
+                          <a:cs typeface="Arial" panose="020B0604020202020204" pitchFamily="34" charset="0"/>
+                        </a:rPr>
+                        <a:t> </a:t>
+                      </a:r>
+                      <a:r>
+                        <a:rPr lang="pt-BR" sz="2000" dirty="0">
+                          <a:latin typeface="Arial" panose="020B0604020202020204" pitchFamily="34" charset="0"/>
+                          <a:cs typeface="Arial" panose="020B0604020202020204" pitchFamily="34" charset="0"/>
+                        </a:rPr>
+                        <a:t>x % </a:t>
+                      </a:r>
+                      <a:r>
+                        <a:rPr lang="pt-BR" sz="2000" dirty="0">
+                          <a:solidFill>
+                            <a:schemeClr val="accent6">
+                              <a:lumMod val="75000"/>
+                            </a:schemeClr>
+                          </a:solidFill>
+                          <a:latin typeface="Arial" panose="020B0604020202020204" pitchFamily="34" charset="0"/>
+                          <a:cs typeface="Arial" panose="020B0604020202020204" pitchFamily="34" charset="0"/>
+                        </a:rPr>
+                        <a:t>2 </a:t>
+                      </a:r>
+                      <a:r>
+                        <a:rPr lang="pt-BR" sz="2000" dirty="0">
+                          <a:latin typeface="Arial" panose="020B0604020202020204" pitchFamily="34" charset="0"/>
+                          <a:cs typeface="Arial" panose="020B0604020202020204" pitchFamily="34" charset="0"/>
+                        </a:rPr>
+                        <a:t>== </a:t>
+                      </a:r>
+                      <a:r>
+                        <a:rPr lang="pt-BR" sz="2000" dirty="0">
+                          <a:solidFill>
+                            <a:schemeClr val="accent6">
+                              <a:lumMod val="75000"/>
+                            </a:schemeClr>
+                          </a:solidFill>
+                          <a:latin typeface="Arial" panose="020B0604020202020204" pitchFamily="34" charset="0"/>
+                          <a:cs typeface="Arial" panose="020B0604020202020204" pitchFamily="34" charset="0"/>
+                        </a:rPr>
+                        <a:t>0</a:t>
+                      </a:r>
+                      <a:r>
+                        <a:rPr lang="pt-BR" sz="2000" dirty="0">
+                          <a:latin typeface="Arial" panose="020B0604020202020204" pitchFamily="34" charset="0"/>
+                          <a:cs typeface="Arial" panose="020B0604020202020204" pitchFamily="34" charset="0"/>
+                        </a:rPr>
+                        <a:t>:</a:t>
+                      </a:r>
+                    </a:p>
+                    <a:p>
+                      <a:pPr marL="0" indent="0">
+                        <a:buNone/>
+                        <a:tabLst>
+                          <a:tab pos="809625" algn="l"/>
+                        </a:tabLst>
+                      </a:pPr>
+                      <a:r>
+                        <a:rPr lang="pt-BR" sz="2000" dirty="0">
+                          <a:latin typeface="Arial" panose="020B0604020202020204" pitchFamily="34" charset="0"/>
+                          <a:cs typeface="Arial" panose="020B0604020202020204" pitchFamily="34" charset="0"/>
+                        </a:rPr>
+                        <a:t>		par = </a:t>
+                      </a:r>
+                      <a:r>
+                        <a:rPr lang="pt-BR" sz="2000" dirty="0" err="1">
+                          <a:solidFill>
+                            <a:srgbClr val="CE6D0C"/>
+                          </a:solidFill>
+                          <a:latin typeface="Arial" panose="020B0604020202020204" pitchFamily="34" charset="0"/>
+                          <a:cs typeface="Arial" panose="020B0604020202020204" pitchFamily="34" charset="0"/>
+                        </a:rPr>
+                        <a:t>True</a:t>
+                      </a:r>
+                      <a:endParaRPr lang="pt-BR" sz="2000" dirty="0">
+                        <a:solidFill>
+                          <a:srgbClr val="CE6D0C"/>
+                        </a:solidFill>
+                        <a:latin typeface="Arial" panose="020B0604020202020204" pitchFamily="34" charset="0"/>
+                        <a:cs typeface="Arial" panose="020B0604020202020204" pitchFamily="34" charset="0"/>
+                      </a:endParaRPr>
+                    </a:p>
+                    <a:p>
+                      <a:pPr marL="0" indent="0">
+                        <a:buNone/>
+                        <a:tabLst>
+                          <a:tab pos="360363" algn="l"/>
+                        </a:tabLst>
+                      </a:pPr>
+                      <a:r>
+                        <a:rPr lang="pt-BR" sz="2000" dirty="0">
+                          <a:latin typeface="Arial" panose="020B0604020202020204" pitchFamily="34" charset="0"/>
+                          <a:cs typeface="Arial" panose="020B0604020202020204" pitchFamily="34" charset="0"/>
+                        </a:rPr>
+                        <a:t>	</a:t>
+                      </a:r>
+                      <a:r>
+                        <a:rPr lang="pt-BR" sz="2000" dirty="0" err="1">
+                          <a:solidFill>
+                            <a:srgbClr val="CE6D0C"/>
+                          </a:solidFill>
+                          <a:latin typeface="Arial" panose="020B0604020202020204" pitchFamily="34" charset="0"/>
+                          <a:cs typeface="Arial" panose="020B0604020202020204" pitchFamily="34" charset="0"/>
+                        </a:rPr>
+                        <a:t>else</a:t>
+                      </a:r>
+                      <a:r>
+                        <a:rPr lang="pt-BR" sz="2000" dirty="0">
+                          <a:solidFill>
+                            <a:schemeClr val="tx1"/>
+                          </a:solidFill>
+                          <a:latin typeface="Arial" panose="020B0604020202020204" pitchFamily="34" charset="0"/>
+                          <a:cs typeface="Arial" panose="020B0604020202020204" pitchFamily="34" charset="0"/>
+                        </a:rPr>
+                        <a:t>:</a:t>
+                      </a:r>
+                    </a:p>
+                    <a:p>
+                      <a:pPr marL="0" indent="0">
+                        <a:buNone/>
+                        <a:tabLst>
+                          <a:tab pos="809625" algn="l"/>
+                        </a:tabLst>
+                      </a:pPr>
+                      <a:r>
+                        <a:rPr lang="pt-BR" sz="2000" dirty="0">
+                          <a:latin typeface="Arial" panose="020B0604020202020204" pitchFamily="34" charset="0"/>
+                          <a:cs typeface="Arial" panose="020B0604020202020204" pitchFamily="34" charset="0"/>
+                        </a:rPr>
+                        <a:t>		par = </a:t>
+                      </a:r>
+                      <a:r>
+                        <a:rPr lang="pt-BR" sz="2000" dirty="0">
+                          <a:solidFill>
+                            <a:srgbClr val="CE6D0C"/>
+                          </a:solidFill>
+                          <a:latin typeface="Arial" panose="020B0604020202020204" pitchFamily="34" charset="0"/>
+                          <a:cs typeface="Arial" panose="020B0604020202020204" pitchFamily="34" charset="0"/>
+                        </a:rPr>
+                        <a:t>False</a:t>
+                      </a:r>
+                    </a:p>
+                    <a:p>
+                      <a:pPr marL="0" indent="0">
+                        <a:buNone/>
+                        <a:tabLst>
+                          <a:tab pos="360363" algn="l"/>
+                        </a:tabLst>
+                      </a:pPr>
+                      <a:r>
+                        <a:rPr lang="pt-BR" sz="2000" dirty="0">
+                          <a:latin typeface="Arial" panose="020B0604020202020204" pitchFamily="34" charset="0"/>
+                          <a:cs typeface="Arial" panose="020B0604020202020204" pitchFamily="34" charset="0"/>
+                        </a:rPr>
+                        <a:t>	</a:t>
+                      </a:r>
+                      <a:r>
+                        <a:rPr lang="pt-BR" sz="2000" dirty="0" err="1">
+                          <a:solidFill>
+                            <a:srgbClr val="CE6D0C"/>
+                          </a:solidFill>
+                          <a:latin typeface="Arial" panose="020B0604020202020204" pitchFamily="34" charset="0"/>
+                          <a:cs typeface="Arial" panose="020B0604020202020204" pitchFamily="34" charset="0"/>
+                        </a:rPr>
+                        <a:t>return</a:t>
+                      </a:r>
+                      <a:r>
+                        <a:rPr lang="pt-BR" sz="2000" dirty="0">
+                          <a:latin typeface="Arial" panose="020B0604020202020204" pitchFamily="34" charset="0"/>
+                          <a:cs typeface="Arial" panose="020B0604020202020204" pitchFamily="34" charset="0"/>
+                        </a:rPr>
+                        <a:t> par</a:t>
+                      </a:r>
+                    </a:p>
+                    <a:p>
+                      <a:pPr marL="0" indent="0">
+                        <a:buNone/>
+                        <a:tabLst>
+                          <a:tab pos="360363" algn="l"/>
+                        </a:tabLst>
+                      </a:pPr>
+                      <a:r>
+                        <a:rPr lang="pt-BR" sz="2000" dirty="0" err="1">
+                          <a:latin typeface="Arial" panose="020B0604020202020204" pitchFamily="34" charset="0"/>
+                          <a:cs typeface="Arial" panose="020B0604020202020204" pitchFamily="34" charset="0"/>
+                        </a:rPr>
+                        <a:t>epar</a:t>
+                      </a:r>
+                      <a:r>
+                        <a:rPr lang="pt-BR" sz="2000" dirty="0">
+                          <a:latin typeface="Arial" panose="020B0604020202020204" pitchFamily="34" charset="0"/>
+                          <a:cs typeface="Arial" panose="020B0604020202020204" pitchFamily="34" charset="0"/>
+                        </a:rPr>
+                        <a:t>(</a:t>
+                      </a:r>
+                      <a:r>
+                        <a:rPr lang="pt-BR" sz="2000" dirty="0">
+                          <a:solidFill>
+                            <a:schemeClr val="accent6">
+                              <a:lumMod val="75000"/>
+                            </a:schemeClr>
+                          </a:solidFill>
+                          <a:latin typeface="Arial" panose="020B0604020202020204" pitchFamily="34" charset="0"/>
+                          <a:cs typeface="Arial" panose="020B0604020202020204" pitchFamily="34" charset="0"/>
+                        </a:rPr>
+                        <a:t>5</a:t>
+                      </a:r>
+                      <a:r>
+                        <a:rPr lang="pt-BR" sz="2000" dirty="0">
+                          <a:latin typeface="Arial" panose="020B0604020202020204" pitchFamily="34" charset="0"/>
+                          <a:cs typeface="Arial" panose="020B0604020202020204" pitchFamily="34" charset="0"/>
+                        </a:rPr>
+                        <a:t>)</a:t>
+                      </a:r>
+                    </a:p>
+                    <a:p>
+                      <a:pPr marL="0" indent="0">
+                        <a:buNone/>
+                      </a:pPr>
+                      <a:r>
+                        <a:rPr lang="pt-BR" sz="2000" dirty="0">
+                          <a:solidFill>
+                            <a:schemeClr val="accent6">
+                              <a:lumMod val="75000"/>
+                            </a:schemeClr>
+                          </a:solidFill>
+                          <a:latin typeface="Arial" panose="020B0604020202020204" pitchFamily="34" charset="0"/>
+                          <a:cs typeface="Arial" panose="020B0604020202020204" pitchFamily="34" charset="0"/>
+                        </a:rPr>
+                        <a:t>Print</a:t>
+                      </a:r>
+                      <a:r>
+                        <a:rPr lang="pt-BR" sz="2000" dirty="0">
+                          <a:latin typeface="Arial" panose="020B0604020202020204" pitchFamily="34" charset="0"/>
+                          <a:cs typeface="Arial" panose="020B0604020202020204" pitchFamily="34" charset="0"/>
+                        </a:rPr>
+                        <a:t>(par)</a:t>
+                      </a:r>
+                    </a:p>
+                    <a:p>
+                      <a:pPr marL="0" indent="0">
+                        <a:buNone/>
+                      </a:pPr>
+                      <a:endParaRPr lang="pt-BR" sz="2000" dirty="0">
+                        <a:latin typeface="Arial" panose="020B0604020202020204" pitchFamily="34" charset="0"/>
+                        <a:cs typeface="Arial" panose="020B0604020202020204" pitchFamily="34" charset="0"/>
+                      </a:endParaRPr>
+                    </a:p>
+                    <a:p>
+                      <a:pPr marL="0" indent="0">
+                        <a:buNone/>
+                      </a:pPr>
+                      <a:r>
+                        <a:rPr lang="pt-BR" sz="2000" dirty="0">
+                          <a:solidFill>
+                            <a:srgbClr val="C00000"/>
+                          </a:solidFill>
+                          <a:latin typeface="Arial" panose="020B0604020202020204" pitchFamily="34" charset="0"/>
+                          <a:cs typeface="Arial" panose="020B0604020202020204" pitchFamily="34" charset="0"/>
+                        </a:rPr>
+                        <a:t>Output:</a:t>
+                      </a:r>
+                    </a:p>
+                    <a:p>
+                      <a:pPr marL="0" marR="0" lvl="0" indent="0" algn="l" defTabSz="914400" rtl="0" eaLnBrk="1" fontAlgn="auto" latinLnBrk="0" hangingPunct="1">
+                        <a:lnSpc>
+                          <a:spcPct val="100000"/>
+                        </a:lnSpc>
+                        <a:spcBef>
+                          <a:spcPts val="0"/>
+                        </a:spcBef>
+                        <a:spcAft>
+                          <a:spcPts val="0"/>
+                        </a:spcAft>
+                        <a:buClrTx/>
+                        <a:buSzTx/>
+                        <a:buFontTx/>
+                        <a:buNone/>
+                        <a:tabLst/>
+                        <a:defRPr/>
+                      </a:pPr>
+                      <a:r>
+                        <a:rPr lang="pt-BR" sz="2000" dirty="0">
+                          <a:solidFill>
+                            <a:srgbClr val="C00000"/>
+                          </a:solidFill>
+                          <a:latin typeface="Arial" panose="020B0604020202020204" pitchFamily="34" charset="0"/>
+                          <a:cs typeface="Arial" panose="020B0604020202020204" pitchFamily="34" charset="0"/>
+                        </a:rPr>
+                        <a:t>&gt;&gt;&gt; </a:t>
+                      </a:r>
+                      <a:r>
+                        <a:rPr lang="en-US" sz="2000" dirty="0" err="1">
+                          <a:solidFill>
+                            <a:srgbClr val="FF0000"/>
+                          </a:solidFill>
+                          <a:latin typeface="Arial" panose="020B0604020202020204" pitchFamily="34" charset="0"/>
+                          <a:cs typeface="Arial" panose="020B0604020202020204" pitchFamily="34" charset="0"/>
+                        </a:rPr>
+                        <a:t>NameError</a:t>
+                      </a:r>
+                      <a:r>
+                        <a:rPr lang="en-US" sz="2000" dirty="0">
+                          <a:solidFill>
+                            <a:srgbClr val="FF0000"/>
+                          </a:solidFill>
+                          <a:latin typeface="Arial" panose="020B0604020202020204" pitchFamily="34" charset="0"/>
+                          <a:cs typeface="Arial" panose="020B0604020202020204" pitchFamily="34" charset="0"/>
+                        </a:rPr>
+                        <a:t>: name 'par' is not defined</a:t>
+                      </a:r>
+                      <a:endParaRPr lang="pt-BR" sz="2000" dirty="0">
+                        <a:solidFill>
+                          <a:srgbClr val="FF0000"/>
+                        </a:solidFill>
+                        <a:latin typeface="Arial" panose="020B0604020202020204" pitchFamily="34" charset="0"/>
+                        <a:cs typeface="Arial" panose="020B0604020202020204" pitchFamily="34" charset="0"/>
+                      </a:endParaRPr>
+                    </a:p>
+                    <a:p>
+                      <a:endParaRPr lang="pt-BR" sz="1600" dirty="0"/>
+                    </a:p>
+                  </a:txBody>
+                  <a:tcPr>
+                    <a:solidFill>
+                      <a:schemeClr val="accent6">
+                        <a:tint val="20000"/>
+                      </a:schemeClr>
+                    </a:solidFill>
+                  </a:tcPr>
+                </a:tc>
+                <a:extLst>
+                  <a:ext uri="{0D108BD9-81ED-4DB2-BD59-A6C34878D82A}">
+                    <a16:rowId xmlns:a16="http://schemas.microsoft.com/office/drawing/2014/main" val="2618431660"/>
+                  </a:ext>
+                </a:extLst>
+              </a:tr>
+            </a:tbl>
+          </a:graphicData>
+        </a:graphic>
+      </p:graphicFrame>
+    </p:spTree>
+    <p:extLst>
+      <p:ext uri="{BB962C8B-B14F-4D97-AF65-F5344CB8AC3E}">
+        <p14:creationId xmlns:p14="http://schemas.microsoft.com/office/powerpoint/2010/main" val="3552652377"/>
+      </p:ext>
+    </p:extLst>
+  </p:cSld>
+  <p:clrMapOvr>
+    <a:masterClrMapping/>
+  </p:clrMapOvr>
+</p:sld>
+</file>
+
+<file path=ppt/slides/slide11.xml><?xml version="1.0" encoding="utf-8"?>
+<p:sld xmlns:a="http://schemas.openxmlformats.org/drawingml/2006/main" xmlns:r="http://schemas.openxmlformats.org/officeDocument/2006/relationships" xmlns:p="http://schemas.openxmlformats.org/presentationml/2006/main">
+  <p:cSld>
+    <p:spTree>
+      <p:nvGrpSpPr>
+        <p:cNvPr id="1" name=""/>
+        <p:cNvGrpSpPr/>
+        <p:nvPr/>
+      </p:nvGrpSpPr>
+      <p:grpSpPr>
+        <a:xfrm>
+          <a:off x="0" y="0"/>
+          <a:ext cx="0" cy="0"/>
+          <a:chOff x="0" y="0"/>
+          <a:chExt cx="0" cy="0"/>
+        </a:xfrm>
+      </p:grpSpPr>
+      <p:sp>
+        <p:nvSpPr>
+          <p:cNvPr id="2" name="Espaço Reservado para Conteúdo 1">
+            <a:extLst>
+              <a:ext uri="{FF2B5EF4-FFF2-40B4-BE49-F238E27FC236}">
+                <a16:creationId xmlns:a16="http://schemas.microsoft.com/office/drawing/2014/main" id="{18A6C8F8-6D6F-499A-866F-F9C2D4FF9168}"/>
+              </a:ext>
+            </a:extLst>
+          </p:cNvPr>
+          <p:cNvSpPr>
+            <a:spLocks noGrp="1"/>
+          </p:cNvSpPr>
+          <p:nvPr>
+            <p:ph idx="13"/>
+          </p:nvPr>
+        </p:nvSpPr>
+        <p:spPr/>
+        <p:txBody>
+          <a:bodyPr/>
+          <a:lstStyle/>
+          <a:p>
+            <a:pPr marL="0" indent="0">
+              <a:buNone/>
+            </a:pPr>
+            <a:r>
+              <a:rPr lang="pt-BR" dirty="0"/>
+              <a:t>Então se fizermos o seguinte:</a:t>
+            </a:r>
+          </a:p>
+          <a:p>
+            <a:pPr marL="0" indent="0">
+              <a:buNone/>
+            </a:pPr>
+            <a:endParaRPr lang="pt-BR" dirty="0"/>
+          </a:p>
+          <a:p>
+            <a:pPr marL="0" indent="0">
+              <a:buNone/>
+            </a:pPr>
+            <a:endParaRPr lang="pt-BR" dirty="0"/>
+          </a:p>
+          <a:p>
+            <a:pPr marL="0" indent="0">
+              <a:buNone/>
+            </a:pPr>
+            <a:endParaRPr lang="pt-BR" dirty="0"/>
+          </a:p>
+          <a:p>
+            <a:pPr marL="0" indent="0">
+              <a:buNone/>
+            </a:pPr>
+            <a:endParaRPr lang="pt-BR" dirty="0"/>
+          </a:p>
+          <a:p>
+            <a:pPr marL="0" indent="0">
+              <a:buNone/>
+            </a:pPr>
+            <a:endParaRPr lang="pt-BR" dirty="0"/>
+          </a:p>
+          <a:p>
+            <a:pPr marL="0" indent="0">
+              <a:buNone/>
+            </a:pPr>
+            <a:endParaRPr lang="pt-BR" dirty="0"/>
+          </a:p>
+          <a:p>
+            <a:pPr marL="0" indent="0">
+              <a:buNone/>
+            </a:pPr>
+            <a:endParaRPr lang="pt-BR" dirty="0"/>
+          </a:p>
+          <a:p>
+            <a:pPr marL="0" indent="0">
+              <a:buNone/>
+            </a:pPr>
+            <a:endParaRPr lang="pt-BR" dirty="0"/>
+          </a:p>
+          <a:p>
+            <a:pPr marL="0" indent="0">
+              <a:buNone/>
+            </a:pPr>
+            <a:endParaRPr lang="pt-BR" dirty="0"/>
+          </a:p>
+          <a:p>
+            <a:pPr marL="0" indent="0">
+              <a:buNone/>
+            </a:pPr>
+            <a:r>
+              <a:rPr lang="pt-BR" dirty="0"/>
+              <a:t>Qual será o output?		</a:t>
+            </a:r>
+          </a:p>
+          <a:p>
+            <a:endParaRPr lang="pt-BR" dirty="0"/>
+          </a:p>
+          <a:p>
+            <a:endParaRPr lang="pt-BR" dirty="0"/>
+          </a:p>
+        </p:txBody>
+      </p:sp>
+      <p:graphicFrame>
+        <p:nvGraphicFramePr>
+          <p:cNvPr id="3" name="Tabela 2">
+            <a:extLst>
+              <a:ext uri="{FF2B5EF4-FFF2-40B4-BE49-F238E27FC236}">
+                <a16:creationId xmlns:a16="http://schemas.microsoft.com/office/drawing/2014/main" id="{27B925EF-85B5-4278-AC00-265F868695B9}"/>
+              </a:ext>
+            </a:extLst>
+          </p:cNvPr>
+          <p:cNvGraphicFramePr>
+            <a:graphicFrameLocks noGrp="1"/>
+          </p:cNvGraphicFramePr>
+          <p:nvPr>
+            <p:extLst>
+              <p:ext uri="{D42A27DB-BD31-4B8C-83A1-F6EECF244321}">
+                <p14:modId xmlns:p14="http://schemas.microsoft.com/office/powerpoint/2010/main" val="2586853109"/>
+              </p:ext>
+            </p:extLst>
+          </p:nvPr>
+        </p:nvGraphicFramePr>
+        <p:xfrm>
+          <a:off x="378821" y="1240171"/>
+          <a:ext cx="9439735" cy="4023360"/>
+        </p:xfrm>
+        <a:graphic>
+          <a:graphicData uri="http://schemas.openxmlformats.org/drawingml/2006/table">
+            <a:tbl>
+              <a:tblPr firstRow="1" bandRow="1">
+                <a:tableStyleId>{16D9F66E-5EB9-4882-86FB-DCBF35E3C3E4}</a:tableStyleId>
+              </a:tblPr>
+              <a:tblGrid>
+                <a:gridCol w="9439735">
+                  <a:extLst>
+                    <a:ext uri="{9D8B030D-6E8A-4147-A177-3AD203B41FA5}">
+                      <a16:colId xmlns:a16="http://schemas.microsoft.com/office/drawing/2014/main" val="1791430372"/>
+                    </a:ext>
+                  </a:extLst>
+                </a:gridCol>
+              </a:tblGrid>
+              <a:tr h="370840">
+                <a:tc>
+                  <a:txBody>
+                    <a:bodyPr/>
+                    <a:lstStyle/>
+                    <a:p>
+                      <a:pPr marL="0" indent="0">
+                        <a:buNone/>
+                      </a:pPr>
+                      <a:r>
+                        <a:rPr lang="pt-BR" sz="2000" dirty="0">
+                          <a:latin typeface="Arial" panose="020B0604020202020204" pitchFamily="34" charset="0"/>
+                          <a:cs typeface="Arial" panose="020B0604020202020204" pitchFamily="34" charset="0"/>
+                        </a:rPr>
+                        <a:t>x = </a:t>
+                      </a:r>
+                      <a:r>
+                        <a:rPr lang="pt-BR" sz="2000" dirty="0">
+                          <a:solidFill>
+                            <a:schemeClr val="accent6">
+                              <a:lumMod val="75000"/>
+                            </a:schemeClr>
+                          </a:solidFill>
+                          <a:latin typeface="Arial" panose="020B0604020202020204" pitchFamily="34" charset="0"/>
+                          <a:cs typeface="Arial" panose="020B0604020202020204" pitchFamily="34" charset="0"/>
+                        </a:rPr>
+                        <a:t>20</a:t>
+                      </a:r>
+                    </a:p>
+                    <a:p>
+                      <a:endParaRPr lang="pt-BR" sz="2000" dirty="0">
+                        <a:latin typeface="Arial" panose="020B0604020202020204" pitchFamily="34" charset="0"/>
+                        <a:cs typeface="Arial" panose="020B0604020202020204" pitchFamily="34" charset="0"/>
+                      </a:endParaRPr>
+                    </a:p>
+                    <a:p>
+                      <a:pPr marL="0" indent="0">
+                        <a:buNone/>
+                      </a:pPr>
+                      <a:r>
+                        <a:rPr lang="pt-BR" sz="2000" dirty="0" err="1">
+                          <a:solidFill>
+                            <a:srgbClr val="CE6D0C"/>
+                          </a:solidFill>
+                          <a:latin typeface="Arial" panose="020B0604020202020204" pitchFamily="34" charset="0"/>
+                          <a:cs typeface="Arial" panose="020B0604020202020204" pitchFamily="34" charset="0"/>
+                        </a:rPr>
+                        <a:t>def</a:t>
+                      </a:r>
+                      <a:r>
+                        <a:rPr lang="pt-BR" sz="2000" dirty="0">
+                          <a:latin typeface="Arial" panose="020B0604020202020204" pitchFamily="34" charset="0"/>
+                          <a:cs typeface="Arial" panose="020B0604020202020204" pitchFamily="34" charset="0"/>
+                        </a:rPr>
+                        <a:t> </a:t>
+                      </a:r>
+                      <a:r>
+                        <a:rPr lang="pt-BR" sz="2000" dirty="0" err="1">
+                          <a:solidFill>
+                            <a:schemeClr val="accent2"/>
+                          </a:solidFill>
+                          <a:latin typeface="Arial" panose="020B0604020202020204" pitchFamily="34" charset="0"/>
+                          <a:cs typeface="Arial" panose="020B0604020202020204" pitchFamily="34" charset="0"/>
+                        </a:rPr>
+                        <a:t>ExemploFuncao</a:t>
+                      </a:r>
+                      <a:r>
+                        <a:rPr lang="pt-BR" sz="2000" dirty="0">
+                          <a:latin typeface="Arial" panose="020B0604020202020204" pitchFamily="34" charset="0"/>
+                          <a:cs typeface="Arial" panose="020B0604020202020204" pitchFamily="34" charset="0"/>
+                        </a:rPr>
+                        <a:t>():</a:t>
+                      </a:r>
+                    </a:p>
+                    <a:p>
+                      <a:pPr marL="0" indent="0">
+                        <a:buNone/>
+                        <a:tabLst>
+                          <a:tab pos="360363" algn="l"/>
+                        </a:tabLst>
+                      </a:pPr>
+                      <a:r>
+                        <a:rPr lang="pt-BR" sz="2000" dirty="0"/>
+                        <a:t>	</a:t>
+                      </a:r>
+                      <a:r>
+                        <a:rPr lang="pt-BR" sz="2000" dirty="0">
+                          <a:latin typeface="Arial" panose="020B0604020202020204" pitchFamily="34" charset="0"/>
+                          <a:cs typeface="Arial" panose="020B0604020202020204" pitchFamily="34" charset="0"/>
+                        </a:rPr>
+                        <a:t>x = </a:t>
+                      </a:r>
+                      <a:r>
+                        <a:rPr lang="pt-BR" sz="2000" dirty="0">
+                          <a:solidFill>
+                            <a:schemeClr val="accent6">
+                              <a:lumMod val="75000"/>
+                            </a:schemeClr>
+                          </a:solidFill>
+                          <a:latin typeface="Arial" panose="020B0604020202020204" pitchFamily="34" charset="0"/>
+                          <a:cs typeface="Arial" panose="020B0604020202020204" pitchFamily="34" charset="0"/>
+                        </a:rPr>
+                        <a:t>10</a:t>
+                      </a:r>
+                    </a:p>
+                    <a:p>
+                      <a:pPr marL="0" indent="0">
+                        <a:buNone/>
+                        <a:tabLst>
+                          <a:tab pos="360363" algn="l"/>
+                        </a:tabLst>
+                      </a:pPr>
+                      <a:r>
+                        <a:rPr lang="pt-BR" sz="2000" dirty="0"/>
+                        <a:t>	</a:t>
+                      </a:r>
+                      <a:r>
+                        <a:rPr lang="pt-BR" sz="2000" dirty="0">
+                          <a:latin typeface="Arial" panose="020B0604020202020204" pitchFamily="34" charset="0"/>
+                          <a:cs typeface="Arial" panose="020B0604020202020204" pitchFamily="34" charset="0"/>
+                        </a:rPr>
+                        <a:t>x *= </a:t>
+                      </a:r>
+                      <a:r>
+                        <a:rPr lang="pt-BR" sz="2000" dirty="0">
+                          <a:solidFill>
+                            <a:schemeClr val="accent6">
+                              <a:lumMod val="75000"/>
+                            </a:schemeClr>
+                          </a:solidFill>
+                          <a:latin typeface="Arial" panose="020B0604020202020204" pitchFamily="34" charset="0"/>
+                          <a:cs typeface="Arial" panose="020B0604020202020204" pitchFamily="34" charset="0"/>
+                        </a:rPr>
+                        <a:t>3</a:t>
+                      </a:r>
+                    </a:p>
+                    <a:p>
+                      <a:pPr marL="0" indent="0">
+                        <a:buNone/>
+                        <a:tabLst>
+                          <a:tab pos="360363" algn="l"/>
+                        </a:tabLst>
+                      </a:pPr>
+                      <a:r>
+                        <a:rPr lang="pt-BR" sz="2000" dirty="0"/>
+                        <a:t>	</a:t>
+                      </a:r>
+                      <a:r>
+                        <a:rPr lang="pt-BR" sz="2000" dirty="0" err="1">
+                          <a:solidFill>
+                            <a:srgbClr val="CE6D0C"/>
+                          </a:solidFill>
+                          <a:latin typeface="Arial" panose="020B0604020202020204" pitchFamily="34" charset="0"/>
+                          <a:cs typeface="Arial" panose="020B0604020202020204" pitchFamily="34" charset="0"/>
+                        </a:rPr>
+                        <a:t>return</a:t>
+                      </a:r>
+                      <a:r>
+                        <a:rPr lang="pt-BR" sz="2000" dirty="0">
+                          <a:latin typeface="Arial" panose="020B0604020202020204" pitchFamily="34" charset="0"/>
+                          <a:cs typeface="Arial" panose="020B0604020202020204" pitchFamily="34" charset="0"/>
+                        </a:rPr>
+                        <a:t> x</a:t>
+                      </a:r>
+                    </a:p>
+                    <a:p>
+                      <a:pPr marL="0" indent="0">
+                        <a:buNone/>
+                      </a:pPr>
+                      <a:r>
+                        <a:rPr lang="pt-BR" sz="2000" dirty="0" err="1">
+                          <a:latin typeface="Arial" panose="020B0604020202020204" pitchFamily="34" charset="0"/>
+                          <a:cs typeface="Arial" panose="020B0604020202020204" pitchFamily="34" charset="0"/>
+                        </a:rPr>
+                        <a:t>ExemploFuncao</a:t>
+                      </a:r>
+                      <a:r>
+                        <a:rPr lang="pt-BR" sz="2000" dirty="0">
+                          <a:latin typeface="Arial" panose="020B0604020202020204" pitchFamily="34" charset="0"/>
+                          <a:cs typeface="Arial" panose="020B0604020202020204" pitchFamily="34" charset="0"/>
+                        </a:rPr>
+                        <a:t>()</a:t>
+                      </a:r>
+                    </a:p>
+                    <a:p>
+                      <a:pPr marL="0" indent="0">
+                        <a:buNone/>
+                      </a:pPr>
+                      <a:endParaRPr lang="pt-BR" sz="2000" dirty="0">
+                        <a:latin typeface="Arial" panose="020B0604020202020204" pitchFamily="34" charset="0"/>
+                        <a:cs typeface="Arial" panose="020B0604020202020204" pitchFamily="34" charset="0"/>
+                      </a:endParaRPr>
+                    </a:p>
+                    <a:p>
+                      <a:pPr marL="0" indent="0">
+                        <a:buNone/>
+                      </a:pPr>
+                      <a:r>
+                        <a:rPr lang="pt-BR" sz="2000" dirty="0">
+                          <a:solidFill>
+                            <a:schemeClr val="accent6">
+                              <a:lumMod val="75000"/>
+                            </a:schemeClr>
+                          </a:solidFill>
+                          <a:latin typeface="Arial" panose="020B0604020202020204" pitchFamily="34" charset="0"/>
+                          <a:cs typeface="Arial" panose="020B0604020202020204" pitchFamily="34" charset="0"/>
+                        </a:rPr>
+                        <a:t>print</a:t>
+                      </a:r>
+                      <a:r>
+                        <a:rPr lang="pt-BR" sz="2000" dirty="0">
+                          <a:latin typeface="Arial" panose="020B0604020202020204" pitchFamily="34" charset="0"/>
+                          <a:cs typeface="Arial" panose="020B0604020202020204" pitchFamily="34" charset="0"/>
+                        </a:rPr>
+                        <a:t>(x)</a:t>
+                      </a:r>
+                    </a:p>
+                    <a:p>
+                      <a:pPr marL="0" indent="0">
+                        <a:buNone/>
+                      </a:pPr>
+                      <a:endParaRPr lang="pt-BR" sz="2000" dirty="0">
+                        <a:latin typeface="Arial" panose="020B0604020202020204" pitchFamily="34" charset="0"/>
+                        <a:cs typeface="Arial" panose="020B0604020202020204" pitchFamily="34" charset="0"/>
+                      </a:endParaRPr>
+                    </a:p>
+                    <a:p>
+                      <a:pPr marL="0" indent="0">
+                        <a:buNone/>
+                      </a:pPr>
+                      <a:r>
+                        <a:rPr lang="pt-BR" sz="2000" dirty="0">
+                          <a:solidFill>
+                            <a:srgbClr val="C00000"/>
+                          </a:solidFill>
+                          <a:latin typeface="Arial" panose="020B0604020202020204" pitchFamily="34" charset="0"/>
+                          <a:cs typeface="Arial" panose="020B0604020202020204" pitchFamily="34" charset="0"/>
+                        </a:rPr>
+                        <a:t>Output:</a:t>
+                      </a:r>
+                    </a:p>
+                    <a:p>
+                      <a:pPr marL="0" indent="0">
+                        <a:buNone/>
+                      </a:pPr>
+                      <a:r>
+                        <a:rPr lang="pt-BR" sz="2000" dirty="0">
+                          <a:solidFill>
+                            <a:srgbClr val="C00000"/>
+                          </a:solidFill>
+                          <a:latin typeface="Arial" panose="020B0604020202020204" pitchFamily="34" charset="0"/>
+                          <a:cs typeface="Arial" panose="020B0604020202020204" pitchFamily="34" charset="0"/>
+                        </a:rPr>
+                        <a:t>&gt;&gt;&gt;</a:t>
+                      </a:r>
+                      <a:r>
+                        <a:rPr lang="pt-BR" sz="2000" dirty="0">
+                          <a:latin typeface="Arial" panose="020B0604020202020204" pitchFamily="34" charset="0"/>
+                          <a:cs typeface="Arial" panose="020B0604020202020204" pitchFamily="34" charset="0"/>
+                        </a:rPr>
+                        <a:t>  “???”</a:t>
+                      </a:r>
+                    </a:p>
+                    <a:p>
+                      <a:endParaRPr lang="pt-BR" dirty="0"/>
+                    </a:p>
+                  </a:txBody>
+                  <a:tcPr/>
+                </a:tc>
+                <a:extLst>
+                  <a:ext uri="{0D108BD9-81ED-4DB2-BD59-A6C34878D82A}">
+                    <a16:rowId xmlns:a16="http://schemas.microsoft.com/office/drawing/2014/main" val="3596085933"/>
+                  </a:ext>
+                </a:extLst>
+              </a:tr>
+            </a:tbl>
+          </a:graphicData>
+        </a:graphic>
+      </p:graphicFrame>
+    </p:spTree>
+    <p:extLst>
+      <p:ext uri="{BB962C8B-B14F-4D97-AF65-F5344CB8AC3E}">
+        <p14:creationId xmlns:p14="http://schemas.microsoft.com/office/powerpoint/2010/main" val="3051498906"/>
+      </p:ext>
+    </p:extLst>
+  </p:cSld>
+  <p:clrMapOvr>
+    <a:masterClrMapping/>
+  </p:clrMapOvr>
+</p:sld>
+</file>
+
+<file path=ppt/slides/slide12.xml><?xml version="1.0" encoding="utf-8"?>
+<p:sld xmlns:a="http://schemas.openxmlformats.org/drawingml/2006/main" xmlns:r="http://schemas.openxmlformats.org/officeDocument/2006/relationships" xmlns:p="http://schemas.openxmlformats.org/presentationml/2006/main">
+  <p:cSld>
+    <p:spTree>
+      <p:nvGrpSpPr>
+        <p:cNvPr id="1" name=""/>
+        <p:cNvGrpSpPr/>
+        <p:nvPr/>
+      </p:nvGrpSpPr>
+      <p:grpSpPr>
+        <a:xfrm>
+          <a:off x="0" y="0"/>
+          <a:ext cx="0" cy="0"/>
+          <a:chOff x="0" y="0"/>
+          <a:chExt cx="0" cy="0"/>
+        </a:xfrm>
+      </p:grpSpPr>
+      <p:sp>
+        <p:nvSpPr>
+          <p:cNvPr id="2" name="Espaço Reservado para Conteúdo 1">
+            <a:extLst>
+              <a:ext uri="{FF2B5EF4-FFF2-40B4-BE49-F238E27FC236}">
+                <a16:creationId xmlns:a16="http://schemas.microsoft.com/office/drawing/2014/main" id="{E0470E5D-2FEE-4A8F-858F-9AD8E9327BF5}"/>
+              </a:ext>
+            </a:extLst>
+          </p:cNvPr>
+          <p:cNvSpPr>
+            <a:spLocks noGrp="1"/>
+          </p:cNvSpPr>
+          <p:nvPr>
+            <p:ph idx="13"/>
+          </p:nvPr>
+        </p:nvSpPr>
+        <p:spPr>
+          <a:xfrm>
+            <a:off x="378822" y="351290"/>
+            <a:ext cx="10136777" cy="6506709"/>
+          </a:xfrm>
+        </p:spPr>
+        <p:txBody>
+          <a:bodyPr>
+            <a:normAutofit/>
+          </a:bodyPr>
+          <a:lstStyle/>
+          <a:p>
+            <a:pPr marL="0" indent="0">
+              <a:buNone/>
+            </a:pPr>
+            <a:r>
+              <a:rPr lang="pt-BR" dirty="0"/>
+              <a:t>E se eu fizer assim...</a:t>
+            </a:r>
+          </a:p>
+          <a:p>
+            <a:pPr marL="0" indent="0">
+              <a:buNone/>
+            </a:pPr>
+            <a:endParaRPr lang="pt-BR" dirty="0"/>
+          </a:p>
+          <a:p>
+            <a:pPr marL="0" indent="0">
+              <a:buNone/>
+            </a:pPr>
+            <a:endParaRPr lang="pt-BR" dirty="0"/>
+          </a:p>
+          <a:p>
+            <a:pPr marL="0" indent="0">
+              <a:buNone/>
+            </a:pPr>
+            <a:endParaRPr lang="pt-BR" dirty="0"/>
+          </a:p>
+          <a:p>
+            <a:pPr marL="0" indent="0">
+              <a:buNone/>
+            </a:pPr>
+            <a:endParaRPr lang="pt-BR" dirty="0"/>
+          </a:p>
+          <a:p>
+            <a:pPr marL="0" indent="0">
+              <a:buNone/>
+            </a:pPr>
+            <a:endParaRPr lang="pt-BR" dirty="0"/>
+          </a:p>
+          <a:p>
+            <a:pPr marL="0" indent="0">
+              <a:buNone/>
+            </a:pPr>
+            <a:endParaRPr lang="pt-BR" dirty="0"/>
+          </a:p>
+          <a:p>
+            <a:pPr marL="0" indent="0">
+              <a:buNone/>
+            </a:pPr>
+            <a:endParaRPr lang="pt-BR" dirty="0"/>
+          </a:p>
+          <a:p>
+            <a:pPr marL="0" indent="0">
+              <a:buNone/>
+            </a:pPr>
+            <a:endParaRPr lang="pt-BR" dirty="0"/>
+          </a:p>
+          <a:p>
+            <a:pPr marL="0" indent="0">
+              <a:buNone/>
+            </a:pPr>
+            <a:endParaRPr lang="pt-BR" dirty="0"/>
+          </a:p>
+          <a:p>
+            <a:pPr marL="0" indent="0">
+              <a:buNone/>
+            </a:pPr>
+            <a:r>
+              <a:rPr lang="pt-BR" dirty="0"/>
+              <a:t>E agora?</a:t>
+            </a:r>
+          </a:p>
+          <a:p>
+            <a:pPr marL="0" indent="0">
+              <a:buNone/>
+            </a:pPr>
+            <a:r>
+              <a:rPr lang="pt-BR" sz="2000" strike="sngStrike" dirty="0"/>
+              <a:t>Tio nadalete ainda não ensinou isso</a:t>
+            </a:r>
+          </a:p>
+        </p:txBody>
+      </p:sp>
+      <p:graphicFrame>
+        <p:nvGraphicFramePr>
+          <p:cNvPr id="3" name="Tabela 2">
+            <a:extLst>
+              <a:ext uri="{FF2B5EF4-FFF2-40B4-BE49-F238E27FC236}">
+                <a16:creationId xmlns:a16="http://schemas.microsoft.com/office/drawing/2014/main" id="{66581141-BA75-4292-9C16-D3F8E45D6D4D}"/>
+              </a:ext>
+            </a:extLst>
+          </p:cNvPr>
+          <p:cNvGraphicFramePr>
+            <a:graphicFrameLocks noGrp="1"/>
+          </p:cNvGraphicFramePr>
+          <p:nvPr>
+            <p:extLst>
+              <p:ext uri="{D42A27DB-BD31-4B8C-83A1-F6EECF244321}">
+                <p14:modId xmlns:p14="http://schemas.microsoft.com/office/powerpoint/2010/main" val="3042133043"/>
+              </p:ext>
+            </p:extLst>
+          </p:nvPr>
+        </p:nvGraphicFramePr>
+        <p:xfrm>
+          <a:off x="378822" y="1199351"/>
+          <a:ext cx="9484706" cy="4053840"/>
+        </p:xfrm>
+        <a:graphic>
+          <a:graphicData uri="http://schemas.openxmlformats.org/drawingml/2006/table">
+            <a:tbl>
+              <a:tblPr firstRow="1" bandRow="1">
+                <a:tableStyleId>{16D9F66E-5EB9-4882-86FB-DCBF35E3C3E4}</a:tableStyleId>
+              </a:tblPr>
+              <a:tblGrid>
+                <a:gridCol w="9484706">
+                  <a:extLst>
+                    <a:ext uri="{9D8B030D-6E8A-4147-A177-3AD203B41FA5}">
+                      <a16:colId xmlns:a16="http://schemas.microsoft.com/office/drawing/2014/main" val="1592645588"/>
+                    </a:ext>
+                  </a:extLst>
+                </a:gridCol>
+              </a:tblGrid>
+              <a:tr h="370840">
+                <a:tc>
+                  <a:txBody>
+                    <a:bodyPr/>
+                    <a:lstStyle/>
+                    <a:p>
+                      <a:pPr marL="0" indent="0">
+                        <a:buNone/>
+                      </a:pPr>
+                      <a:r>
+                        <a:rPr lang="pt-BR" sz="2000" b="1" dirty="0">
+                          <a:latin typeface="Arial" panose="020B0604020202020204" pitchFamily="34" charset="0"/>
+                          <a:cs typeface="Arial" panose="020B0604020202020204" pitchFamily="34" charset="0"/>
+                        </a:rPr>
+                        <a:t>x = </a:t>
+                      </a:r>
+                      <a:r>
+                        <a:rPr lang="pt-BR" sz="2000" b="1" dirty="0">
+                          <a:solidFill>
+                            <a:schemeClr val="accent6">
+                              <a:lumMod val="75000"/>
+                            </a:schemeClr>
+                          </a:solidFill>
+                          <a:latin typeface="Arial" panose="020B0604020202020204" pitchFamily="34" charset="0"/>
+                          <a:cs typeface="Arial" panose="020B0604020202020204" pitchFamily="34" charset="0"/>
+                        </a:rPr>
+                        <a:t>20</a:t>
+                      </a:r>
+                    </a:p>
+                    <a:p>
+                      <a:endParaRPr lang="pt-BR" sz="2000" b="1" dirty="0">
+                        <a:latin typeface="Arial" panose="020B0604020202020204" pitchFamily="34" charset="0"/>
+                        <a:cs typeface="Arial" panose="020B0604020202020204" pitchFamily="34" charset="0"/>
+                      </a:endParaRPr>
+                    </a:p>
+                    <a:p>
+                      <a:pPr marL="0" indent="0">
+                        <a:buNone/>
+                      </a:pPr>
+                      <a:r>
+                        <a:rPr lang="pt-BR" sz="2000" b="1" dirty="0" err="1">
+                          <a:solidFill>
+                            <a:srgbClr val="CE6D0C"/>
+                          </a:solidFill>
+                          <a:latin typeface="Arial" panose="020B0604020202020204" pitchFamily="34" charset="0"/>
+                          <a:cs typeface="Arial" panose="020B0604020202020204" pitchFamily="34" charset="0"/>
+                        </a:rPr>
+                        <a:t>def</a:t>
+                      </a:r>
+                      <a:r>
+                        <a:rPr lang="pt-BR" sz="2000" b="1" dirty="0">
+                          <a:latin typeface="Arial" panose="020B0604020202020204" pitchFamily="34" charset="0"/>
+                          <a:cs typeface="Arial" panose="020B0604020202020204" pitchFamily="34" charset="0"/>
+                        </a:rPr>
+                        <a:t> </a:t>
+                      </a:r>
+                      <a:r>
+                        <a:rPr lang="pt-BR" sz="2000" b="1" dirty="0" err="1">
+                          <a:solidFill>
+                            <a:schemeClr val="accent2"/>
+                          </a:solidFill>
+                          <a:latin typeface="Arial" panose="020B0604020202020204" pitchFamily="34" charset="0"/>
+                          <a:cs typeface="Arial" panose="020B0604020202020204" pitchFamily="34" charset="0"/>
+                        </a:rPr>
+                        <a:t>ExemploFuncao</a:t>
+                      </a:r>
+                      <a:r>
+                        <a:rPr lang="pt-BR" sz="2000" b="1" dirty="0">
+                          <a:latin typeface="Arial" panose="020B0604020202020204" pitchFamily="34" charset="0"/>
+                          <a:cs typeface="Arial" panose="020B0604020202020204" pitchFamily="34" charset="0"/>
+                        </a:rPr>
+                        <a:t>():</a:t>
+                      </a:r>
+                    </a:p>
+                    <a:p>
+                      <a:pPr marL="0" indent="0">
+                        <a:buNone/>
+                      </a:pPr>
+                      <a:r>
+                        <a:rPr lang="pt-BR" sz="2000" b="1" dirty="0">
+                          <a:latin typeface="Arial" panose="020B0604020202020204" pitchFamily="34" charset="0"/>
+                          <a:cs typeface="Arial" panose="020B0604020202020204" pitchFamily="34" charset="0"/>
+                        </a:rPr>
+                        <a:t>    </a:t>
+                      </a:r>
+                      <a:r>
+                        <a:rPr lang="pt-BR" sz="2000" b="1" dirty="0">
+                          <a:solidFill>
+                            <a:srgbClr val="CE6D0C"/>
+                          </a:solidFill>
+                          <a:latin typeface="Arial" panose="020B0604020202020204" pitchFamily="34" charset="0"/>
+                          <a:cs typeface="Arial" panose="020B0604020202020204" pitchFamily="34" charset="0"/>
+                        </a:rPr>
+                        <a:t>global</a:t>
+                      </a:r>
+                      <a:r>
+                        <a:rPr lang="pt-BR" sz="2000" b="1" dirty="0">
+                          <a:latin typeface="Arial" panose="020B0604020202020204" pitchFamily="34" charset="0"/>
+                          <a:cs typeface="Arial" panose="020B0604020202020204" pitchFamily="34" charset="0"/>
+                        </a:rPr>
+                        <a:t> x</a:t>
+                      </a:r>
+                    </a:p>
+                    <a:p>
+                      <a:pPr marL="0" indent="0">
+                        <a:buNone/>
+                      </a:pPr>
+                      <a:r>
+                        <a:rPr lang="pt-BR" sz="2000" b="1" dirty="0">
+                          <a:latin typeface="Arial" panose="020B0604020202020204" pitchFamily="34" charset="0"/>
+                          <a:cs typeface="Arial" panose="020B0604020202020204" pitchFamily="34" charset="0"/>
+                        </a:rPr>
+                        <a:t>    x = </a:t>
+                      </a:r>
+                      <a:r>
+                        <a:rPr lang="pt-BR" sz="2000" b="1" dirty="0">
+                          <a:solidFill>
+                            <a:schemeClr val="accent6">
+                              <a:lumMod val="75000"/>
+                            </a:schemeClr>
+                          </a:solidFill>
+                          <a:latin typeface="Arial" panose="020B0604020202020204" pitchFamily="34" charset="0"/>
+                          <a:cs typeface="Arial" panose="020B0604020202020204" pitchFamily="34" charset="0"/>
+                        </a:rPr>
+                        <a:t>10</a:t>
+                      </a:r>
+                    </a:p>
+                    <a:p>
+                      <a:pPr marL="0" indent="0">
+                        <a:buNone/>
+                      </a:pPr>
+                      <a:r>
+                        <a:rPr lang="pt-BR" sz="2000" b="1" dirty="0">
+                          <a:latin typeface="Arial" panose="020B0604020202020204" pitchFamily="34" charset="0"/>
+                          <a:cs typeface="Arial" panose="020B0604020202020204" pitchFamily="34" charset="0"/>
+                        </a:rPr>
+                        <a:t>    x *= </a:t>
+                      </a:r>
+                      <a:r>
+                        <a:rPr lang="pt-BR" sz="2000" b="1" dirty="0">
+                          <a:solidFill>
+                            <a:schemeClr val="accent6">
+                              <a:lumMod val="75000"/>
+                            </a:schemeClr>
+                          </a:solidFill>
+                          <a:latin typeface="Arial" panose="020B0604020202020204" pitchFamily="34" charset="0"/>
+                          <a:cs typeface="Arial" panose="020B0604020202020204" pitchFamily="34" charset="0"/>
+                        </a:rPr>
+                        <a:t>3</a:t>
+                      </a:r>
+                    </a:p>
+                    <a:p>
+                      <a:pPr marL="0" indent="0">
+                        <a:buNone/>
+                      </a:pPr>
+                      <a:r>
+                        <a:rPr lang="pt-BR" sz="2000" b="1" dirty="0">
+                          <a:latin typeface="Arial" panose="020B0604020202020204" pitchFamily="34" charset="0"/>
+                          <a:cs typeface="Arial" panose="020B0604020202020204" pitchFamily="34" charset="0"/>
+                        </a:rPr>
+                        <a:t>    </a:t>
+                      </a:r>
+                      <a:r>
+                        <a:rPr lang="pt-BR" sz="2000" b="1" dirty="0" err="1">
+                          <a:solidFill>
+                            <a:srgbClr val="CE6D0C"/>
+                          </a:solidFill>
+                          <a:latin typeface="Arial" panose="020B0604020202020204" pitchFamily="34" charset="0"/>
+                          <a:cs typeface="Arial" panose="020B0604020202020204" pitchFamily="34" charset="0"/>
+                        </a:rPr>
+                        <a:t>return</a:t>
+                      </a:r>
+                      <a:r>
+                        <a:rPr lang="pt-BR" sz="2000" b="1" dirty="0">
+                          <a:latin typeface="Arial" panose="020B0604020202020204" pitchFamily="34" charset="0"/>
+                          <a:cs typeface="Arial" panose="020B0604020202020204" pitchFamily="34" charset="0"/>
+                        </a:rPr>
+                        <a:t> x</a:t>
+                      </a:r>
+                    </a:p>
+                    <a:p>
+                      <a:pPr marL="0" indent="0">
+                        <a:buNone/>
+                      </a:pPr>
+                      <a:r>
+                        <a:rPr lang="pt-BR" sz="2000" dirty="0" err="1">
+                          <a:latin typeface="Arial" panose="020B0604020202020204" pitchFamily="34" charset="0"/>
+                          <a:cs typeface="Arial" panose="020B0604020202020204" pitchFamily="34" charset="0"/>
+                        </a:rPr>
+                        <a:t>ExemploFuncao</a:t>
+                      </a:r>
+                      <a:r>
+                        <a:rPr lang="pt-BR" sz="2000" dirty="0">
+                          <a:latin typeface="Arial" panose="020B0604020202020204" pitchFamily="34" charset="0"/>
+                          <a:cs typeface="Arial" panose="020B0604020202020204" pitchFamily="34" charset="0"/>
+                        </a:rPr>
+                        <a:t>()</a:t>
+                      </a:r>
+                    </a:p>
+                    <a:p>
+                      <a:pPr marL="0" indent="0">
+                        <a:buNone/>
+                      </a:pPr>
+                      <a:endParaRPr lang="pt-BR" sz="2000" b="1" dirty="0">
+                        <a:latin typeface="Arial" panose="020B0604020202020204" pitchFamily="34" charset="0"/>
+                        <a:cs typeface="Arial" panose="020B0604020202020204" pitchFamily="34" charset="0"/>
+                      </a:endParaRPr>
+                    </a:p>
+                    <a:p>
+                      <a:pPr marL="0" indent="0">
+                        <a:buNone/>
+                      </a:pPr>
+                      <a:r>
+                        <a:rPr lang="pt-BR" sz="2000" b="1" dirty="0">
+                          <a:solidFill>
+                            <a:schemeClr val="accent6">
+                              <a:lumMod val="75000"/>
+                            </a:schemeClr>
+                          </a:solidFill>
+                          <a:latin typeface="Arial" panose="020B0604020202020204" pitchFamily="34" charset="0"/>
+                          <a:cs typeface="Arial" panose="020B0604020202020204" pitchFamily="34" charset="0"/>
+                        </a:rPr>
+                        <a:t>print</a:t>
+                      </a:r>
+                      <a:r>
+                        <a:rPr lang="pt-BR" sz="2000" b="1" dirty="0">
+                          <a:latin typeface="Arial" panose="020B0604020202020204" pitchFamily="34" charset="0"/>
+                          <a:cs typeface="Arial" panose="020B0604020202020204" pitchFamily="34" charset="0"/>
+                        </a:rPr>
+                        <a:t>(x)</a:t>
+                      </a:r>
+                    </a:p>
+                    <a:p>
+                      <a:pPr marL="0" indent="0">
+                        <a:buNone/>
+                      </a:pPr>
+                      <a:endParaRPr lang="pt-BR" sz="2000" b="1" dirty="0">
+                        <a:latin typeface="Arial" panose="020B0604020202020204" pitchFamily="34" charset="0"/>
+                        <a:cs typeface="Arial" panose="020B0604020202020204" pitchFamily="34" charset="0"/>
+                      </a:endParaRPr>
+                    </a:p>
+                    <a:p>
+                      <a:pPr marL="0" indent="0">
+                        <a:buNone/>
+                      </a:pPr>
+                      <a:r>
+                        <a:rPr lang="pt-BR" sz="2000" b="1" dirty="0">
+                          <a:solidFill>
+                            <a:srgbClr val="C00000"/>
+                          </a:solidFill>
+                          <a:latin typeface="Arial" panose="020B0604020202020204" pitchFamily="34" charset="0"/>
+                          <a:cs typeface="Arial" panose="020B0604020202020204" pitchFamily="34" charset="0"/>
+                        </a:rPr>
+                        <a:t>Output:</a:t>
+                      </a:r>
+                    </a:p>
+                    <a:p>
+                      <a:pPr marL="0" indent="0">
+                        <a:buNone/>
+                      </a:pPr>
+                      <a:r>
+                        <a:rPr lang="pt-BR" sz="2000" b="1" dirty="0">
+                          <a:solidFill>
+                            <a:srgbClr val="C00000"/>
+                          </a:solidFill>
+                          <a:latin typeface="Arial" panose="020B0604020202020204" pitchFamily="34" charset="0"/>
+                          <a:cs typeface="Arial" panose="020B0604020202020204" pitchFamily="34" charset="0"/>
+                        </a:rPr>
+                        <a:t>&gt;&gt;&gt;</a:t>
+                      </a:r>
+                      <a:r>
+                        <a:rPr lang="pt-BR" sz="2000" b="1" dirty="0">
+                          <a:solidFill>
+                            <a:schemeClr val="tx1"/>
+                          </a:solidFill>
+                          <a:latin typeface="Arial" panose="020B0604020202020204" pitchFamily="34" charset="0"/>
+                          <a:cs typeface="Arial" panose="020B0604020202020204" pitchFamily="34" charset="0"/>
+                        </a:rPr>
+                        <a:t> ‘???’</a:t>
+                      </a:r>
+                      <a:endParaRPr lang="pt-BR" dirty="0"/>
+                    </a:p>
+                  </a:txBody>
+                  <a:tcPr/>
+                </a:tc>
+                <a:extLst>
+                  <a:ext uri="{0D108BD9-81ED-4DB2-BD59-A6C34878D82A}">
+                    <a16:rowId xmlns:a16="http://schemas.microsoft.com/office/drawing/2014/main" val="3423284050"/>
+                  </a:ext>
+                </a:extLst>
+              </a:tr>
+            </a:tbl>
+          </a:graphicData>
+        </a:graphic>
+      </p:graphicFrame>
+    </p:spTree>
+    <p:extLst>
+      <p:ext uri="{BB962C8B-B14F-4D97-AF65-F5344CB8AC3E}">
+        <p14:creationId xmlns:p14="http://schemas.microsoft.com/office/powerpoint/2010/main" val="2207885807"/>
+      </p:ext>
+    </p:extLst>
+  </p:cSld>
+  <p:clrMapOvr>
+    <a:masterClrMapping/>
+  </p:clrMapOvr>
+</p:sld>
+</file>
+
+<file path=ppt/slides/slide13.xml><?xml version="1.0" encoding="utf-8"?>
+<p:sld xmlns:a="http://schemas.openxmlformats.org/drawingml/2006/main" xmlns:r="http://schemas.openxmlformats.org/officeDocument/2006/relationships" xmlns:p="http://schemas.openxmlformats.org/presentationml/2006/main">
+  <p:cSld>
+    <p:spTree>
+      <p:nvGrpSpPr>
+        <p:cNvPr id="1" name=""/>
+        <p:cNvGrpSpPr/>
+        <p:nvPr/>
+      </p:nvGrpSpPr>
+      <p:grpSpPr>
+        <a:xfrm>
+          <a:off x="0" y="0"/>
+          <a:ext cx="0" cy="0"/>
+          <a:chOff x="0" y="0"/>
+          <a:chExt cx="0" cy="0"/>
+        </a:xfrm>
+      </p:grpSpPr>
+      <p:sp>
+        <p:nvSpPr>
+          <p:cNvPr id="2" name="Título 1">
+            <a:extLst>
+              <a:ext uri="{FF2B5EF4-FFF2-40B4-BE49-F238E27FC236}">
+                <a16:creationId xmlns:a16="http://schemas.microsoft.com/office/drawing/2014/main" id="{78442A39-D0DC-4364-8A01-3561D23D1CCF}"/>
+              </a:ext>
+            </a:extLst>
+          </p:cNvPr>
+          <p:cNvSpPr>
+            <a:spLocks noGrp="1"/>
+          </p:cNvSpPr>
+          <p:nvPr>
+            <p:ph type="title"/>
+          </p:nvPr>
+        </p:nvSpPr>
+        <p:spPr/>
+        <p:txBody>
+          <a:bodyPr/>
+          <a:lstStyle/>
+          <a:p>
+            <a:r>
+              <a:rPr lang="pt-BR" dirty="0"/>
+              <a:t>Dicionário</a:t>
+            </a:r>
+          </a:p>
+        </p:txBody>
+      </p:sp>
+      <p:sp>
+        <p:nvSpPr>
+          <p:cNvPr id="3" name="Espaço Reservado para Conteúdo 2">
+            <a:extLst>
+              <a:ext uri="{FF2B5EF4-FFF2-40B4-BE49-F238E27FC236}">
+                <a16:creationId xmlns:a16="http://schemas.microsoft.com/office/drawing/2014/main" id="{F860EE1F-973D-47A2-A663-0D3205A0E524}"/>
+              </a:ext>
+            </a:extLst>
+          </p:cNvPr>
+          <p:cNvSpPr>
+            <a:spLocks noGrp="1"/>
+          </p:cNvSpPr>
+          <p:nvPr>
+            <p:ph idx="1"/>
+          </p:nvPr>
+        </p:nvSpPr>
+        <p:spPr/>
+        <p:txBody>
+          <a:bodyPr/>
+          <a:lstStyle/>
+          <a:p>
+            <a:pPr marL="0" indent="0">
+              <a:buNone/>
+            </a:pPr>
+            <a:r>
+              <a:rPr lang="pt-BR" dirty="0"/>
+              <a:t>Podemos entender o dicionário como uma lista, onde ao invés de ter um índice fixo, nós a escolhemos.</a:t>
+            </a:r>
+          </a:p>
+          <a:p>
+            <a:pPr marL="0" indent="0">
+              <a:buNone/>
+            </a:pPr>
+            <a:r>
+              <a:rPr lang="pt-BR" dirty="0"/>
+              <a:t>Em uma lista, para acessarmos um determinado elemento, utilizamos os numeros de 0 a N.</a:t>
+            </a:r>
+          </a:p>
+          <a:p>
+            <a:pPr marL="0" indent="0">
+              <a:buNone/>
+            </a:pPr>
+            <a:r>
+              <a:rPr lang="pt-BR" dirty="0"/>
+              <a:t>Já em um dicionário, nós decidimos como iremos acessar seus elementos.</a:t>
+            </a:r>
+          </a:p>
+        </p:txBody>
+      </p:sp>
+    </p:spTree>
+    <p:extLst>
+      <p:ext uri="{BB962C8B-B14F-4D97-AF65-F5344CB8AC3E}">
+        <p14:creationId xmlns:p14="http://schemas.microsoft.com/office/powerpoint/2010/main" val="1700941263"/>
+      </p:ext>
+    </p:extLst>
+  </p:cSld>
+  <p:clrMapOvr>
+    <a:masterClrMapping/>
+  </p:clrMapOvr>
+</p:sld>
+</file>
+
+<file path=ppt/slides/slide14.xml><?xml version="1.0" encoding="utf-8"?>
+<p:sld xmlns:a="http://schemas.openxmlformats.org/drawingml/2006/main" xmlns:r="http://schemas.openxmlformats.org/officeDocument/2006/relationships" xmlns:p="http://schemas.openxmlformats.org/presentationml/2006/main">
+  <p:cSld>
+    <p:spTree>
+      <p:nvGrpSpPr>
+        <p:cNvPr id="1" name=""/>
+        <p:cNvGrpSpPr/>
+        <p:nvPr/>
+      </p:nvGrpSpPr>
+      <p:grpSpPr>
+        <a:xfrm>
+          <a:off x="0" y="0"/>
+          <a:ext cx="0" cy="0"/>
+          <a:chOff x="0" y="0"/>
+          <a:chExt cx="0" cy="0"/>
+        </a:xfrm>
+      </p:grpSpPr>
+      <p:sp>
+        <p:nvSpPr>
+          <p:cNvPr id="2" name="Espaço Reservado para Conteúdo 1">
+            <a:extLst>
+              <a:ext uri="{FF2B5EF4-FFF2-40B4-BE49-F238E27FC236}">
+                <a16:creationId xmlns:a16="http://schemas.microsoft.com/office/drawing/2014/main" id="{E2ECD60B-236E-467F-AF95-A2D506C3FDDB}"/>
+              </a:ext>
+            </a:extLst>
+          </p:cNvPr>
+          <p:cNvSpPr>
+            <a:spLocks noGrp="1"/>
+          </p:cNvSpPr>
+          <p:nvPr>
+            <p:ph idx="13"/>
+          </p:nvPr>
+        </p:nvSpPr>
+        <p:spPr/>
+        <p:txBody>
+          <a:bodyPr/>
+          <a:lstStyle/>
+          <a:p>
+            <a:pPr marL="0" indent="0">
+              <a:buNone/>
+            </a:pPr>
+            <a:r>
+              <a:rPr lang="pt-BR" dirty="0"/>
+              <a:t>Por exemplo:</a:t>
+            </a:r>
+          </a:p>
+          <a:p>
+            <a:pPr marL="0" indent="0">
+              <a:buNone/>
+            </a:pPr>
+            <a:endParaRPr lang="pt-BR" dirty="0"/>
+          </a:p>
+          <a:p>
+            <a:pPr marL="0" indent="0">
+              <a:buNone/>
+            </a:pPr>
+            <a:endParaRPr lang="pt-BR" dirty="0"/>
+          </a:p>
+          <a:p>
+            <a:pPr marL="0" indent="0">
+              <a:buNone/>
+            </a:pPr>
+            <a:endParaRPr lang="pt-BR" dirty="0"/>
+          </a:p>
+          <a:p>
+            <a:pPr marL="0" indent="0">
+              <a:buNone/>
+            </a:pPr>
+            <a:endParaRPr lang="pt-BR" dirty="0"/>
+          </a:p>
+          <a:p>
+            <a:pPr marL="0" indent="0">
+              <a:buNone/>
+            </a:pPr>
+            <a:endParaRPr lang="pt-BR" dirty="0"/>
+          </a:p>
+          <a:p>
+            <a:pPr marL="0" indent="0">
+              <a:buNone/>
+            </a:pPr>
+            <a:r>
+              <a:rPr lang="pt-BR" dirty="0"/>
+              <a:t>E podemos fazer o contrario tambem:</a:t>
+            </a:r>
+          </a:p>
+        </p:txBody>
+      </p:sp>
+      <p:graphicFrame>
+        <p:nvGraphicFramePr>
+          <p:cNvPr id="3" name="Tabela 2">
+            <a:extLst>
+              <a:ext uri="{FF2B5EF4-FFF2-40B4-BE49-F238E27FC236}">
+                <a16:creationId xmlns:a16="http://schemas.microsoft.com/office/drawing/2014/main" id="{DA9E3313-6670-47A6-B9D9-0AAE9B45B4B3}"/>
+              </a:ext>
+            </a:extLst>
+          </p:cNvPr>
+          <p:cNvGraphicFramePr>
+            <a:graphicFrameLocks noGrp="1"/>
+          </p:cNvGraphicFramePr>
+          <p:nvPr>
+            <p:extLst>
+              <p:ext uri="{D42A27DB-BD31-4B8C-83A1-F6EECF244321}">
+                <p14:modId xmlns:p14="http://schemas.microsoft.com/office/powerpoint/2010/main" val="2189366680"/>
+              </p:ext>
+            </p:extLst>
+          </p:nvPr>
+        </p:nvGraphicFramePr>
+        <p:xfrm>
+          <a:off x="378822" y="1050947"/>
+          <a:ext cx="9364785" cy="1920240"/>
+        </p:xfrm>
+        <a:graphic>
+          <a:graphicData uri="http://schemas.openxmlformats.org/drawingml/2006/table">
+            <a:tbl>
+              <a:tblPr firstRow="1" bandRow="1">
+                <a:tableStyleId>{16D9F66E-5EB9-4882-86FB-DCBF35E3C3E4}</a:tableStyleId>
+              </a:tblPr>
+              <a:tblGrid>
+                <a:gridCol w="9364785">
+                  <a:extLst>
+                    <a:ext uri="{9D8B030D-6E8A-4147-A177-3AD203B41FA5}">
+                      <a16:colId xmlns:a16="http://schemas.microsoft.com/office/drawing/2014/main" val="653730010"/>
+                    </a:ext>
+                  </a:extLst>
+                </a:gridCol>
+              </a:tblGrid>
+              <a:tr h="1543987">
+                <a:tc>
+                  <a:txBody>
+                    <a:bodyPr/>
+                    <a:lstStyle/>
+                    <a:p>
+                      <a:pPr marL="0" marR="0" lvl="0" indent="0" algn="l" defTabSz="914400" rtl="0" eaLnBrk="1" fontAlgn="auto" latinLnBrk="0" hangingPunct="1">
+                        <a:lnSpc>
+                          <a:spcPct val="100000"/>
+                        </a:lnSpc>
+                        <a:spcBef>
+                          <a:spcPts val="0"/>
+                        </a:spcBef>
+                        <a:spcAft>
+                          <a:spcPts val="0"/>
+                        </a:spcAft>
+                        <a:buClrTx/>
+                        <a:buSzTx/>
+                        <a:buFontTx/>
+                        <a:buNone/>
+                        <a:tabLst/>
+                        <a:defRPr/>
+                      </a:pPr>
+                      <a:r>
+                        <a:rPr lang="pt-BR" sz="2000" b="1" dirty="0">
+                          <a:latin typeface="Arial" panose="020B0604020202020204" pitchFamily="34" charset="0"/>
+                          <a:cs typeface="Arial" panose="020B0604020202020204" pitchFamily="34" charset="0"/>
+                        </a:rPr>
+                        <a:t>dicionario = {</a:t>
+                      </a:r>
+                      <a:r>
+                        <a:rPr lang="pt-BR" sz="2000" b="1" dirty="0">
+                          <a:solidFill>
+                            <a:schemeClr val="accent6">
+                              <a:lumMod val="75000"/>
+                            </a:schemeClr>
+                          </a:solidFill>
+                          <a:latin typeface="Arial" panose="020B0604020202020204" pitchFamily="34" charset="0"/>
+                          <a:cs typeface="Arial" panose="020B0604020202020204" pitchFamily="34" charset="0"/>
+                        </a:rPr>
+                        <a:t>1</a:t>
+                      </a:r>
+                      <a:r>
+                        <a:rPr lang="pt-BR" sz="2000" b="1" dirty="0">
+                          <a:latin typeface="Arial" panose="020B0604020202020204" pitchFamily="34" charset="0"/>
+                          <a:cs typeface="Arial" panose="020B0604020202020204" pitchFamily="34" charset="0"/>
+                        </a:rPr>
+                        <a:t>: </a:t>
+                      </a:r>
+                      <a:r>
+                        <a:rPr lang="pt-BR" sz="2000" b="1" dirty="0">
+                          <a:solidFill>
+                            <a:srgbClr val="006600"/>
+                          </a:solidFill>
+                          <a:latin typeface="Arial" panose="020B0604020202020204" pitchFamily="34" charset="0"/>
+                          <a:cs typeface="Arial" panose="020B0604020202020204" pitchFamily="34" charset="0"/>
+                        </a:rPr>
+                        <a:t>'janeiro'</a:t>
+                      </a:r>
+                      <a:r>
+                        <a:rPr lang="pt-BR" sz="2000" b="1" dirty="0">
+                          <a:solidFill>
+                            <a:srgbClr val="CE6D0C"/>
+                          </a:solidFill>
+                          <a:latin typeface="Arial" panose="020B0604020202020204" pitchFamily="34" charset="0"/>
+                          <a:cs typeface="Arial" panose="020B0604020202020204" pitchFamily="34" charset="0"/>
+                        </a:rPr>
+                        <a:t>, </a:t>
+                      </a:r>
+                      <a:r>
+                        <a:rPr lang="pt-BR" sz="2000" b="1" dirty="0">
+                          <a:solidFill>
+                            <a:schemeClr val="accent6">
+                              <a:lumMod val="75000"/>
+                            </a:schemeClr>
+                          </a:solidFill>
+                          <a:latin typeface="Arial" panose="020B0604020202020204" pitchFamily="34" charset="0"/>
+                          <a:cs typeface="Arial" panose="020B0604020202020204" pitchFamily="34" charset="0"/>
+                        </a:rPr>
+                        <a:t>2</a:t>
+                      </a:r>
+                      <a:r>
+                        <a:rPr lang="pt-BR" sz="2000" b="1" dirty="0">
+                          <a:latin typeface="Arial" panose="020B0604020202020204" pitchFamily="34" charset="0"/>
+                          <a:cs typeface="Arial" panose="020B0604020202020204" pitchFamily="34" charset="0"/>
+                        </a:rPr>
+                        <a:t>: </a:t>
+                      </a:r>
+                      <a:r>
+                        <a:rPr lang="pt-BR" sz="2000" b="1" dirty="0">
+                          <a:solidFill>
+                            <a:srgbClr val="006600"/>
+                          </a:solidFill>
+                          <a:latin typeface="Arial" panose="020B0604020202020204" pitchFamily="34" charset="0"/>
+                          <a:cs typeface="Arial" panose="020B0604020202020204" pitchFamily="34" charset="0"/>
+                        </a:rPr>
+                        <a:t>'fevereiro'</a:t>
+                      </a:r>
+                      <a:r>
+                        <a:rPr lang="pt-BR" sz="2000" b="1" dirty="0">
+                          <a:solidFill>
+                            <a:srgbClr val="CE6D0C"/>
+                          </a:solidFill>
+                          <a:latin typeface="Arial" panose="020B0604020202020204" pitchFamily="34" charset="0"/>
+                          <a:cs typeface="Arial" panose="020B0604020202020204" pitchFamily="34" charset="0"/>
+                        </a:rPr>
+                        <a:t>, </a:t>
+                      </a:r>
+                      <a:r>
+                        <a:rPr lang="pt-BR" sz="2000" b="1" dirty="0">
+                          <a:solidFill>
+                            <a:schemeClr val="accent6">
+                              <a:lumMod val="75000"/>
+                            </a:schemeClr>
+                          </a:solidFill>
+                          <a:latin typeface="Arial" panose="020B0604020202020204" pitchFamily="34" charset="0"/>
+                          <a:cs typeface="Arial" panose="020B0604020202020204" pitchFamily="34" charset="0"/>
+                        </a:rPr>
+                        <a:t>3</a:t>
+                      </a:r>
+                      <a:r>
+                        <a:rPr lang="pt-BR" sz="2000" b="1" dirty="0">
+                          <a:latin typeface="Arial" panose="020B0604020202020204" pitchFamily="34" charset="0"/>
+                          <a:cs typeface="Arial" panose="020B0604020202020204" pitchFamily="34" charset="0"/>
+                        </a:rPr>
+                        <a:t>: </a:t>
+                      </a:r>
+                      <a:r>
+                        <a:rPr lang="pt-BR" sz="2000" b="1" dirty="0">
+                          <a:solidFill>
+                            <a:srgbClr val="006600"/>
+                          </a:solidFill>
+                          <a:latin typeface="Arial" panose="020B0604020202020204" pitchFamily="34" charset="0"/>
+                          <a:cs typeface="Arial" panose="020B0604020202020204" pitchFamily="34" charset="0"/>
+                        </a:rPr>
+                        <a:t>'março'</a:t>
+                      </a:r>
+                      <a:r>
+                        <a:rPr lang="pt-BR" sz="2000" b="1" dirty="0">
+                          <a:solidFill>
+                            <a:srgbClr val="CE6D0C"/>
+                          </a:solidFill>
+                          <a:latin typeface="Arial" panose="020B0604020202020204" pitchFamily="34" charset="0"/>
+                          <a:cs typeface="Arial" panose="020B0604020202020204" pitchFamily="34" charset="0"/>
+                        </a:rPr>
+                        <a:t>,</a:t>
+                      </a:r>
+                      <a:r>
+                        <a:rPr lang="pt-BR" sz="2000" b="1" dirty="0">
+                          <a:latin typeface="Arial" panose="020B0604020202020204" pitchFamily="34" charset="0"/>
+                          <a:cs typeface="Arial" panose="020B0604020202020204" pitchFamily="34" charset="0"/>
+                        </a:rPr>
+                        <a:t> </a:t>
+                      </a:r>
+                      <a:r>
+                        <a:rPr lang="pt-BR" sz="2000" b="1" dirty="0">
+                          <a:solidFill>
+                            <a:schemeClr val="accent6">
+                              <a:lumMod val="75000"/>
+                            </a:schemeClr>
+                          </a:solidFill>
+                          <a:latin typeface="Arial" panose="020B0604020202020204" pitchFamily="34" charset="0"/>
+                          <a:cs typeface="Arial" panose="020B0604020202020204" pitchFamily="34" charset="0"/>
+                        </a:rPr>
+                        <a:t>4</a:t>
+                      </a:r>
+                      <a:r>
+                        <a:rPr lang="pt-BR" sz="2000" b="1" dirty="0">
+                          <a:latin typeface="Arial" panose="020B0604020202020204" pitchFamily="34" charset="0"/>
+                          <a:cs typeface="Arial" panose="020B0604020202020204" pitchFamily="34" charset="0"/>
+                        </a:rPr>
+                        <a:t>: </a:t>
+                      </a:r>
+                      <a:r>
+                        <a:rPr lang="pt-BR" sz="2000" b="1" dirty="0">
+                          <a:solidFill>
+                            <a:srgbClr val="006600"/>
+                          </a:solidFill>
+                          <a:latin typeface="Arial" panose="020B0604020202020204" pitchFamily="34" charset="0"/>
+                          <a:cs typeface="Arial" panose="020B0604020202020204" pitchFamily="34" charset="0"/>
+                        </a:rPr>
+                        <a:t>'abril’</a:t>
+                      </a:r>
+                      <a:r>
+                        <a:rPr lang="pt-BR" sz="2000" b="1" dirty="0">
+                          <a:latin typeface="Arial" panose="020B0604020202020204" pitchFamily="34" charset="0"/>
+                          <a:cs typeface="Arial" panose="020B0604020202020204" pitchFamily="34" charset="0"/>
+                        </a:rPr>
+                        <a:t>}</a:t>
+                      </a:r>
+                    </a:p>
+                    <a:p>
+                      <a:pPr marL="0" marR="0" lvl="0" indent="0" algn="l" defTabSz="914400" rtl="0" eaLnBrk="1" fontAlgn="auto" latinLnBrk="0" hangingPunct="1">
+                        <a:lnSpc>
+                          <a:spcPct val="100000"/>
+                        </a:lnSpc>
+                        <a:spcBef>
+                          <a:spcPts val="0"/>
+                        </a:spcBef>
+                        <a:spcAft>
+                          <a:spcPts val="0"/>
+                        </a:spcAft>
+                        <a:buClrTx/>
+                        <a:buSzTx/>
+                        <a:buFontTx/>
+                        <a:buNone/>
+                        <a:tabLst/>
+                        <a:defRPr/>
+                      </a:pPr>
+                      <a:endParaRPr lang="pt-BR" sz="2000" b="1" dirty="0">
+                        <a:latin typeface="Arial" panose="020B0604020202020204" pitchFamily="34" charset="0"/>
+                        <a:cs typeface="Arial" panose="020B0604020202020204" pitchFamily="34" charset="0"/>
+                      </a:endParaRPr>
+                    </a:p>
+                    <a:p>
+                      <a:pPr marL="0" marR="0" lvl="0" indent="0" algn="l" defTabSz="914400" rtl="0" eaLnBrk="1" fontAlgn="auto" latinLnBrk="0" hangingPunct="1">
+                        <a:lnSpc>
+                          <a:spcPct val="100000"/>
+                        </a:lnSpc>
+                        <a:spcBef>
+                          <a:spcPts val="0"/>
+                        </a:spcBef>
+                        <a:spcAft>
+                          <a:spcPts val="0"/>
+                        </a:spcAft>
+                        <a:buClrTx/>
+                        <a:buSzTx/>
+                        <a:buFontTx/>
+                        <a:buNone/>
+                        <a:tabLst/>
+                        <a:defRPr/>
+                      </a:pPr>
+                      <a:r>
+                        <a:rPr lang="pt-BR" sz="2000" b="1" dirty="0">
+                          <a:solidFill>
+                            <a:schemeClr val="accent6">
+                              <a:lumMod val="75000"/>
+                            </a:schemeClr>
+                          </a:solidFill>
+                          <a:latin typeface="Arial" panose="020B0604020202020204" pitchFamily="34" charset="0"/>
+                          <a:cs typeface="Arial" panose="020B0604020202020204" pitchFamily="34" charset="0"/>
+                        </a:rPr>
+                        <a:t>print</a:t>
+                      </a:r>
+                      <a:r>
+                        <a:rPr lang="pt-BR" sz="2000" b="1" dirty="0">
+                          <a:latin typeface="Arial" panose="020B0604020202020204" pitchFamily="34" charset="0"/>
+                          <a:cs typeface="Arial" panose="020B0604020202020204" pitchFamily="34" charset="0"/>
+                        </a:rPr>
+                        <a:t>(dicionario[</a:t>
+                      </a:r>
+                      <a:r>
+                        <a:rPr lang="pt-BR" sz="2000" b="1" dirty="0">
+                          <a:solidFill>
+                            <a:schemeClr val="accent6">
+                              <a:lumMod val="75000"/>
+                            </a:schemeClr>
+                          </a:solidFill>
+                          <a:latin typeface="Arial" panose="020B0604020202020204" pitchFamily="34" charset="0"/>
+                          <a:cs typeface="Arial" panose="020B0604020202020204" pitchFamily="34" charset="0"/>
+                        </a:rPr>
+                        <a:t>1</a:t>
+                      </a:r>
+                      <a:r>
+                        <a:rPr lang="pt-BR" sz="2000" b="1" dirty="0">
+                          <a:latin typeface="Arial" panose="020B0604020202020204" pitchFamily="34" charset="0"/>
+                          <a:cs typeface="Arial" panose="020B0604020202020204" pitchFamily="34" charset="0"/>
+                        </a:rPr>
+                        <a:t>]) </a:t>
+                      </a:r>
+                    </a:p>
+                    <a:p>
+                      <a:pPr marL="0" marR="0" lvl="0" indent="0" algn="l" defTabSz="914400" rtl="0" eaLnBrk="1" fontAlgn="auto" latinLnBrk="0" hangingPunct="1">
+                        <a:lnSpc>
+                          <a:spcPct val="100000"/>
+                        </a:lnSpc>
+                        <a:spcBef>
+                          <a:spcPts val="0"/>
+                        </a:spcBef>
+                        <a:spcAft>
+                          <a:spcPts val="0"/>
+                        </a:spcAft>
+                        <a:buClrTx/>
+                        <a:buSzTx/>
+                        <a:buFontTx/>
+                        <a:buNone/>
+                        <a:tabLst/>
+                        <a:defRPr/>
+                      </a:pPr>
+                      <a:endParaRPr lang="pt-BR" sz="2000" b="1" dirty="0">
+                        <a:latin typeface="Arial" panose="020B0604020202020204" pitchFamily="34" charset="0"/>
+                        <a:cs typeface="Arial" panose="020B0604020202020204" pitchFamily="34" charset="0"/>
+                      </a:endParaRPr>
+                    </a:p>
+                    <a:p>
+                      <a:pPr marL="0" marR="0" lvl="0" indent="0" algn="l" defTabSz="914400" rtl="0" eaLnBrk="1" fontAlgn="auto" latinLnBrk="0" hangingPunct="1">
+                        <a:lnSpc>
+                          <a:spcPct val="100000"/>
+                        </a:lnSpc>
+                        <a:spcBef>
+                          <a:spcPts val="0"/>
+                        </a:spcBef>
+                        <a:spcAft>
+                          <a:spcPts val="0"/>
+                        </a:spcAft>
+                        <a:buClrTx/>
+                        <a:buSzTx/>
+                        <a:buFontTx/>
+                        <a:buNone/>
+                        <a:tabLst/>
+                        <a:defRPr/>
+                      </a:pPr>
+                      <a:r>
+                        <a:rPr lang="pt-BR" sz="2000" b="1" dirty="0">
+                          <a:solidFill>
+                            <a:srgbClr val="C00000"/>
+                          </a:solidFill>
+                          <a:latin typeface="Arial" panose="020B0604020202020204" pitchFamily="34" charset="0"/>
+                          <a:cs typeface="Arial" panose="020B0604020202020204" pitchFamily="34" charset="0"/>
+                        </a:rPr>
+                        <a:t>Output:</a:t>
+                      </a:r>
+                    </a:p>
+                    <a:p>
+                      <a:pPr marL="0" marR="0" lvl="0" indent="0" algn="l" defTabSz="914400" rtl="0" eaLnBrk="1" fontAlgn="auto" latinLnBrk="0" hangingPunct="1">
+                        <a:lnSpc>
+                          <a:spcPct val="100000"/>
+                        </a:lnSpc>
+                        <a:spcBef>
+                          <a:spcPts val="0"/>
+                        </a:spcBef>
+                        <a:spcAft>
+                          <a:spcPts val="0"/>
+                        </a:spcAft>
+                        <a:buClrTx/>
+                        <a:buSzTx/>
+                        <a:buFontTx/>
+                        <a:buNone/>
+                        <a:tabLst/>
+                        <a:defRPr/>
+                      </a:pPr>
+                      <a:r>
+                        <a:rPr lang="pt-BR" sz="2000" b="1" dirty="0">
+                          <a:solidFill>
+                            <a:srgbClr val="C00000"/>
+                          </a:solidFill>
+                          <a:latin typeface="Arial" panose="020B0604020202020204" pitchFamily="34" charset="0"/>
+                          <a:cs typeface="Arial" panose="020B0604020202020204" pitchFamily="34" charset="0"/>
+                        </a:rPr>
+                        <a:t>&gt;&gt;&gt;</a:t>
+                      </a:r>
+                      <a:r>
+                        <a:rPr lang="pt-BR" sz="2000" b="1" dirty="0">
+                          <a:latin typeface="Arial" panose="020B0604020202020204" pitchFamily="34" charset="0"/>
+                          <a:cs typeface="Arial" panose="020B0604020202020204" pitchFamily="34" charset="0"/>
+                        </a:rPr>
+                        <a:t> 'janeiro'</a:t>
+                      </a:r>
+                      <a:endParaRPr lang="pt-BR" b="1" dirty="0"/>
+                    </a:p>
+                  </a:txBody>
+                  <a:tcPr/>
+                </a:tc>
+                <a:extLst>
+                  <a:ext uri="{0D108BD9-81ED-4DB2-BD59-A6C34878D82A}">
+                    <a16:rowId xmlns:a16="http://schemas.microsoft.com/office/drawing/2014/main" val="1843929899"/>
+                  </a:ext>
+                </a:extLst>
+              </a:tr>
+            </a:tbl>
+          </a:graphicData>
+        </a:graphic>
+      </p:graphicFrame>
+      <p:graphicFrame>
+        <p:nvGraphicFramePr>
+          <p:cNvPr id="4" name="Tabela 3">
+            <a:extLst>
+              <a:ext uri="{FF2B5EF4-FFF2-40B4-BE49-F238E27FC236}">
+                <a16:creationId xmlns:a16="http://schemas.microsoft.com/office/drawing/2014/main" id="{0EB1A4A6-0AC2-47EE-87F1-647EFB9BD890}"/>
+              </a:ext>
+            </a:extLst>
+          </p:cNvPr>
+          <p:cNvGraphicFramePr>
+            <a:graphicFrameLocks noGrp="1"/>
+          </p:cNvGraphicFramePr>
+          <p:nvPr>
+            <p:extLst>
+              <p:ext uri="{D42A27DB-BD31-4B8C-83A1-F6EECF244321}">
+                <p14:modId xmlns:p14="http://schemas.microsoft.com/office/powerpoint/2010/main" val="1204732536"/>
+              </p:ext>
+            </p:extLst>
+          </p:nvPr>
+        </p:nvGraphicFramePr>
+        <p:xfrm>
+          <a:off x="378822" y="4284617"/>
+          <a:ext cx="9364784" cy="1920240"/>
+        </p:xfrm>
+        <a:graphic>
+          <a:graphicData uri="http://schemas.openxmlformats.org/drawingml/2006/table">
+            <a:tbl>
+              <a:tblPr firstRow="1" bandRow="1">
+                <a:tableStyleId>{16D9F66E-5EB9-4882-86FB-DCBF35E3C3E4}</a:tableStyleId>
+              </a:tblPr>
+              <a:tblGrid>
+                <a:gridCol w="9364784">
+                  <a:extLst>
+                    <a:ext uri="{9D8B030D-6E8A-4147-A177-3AD203B41FA5}">
+                      <a16:colId xmlns:a16="http://schemas.microsoft.com/office/drawing/2014/main" val="723528418"/>
+                    </a:ext>
+                  </a:extLst>
+                </a:gridCol>
+              </a:tblGrid>
+              <a:tr h="370840">
+                <a:tc>
+                  <a:txBody>
+                    <a:bodyPr/>
+                    <a:lstStyle/>
+                    <a:p>
+                      <a:pPr marL="0" indent="0">
+                        <a:buNone/>
+                      </a:pPr>
+                      <a:r>
+                        <a:rPr lang="pt-BR" sz="2000" dirty="0">
+                          <a:latin typeface="Arial" panose="020B0604020202020204" pitchFamily="34" charset="0"/>
+                          <a:cs typeface="Arial" panose="020B0604020202020204" pitchFamily="34" charset="0"/>
+                        </a:rPr>
+                        <a:t>dicionario = {</a:t>
+                      </a:r>
+                      <a:r>
+                        <a:rPr lang="pt-BR" sz="2000" dirty="0">
+                          <a:solidFill>
+                            <a:srgbClr val="006600"/>
+                          </a:solidFill>
+                          <a:latin typeface="Arial" panose="020B0604020202020204" pitchFamily="34" charset="0"/>
+                          <a:cs typeface="Arial" panose="020B0604020202020204" pitchFamily="34" charset="0"/>
+                        </a:rPr>
+                        <a:t>'janeiro'</a:t>
+                      </a:r>
+                      <a:r>
+                        <a:rPr lang="pt-BR" sz="2000" dirty="0">
+                          <a:latin typeface="Arial" panose="020B0604020202020204" pitchFamily="34" charset="0"/>
+                          <a:cs typeface="Arial" panose="020B0604020202020204" pitchFamily="34" charset="0"/>
+                        </a:rPr>
+                        <a:t>: </a:t>
+                      </a:r>
+                      <a:r>
+                        <a:rPr lang="pt-BR" sz="2000" dirty="0">
+                          <a:solidFill>
+                            <a:schemeClr val="accent6">
+                              <a:lumMod val="75000"/>
+                            </a:schemeClr>
+                          </a:solidFill>
+                          <a:latin typeface="Arial" panose="020B0604020202020204" pitchFamily="34" charset="0"/>
+                          <a:cs typeface="Arial" panose="020B0604020202020204" pitchFamily="34" charset="0"/>
+                        </a:rPr>
+                        <a:t>1</a:t>
+                      </a:r>
+                      <a:r>
+                        <a:rPr lang="pt-BR" sz="2000" dirty="0">
+                          <a:solidFill>
+                            <a:srgbClr val="CE6D0C"/>
+                          </a:solidFill>
+                          <a:latin typeface="Arial" panose="020B0604020202020204" pitchFamily="34" charset="0"/>
+                          <a:cs typeface="Arial" panose="020B0604020202020204" pitchFamily="34" charset="0"/>
+                        </a:rPr>
+                        <a:t>,</a:t>
+                      </a:r>
+                      <a:r>
+                        <a:rPr lang="pt-BR" sz="2000" dirty="0">
+                          <a:latin typeface="Arial" panose="020B0604020202020204" pitchFamily="34" charset="0"/>
+                          <a:cs typeface="Arial" panose="020B0604020202020204" pitchFamily="34" charset="0"/>
+                        </a:rPr>
+                        <a:t> </a:t>
+                      </a:r>
+                      <a:r>
+                        <a:rPr lang="pt-BR" sz="2000" dirty="0">
+                          <a:solidFill>
+                            <a:srgbClr val="006600"/>
+                          </a:solidFill>
+                          <a:latin typeface="Arial" panose="020B0604020202020204" pitchFamily="34" charset="0"/>
+                          <a:cs typeface="Arial" panose="020B0604020202020204" pitchFamily="34" charset="0"/>
+                        </a:rPr>
+                        <a:t>'fevereiro’</a:t>
+                      </a:r>
+                      <a:r>
+                        <a:rPr lang="pt-BR" sz="2000" dirty="0">
+                          <a:latin typeface="Arial" panose="020B0604020202020204" pitchFamily="34" charset="0"/>
+                          <a:cs typeface="Arial" panose="020B0604020202020204" pitchFamily="34" charset="0"/>
+                        </a:rPr>
+                        <a:t>: </a:t>
+                      </a:r>
+                      <a:r>
+                        <a:rPr lang="pt-BR" sz="2000" dirty="0">
+                          <a:solidFill>
+                            <a:schemeClr val="accent6">
+                              <a:lumMod val="75000"/>
+                            </a:schemeClr>
+                          </a:solidFill>
+                          <a:latin typeface="Arial" panose="020B0604020202020204" pitchFamily="34" charset="0"/>
+                          <a:cs typeface="Arial" panose="020B0604020202020204" pitchFamily="34" charset="0"/>
+                        </a:rPr>
+                        <a:t>2</a:t>
+                      </a:r>
+                      <a:r>
+                        <a:rPr lang="pt-BR" sz="2000" dirty="0">
+                          <a:solidFill>
+                            <a:srgbClr val="CE6D0C"/>
+                          </a:solidFill>
+                          <a:latin typeface="Arial" panose="020B0604020202020204" pitchFamily="34" charset="0"/>
+                          <a:cs typeface="Arial" panose="020B0604020202020204" pitchFamily="34" charset="0"/>
+                        </a:rPr>
+                        <a:t>,</a:t>
+                      </a:r>
+                      <a:r>
+                        <a:rPr lang="pt-BR" sz="2000" dirty="0">
+                          <a:latin typeface="Arial" panose="020B0604020202020204" pitchFamily="34" charset="0"/>
+                          <a:cs typeface="Arial" panose="020B0604020202020204" pitchFamily="34" charset="0"/>
+                        </a:rPr>
+                        <a:t> </a:t>
+                      </a:r>
+                      <a:r>
+                        <a:rPr lang="pt-BR" sz="2000" dirty="0">
+                          <a:solidFill>
+                            <a:srgbClr val="006600"/>
+                          </a:solidFill>
+                          <a:latin typeface="Arial" panose="020B0604020202020204" pitchFamily="34" charset="0"/>
+                          <a:cs typeface="Arial" panose="020B0604020202020204" pitchFamily="34" charset="0"/>
+                        </a:rPr>
+                        <a:t>‘março’</a:t>
+                      </a:r>
+                      <a:r>
+                        <a:rPr lang="pt-BR" sz="2000" dirty="0">
+                          <a:latin typeface="Arial" panose="020B0604020202020204" pitchFamily="34" charset="0"/>
+                          <a:cs typeface="Arial" panose="020B0604020202020204" pitchFamily="34" charset="0"/>
+                        </a:rPr>
+                        <a:t>: </a:t>
+                      </a:r>
+                      <a:r>
+                        <a:rPr lang="pt-BR" sz="2000" dirty="0">
+                          <a:solidFill>
+                            <a:schemeClr val="accent6">
+                              <a:lumMod val="75000"/>
+                            </a:schemeClr>
+                          </a:solidFill>
+                          <a:latin typeface="Arial" panose="020B0604020202020204" pitchFamily="34" charset="0"/>
+                          <a:cs typeface="Arial" panose="020B0604020202020204" pitchFamily="34" charset="0"/>
+                        </a:rPr>
+                        <a:t>3</a:t>
+                      </a:r>
+                      <a:r>
+                        <a:rPr lang="pt-BR" sz="2000" dirty="0">
+                          <a:solidFill>
+                            <a:srgbClr val="CE6D0C"/>
+                          </a:solidFill>
+                          <a:latin typeface="Arial" panose="020B0604020202020204" pitchFamily="34" charset="0"/>
+                          <a:cs typeface="Arial" panose="020B0604020202020204" pitchFamily="34" charset="0"/>
+                        </a:rPr>
+                        <a:t>,</a:t>
+                      </a:r>
+                      <a:r>
+                        <a:rPr lang="pt-BR" sz="2000" dirty="0">
+                          <a:solidFill>
+                            <a:srgbClr val="006600"/>
+                          </a:solidFill>
+                          <a:latin typeface="Arial" panose="020B0604020202020204" pitchFamily="34" charset="0"/>
+                          <a:cs typeface="Arial" panose="020B0604020202020204" pitchFamily="34" charset="0"/>
+                        </a:rPr>
+                        <a:t> ‘abril’</a:t>
+                      </a:r>
+                      <a:r>
+                        <a:rPr lang="pt-BR" sz="2000" dirty="0">
+                          <a:latin typeface="Arial" panose="020B0604020202020204" pitchFamily="34" charset="0"/>
+                          <a:cs typeface="Arial" panose="020B0604020202020204" pitchFamily="34" charset="0"/>
+                        </a:rPr>
+                        <a:t>: </a:t>
+                      </a:r>
+                      <a:r>
+                        <a:rPr lang="pt-BR" sz="2000" dirty="0">
+                          <a:solidFill>
+                            <a:schemeClr val="accent6">
+                              <a:lumMod val="75000"/>
+                            </a:schemeClr>
+                          </a:solidFill>
+                          <a:latin typeface="Arial" panose="020B0604020202020204" pitchFamily="34" charset="0"/>
+                          <a:cs typeface="Arial" panose="020B0604020202020204" pitchFamily="34" charset="0"/>
+                        </a:rPr>
+                        <a:t>4</a:t>
+                      </a:r>
+                      <a:r>
+                        <a:rPr lang="pt-BR" sz="2000" dirty="0">
+                          <a:latin typeface="Arial" panose="020B0604020202020204" pitchFamily="34" charset="0"/>
+                          <a:cs typeface="Arial" panose="020B0604020202020204" pitchFamily="34" charset="0"/>
+                        </a:rPr>
+                        <a:t>}</a:t>
+                      </a:r>
+                    </a:p>
+                    <a:p>
+                      <a:pPr marL="0" indent="0">
+                        <a:buNone/>
+                      </a:pPr>
+                      <a:endParaRPr lang="pt-BR" sz="2000" dirty="0">
+                        <a:latin typeface="Arial" panose="020B0604020202020204" pitchFamily="34" charset="0"/>
+                        <a:cs typeface="Arial" panose="020B0604020202020204" pitchFamily="34" charset="0"/>
+                      </a:endParaRPr>
+                    </a:p>
+                    <a:p>
+                      <a:pPr marL="0" indent="0">
+                        <a:buNone/>
+                      </a:pPr>
+                      <a:r>
+                        <a:rPr lang="pt-BR" sz="2000" dirty="0">
+                          <a:solidFill>
+                            <a:schemeClr val="accent6">
+                              <a:lumMod val="75000"/>
+                            </a:schemeClr>
+                          </a:solidFill>
+                          <a:latin typeface="Arial" panose="020B0604020202020204" pitchFamily="34" charset="0"/>
+                          <a:cs typeface="Arial" panose="020B0604020202020204" pitchFamily="34" charset="0"/>
+                        </a:rPr>
+                        <a:t>print</a:t>
+                      </a:r>
+                      <a:r>
+                        <a:rPr lang="pt-BR" sz="2000" dirty="0">
+                          <a:latin typeface="Arial" panose="020B0604020202020204" pitchFamily="34" charset="0"/>
+                          <a:cs typeface="Arial" panose="020B0604020202020204" pitchFamily="34" charset="0"/>
+                        </a:rPr>
+                        <a:t>(dicionario[</a:t>
+                      </a:r>
+                      <a:r>
+                        <a:rPr lang="pt-BR" sz="2000" dirty="0">
+                          <a:solidFill>
+                            <a:srgbClr val="006600"/>
+                          </a:solidFill>
+                          <a:latin typeface="Arial" panose="020B0604020202020204" pitchFamily="34" charset="0"/>
+                          <a:cs typeface="Arial" panose="020B0604020202020204" pitchFamily="34" charset="0"/>
+                        </a:rPr>
+                        <a:t>'janeiro’</a:t>
+                      </a:r>
+                      <a:r>
+                        <a:rPr lang="pt-BR" sz="2000" dirty="0">
+                          <a:latin typeface="Arial" panose="020B0604020202020204" pitchFamily="34" charset="0"/>
+                          <a:cs typeface="Arial" panose="020B0604020202020204" pitchFamily="34" charset="0"/>
+                        </a:rPr>
+                        <a:t>])</a:t>
+                      </a:r>
+                    </a:p>
+                    <a:p>
+                      <a:pPr marL="0" indent="0">
+                        <a:buNone/>
+                      </a:pPr>
+                      <a:endParaRPr lang="pt-BR" sz="2000" dirty="0">
+                        <a:latin typeface="Arial" panose="020B0604020202020204" pitchFamily="34" charset="0"/>
+                        <a:cs typeface="Arial" panose="020B0604020202020204" pitchFamily="34" charset="0"/>
+                      </a:endParaRPr>
+                    </a:p>
+                    <a:p>
+                      <a:pPr marL="0" indent="0">
+                        <a:buNone/>
+                      </a:pPr>
+                      <a:r>
+                        <a:rPr lang="pt-BR" sz="2000" dirty="0">
+                          <a:solidFill>
+                            <a:srgbClr val="C00000"/>
+                          </a:solidFill>
+                          <a:latin typeface="Arial" panose="020B0604020202020204" pitchFamily="34" charset="0"/>
+                          <a:cs typeface="Arial" panose="020B0604020202020204" pitchFamily="34" charset="0"/>
+                        </a:rPr>
+                        <a:t>Output:</a:t>
+                      </a:r>
+                    </a:p>
+                    <a:p>
+                      <a:pPr marL="0" indent="0">
+                        <a:buNone/>
+                      </a:pPr>
+                      <a:r>
+                        <a:rPr lang="pt-BR" sz="2000" dirty="0">
+                          <a:solidFill>
+                            <a:srgbClr val="C00000"/>
+                          </a:solidFill>
+                          <a:latin typeface="Arial" panose="020B0604020202020204" pitchFamily="34" charset="0"/>
+                          <a:cs typeface="Arial" panose="020B0604020202020204" pitchFamily="34" charset="0"/>
+                        </a:rPr>
+                        <a:t>&gt;&gt;&gt;</a:t>
+                      </a:r>
+                      <a:r>
+                        <a:rPr lang="pt-BR" sz="2000" dirty="0">
+                          <a:latin typeface="Arial" panose="020B0604020202020204" pitchFamily="34" charset="0"/>
+                          <a:cs typeface="Arial" panose="020B0604020202020204" pitchFamily="34" charset="0"/>
+                        </a:rPr>
+                        <a:t> </a:t>
+                      </a:r>
+                      <a:r>
+                        <a:rPr lang="pt-BR" sz="2000" dirty="0">
+                          <a:solidFill>
+                            <a:schemeClr val="accent6">
+                              <a:lumMod val="75000"/>
+                            </a:schemeClr>
+                          </a:solidFill>
+                          <a:latin typeface="Arial" panose="020B0604020202020204" pitchFamily="34" charset="0"/>
+                          <a:cs typeface="Arial" panose="020B0604020202020204" pitchFamily="34" charset="0"/>
+                        </a:rPr>
+                        <a:t>1</a:t>
+                      </a:r>
+                    </a:p>
+                  </a:txBody>
+                  <a:tcPr/>
+                </a:tc>
+                <a:extLst>
+                  <a:ext uri="{0D108BD9-81ED-4DB2-BD59-A6C34878D82A}">
+                    <a16:rowId xmlns:a16="http://schemas.microsoft.com/office/drawing/2014/main" val="1072332892"/>
+                  </a:ext>
+                </a:extLst>
+              </a:tr>
+            </a:tbl>
+          </a:graphicData>
+        </a:graphic>
+      </p:graphicFrame>
+    </p:spTree>
+    <p:extLst>
+      <p:ext uri="{BB962C8B-B14F-4D97-AF65-F5344CB8AC3E}">
+        <p14:creationId xmlns:p14="http://schemas.microsoft.com/office/powerpoint/2010/main" val="3303603436"/>
+      </p:ext>
+    </p:extLst>
+  </p:cSld>
+  <p:clrMapOvr>
+    <a:masterClrMapping/>
+  </p:clrMapOvr>
+</p:sld>
+</file>
+
+<file path=ppt/slides/slide15.xml><?xml version="1.0" encoding="utf-8"?>
+<p:sld xmlns:a="http://schemas.openxmlformats.org/drawingml/2006/main" xmlns:r="http://schemas.openxmlformats.org/officeDocument/2006/relationships" xmlns:p="http://schemas.openxmlformats.org/presentationml/2006/main">
+  <p:cSld>
+    <p:spTree>
+      <p:nvGrpSpPr>
+        <p:cNvPr id="1" name=""/>
+        <p:cNvGrpSpPr/>
+        <p:nvPr/>
+      </p:nvGrpSpPr>
+      <p:grpSpPr>
+        <a:xfrm>
+          <a:off x="0" y="0"/>
+          <a:ext cx="0" cy="0"/>
+          <a:chOff x="0" y="0"/>
+          <a:chExt cx="0" cy="0"/>
+        </a:xfrm>
+      </p:grpSpPr>
+      <p:sp>
+        <p:nvSpPr>
+          <p:cNvPr id="2" name="Espaço Reservado para Conteúdo 1">
+            <a:extLst>
+              <a:ext uri="{FF2B5EF4-FFF2-40B4-BE49-F238E27FC236}">
                 <a16:creationId xmlns:a16="http://schemas.microsoft.com/office/drawing/2014/main" id="{BD8DAADB-C613-4CD0-8C58-7752E4D0E8FC}"/>
               </a:ext>
             </a:extLst>
@@ -3296,7 +5863,7 @@
           <p:nvPr>
             <p:extLst>
               <p:ext uri="{D42A27DB-BD31-4B8C-83A1-F6EECF244321}">
-                <p14:modId xmlns:p14="http://schemas.microsoft.com/office/powerpoint/2010/main" val="3966805044"/>
+                <p14:modId xmlns:p14="http://schemas.microsoft.com/office/powerpoint/2010/main" val="1016308338"/>
               </p:ext>
             </p:extLst>
           </p:nvPr>
@@ -3320,7 +5887,7 @@
                   </a:extLst>
                 </a:gridCol>
               </a:tblGrid>
-              <a:tr h="363275">
+              <a:tr h="0">
                 <a:tc>
                   <a:txBody>
                     <a:bodyPr/>
@@ -3603,14 +6170,14 @@
           <p:nvPr>
             <p:extLst>
               <p:ext uri="{D42A27DB-BD31-4B8C-83A1-F6EECF244321}">
-                <p14:modId xmlns:p14="http://schemas.microsoft.com/office/powerpoint/2010/main" val="1595002590"/>
+                <p14:modId xmlns:p14="http://schemas.microsoft.com/office/powerpoint/2010/main" val="1215346552"/>
               </p:ext>
             </p:extLst>
           </p:nvPr>
         </p:nvGraphicFramePr>
         <p:xfrm>
           <a:off x="378822" y="3763917"/>
-          <a:ext cx="9577977" cy="2529840"/>
+          <a:ext cx="10379536" cy="2529840"/>
         </p:xfrm>
         <a:graphic>
           <a:graphicData uri="http://schemas.openxmlformats.org/drawingml/2006/table">
@@ -3619,7 +6186,7 @@
                 <a:tableStyleId>{16D9F66E-5EB9-4882-86FB-DCBF35E3C3E4}</a:tableStyleId>
               </a:tblPr>
               <a:tblGrid>
-                <a:gridCol w="9577977">
+                <a:gridCol w="10379536">
                   <a:extLst>
                     <a:ext uri="{9D8B030D-6E8A-4147-A177-3AD203B41FA5}">
                       <a16:colId xmlns:a16="http://schemas.microsoft.com/office/drawing/2014/main" val="2681972540"/>
@@ -3686,10 +6253,18 @@
                         <a:t> </a:t>
                       </a:r>
                       <a:r>
-                        <a:rPr lang="pt-BR" sz="2000" dirty="0" err="1"/>
+                        <a:rPr lang="pt-BR" sz="2000" dirty="0" err="1">
+                          <a:solidFill>
+                            <a:srgbClr val="006600"/>
+                          </a:solidFill>
+                        </a:rPr>
                         <a:t>danizera</a:t>
                       </a:r>
-                      <a:endParaRPr lang="pt-BR" sz="2000" dirty="0"/>
+                      <a:endParaRPr lang="pt-BR" sz="2000" dirty="0">
+                        <a:solidFill>
+                          <a:srgbClr val="006600"/>
+                        </a:solidFill>
+                      </a:endParaRPr>
                     </a:p>
                     <a:p>
                       <a:endParaRPr lang="pt-BR" sz="2000" dirty="0"/>
@@ -3883,7 +6458,7 @@
 </p:sld>
 </file>
 
-<file path=ppt/slides/slide11.xml><?xml version="1.0" encoding="utf-8"?>
+<file path=ppt/slides/slide16.xml><?xml version="1.0" encoding="utf-8"?>
 <p:sld xmlns:a="http://schemas.openxmlformats.org/drawingml/2006/main" xmlns:r="http://schemas.openxmlformats.org/officeDocument/2006/relationships" xmlns:p="http://schemas.openxmlformats.org/presentationml/2006/main">
   <p:cSld>
     <p:spTree>
@@ -3926,15 +6501,7 @@
             </a:pPr>
             <a:r>
               <a:rPr lang="pt-BR" dirty="0"/>
-              <a:t>É possivel tambem fazer operações </a:t>
-            </a:r>
-            <a:r>
-              <a:rPr lang="pt-BR" dirty="0" err="1"/>
-              <a:t>matematicas</a:t>
-            </a:r>
-            <a:r>
-              <a:rPr lang="pt-BR" dirty="0"/>
-              <a:t> utilizando dicionarios!!</a:t>
+              <a:t>É possivel tambem fazer operações matemáticas utilizando dicionarios!!</a:t>
             </a:r>
           </a:p>
           <a:p>
@@ -4411,7 +6978,7 @@
 </p:sld>
 </file>
 
-<file path=ppt/slides/slide12.xml><?xml version="1.0" encoding="utf-8"?>
+<file path=ppt/slides/slide17.xml><?xml version="1.0" encoding="utf-8"?>
 <p:sld xmlns:a="http://schemas.openxmlformats.org/drawingml/2006/main" xmlns:r="http://schemas.openxmlformats.org/officeDocument/2006/relationships" xmlns:p="http://schemas.openxmlformats.org/presentationml/2006/main">
   <p:cSld>
     <p:spTree>
@@ -5022,7 +7589,7 @@
 </p:sld>
 </file>
 
-<file path=ppt/slides/slide13.xml><?xml version="1.0" encoding="utf-8"?>
+<file path=ppt/slides/slide18.xml><?xml version="1.0" encoding="utf-8"?>
 <p:sld xmlns:a="http://schemas.openxmlformats.org/drawingml/2006/main" xmlns:r="http://schemas.openxmlformats.org/officeDocument/2006/relationships" xmlns:p="http://schemas.openxmlformats.org/presentationml/2006/main">
   <p:cSld>
     <p:spTree>
@@ -5085,14 +7652,14 @@
           <p:nvPr>
             <p:extLst>
               <p:ext uri="{D42A27DB-BD31-4B8C-83A1-F6EECF244321}">
-                <p14:modId xmlns:p14="http://schemas.microsoft.com/office/powerpoint/2010/main" val="842580545"/>
+                <p14:modId xmlns:p14="http://schemas.microsoft.com/office/powerpoint/2010/main" val="2754593911"/>
               </p:ext>
             </p:extLst>
           </p:nvPr>
         </p:nvGraphicFramePr>
         <p:xfrm>
-          <a:off x="378822" y="1844040"/>
-          <a:ext cx="9400178" cy="1584960"/>
+          <a:off x="498743" y="2028394"/>
+          <a:ext cx="9400178" cy="2499360"/>
         </p:xfrm>
         <a:graphic>
           <a:graphicData uri="http://schemas.openxmlformats.org/drawingml/2006/table">
@@ -5114,6 +7681,245 @@
                   <a:txBody>
                     <a:bodyPr/>
                     <a:lstStyle/>
+                    <a:p>
+                      <a:pPr marL="0" marR="0" lvl="0" indent="0" algn="l" defTabSz="914400" rtl="0" eaLnBrk="1" fontAlgn="auto" latinLnBrk="0" hangingPunct="1">
+                        <a:lnSpc>
+                          <a:spcPct val="100000"/>
+                        </a:lnSpc>
+                        <a:spcBef>
+                          <a:spcPts val="0"/>
+                        </a:spcBef>
+                        <a:spcAft>
+                          <a:spcPts val="0"/>
+                        </a:spcAft>
+                        <a:buClrTx/>
+                        <a:buSzTx/>
+                        <a:buFontTx/>
+                        <a:buNone/>
+                        <a:tabLst/>
+                        <a:defRPr/>
+                      </a:pPr>
+                      <a:r>
+                        <a:rPr lang="pt-BR" sz="2000" dirty="0" err="1">
+                          <a:solidFill>
+                            <a:schemeClr val="tx1"/>
+                          </a:solidFill>
+                          <a:latin typeface="Arial" panose="020B0604020202020204" pitchFamily="34" charset="0"/>
+                          <a:cs typeface="Arial" panose="020B0604020202020204" pitchFamily="34" charset="0"/>
+                        </a:rPr>
+                        <a:t>dic</a:t>
+                      </a:r>
+                      <a:r>
+                        <a:rPr lang="pt-BR" sz="2000" dirty="0">
+                          <a:solidFill>
+                            <a:schemeClr val="tx1"/>
+                          </a:solidFill>
+                          <a:latin typeface="Arial" panose="020B0604020202020204" pitchFamily="34" charset="0"/>
+                          <a:cs typeface="Arial" panose="020B0604020202020204" pitchFamily="34" charset="0"/>
+                        </a:rPr>
+                        <a:t> = </a:t>
+                      </a:r>
+                      <a:r>
+                        <a:rPr lang="pt-BR" sz="2000" dirty="0">
+                          <a:latin typeface="Arial" panose="020B0604020202020204" pitchFamily="34" charset="0"/>
+                          <a:cs typeface="Arial" panose="020B0604020202020204" pitchFamily="34" charset="0"/>
+                        </a:rPr>
+                        <a:t>{</a:t>
+                      </a:r>
+                      <a:r>
+                        <a:rPr lang="pt-BR" sz="2000" dirty="0">
+                          <a:solidFill>
+                            <a:srgbClr val="006600"/>
+                          </a:solidFill>
+                          <a:latin typeface="Arial" panose="020B0604020202020204" pitchFamily="34" charset="0"/>
+                          <a:cs typeface="Arial" panose="020B0604020202020204" pitchFamily="34" charset="0"/>
+                        </a:rPr>
+                        <a:t>'borracha'</a:t>
+                      </a:r>
+                      <a:r>
+                        <a:rPr lang="pt-BR" sz="2000" dirty="0">
+                          <a:latin typeface="Arial" panose="020B0604020202020204" pitchFamily="34" charset="0"/>
+                          <a:cs typeface="Arial" panose="020B0604020202020204" pitchFamily="34" charset="0"/>
+                        </a:rPr>
+                        <a:t>: </a:t>
+                      </a:r>
+                      <a:r>
+                        <a:rPr lang="pt-BR" sz="2000" dirty="0">
+                          <a:solidFill>
+                            <a:schemeClr val="accent6">
+                              <a:lumMod val="75000"/>
+                            </a:schemeClr>
+                          </a:solidFill>
+                          <a:latin typeface="Arial" panose="020B0604020202020204" pitchFamily="34" charset="0"/>
+                          <a:cs typeface="Arial" panose="020B0604020202020204" pitchFamily="34" charset="0"/>
+                        </a:rPr>
+                        <a:t>3.00</a:t>
+                      </a:r>
+                      <a:r>
+                        <a:rPr lang="pt-BR" sz="2000" dirty="0">
+                          <a:solidFill>
+                            <a:srgbClr val="CE6D0C"/>
+                          </a:solidFill>
+                          <a:latin typeface="Arial" panose="020B0604020202020204" pitchFamily="34" charset="0"/>
+                          <a:cs typeface="Arial" panose="020B0604020202020204" pitchFamily="34" charset="0"/>
+                        </a:rPr>
+                        <a:t>, </a:t>
+                      </a:r>
+                      <a:r>
+                        <a:rPr lang="pt-BR" sz="2000" dirty="0">
+                          <a:solidFill>
+                            <a:srgbClr val="006600"/>
+                          </a:solidFill>
+                          <a:latin typeface="Arial" panose="020B0604020202020204" pitchFamily="34" charset="0"/>
+                          <a:cs typeface="Arial" panose="020B0604020202020204" pitchFamily="34" charset="0"/>
+                        </a:rPr>
+                        <a:t>'caneta'</a:t>
+                      </a:r>
+                      <a:r>
+                        <a:rPr lang="pt-BR" sz="2000" dirty="0">
+                          <a:latin typeface="Arial" panose="020B0604020202020204" pitchFamily="34" charset="0"/>
+                          <a:cs typeface="Arial" panose="020B0604020202020204" pitchFamily="34" charset="0"/>
+                        </a:rPr>
+                        <a:t>: </a:t>
+                      </a:r>
+                      <a:r>
+                        <a:rPr lang="pt-BR" sz="2000" dirty="0">
+                          <a:solidFill>
+                            <a:schemeClr val="accent6">
+                              <a:lumMod val="75000"/>
+                            </a:schemeClr>
+                          </a:solidFill>
+                          <a:latin typeface="Arial" panose="020B0604020202020204" pitchFamily="34" charset="0"/>
+                          <a:cs typeface="Arial" panose="020B0604020202020204" pitchFamily="34" charset="0"/>
+                        </a:rPr>
+                        <a:t>3.50</a:t>
+                      </a:r>
+                      <a:r>
+                        <a:rPr lang="pt-BR" sz="2000" dirty="0">
+                          <a:solidFill>
+                            <a:srgbClr val="CE6D0C"/>
+                          </a:solidFill>
+                          <a:latin typeface="Arial" panose="020B0604020202020204" pitchFamily="34" charset="0"/>
+                          <a:cs typeface="Arial" panose="020B0604020202020204" pitchFamily="34" charset="0"/>
+                        </a:rPr>
+                        <a:t>,</a:t>
+                      </a:r>
+                      <a:r>
+                        <a:rPr lang="pt-BR" sz="2000" dirty="0">
+                          <a:latin typeface="Arial" panose="020B0604020202020204" pitchFamily="34" charset="0"/>
+                          <a:cs typeface="Arial" panose="020B0604020202020204" pitchFamily="34" charset="0"/>
+                        </a:rPr>
+                        <a:t> </a:t>
+                      </a:r>
+                      <a:r>
+                        <a:rPr lang="pt-BR" sz="2000" dirty="0">
+                          <a:solidFill>
+                            <a:srgbClr val="006600"/>
+                          </a:solidFill>
+                          <a:latin typeface="Arial" panose="020B0604020202020204" pitchFamily="34" charset="0"/>
+                          <a:cs typeface="Arial" panose="020B0604020202020204" pitchFamily="34" charset="0"/>
+                        </a:rPr>
+                        <a:t>'lapiseira'</a:t>
+                      </a:r>
+                      <a:r>
+                        <a:rPr lang="pt-BR" sz="2000" dirty="0">
+                          <a:latin typeface="Arial" panose="020B0604020202020204" pitchFamily="34" charset="0"/>
+                          <a:cs typeface="Arial" panose="020B0604020202020204" pitchFamily="34" charset="0"/>
+                        </a:rPr>
+                        <a:t>: </a:t>
+                      </a:r>
+                      <a:r>
+                        <a:rPr lang="pt-BR" sz="2000" dirty="0">
+                          <a:solidFill>
+                            <a:schemeClr val="accent6">
+                              <a:lumMod val="75000"/>
+                            </a:schemeClr>
+                          </a:solidFill>
+                          <a:latin typeface="Arial" panose="020B0604020202020204" pitchFamily="34" charset="0"/>
+                          <a:cs typeface="Arial" panose="020B0604020202020204" pitchFamily="34" charset="0"/>
+                        </a:rPr>
+                        <a:t>5.00</a:t>
+                      </a:r>
+                      <a:r>
+                        <a:rPr lang="pt-BR" sz="2000" dirty="0">
+                          <a:solidFill>
+                            <a:srgbClr val="CE6D0C"/>
+                          </a:solidFill>
+                          <a:latin typeface="Arial" panose="020B0604020202020204" pitchFamily="34" charset="0"/>
+                          <a:cs typeface="Arial" panose="020B0604020202020204" pitchFamily="34" charset="0"/>
+                        </a:rPr>
+                        <a:t>,</a:t>
+                      </a:r>
+                      <a:r>
+                        <a:rPr lang="pt-BR" sz="2000" dirty="0">
+                          <a:latin typeface="Arial" panose="020B0604020202020204" pitchFamily="34" charset="0"/>
+                          <a:cs typeface="Arial" panose="020B0604020202020204" pitchFamily="34" charset="0"/>
+                        </a:rPr>
+                        <a:t> </a:t>
+                      </a:r>
+                      <a:r>
+                        <a:rPr lang="pt-BR" sz="2000" dirty="0">
+                          <a:solidFill>
+                            <a:srgbClr val="006600"/>
+                          </a:solidFill>
+                          <a:latin typeface="Arial" panose="020B0604020202020204" pitchFamily="34" charset="0"/>
+                          <a:cs typeface="Arial" panose="020B0604020202020204" pitchFamily="34" charset="0"/>
+                        </a:rPr>
+                        <a:t>'apontador'</a:t>
+                      </a:r>
+                      <a:r>
+                        <a:rPr lang="pt-BR" sz="2000" dirty="0">
+                          <a:latin typeface="Arial" panose="020B0604020202020204" pitchFamily="34" charset="0"/>
+                          <a:cs typeface="Arial" panose="020B0604020202020204" pitchFamily="34" charset="0"/>
+                        </a:rPr>
+                        <a:t>: </a:t>
+                      </a:r>
+                      <a:r>
+                        <a:rPr lang="pt-BR" sz="2000" dirty="0">
+                          <a:solidFill>
+                            <a:schemeClr val="accent6">
+                              <a:lumMod val="75000"/>
+                            </a:schemeClr>
+                          </a:solidFill>
+                          <a:latin typeface="Arial" panose="020B0604020202020204" pitchFamily="34" charset="0"/>
+                          <a:cs typeface="Arial" panose="020B0604020202020204" pitchFamily="34" charset="0"/>
+                        </a:rPr>
+                        <a:t>0.50</a:t>
+                      </a:r>
+                      <a:r>
+                        <a:rPr lang="pt-BR" sz="2000" dirty="0">
+                          <a:latin typeface="Arial" panose="020B0604020202020204" pitchFamily="34" charset="0"/>
+                          <a:cs typeface="Arial" panose="020B0604020202020204" pitchFamily="34" charset="0"/>
+                        </a:rPr>
+                        <a:t>} </a:t>
+                      </a:r>
+                      <a:endParaRPr lang="pt-BR" sz="1800" dirty="0">
+                        <a:latin typeface="Arial" panose="020B0604020202020204" pitchFamily="34" charset="0"/>
+                        <a:cs typeface="Arial" panose="020B0604020202020204" pitchFamily="34" charset="0"/>
+                      </a:endParaRPr>
+                    </a:p>
+                    <a:p>
+                      <a:endParaRPr lang="pt-BR" sz="2000" dirty="0">
+                        <a:solidFill>
+                          <a:schemeClr val="accent6">
+                            <a:lumMod val="75000"/>
+                          </a:schemeClr>
+                        </a:solidFill>
+                        <a:latin typeface="Arial" panose="020B0604020202020204" pitchFamily="34" charset="0"/>
+                        <a:cs typeface="Arial" panose="020B0604020202020204" pitchFamily="34" charset="0"/>
+                      </a:endParaRPr>
+                    </a:p>
+                    <a:p>
+                      <a:endParaRPr lang="pt-BR" sz="2000" dirty="0">
+                        <a:solidFill>
+                          <a:schemeClr val="accent6">
+                            <a:lumMod val="75000"/>
+                          </a:schemeClr>
+                        </a:solidFill>
+                        <a:latin typeface="Arial" panose="020B0604020202020204" pitchFamily="34" charset="0"/>
+                        <a:cs typeface="Arial" panose="020B0604020202020204" pitchFamily="34" charset="0"/>
+                      </a:endParaRPr>
+                    </a:p>
                     <a:p>
                       <a:r>
                         <a:rPr lang="pt-BR" sz="2000" dirty="0">
@@ -5320,7 +8126,7 @@
 </p:sld>
 </file>
 
-<file path=ppt/slides/slide14.xml><?xml version="1.0" encoding="utf-8"?>
+<file path=ppt/slides/slide19.xml><?xml version="1.0" encoding="utf-8"?>
 <p:sld xmlns:a="http://schemas.openxmlformats.org/drawingml/2006/main" xmlns:r="http://schemas.openxmlformats.org/officeDocument/2006/relationships" xmlns:p="http://schemas.openxmlformats.org/presentationml/2006/main">
   <p:cSld>
     <p:spTree>
@@ -5389,14 +8195,14 @@
           <p:nvPr>
             <p:extLst>
               <p:ext uri="{D42A27DB-BD31-4B8C-83A1-F6EECF244321}">
-                <p14:modId xmlns:p14="http://schemas.microsoft.com/office/powerpoint/2010/main" val="1694087166"/>
+                <p14:modId xmlns:p14="http://schemas.microsoft.com/office/powerpoint/2010/main" val="2178106023"/>
               </p:ext>
             </p:extLst>
           </p:nvPr>
         </p:nvGraphicFramePr>
         <p:xfrm>
-          <a:off x="378822" y="1693114"/>
-          <a:ext cx="8128000" cy="1584960"/>
+          <a:off x="378821" y="1693114"/>
+          <a:ext cx="9439735" cy="2194560"/>
         </p:xfrm>
         <a:graphic>
           <a:graphicData uri="http://schemas.openxmlformats.org/drawingml/2006/table">
@@ -5405,7 +8211,7 @@
                 <a:tableStyleId>{16D9F66E-5EB9-4882-86FB-DCBF35E3C3E4}</a:tableStyleId>
               </a:tblPr>
               <a:tblGrid>
-                <a:gridCol w="8128000">
+                <a:gridCol w="9439735">
                   <a:extLst>
                     <a:ext uri="{9D8B030D-6E8A-4147-A177-3AD203B41FA5}">
                       <a16:colId xmlns:a16="http://schemas.microsoft.com/office/drawing/2014/main" val="3334166438"/>
@@ -5418,6 +8224,237 @@
                   <a:txBody>
                     <a:bodyPr/>
                     <a:lstStyle/>
+                    <a:p>
+                      <a:pPr marL="0" marR="0" lvl="0" indent="0" algn="l" defTabSz="914400" rtl="0" eaLnBrk="1" fontAlgn="auto" latinLnBrk="0" hangingPunct="1">
+                        <a:lnSpc>
+                          <a:spcPct val="100000"/>
+                        </a:lnSpc>
+                        <a:spcBef>
+                          <a:spcPts val="0"/>
+                        </a:spcBef>
+                        <a:spcAft>
+                          <a:spcPts val="0"/>
+                        </a:spcAft>
+                        <a:buClrTx/>
+                        <a:buSzTx/>
+                        <a:buFontTx/>
+                        <a:buNone/>
+                        <a:tabLst/>
+                        <a:defRPr/>
+                      </a:pPr>
+                      <a:r>
+                        <a:rPr lang="pt-BR" sz="2000" dirty="0" err="1">
+                          <a:solidFill>
+                            <a:schemeClr val="tx1"/>
+                          </a:solidFill>
+                          <a:latin typeface="Arial" panose="020B0604020202020204" pitchFamily="34" charset="0"/>
+                          <a:cs typeface="Arial" panose="020B0604020202020204" pitchFamily="34" charset="0"/>
+                        </a:rPr>
+                        <a:t>dic</a:t>
+                      </a:r>
+                      <a:r>
+                        <a:rPr lang="pt-BR" sz="2000" dirty="0">
+                          <a:solidFill>
+                            <a:schemeClr val="tx1"/>
+                          </a:solidFill>
+                          <a:latin typeface="Arial" panose="020B0604020202020204" pitchFamily="34" charset="0"/>
+                          <a:cs typeface="Arial" panose="020B0604020202020204" pitchFamily="34" charset="0"/>
+                        </a:rPr>
+                        <a:t> = </a:t>
+                      </a:r>
+                      <a:r>
+                        <a:rPr lang="pt-BR" sz="2000" dirty="0">
+                          <a:latin typeface="Arial" panose="020B0604020202020204" pitchFamily="34" charset="0"/>
+                          <a:cs typeface="Arial" panose="020B0604020202020204" pitchFamily="34" charset="0"/>
+                        </a:rPr>
+                        <a:t>{</a:t>
+                      </a:r>
+                      <a:r>
+                        <a:rPr lang="pt-BR" sz="2000" dirty="0">
+                          <a:solidFill>
+                            <a:srgbClr val="006600"/>
+                          </a:solidFill>
+                          <a:latin typeface="Arial" panose="020B0604020202020204" pitchFamily="34" charset="0"/>
+                          <a:cs typeface="Arial" panose="020B0604020202020204" pitchFamily="34" charset="0"/>
+                        </a:rPr>
+                        <a:t>'borracha'</a:t>
+                      </a:r>
+                      <a:r>
+                        <a:rPr lang="pt-BR" sz="2000" dirty="0">
+                          <a:latin typeface="Arial" panose="020B0604020202020204" pitchFamily="34" charset="0"/>
+                          <a:cs typeface="Arial" panose="020B0604020202020204" pitchFamily="34" charset="0"/>
+                        </a:rPr>
+                        <a:t>: </a:t>
+                      </a:r>
+                      <a:r>
+                        <a:rPr lang="pt-BR" sz="2000" dirty="0">
+                          <a:solidFill>
+                            <a:schemeClr val="accent6">
+                              <a:lumMod val="75000"/>
+                            </a:schemeClr>
+                          </a:solidFill>
+                          <a:latin typeface="Arial" panose="020B0604020202020204" pitchFamily="34" charset="0"/>
+                          <a:cs typeface="Arial" panose="020B0604020202020204" pitchFamily="34" charset="0"/>
+                        </a:rPr>
+                        <a:t>3.00</a:t>
+                      </a:r>
+                      <a:r>
+                        <a:rPr lang="pt-BR" sz="2000" dirty="0">
+                          <a:solidFill>
+                            <a:srgbClr val="CE6D0C"/>
+                          </a:solidFill>
+                          <a:latin typeface="Arial" panose="020B0604020202020204" pitchFamily="34" charset="0"/>
+                          <a:cs typeface="Arial" panose="020B0604020202020204" pitchFamily="34" charset="0"/>
+                        </a:rPr>
+                        <a:t>, </a:t>
+                      </a:r>
+                      <a:r>
+                        <a:rPr lang="pt-BR" sz="2000" dirty="0">
+                          <a:solidFill>
+                            <a:srgbClr val="006600"/>
+                          </a:solidFill>
+                          <a:latin typeface="Arial" panose="020B0604020202020204" pitchFamily="34" charset="0"/>
+                          <a:cs typeface="Arial" panose="020B0604020202020204" pitchFamily="34" charset="0"/>
+                        </a:rPr>
+                        <a:t>'caneta'</a:t>
+                      </a:r>
+                      <a:r>
+                        <a:rPr lang="pt-BR" sz="2000" dirty="0">
+                          <a:latin typeface="Arial" panose="020B0604020202020204" pitchFamily="34" charset="0"/>
+                          <a:cs typeface="Arial" panose="020B0604020202020204" pitchFamily="34" charset="0"/>
+                        </a:rPr>
+                        <a:t>: </a:t>
+                      </a:r>
+                      <a:r>
+                        <a:rPr lang="pt-BR" sz="2000" dirty="0">
+                          <a:solidFill>
+                            <a:schemeClr val="accent6">
+                              <a:lumMod val="75000"/>
+                            </a:schemeClr>
+                          </a:solidFill>
+                          <a:latin typeface="Arial" panose="020B0604020202020204" pitchFamily="34" charset="0"/>
+                          <a:cs typeface="Arial" panose="020B0604020202020204" pitchFamily="34" charset="0"/>
+                        </a:rPr>
+                        <a:t>3.50</a:t>
+                      </a:r>
+                      <a:r>
+                        <a:rPr lang="pt-BR" sz="2000" dirty="0">
+                          <a:solidFill>
+                            <a:srgbClr val="CE6D0C"/>
+                          </a:solidFill>
+                          <a:latin typeface="Arial" panose="020B0604020202020204" pitchFamily="34" charset="0"/>
+                          <a:cs typeface="Arial" panose="020B0604020202020204" pitchFamily="34" charset="0"/>
+                        </a:rPr>
+                        <a:t>,</a:t>
+                      </a:r>
+                      <a:r>
+                        <a:rPr lang="pt-BR" sz="2000" dirty="0">
+                          <a:latin typeface="Arial" panose="020B0604020202020204" pitchFamily="34" charset="0"/>
+                          <a:cs typeface="Arial" panose="020B0604020202020204" pitchFamily="34" charset="0"/>
+                        </a:rPr>
+                        <a:t> </a:t>
+                      </a:r>
+                      <a:r>
+                        <a:rPr lang="pt-BR" sz="2000" dirty="0">
+                          <a:solidFill>
+                            <a:srgbClr val="006600"/>
+                          </a:solidFill>
+                          <a:latin typeface="Arial" panose="020B0604020202020204" pitchFamily="34" charset="0"/>
+                          <a:cs typeface="Arial" panose="020B0604020202020204" pitchFamily="34" charset="0"/>
+                        </a:rPr>
+                        <a:t>'lapiseira'</a:t>
+                      </a:r>
+                      <a:r>
+                        <a:rPr lang="pt-BR" sz="2000" dirty="0">
+                          <a:latin typeface="Arial" panose="020B0604020202020204" pitchFamily="34" charset="0"/>
+                          <a:cs typeface="Arial" panose="020B0604020202020204" pitchFamily="34" charset="0"/>
+                        </a:rPr>
+                        <a:t>: </a:t>
+                      </a:r>
+                      <a:r>
+                        <a:rPr lang="pt-BR" sz="2000" dirty="0">
+                          <a:solidFill>
+                            <a:schemeClr val="accent6">
+                              <a:lumMod val="75000"/>
+                            </a:schemeClr>
+                          </a:solidFill>
+                          <a:latin typeface="Arial" panose="020B0604020202020204" pitchFamily="34" charset="0"/>
+                          <a:cs typeface="Arial" panose="020B0604020202020204" pitchFamily="34" charset="0"/>
+                        </a:rPr>
+                        <a:t>5.00</a:t>
+                      </a:r>
+                      <a:r>
+                        <a:rPr lang="pt-BR" sz="2000" dirty="0">
+                          <a:solidFill>
+                            <a:srgbClr val="CE6D0C"/>
+                          </a:solidFill>
+                          <a:latin typeface="Arial" panose="020B0604020202020204" pitchFamily="34" charset="0"/>
+                          <a:cs typeface="Arial" panose="020B0604020202020204" pitchFamily="34" charset="0"/>
+                        </a:rPr>
+                        <a:t>,</a:t>
+                      </a:r>
+                      <a:r>
+                        <a:rPr lang="pt-BR" sz="2000" dirty="0">
+                          <a:latin typeface="Arial" panose="020B0604020202020204" pitchFamily="34" charset="0"/>
+                          <a:cs typeface="Arial" panose="020B0604020202020204" pitchFamily="34" charset="0"/>
+                        </a:rPr>
+                        <a:t> </a:t>
+                      </a:r>
+                      <a:r>
+                        <a:rPr lang="pt-BR" sz="2000" dirty="0">
+                          <a:solidFill>
+                            <a:srgbClr val="006600"/>
+                          </a:solidFill>
+                          <a:latin typeface="Arial" panose="020B0604020202020204" pitchFamily="34" charset="0"/>
+                          <a:cs typeface="Arial" panose="020B0604020202020204" pitchFamily="34" charset="0"/>
+                        </a:rPr>
+                        <a:t>'apontador'</a:t>
+                      </a:r>
+                      <a:r>
+                        <a:rPr lang="pt-BR" sz="2000" dirty="0">
+                          <a:latin typeface="Arial" panose="020B0604020202020204" pitchFamily="34" charset="0"/>
+                          <a:cs typeface="Arial" panose="020B0604020202020204" pitchFamily="34" charset="0"/>
+                        </a:rPr>
+                        <a:t>: </a:t>
+                      </a:r>
+                      <a:r>
+                        <a:rPr lang="pt-BR" sz="2000" dirty="0">
+                          <a:solidFill>
+                            <a:schemeClr val="accent6">
+                              <a:lumMod val="75000"/>
+                            </a:schemeClr>
+                          </a:solidFill>
+                          <a:latin typeface="Arial" panose="020B0604020202020204" pitchFamily="34" charset="0"/>
+                          <a:cs typeface="Arial" panose="020B0604020202020204" pitchFamily="34" charset="0"/>
+                        </a:rPr>
+                        <a:t>0.50</a:t>
+                      </a:r>
+                      <a:r>
+                        <a:rPr lang="pt-BR" sz="2000" dirty="0">
+                          <a:latin typeface="Arial" panose="020B0604020202020204" pitchFamily="34" charset="0"/>
+                          <a:cs typeface="Arial" panose="020B0604020202020204" pitchFamily="34" charset="0"/>
+                        </a:rPr>
+                        <a:t>} </a:t>
+                      </a:r>
+                      <a:endParaRPr lang="pt-BR" sz="1800" dirty="0">
+                        <a:latin typeface="Arial" panose="020B0604020202020204" pitchFamily="34" charset="0"/>
+                        <a:cs typeface="Arial" panose="020B0604020202020204" pitchFamily="34" charset="0"/>
+                      </a:endParaRPr>
+                    </a:p>
+                    <a:p>
+                      <a:pPr marL="0" indent="0">
+                        <a:buNone/>
+                      </a:pPr>
+                      <a:endParaRPr lang="pt-BR" sz="2000" dirty="0">
+                        <a:solidFill>
+                          <a:schemeClr val="accent6">
+                            <a:lumMod val="75000"/>
+                          </a:schemeClr>
+                        </a:solidFill>
+                        <a:latin typeface="Arial" panose="020B0604020202020204" pitchFamily="34" charset="0"/>
+                        <a:cs typeface="Arial" panose="020B0604020202020204" pitchFamily="34" charset="0"/>
+                      </a:endParaRPr>
+                    </a:p>
                     <a:p>
                       <a:pPr marL="0" indent="0">
                         <a:buNone/>
@@ -5495,7 +8532,7 @@
                           <a:latin typeface="Arial" panose="020B0604020202020204" pitchFamily="34" charset="0"/>
                           <a:cs typeface="Arial" panose="020B0604020202020204" pitchFamily="34" charset="0"/>
                         </a:rPr>
-                        <a:t>&gt;&gt;&gt;</a:t>
+                        <a:t>&gt;&gt;&gt; </a:t>
                       </a:r>
                       <a:r>
                         <a:rPr lang="pt-BR" sz="2000" dirty="0" err="1">
@@ -5639,6 +8676,2354 @@
           <p:cNvPr id="2" name="Título 1">
             <a:extLst>
               <a:ext uri="{FF2B5EF4-FFF2-40B4-BE49-F238E27FC236}">
+                <a16:creationId xmlns:a16="http://schemas.microsoft.com/office/drawing/2014/main" id="{8C6978F8-5846-431C-8286-35265C4115A4}"/>
+              </a:ext>
+            </a:extLst>
+          </p:cNvPr>
+          <p:cNvSpPr>
+            <a:spLocks noGrp="1"/>
+          </p:cNvSpPr>
+          <p:nvPr>
+            <p:ph type="title"/>
+          </p:nvPr>
+        </p:nvSpPr>
+        <p:spPr/>
+        <p:txBody>
+          <a:bodyPr/>
+          <a:lstStyle/>
+          <a:p>
+            <a:r>
+              <a:rPr lang="pt-BR" dirty="0"/>
+              <a:t>Interação com arquivos</a:t>
+            </a:r>
+          </a:p>
+        </p:txBody>
+      </p:sp>
+      <p:sp>
+        <p:nvSpPr>
+          <p:cNvPr id="3" name="Espaço Reservado para Conteúdo 2">
+            <a:extLst>
+              <a:ext uri="{FF2B5EF4-FFF2-40B4-BE49-F238E27FC236}">
+                <a16:creationId xmlns:a16="http://schemas.microsoft.com/office/drawing/2014/main" id="{17C97C90-60D6-45EF-8351-476BFAA598AB}"/>
+              </a:ext>
+            </a:extLst>
+          </p:cNvPr>
+          <p:cNvSpPr>
+            <a:spLocks noGrp="1"/>
+          </p:cNvSpPr>
+          <p:nvPr>
+            <p:ph idx="1"/>
+          </p:nvPr>
+        </p:nvSpPr>
+        <p:spPr>
+          <a:xfrm>
+            <a:off x="838200" y="1825625"/>
+            <a:ext cx="10284502" cy="4351338"/>
+          </a:xfrm>
+        </p:spPr>
+        <p:txBody>
+          <a:bodyPr/>
+          <a:lstStyle/>
+          <a:p>
+            <a:pPr marL="0" indent="0">
+              <a:buNone/>
+            </a:pPr>
+            <a:r>
+              <a:rPr lang="pt-BR" dirty="0"/>
+              <a:t>Para abrir um arquivo .</a:t>
+            </a:r>
+            <a:r>
+              <a:rPr lang="pt-BR" dirty="0" err="1"/>
+              <a:t>txt</a:t>
+            </a:r>
+            <a:r>
+              <a:rPr lang="pt-BR" dirty="0"/>
+              <a:t>, fazemos o seguinte:</a:t>
+            </a:r>
+          </a:p>
+          <a:p>
+            <a:pPr marL="0" indent="0">
+              <a:buNone/>
+            </a:pPr>
+            <a:endParaRPr lang="pt-BR" dirty="0"/>
+          </a:p>
+          <a:p>
+            <a:pPr marL="0" indent="0">
+              <a:buNone/>
+            </a:pPr>
+            <a:endParaRPr lang="pt-BR" dirty="0"/>
+          </a:p>
+          <a:p>
+            <a:pPr marL="0" indent="0">
+              <a:lnSpc>
+                <a:spcPct val="200000"/>
+              </a:lnSpc>
+              <a:buNone/>
+            </a:pPr>
+            <a:r>
+              <a:rPr lang="pt-BR" dirty="0"/>
+              <a:t>Outra maneira, que faz praticamente a mesma coisa é:</a:t>
+            </a:r>
+          </a:p>
+          <a:p>
+            <a:pPr marL="0" indent="0">
+              <a:buNone/>
+            </a:pPr>
+            <a:endParaRPr lang="pt-BR" dirty="0"/>
+          </a:p>
+          <a:p>
+            <a:pPr marL="0" indent="0">
+              <a:buNone/>
+            </a:pPr>
+            <a:endParaRPr lang="pt-BR" dirty="0"/>
+          </a:p>
+          <a:p>
+            <a:pPr marL="0" indent="0">
+              <a:lnSpc>
+                <a:spcPct val="150000"/>
+              </a:lnSpc>
+              <a:buNone/>
+            </a:pPr>
+            <a:r>
+              <a:rPr lang="pt-BR" dirty="0"/>
+              <a:t>No lugar do X, nós colocamos </a:t>
+            </a:r>
+            <a:r>
+              <a:rPr lang="pt-BR" dirty="0">
+                <a:solidFill>
+                  <a:srgbClr val="006600"/>
+                </a:solidFill>
+              </a:rPr>
+              <a:t>'r'</a:t>
+            </a:r>
+            <a:r>
+              <a:rPr lang="pt-BR" dirty="0"/>
+              <a:t>,</a:t>
+            </a:r>
+            <a:r>
+              <a:rPr lang="pt-BR" dirty="0">
+                <a:solidFill>
+                  <a:srgbClr val="006600"/>
+                </a:solidFill>
+              </a:rPr>
+              <a:t> ‘w’</a:t>
+            </a:r>
+            <a:endParaRPr lang="pt-BR" dirty="0"/>
+          </a:p>
+          <a:p>
+            <a:pPr marL="0" indent="0">
+              <a:buNone/>
+            </a:pPr>
+            <a:endParaRPr lang="pt-BR" dirty="0"/>
+          </a:p>
+        </p:txBody>
+      </p:sp>
+      <p:graphicFrame>
+        <p:nvGraphicFramePr>
+          <p:cNvPr id="4" name="Tabela 3">
+            <a:extLst>
+              <a:ext uri="{FF2B5EF4-FFF2-40B4-BE49-F238E27FC236}">
+                <a16:creationId xmlns:a16="http://schemas.microsoft.com/office/drawing/2014/main" id="{F0EF4EDC-2E51-44FD-873B-66124D6F1D38}"/>
+              </a:ext>
+            </a:extLst>
+          </p:cNvPr>
+          <p:cNvGraphicFramePr>
+            <a:graphicFrameLocks noGrp="1"/>
+          </p:cNvGraphicFramePr>
+          <p:nvPr>
+            <p:extLst>
+              <p:ext uri="{D42A27DB-BD31-4B8C-83A1-F6EECF244321}">
+                <p14:modId xmlns:p14="http://schemas.microsoft.com/office/powerpoint/2010/main" val="4013982939"/>
+              </p:ext>
+            </p:extLst>
+          </p:nvPr>
+        </p:nvGraphicFramePr>
+        <p:xfrm>
+          <a:off x="838200" y="2469702"/>
+          <a:ext cx="9085289" cy="490859"/>
+        </p:xfrm>
+        <a:graphic>
+          <a:graphicData uri="http://schemas.openxmlformats.org/drawingml/2006/table">
+            <a:tbl>
+              <a:tblPr firstRow="1" bandRow="1">
+                <a:tableStyleId>{16D9F66E-5EB9-4882-86FB-DCBF35E3C3E4}</a:tableStyleId>
+              </a:tblPr>
+              <a:tblGrid>
+                <a:gridCol w="9085289">
+                  <a:extLst>
+                    <a:ext uri="{9D8B030D-6E8A-4147-A177-3AD203B41FA5}">
+                      <a16:colId xmlns:a16="http://schemas.microsoft.com/office/drawing/2014/main" val="2392824554"/>
+                    </a:ext>
+                  </a:extLst>
+                </a:gridCol>
+              </a:tblGrid>
+              <a:tr h="490859">
+                <a:tc>
+                  <a:txBody>
+                    <a:bodyPr/>
+                    <a:lstStyle/>
+                    <a:p>
+                      <a:r>
+                        <a:rPr lang="pt-BR" sz="2000" dirty="0">
+                          <a:latin typeface="Arial" panose="020B0604020202020204" pitchFamily="34" charset="0"/>
+                          <a:cs typeface="Arial" panose="020B0604020202020204" pitchFamily="34" charset="0"/>
+                        </a:rPr>
+                        <a:t>variavel = </a:t>
+                      </a:r>
+                      <a:r>
+                        <a:rPr lang="pt-BR" sz="2000" dirty="0">
+                          <a:solidFill>
+                            <a:schemeClr val="accent6">
+                              <a:lumMod val="75000"/>
+                            </a:schemeClr>
+                          </a:solidFill>
+                          <a:latin typeface="Arial" panose="020B0604020202020204" pitchFamily="34" charset="0"/>
+                          <a:cs typeface="Arial" panose="020B0604020202020204" pitchFamily="34" charset="0"/>
+                        </a:rPr>
+                        <a:t>open</a:t>
+                      </a:r>
+                      <a:r>
+                        <a:rPr lang="pt-BR" sz="2000" dirty="0">
+                          <a:latin typeface="Arial" panose="020B0604020202020204" pitchFamily="34" charset="0"/>
+                          <a:cs typeface="Arial" panose="020B0604020202020204" pitchFamily="34" charset="0"/>
+                        </a:rPr>
+                        <a:t>(</a:t>
+                      </a:r>
+                      <a:r>
+                        <a:rPr lang="pt-BR" sz="2000" dirty="0">
+                          <a:solidFill>
+                            <a:srgbClr val="006600"/>
+                          </a:solidFill>
+                        </a:rPr>
+                        <a:t>'</a:t>
+                      </a:r>
+                      <a:r>
+                        <a:rPr lang="pt-BR" sz="2000" dirty="0">
+                          <a:solidFill>
+                            <a:srgbClr val="006600"/>
+                          </a:solidFill>
+                          <a:latin typeface="Arial" panose="020B0604020202020204" pitchFamily="34" charset="0"/>
+                          <a:cs typeface="Arial" panose="020B0604020202020204" pitchFamily="34" charset="0"/>
+                        </a:rPr>
+                        <a:t>nomearquivo.txt</a:t>
+                      </a:r>
+                      <a:r>
+                        <a:rPr lang="pt-BR" sz="2000" dirty="0">
+                          <a:solidFill>
+                            <a:srgbClr val="006600"/>
+                          </a:solidFill>
+                        </a:rPr>
+                        <a:t>'</a:t>
+                      </a:r>
+                      <a:r>
+                        <a:rPr lang="pt-BR" sz="2000" dirty="0">
+                          <a:solidFill>
+                            <a:srgbClr val="CE6D0C"/>
+                          </a:solidFill>
+                        </a:rPr>
+                        <a:t> , </a:t>
+                      </a:r>
+                      <a:r>
+                        <a:rPr lang="pt-BR" sz="2000" dirty="0">
+                          <a:solidFill>
+                            <a:srgbClr val="006600"/>
+                          </a:solidFill>
+                        </a:rPr>
+                        <a:t>'X'</a:t>
+                      </a:r>
+                      <a:r>
+                        <a:rPr lang="pt-BR" sz="2000" dirty="0">
+                          <a:latin typeface="Arial" panose="020B0604020202020204" pitchFamily="34" charset="0"/>
+                          <a:cs typeface="Arial" panose="020B0604020202020204" pitchFamily="34" charset="0"/>
+                        </a:rPr>
+                        <a:t>)</a:t>
+                      </a:r>
+                    </a:p>
+                  </a:txBody>
+                  <a:tcPr/>
+                </a:tc>
+                <a:extLst>
+                  <a:ext uri="{0D108BD9-81ED-4DB2-BD59-A6C34878D82A}">
+                    <a16:rowId xmlns:a16="http://schemas.microsoft.com/office/drawing/2014/main" val="3190257407"/>
+                  </a:ext>
+                </a:extLst>
+              </a:tr>
+            </a:tbl>
+          </a:graphicData>
+        </a:graphic>
+      </p:graphicFrame>
+      <p:graphicFrame>
+        <p:nvGraphicFramePr>
+          <p:cNvPr id="5" name="Tabela 4">
+            <a:extLst>
+              <a:ext uri="{FF2B5EF4-FFF2-40B4-BE49-F238E27FC236}">
+                <a16:creationId xmlns:a16="http://schemas.microsoft.com/office/drawing/2014/main" id="{5309A4E3-0A9B-4237-AC9E-B8AF7EDA9E58}"/>
+              </a:ext>
+            </a:extLst>
+          </p:cNvPr>
+          <p:cNvGraphicFramePr>
+            <a:graphicFrameLocks noGrp="1"/>
+          </p:cNvGraphicFramePr>
+          <p:nvPr>
+            <p:extLst>
+              <p:ext uri="{D42A27DB-BD31-4B8C-83A1-F6EECF244321}">
+                <p14:modId xmlns:p14="http://schemas.microsoft.com/office/powerpoint/2010/main" val="1542581511"/>
+              </p:ext>
+            </p:extLst>
+          </p:nvPr>
+        </p:nvGraphicFramePr>
+        <p:xfrm>
+          <a:off x="838200" y="4388298"/>
+          <a:ext cx="5577205" cy="396240"/>
+        </p:xfrm>
+        <a:graphic>
+          <a:graphicData uri="http://schemas.openxmlformats.org/drawingml/2006/table">
+            <a:tbl>
+              <a:tblPr firstRow="1" bandRow="1">
+                <a:tableStyleId>{16D9F66E-5EB9-4882-86FB-DCBF35E3C3E4}</a:tableStyleId>
+              </a:tblPr>
+              <a:tblGrid>
+                <a:gridCol w="5577205">
+                  <a:extLst>
+                    <a:ext uri="{9D8B030D-6E8A-4147-A177-3AD203B41FA5}">
+                      <a16:colId xmlns:a16="http://schemas.microsoft.com/office/drawing/2014/main" val="2511009862"/>
+                    </a:ext>
+                  </a:extLst>
+                </a:gridCol>
+              </a:tblGrid>
+              <a:tr h="370840">
+                <a:tc>
+                  <a:txBody>
+                    <a:bodyPr/>
+                    <a:lstStyle/>
+                    <a:p>
+                      <a:r>
+                        <a:rPr lang="pt-BR" sz="2000" dirty="0" err="1">
+                          <a:solidFill>
+                            <a:srgbClr val="CE6D0C"/>
+                          </a:solidFill>
+                          <a:latin typeface="Arial" panose="020B0604020202020204" pitchFamily="34" charset="0"/>
+                          <a:cs typeface="Arial" panose="020B0604020202020204" pitchFamily="34" charset="0"/>
+                        </a:rPr>
+                        <a:t>with</a:t>
+                      </a:r>
+                      <a:r>
+                        <a:rPr lang="pt-BR" sz="2000" dirty="0">
+                          <a:latin typeface="Arial" panose="020B0604020202020204" pitchFamily="34" charset="0"/>
+                          <a:cs typeface="Arial" panose="020B0604020202020204" pitchFamily="34" charset="0"/>
+                        </a:rPr>
+                        <a:t> </a:t>
+                      </a:r>
+                      <a:r>
+                        <a:rPr lang="pt-BR" sz="2000" dirty="0">
+                          <a:solidFill>
+                            <a:schemeClr val="accent6">
+                              <a:lumMod val="75000"/>
+                            </a:schemeClr>
+                          </a:solidFill>
+                          <a:latin typeface="Arial" panose="020B0604020202020204" pitchFamily="34" charset="0"/>
+                          <a:cs typeface="Arial" panose="020B0604020202020204" pitchFamily="34" charset="0"/>
+                        </a:rPr>
+                        <a:t>open</a:t>
+                      </a:r>
+                      <a:r>
+                        <a:rPr lang="pt-BR" sz="2000" dirty="0">
+                          <a:latin typeface="Arial" panose="020B0604020202020204" pitchFamily="34" charset="0"/>
+                          <a:cs typeface="Arial" panose="020B0604020202020204" pitchFamily="34" charset="0"/>
+                        </a:rPr>
+                        <a:t>(</a:t>
+                      </a:r>
+                      <a:r>
+                        <a:rPr lang="pt-BR" sz="2000" dirty="0">
+                          <a:solidFill>
+                            <a:srgbClr val="006600"/>
+                          </a:solidFill>
+                          <a:latin typeface="Arial" panose="020B0604020202020204" pitchFamily="34" charset="0"/>
+                          <a:cs typeface="Arial" panose="020B0604020202020204" pitchFamily="34" charset="0"/>
+                        </a:rPr>
+                        <a:t>'nomearquivo.txt'</a:t>
+                      </a:r>
+                      <a:r>
+                        <a:rPr lang="pt-BR" sz="2000" dirty="0">
+                          <a:solidFill>
+                            <a:srgbClr val="CE6D0C"/>
+                          </a:solidFill>
+                          <a:latin typeface="Arial" panose="020B0604020202020204" pitchFamily="34" charset="0"/>
+                          <a:cs typeface="Arial" panose="020B0604020202020204" pitchFamily="34" charset="0"/>
+                        </a:rPr>
+                        <a:t> , </a:t>
+                      </a:r>
+                      <a:r>
+                        <a:rPr lang="pt-BR" sz="2000" dirty="0">
+                          <a:solidFill>
+                            <a:srgbClr val="006600"/>
+                          </a:solidFill>
+                          <a:latin typeface="Arial" panose="020B0604020202020204" pitchFamily="34" charset="0"/>
+                          <a:cs typeface="Arial" panose="020B0604020202020204" pitchFamily="34" charset="0"/>
+                        </a:rPr>
+                        <a:t>'X’</a:t>
+                      </a:r>
+                      <a:r>
+                        <a:rPr lang="pt-BR" sz="2000" dirty="0">
+                          <a:latin typeface="Arial" panose="020B0604020202020204" pitchFamily="34" charset="0"/>
+                          <a:cs typeface="Arial" panose="020B0604020202020204" pitchFamily="34" charset="0"/>
+                        </a:rPr>
+                        <a:t>) </a:t>
+                      </a:r>
+                      <a:r>
+                        <a:rPr lang="pt-BR" sz="2000" dirty="0">
+                          <a:solidFill>
+                            <a:srgbClr val="CE6D0C"/>
+                          </a:solidFill>
+                          <a:latin typeface="Arial" panose="020B0604020202020204" pitchFamily="34" charset="0"/>
+                          <a:cs typeface="Arial" panose="020B0604020202020204" pitchFamily="34" charset="0"/>
+                        </a:rPr>
+                        <a:t>as</a:t>
+                      </a:r>
+                      <a:r>
+                        <a:rPr lang="pt-BR" sz="2000" dirty="0">
+                          <a:latin typeface="Arial" panose="020B0604020202020204" pitchFamily="34" charset="0"/>
+                          <a:cs typeface="Arial" panose="020B0604020202020204" pitchFamily="34" charset="0"/>
+                        </a:rPr>
+                        <a:t> variavel</a:t>
+                      </a:r>
+                    </a:p>
+                  </a:txBody>
+                  <a:tcPr/>
+                </a:tc>
+                <a:extLst>
+                  <a:ext uri="{0D108BD9-81ED-4DB2-BD59-A6C34878D82A}">
+                    <a16:rowId xmlns:a16="http://schemas.microsoft.com/office/drawing/2014/main" val="1566457539"/>
+                  </a:ext>
+                </a:extLst>
+              </a:tr>
+            </a:tbl>
+          </a:graphicData>
+        </a:graphic>
+      </p:graphicFrame>
+    </p:spTree>
+    <p:extLst>
+      <p:ext uri="{BB962C8B-B14F-4D97-AF65-F5344CB8AC3E}">
+        <p14:creationId xmlns:p14="http://schemas.microsoft.com/office/powerpoint/2010/main" val="3533120128"/>
+      </p:ext>
+    </p:extLst>
+  </p:cSld>
+  <p:clrMapOvr>
+    <a:masterClrMapping/>
+  </p:clrMapOvr>
+</p:sld>
+</file>
+
+<file path=ppt/slides/slide3.xml><?xml version="1.0" encoding="utf-8"?>
+<p:sld xmlns:a="http://schemas.openxmlformats.org/drawingml/2006/main" xmlns:r="http://schemas.openxmlformats.org/officeDocument/2006/relationships" xmlns:p="http://schemas.openxmlformats.org/presentationml/2006/main">
+  <p:cSld>
+    <p:spTree>
+      <p:nvGrpSpPr>
+        <p:cNvPr id="1" name=""/>
+        <p:cNvGrpSpPr/>
+        <p:nvPr/>
+      </p:nvGrpSpPr>
+      <p:grpSpPr>
+        <a:xfrm>
+          <a:off x="0" y="0"/>
+          <a:ext cx="0" cy="0"/>
+          <a:chOff x="0" y="0"/>
+          <a:chExt cx="0" cy="0"/>
+        </a:xfrm>
+      </p:grpSpPr>
+      <p:sp>
+        <p:nvSpPr>
+          <p:cNvPr id="2" name="Título 1">
+            <a:extLst>
+              <a:ext uri="{FF2B5EF4-FFF2-40B4-BE49-F238E27FC236}">
+                <a16:creationId xmlns:a16="http://schemas.microsoft.com/office/drawing/2014/main" id="{B9C7807E-558B-4D70-A39E-CA09E9E17DE2}"/>
+              </a:ext>
+            </a:extLst>
+          </p:cNvPr>
+          <p:cNvSpPr>
+            <a:spLocks noGrp="1"/>
+          </p:cNvSpPr>
+          <p:nvPr>
+            <p:ph type="title"/>
+          </p:nvPr>
+        </p:nvSpPr>
+        <p:spPr/>
+        <p:txBody>
+          <a:bodyPr/>
+          <a:lstStyle/>
+          <a:p>
+            <a:r>
+              <a:rPr lang="pt-BR" dirty="0"/>
+              <a:t>Mas qual a diferença entre os dois?</a:t>
+            </a:r>
+          </a:p>
+        </p:txBody>
+      </p:sp>
+      <p:sp>
+        <p:nvSpPr>
+          <p:cNvPr id="3" name="Espaço Reservado para Conteúdo 2">
+            <a:extLst>
+              <a:ext uri="{FF2B5EF4-FFF2-40B4-BE49-F238E27FC236}">
+                <a16:creationId xmlns:a16="http://schemas.microsoft.com/office/drawing/2014/main" id="{D48F6F9F-9780-4CA0-BCE1-C270B3C9E7C3}"/>
+              </a:ext>
+            </a:extLst>
+          </p:cNvPr>
+          <p:cNvSpPr>
+            <a:spLocks noGrp="1"/>
+          </p:cNvSpPr>
+          <p:nvPr>
+            <p:ph idx="1"/>
+          </p:nvPr>
+        </p:nvSpPr>
+        <p:spPr/>
+        <p:txBody>
+          <a:bodyPr/>
+          <a:lstStyle/>
+          <a:p>
+            <a:pPr marL="0" indent="0">
+              <a:spcAft>
+                <a:spcPts val="3000"/>
+              </a:spcAft>
+              <a:buNone/>
+            </a:pPr>
+            <a:r>
+              <a:rPr lang="pt-BR" dirty="0"/>
+              <a:t>O </a:t>
+            </a:r>
+            <a:r>
+              <a:rPr lang="pt-BR" dirty="0" err="1">
+                <a:solidFill>
+                  <a:srgbClr val="CE6D0C"/>
+                </a:solidFill>
+              </a:rPr>
+              <a:t>with</a:t>
+            </a:r>
+            <a:r>
+              <a:rPr lang="pt-BR" dirty="0"/>
+              <a:t> </a:t>
+            </a:r>
+            <a:r>
+              <a:rPr lang="pt-BR" dirty="0">
+                <a:solidFill>
+                  <a:schemeClr val="accent6">
+                    <a:lumMod val="75000"/>
+                  </a:schemeClr>
+                </a:solidFill>
+              </a:rPr>
+              <a:t>open</a:t>
+            </a:r>
+            <a:r>
+              <a:rPr lang="pt-BR" dirty="0"/>
+              <a:t>() garante que você não se esqueça de fechar o arquivo, evitando problemas.</a:t>
+            </a:r>
+          </a:p>
+          <a:p>
+            <a:pPr marL="0" indent="0">
+              <a:spcAft>
+                <a:spcPts val="3000"/>
+              </a:spcAft>
+              <a:buNone/>
+            </a:pPr>
+            <a:r>
+              <a:rPr lang="pt-BR" dirty="0"/>
+              <a:t>Então quando você o utiliza, não é necessário fechar o arquivo, diferente do </a:t>
+            </a:r>
+            <a:r>
+              <a:rPr lang="pt-BR" dirty="0">
+                <a:solidFill>
+                  <a:schemeClr val="accent6">
+                    <a:lumMod val="75000"/>
+                  </a:schemeClr>
+                </a:solidFill>
+              </a:rPr>
+              <a:t>open</a:t>
+            </a:r>
+            <a:r>
+              <a:rPr lang="pt-BR" dirty="0"/>
+              <a:t>().</a:t>
+            </a:r>
+          </a:p>
+          <a:p>
+            <a:pPr marL="0" indent="0">
+              <a:buNone/>
+            </a:pPr>
+            <a:r>
+              <a:rPr lang="pt-BR" dirty="0"/>
+              <a:t>Porém, quando o </a:t>
+            </a:r>
+            <a:r>
+              <a:rPr lang="pt-BR" dirty="0" err="1">
+                <a:solidFill>
+                  <a:schemeClr val="accent2">
+                    <a:lumMod val="75000"/>
+                  </a:schemeClr>
+                </a:solidFill>
+              </a:rPr>
+              <a:t>with</a:t>
+            </a:r>
+            <a:r>
+              <a:rPr lang="pt-BR" dirty="0"/>
+              <a:t> </a:t>
+            </a:r>
+            <a:r>
+              <a:rPr lang="pt-BR" dirty="0">
+                <a:solidFill>
+                  <a:schemeClr val="accent6">
+                    <a:lumMod val="75000"/>
+                  </a:schemeClr>
+                </a:solidFill>
+              </a:rPr>
+              <a:t>open</a:t>
+            </a:r>
+            <a:r>
+              <a:rPr lang="pt-BR" dirty="0"/>
+              <a:t>() é utilizado, todo o código deve ser </a:t>
+            </a:r>
+            <a:r>
+              <a:rPr lang="pt-BR" dirty="0" err="1"/>
+              <a:t>identado</a:t>
+            </a:r>
+            <a:r>
+              <a:rPr lang="pt-BR" dirty="0"/>
+              <a:t>.</a:t>
+            </a:r>
+          </a:p>
+          <a:p>
+            <a:pPr marL="0" indent="0">
+              <a:buNone/>
+            </a:pPr>
+            <a:endParaRPr lang="pt-BR" dirty="0"/>
+          </a:p>
+          <a:p>
+            <a:pPr marL="0" indent="0">
+              <a:buNone/>
+            </a:pPr>
+            <a:endParaRPr lang="pt-BR" dirty="0"/>
+          </a:p>
+        </p:txBody>
+      </p:sp>
+    </p:spTree>
+    <p:extLst>
+      <p:ext uri="{BB962C8B-B14F-4D97-AF65-F5344CB8AC3E}">
+        <p14:creationId xmlns:p14="http://schemas.microsoft.com/office/powerpoint/2010/main" val="781084067"/>
+      </p:ext>
+    </p:extLst>
+  </p:cSld>
+  <p:clrMapOvr>
+    <a:masterClrMapping/>
+  </p:clrMapOvr>
+</p:sld>
+</file>
+
+<file path=ppt/slides/slide4.xml><?xml version="1.0" encoding="utf-8"?>
+<p:sld xmlns:a="http://schemas.openxmlformats.org/drawingml/2006/main" xmlns:r="http://schemas.openxmlformats.org/officeDocument/2006/relationships" xmlns:p="http://schemas.openxmlformats.org/presentationml/2006/main">
+  <p:cSld>
+    <p:spTree>
+      <p:nvGrpSpPr>
+        <p:cNvPr id="1" name=""/>
+        <p:cNvGrpSpPr/>
+        <p:nvPr/>
+      </p:nvGrpSpPr>
+      <p:grpSpPr>
+        <a:xfrm>
+          <a:off x="0" y="0"/>
+          <a:ext cx="0" cy="0"/>
+          <a:chOff x="0" y="0"/>
+          <a:chExt cx="0" cy="0"/>
+        </a:xfrm>
+      </p:grpSpPr>
+      <p:sp>
+        <p:nvSpPr>
+          <p:cNvPr id="2" name="Título 1">
+            <a:extLst>
+              <a:ext uri="{FF2B5EF4-FFF2-40B4-BE49-F238E27FC236}">
+                <a16:creationId xmlns:a16="http://schemas.microsoft.com/office/drawing/2014/main" id="{219F6DCC-3BF2-4567-9DA2-19C289FB3E69}"/>
+              </a:ext>
+            </a:extLst>
+          </p:cNvPr>
+          <p:cNvSpPr>
+            <a:spLocks noGrp="1"/>
+          </p:cNvSpPr>
+          <p:nvPr>
+            <p:ph type="title"/>
+          </p:nvPr>
+        </p:nvSpPr>
+        <p:spPr/>
+        <p:txBody>
+          <a:bodyPr/>
+          <a:lstStyle/>
+          <a:p>
+            <a:r>
+              <a:rPr lang="pt-BR" dirty="0"/>
+              <a:t>Alguns modos de abrir arquivos</a:t>
+            </a:r>
+          </a:p>
+        </p:txBody>
+      </p:sp>
+      <p:sp>
+        <p:nvSpPr>
+          <p:cNvPr id="3" name="Espaço Reservado para Conteúdo 2">
+            <a:extLst>
+              <a:ext uri="{FF2B5EF4-FFF2-40B4-BE49-F238E27FC236}">
+                <a16:creationId xmlns:a16="http://schemas.microsoft.com/office/drawing/2014/main" id="{C019C9F8-0644-48D8-B1A6-54A1CA091863}"/>
+              </a:ext>
+            </a:extLst>
+          </p:cNvPr>
+          <p:cNvSpPr>
+            <a:spLocks noGrp="1"/>
+          </p:cNvSpPr>
+          <p:nvPr>
+            <p:ph idx="1"/>
+          </p:nvPr>
+        </p:nvSpPr>
+        <p:spPr>
+          <a:xfrm>
+            <a:off x="838200" y="1424763"/>
+            <a:ext cx="10515600" cy="4752200"/>
+          </a:xfrm>
+        </p:spPr>
+        <p:txBody>
+          <a:bodyPr/>
+          <a:lstStyle/>
+          <a:p>
+            <a:pPr marL="0" indent="0" fontAlgn="base">
+              <a:lnSpc>
+                <a:spcPct val="200000"/>
+              </a:lnSpc>
+              <a:buNone/>
+            </a:pPr>
+            <a:r>
+              <a:rPr lang="pt-BR" dirty="0"/>
+              <a:t>Trocando aquele X por:</a:t>
+            </a:r>
+          </a:p>
+          <a:p>
+            <a:pPr fontAlgn="base"/>
+            <a:r>
+              <a:rPr lang="pt-BR" dirty="0">
+                <a:solidFill>
+                  <a:srgbClr val="006600"/>
+                </a:solidFill>
+              </a:rPr>
+              <a:t>'</a:t>
+            </a:r>
+            <a:r>
+              <a:rPr lang="pt-BR" b="1" dirty="0">
+                <a:solidFill>
+                  <a:srgbClr val="006600"/>
+                </a:solidFill>
+              </a:rPr>
+              <a:t>r</a:t>
+            </a:r>
+            <a:r>
+              <a:rPr lang="pt-BR" dirty="0">
+                <a:solidFill>
+                  <a:srgbClr val="006600"/>
+                </a:solidFill>
+              </a:rPr>
+              <a:t>' </a:t>
+            </a:r>
+            <a:r>
+              <a:rPr lang="pt-BR" dirty="0"/>
+              <a:t>–  Quando o arquivo só será lido (na mesma pasta que está o arquivo.py).</a:t>
+            </a:r>
+          </a:p>
+          <a:p>
+            <a:pPr fontAlgn="base"/>
+            <a:r>
+              <a:rPr lang="pt-BR" dirty="0">
+                <a:solidFill>
+                  <a:srgbClr val="006600"/>
+                </a:solidFill>
+              </a:rPr>
+              <a:t>'</a:t>
+            </a:r>
+            <a:r>
+              <a:rPr lang="pt-BR" b="1" dirty="0">
+                <a:solidFill>
+                  <a:srgbClr val="006600"/>
+                </a:solidFill>
+              </a:rPr>
+              <a:t>w</a:t>
+            </a:r>
+            <a:r>
+              <a:rPr lang="pt-BR" dirty="0">
+                <a:solidFill>
+                  <a:srgbClr val="006600"/>
+                </a:solidFill>
+              </a:rPr>
+              <a:t>' </a:t>
+            </a:r>
+            <a:r>
+              <a:rPr lang="pt-BR" dirty="0"/>
+              <a:t>–  Para apenas escrever (um arquivo existente com o mesmo nome será apagado).</a:t>
+            </a:r>
+          </a:p>
+          <a:p>
+            <a:pPr fontAlgn="base"/>
+            <a:r>
+              <a:rPr lang="pt-BR" dirty="0">
+                <a:solidFill>
+                  <a:srgbClr val="006600"/>
+                </a:solidFill>
+              </a:rPr>
+              <a:t>‘</a:t>
+            </a:r>
+            <a:r>
+              <a:rPr lang="pt-BR" b="1" dirty="0">
+                <a:solidFill>
+                  <a:srgbClr val="006600"/>
+                </a:solidFill>
+              </a:rPr>
+              <a:t>r+</a:t>
+            </a:r>
+            <a:r>
+              <a:rPr lang="pt-BR" dirty="0">
+                <a:solidFill>
+                  <a:srgbClr val="006600"/>
+                </a:solidFill>
+              </a:rPr>
+              <a:t>’</a:t>
+            </a:r>
+            <a:r>
+              <a:rPr lang="pt-BR" b="1" dirty="0">
+                <a:solidFill>
+                  <a:srgbClr val="006600"/>
+                </a:solidFill>
+              </a:rPr>
+              <a:t> </a:t>
+            </a:r>
+            <a:r>
+              <a:rPr lang="pt-BR" dirty="0"/>
+              <a:t>–</a:t>
+            </a:r>
+            <a:r>
+              <a:rPr lang="pt-BR" b="1" dirty="0"/>
+              <a:t> </a:t>
+            </a:r>
+            <a:r>
+              <a:rPr lang="pt-BR" dirty="0"/>
+              <a:t>Abre o arquivo para leitura e escrita. Porém, o arquivo já deve existir (na mesma pasta que está o arquivo.py).</a:t>
+            </a:r>
+            <a:endParaRPr lang="pt-BR" b="1" dirty="0">
+              <a:solidFill>
+                <a:srgbClr val="006600"/>
+              </a:solidFill>
+            </a:endParaRPr>
+          </a:p>
+          <a:p>
+            <a:pPr fontAlgn="base"/>
+            <a:r>
+              <a:rPr lang="pt-BR" dirty="0">
+                <a:solidFill>
+                  <a:srgbClr val="006600"/>
+                </a:solidFill>
+              </a:rPr>
+              <a:t>'</a:t>
+            </a:r>
+            <a:r>
+              <a:rPr lang="pt-BR" b="1" dirty="0">
+                <a:solidFill>
+                  <a:srgbClr val="006600"/>
+                </a:solidFill>
+              </a:rPr>
+              <a:t>w+</a:t>
+            </a:r>
+            <a:r>
+              <a:rPr lang="pt-BR" dirty="0">
+                <a:solidFill>
+                  <a:srgbClr val="006600"/>
+                </a:solidFill>
+              </a:rPr>
+              <a:t>' </a:t>
+            </a:r>
+            <a:r>
+              <a:rPr lang="pt-BR" dirty="0"/>
+              <a:t>–  Abre o arquivo para leitura e escrita. Se o arquivo já existir, ele será deletado.</a:t>
+            </a:r>
+          </a:p>
+          <a:p>
+            <a:endParaRPr lang="pt-BR" dirty="0"/>
+          </a:p>
+        </p:txBody>
+      </p:sp>
+    </p:spTree>
+    <p:extLst>
+      <p:ext uri="{BB962C8B-B14F-4D97-AF65-F5344CB8AC3E}">
+        <p14:creationId xmlns:p14="http://schemas.microsoft.com/office/powerpoint/2010/main" val="1754965572"/>
+      </p:ext>
+    </p:extLst>
+  </p:cSld>
+  <p:clrMapOvr>
+    <a:masterClrMapping/>
+  </p:clrMapOvr>
+</p:sld>
+</file>
+
+<file path=ppt/slides/slide5.xml><?xml version="1.0" encoding="utf-8"?>
+<p:sld xmlns:a="http://schemas.openxmlformats.org/drawingml/2006/main" xmlns:r="http://schemas.openxmlformats.org/officeDocument/2006/relationships" xmlns:p="http://schemas.openxmlformats.org/presentationml/2006/main">
+  <p:cSld>
+    <p:spTree>
+      <p:nvGrpSpPr>
+        <p:cNvPr id="1" name=""/>
+        <p:cNvGrpSpPr/>
+        <p:nvPr/>
+      </p:nvGrpSpPr>
+      <p:grpSpPr>
+        <a:xfrm>
+          <a:off x="0" y="0"/>
+          <a:ext cx="0" cy="0"/>
+          <a:chOff x="0" y="0"/>
+          <a:chExt cx="0" cy="0"/>
+        </a:xfrm>
+      </p:grpSpPr>
+      <p:sp>
+        <p:nvSpPr>
+          <p:cNvPr id="2" name="Título 1">
+            <a:extLst>
+              <a:ext uri="{FF2B5EF4-FFF2-40B4-BE49-F238E27FC236}">
+                <a16:creationId xmlns:a16="http://schemas.microsoft.com/office/drawing/2014/main" id="{969E4A79-4A72-44B9-8C27-2B41AD3C8D60}"/>
+              </a:ext>
+            </a:extLst>
+          </p:cNvPr>
+          <p:cNvSpPr>
+            <a:spLocks noGrp="1"/>
+          </p:cNvSpPr>
+          <p:nvPr>
+            <p:ph type="title"/>
+          </p:nvPr>
+        </p:nvSpPr>
+        <p:spPr/>
+        <p:txBody>
+          <a:bodyPr/>
+          <a:lstStyle/>
+          <a:p>
+            <a:r>
+              <a:rPr lang="pt-BR" dirty="0"/>
+              <a:t>strip() e split()</a:t>
+            </a:r>
+          </a:p>
+        </p:txBody>
+      </p:sp>
+      <p:graphicFrame>
+        <p:nvGraphicFramePr>
+          <p:cNvPr id="4" name="Espaço Reservado para Conteúdo 3">
+            <a:extLst>
+              <a:ext uri="{FF2B5EF4-FFF2-40B4-BE49-F238E27FC236}">
+                <a16:creationId xmlns:a16="http://schemas.microsoft.com/office/drawing/2014/main" id="{6974FC01-E9B5-4F69-8FA8-CD057E01CEFE}"/>
+              </a:ext>
+            </a:extLst>
+          </p:cNvPr>
+          <p:cNvGraphicFramePr>
+            <a:graphicFrameLocks noGrp="1"/>
+          </p:cNvGraphicFramePr>
+          <p:nvPr>
+            <p:ph idx="1"/>
+            <p:extLst>
+              <p:ext uri="{D42A27DB-BD31-4B8C-83A1-F6EECF244321}">
+                <p14:modId xmlns:p14="http://schemas.microsoft.com/office/powerpoint/2010/main" val="957709947"/>
+              </p:ext>
+            </p:extLst>
+          </p:nvPr>
+        </p:nvGraphicFramePr>
+        <p:xfrm>
+          <a:off x="838200" y="1525822"/>
+          <a:ext cx="9190220" cy="3108960"/>
+        </p:xfrm>
+        <a:graphic>
+          <a:graphicData uri="http://schemas.openxmlformats.org/drawingml/2006/table">
+            <a:tbl>
+              <a:tblPr firstRow="1" bandRow="1">
+                <a:tableStyleId>{16D9F66E-5EB9-4882-86FB-DCBF35E3C3E4}</a:tableStyleId>
+              </a:tblPr>
+              <a:tblGrid>
+                <a:gridCol w="9190220">
+                  <a:extLst>
+                    <a:ext uri="{9D8B030D-6E8A-4147-A177-3AD203B41FA5}">
+                      <a16:colId xmlns:a16="http://schemas.microsoft.com/office/drawing/2014/main" val="69212332"/>
+                    </a:ext>
+                  </a:extLst>
+                </a:gridCol>
+              </a:tblGrid>
+              <a:tr h="370840">
+                <a:tc>
+                  <a:txBody>
+                    <a:bodyPr/>
+                    <a:lstStyle/>
+                    <a:p>
+                      <a:r>
+                        <a:rPr lang="pt-BR" dirty="0" err="1"/>
+                        <a:t>temp</a:t>
+                      </a:r>
+                      <a:r>
+                        <a:rPr lang="pt-BR" dirty="0"/>
+                        <a:t> = </a:t>
+                      </a:r>
+                      <a:r>
+                        <a:rPr lang="pt-BR" dirty="0">
+                          <a:solidFill>
+                            <a:srgbClr val="006600"/>
+                          </a:solidFill>
+                        </a:rPr>
+                        <a:t>“*****EXEMPLO*****”</a:t>
+                      </a:r>
+                    </a:p>
+                    <a:p>
+                      <a:r>
+                        <a:rPr lang="pt-BR" dirty="0">
+                          <a:solidFill>
+                            <a:schemeClr val="accent6">
+                              <a:lumMod val="75000"/>
+                            </a:schemeClr>
+                          </a:solidFill>
+                        </a:rPr>
+                        <a:t>print</a:t>
+                      </a:r>
+                      <a:r>
+                        <a:rPr lang="pt-BR" dirty="0"/>
+                        <a:t>(</a:t>
+                      </a:r>
+                      <a:r>
+                        <a:rPr lang="pt-BR" dirty="0" err="1"/>
+                        <a:t>temp.strip</a:t>
+                      </a:r>
+                      <a:r>
+                        <a:rPr lang="pt-BR" dirty="0">
+                          <a:solidFill>
+                            <a:schemeClr val="tx1"/>
+                          </a:solidFill>
+                        </a:rPr>
+                        <a:t>(</a:t>
+                      </a:r>
+                      <a:r>
+                        <a:rPr lang="pt-BR" dirty="0">
+                          <a:solidFill>
+                            <a:srgbClr val="006600"/>
+                          </a:solidFill>
+                        </a:rPr>
+                        <a:t>‘*’</a:t>
+                      </a:r>
+                      <a:r>
+                        <a:rPr lang="pt-BR" dirty="0"/>
+                        <a:t>)</a:t>
+                      </a:r>
+                    </a:p>
+                    <a:p>
+                      <a:endParaRPr lang="pt-BR" dirty="0"/>
+                    </a:p>
+                    <a:p>
+                      <a:r>
+                        <a:rPr lang="pt-BR" dirty="0">
+                          <a:solidFill>
+                            <a:srgbClr val="C00000"/>
+                          </a:solidFill>
+                        </a:rPr>
+                        <a:t>Output:</a:t>
+                      </a:r>
+                    </a:p>
+                    <a:p>
+                      <a:r>
+                        <a:rPr lang="pt-BR" dirty="0">
+                          <a:solidFill>
+                            <a:srgbClr val="C00000"/>
+                          </a:solidFill>
+                        </a:rPr>
+                        <a:t>&gt;&gt;&gt;</a:t>
+                      </a:r>
+                      <a:r>
+                        <a:rPr lang="pt-BR" dirty="0"/>
+                        <a:t> </a:t>
+                      </a:r>
+                      <a:r>
+                        <a:rPr lang="pt-BR" dirty="0">
+                          <a:solidFill>
+                            <a:srgbClr val="006600"/>
+                          </a:solidFill>
+                        </a:rPr>
+                        <a:t>EXEMPLO</a:t>
+                      </a:r>
+                    </a:p>
+                    <a:p>
+                      <a:endParaRPr lang="pt-BR" dirty="0">
+                        <a:solidFill>
+                          <a:srgbClr val="006600"/>
+                        </a:solidFill>
+                      </a:endParaRPr>
+                    </a:p>
+                    <a:p>
+                      <a:r>
+                        <a:rPr lang="pt-BR" dirty="0" err="1">
+                          <a:solidFill>
+                            <a:schemeClr val="tx1"/>
+                          </a:solidFill>
+                        </a:rPr>
+                        <a:t>temp</a:t>
+                      </a:r>
+                      <a:r>
+                        <a:rPr lang="pt-BR" dirty="0">
+                          <a:solidFill>
+                            <a:schemeClr val="tx1"/>
+                          </a:solidFill>
+                        </a:rPr>
+                        <a:t> = </a:t>
+                      </a:r>
+                      <a:r>
+                        <a:rPr lang="pt-BR" dirty="0">
+                          <a:solidFill>
+                            <a:srgbClr val="006600"/>
+                          </a:solidFill>
+                        </a:rPr>
+                        <a:t>“*****EXEMPLO*****”</a:t>
+                      </a:r>
+                    </a:p>
+                    <a:p>
+                      <a:r>
+                        <a:rPr lang="pt-BR" dirty="0">
+                          <a:solidFill>
+                            <a:schemeClr val="accent6">
+                              <a:lumMod val="75000"/>
+                            </a:schemeClr>
+                          </a:solidFill>
+                        </a:rPr>
+                        <a:t>print</a:t>
+                      </a:r>
+                      <a:r>
+                        <a:rPr lang="pt-BR" dirty="0">
+                          <a:solidFill>
+                            <a:schemeClr val="tx1"/>
+                          </a:solidFill>
+                        </a:rPr>
+                        <a:t>(</a:t>
+                      </a:r>
+                      <a:r>
+                        <a:rPr lang="pt-BR" dirty="0" err="1">
+                          <a:solidFill>
+                            <a:schemeClr val="tx1"/>
+                          </a:solidFill>
+                        </a:rPr>
+                        <a:t>temp.lstrip</a:t>
+                      </a:r>
+                      <a:r>
+                        <a:rPr lang="pt-BR" dirty="0">
+                          <a:solidFill>
+                            <a:schemeClr val="tx1"/>
+                          </a:solidFill>
+                        </a:rPr>
+                        <a:t>(</a:t>
+                      </a:r>
+                      <a:r>
+                        <a:rPr lang="pt-BR" dirty="0">
+                          <a:solidFill>
+                            <a:srgbClr val="006600"/>
+                          </a:solidFill>
+                        </a:rPr>
+                        <a:t>‘*’</a:t>
+                      </a:r>
+                      <a:r>
+                        <a:rPr lang="pt-BR" dirty="0">
+                          <a:solidFill>
+                            <a:schemeClr val="tx1"/>
+                          </a:solidFill>
+                        </a:rPr>
+                        <a:t>)</a:t>
+                      </a:r>
+                      <a:r>
+                        <a:rPr lang="pt-BR" dirty="0">
+                          <a:solidFill>
+                            <a:srgbClr val="006600"/>
+                          </a:solidFill>
+                        </a:rPr>
+                        <a:t> </a:t>
+                      </a:r>
+                      <a:r>
+                        <a:rPr lang="pt-BR" dirty="0">
+                          <a:solidFill>
+                            <a:schemeClr val="bg1">
+                              <a:lumMod val="50000"/>
+                            </a:schemeClr>
+                          </a:solidFill>
+                        </a:rPr>
+                        <a:t>#ou </a:t>
+                      </a:r>
+                      <a:r>
+                        <a:rPr lang="pt-BR" dirty="0" err="1">
+                          <a:solidFill>
+                            <a:schemeClr val="bg1">
+                              <a:lumMod val="50000"/>
+                            </a:schemeClr>
+                          </a:solidFill>
+                        </a:rPr>
+                        <a:t>rstrip</a:t>
+                      </a:r>
+                      <a:r>
+                        <a:rPr lang="pt-BR" dirty="0">
+                          <a:solidFill>
+                            <a:schemeClr val="bg1">
+                              <a:lumMod val="50000"/>
+                            </a:schemeClr>
+                          </a:solidFill>
+                        </a:rPr>
+                        <a:t> para remover a direita</a:t>
+                      </a:r>
+                    </a:p>
+                    <a:p>
+                      <a:endParaRPr lang="pt-BR" dirty="0">
+                        <a:solidFill>
+                          <a:srgbClr val="006600"/>
+                        </a:solidFill>
+                      </a:endParaRPr>
+                    </a:p>
+                    <a:p>
+                      <a:r>
+                        <a:rPr lang="pt-BR" dirty="0">
+                          <a:solidFill>
+                            <a:srgbClr val="C00000"/>
+                          </a:solidFill>
+                        </a:rPr>
+                        <a:t>Output:</a:t>
+                      </a:r>
+                    </a:p>
+                    <a:p>
+                      <a:r>
+                        <a:rPr lang="pt-BR" dirty="0">
+                          <a:solidFill>
+                            <a:srgbClr val="C00000"/>
+                          </a:solidFill>
+                        </a:rPr>
+                        <a:t>&gt;&gt;&gt;</a:t>
+                      </a:r>
+                      <a:r>
+                        <a:rPr lang="pt-BR" dirty="0">
+                          <a:solidFill>
+                            <a:srgbClr val="006600"/>
+                          </a:solidFill>
+                        </a:rPr>
+                        <a:t> EXEMPLO*****</a:t>
+                      </a:r>
+                    </a:p>
+                  </a:txBody>
+                  <a:tcPr/>
+                </a:tc>
+                <a:extLst>
+                  <a:ext uri="{0D108BD9-81ED-4DB2-BD59-A6C34878D82A}">
+                    <a16:rowId xmlns:a16="http://schemas.microsoft.com/office/drawing/2014/main" val="4150603789"/>
+                  </a:ext>
+                </a:extLst>
+              </a:tr>
+            </a:tbl>
+          </a:graphicData>
+        </a:graphic>
+      </p:graphicFrame>
+      <p:graphicFrame>
+        <p:nvGraphicFramePr>
+          <p:cNvPr id="5" name="Tabela 4">
+            <a:extLst>
+              <a:ext uri="{FF2B5EF4-FFF2-40B4-BE49-F238E27FC236}">
+                <a16:creationId xmlns:a16="http://schemas.microsoft.com/office/drawing/2014/main" id="{C386144A-D224-44CC-B6B0-9B1F99657399}"/>
+              </a:ext>
+            </a:extLst>
+          </p:cNvPr>
+          <p:cNvGraphicFramePr>
+            <a:graphicFrameLocks noGrp="1"/>
+          </p:cNvGraphicFramePr>
+          <p:nvPr>
+            <p:extLst>
+              <p:ext uri="{D42A27DB-BD31-4B8C-83A1-F6EECF244321}">
+                <p14:modId xmlns:p14="http://schemas.microsoft.com/office/powerpoint/2010/main" val="3961485720"/>
+              </p:ext>
+            </p:extLst>
+          </p:nvPr>
+        </p:nvGraphicFramePr>
+        <p:xfrm>
+          <a:off x="838200" y="5029835"/>
+          <a:ext cx="9190219" cy="1463040"/>
+        </p:xfrm>
+        <a:graphic>
+          <a:graphicData uri="http://schemas.openxmlformats.org/drawingml/2006/table">
+            <a:tbl>
+              <a:tblPr firstRow="1" bandRow="1">
+                <a:tableStyleId>{16D9F66E-5EB9-4882-86FB-DCBF35E3C3E4}</a:tableStyleId>
+              </a:tblPr>
+              <a:tblGrid>
+                <a:gridCol w="9190219">
+                  <a:extLst>
+                    <a:ext uri="{9D8B030D-6E8A-4147-A177-3AD203B41FA5}">
+                      <a16:colId xmlns:a16="http://schemas.microsoft.com/office/drawing/2014/main" val="1721364795"/>
+                    </a:ext>
+                  </a:extLst>
+                </a:gridCol>
+              </a:tblGrid>
+              <a:tr h="370840">
+                <a:tc>
+                  <a:txBody>
+                    <a:bodyPr/>
+                    <a:lstStyle/>
+                    <a:p>
+                      <a:r>
+                        <a:rPr lang="pt-BR" dirty="0" err="1"/>
+                        <a:t>temp</a:t>
+                      </a:r>
+                      <a:r>
+                        <a:rPr lang="pt-BR" dirty="0"/>
+                        <a:t> = </a:t>
+                      </a:r>
+                      <a:r>
+                        <a:rPr lang="pt-BR" dirty="0">
+                          <a:solidFill>
+                            <a:srgbClr val="006600"/>
+                          </a:solidFill>
+                        </a:rPr>
+                        <a:t>“isto é uma frase”</a:t>
+                      </a:r>
+                    </a:p>
+                    <a:p>
+                      <a:r>
+                        <a:rPr lang="pt-BR" dirty="0">
+                          <a:solidFill>
+                            <a:schemeClr val="accent6">
+                              <a:lumMod val="75000"/>
+                            </a:schemeClr>
+                          </a:solidFill>
+                        </a:rPr>
+                        <a:t>print</a:t>
+                      </a:r>
+                      <a:r>
+                        <a:rPr lang="pt-BR" dirty="0"/>
+                        <a:t>(</a:t>
+                      </a:r>
+                      <a:r>
+                        <a:rPr lang="pt-BR" dirty="0" err="1"/>
+                        <a:t>temp.split</a:t>
+                      </a:r>
+                      <a:r>
+                        <a:rPr lang="pt-BR" dirty="0"/>
+                        <a:t>())</a:t>
+                      </a:r>
+                    </a:p>
+                    <a:p>
+                      <a:endParaRPr lang="pt-BR" dirty="0"/>
+                    </a:p>
+                    <a:p>
+                      <a:r>
+                        <a:rPr lang="pt-BR" dirty="0">
+                          <a:solidFill>
+                            <a:srgbClr val="C00000"/>
+                          </a:solidFill>
+                        </a:rPr>
+                        <a:t>Output:</a:t>
+                      </a:r>
+                    </a:p>
+                    <a:p>
+                      <a:r>
+                        <a:rPr lang="pt-BR" dirty="0">
+                          <a:solidFill>
+                            <a:srgbClr val="C00000"/>
+                          </a:solidFill>
+                        </a:rPr>
+                        <a:t>&gt;&gt;&gt; </a:t>
+                      </a:r>
+                      <a:r>
+                        <a:rPr lang="pt-BR" dirty="0"/>
+                        <a:t>[</a:t>
+                      </a:r>
+                      <a:r>
+                        <a:rPr lang="pt-BR" dirty="0">
+                          <a:solidFill>
+                            <a:srgbClr val="006600"/>
+                          </a:solidFill>
+                        </a:rPr>
+                        <a:t>‘isto’</a:t>
+                      </a:r>
+                      <a:r>
+                        <a:rPr lang="pt-BR" dirty="0"/>
+                        <a:t>, </a:t>
+                      </a:r>
+                      <a:r>
+                        <a:rPr lang="pt-BR" dirty="0">
+                          <a:solidFill>
+                            <a:srgbClr val="006600"/>
+                          </a:solidFill>
+                        </a:rPr>
+                        <a:t>‘é’</a:t>
+                      </a:r>
+                      <a:r>
+                        <a:rPr lang="pt-BR" dirty="0"/>
+                        <a:t>, </a:t>
+                      </a:r>
+                      <a:r>
+                        <a:rPr lang="pt-BR" dirty="0">
+                          <a:solidFill>
+                            <a:srgbClr val="006600"/>
+                          </a:solidFill>
+                        </a:rPr>
+                        <a:t>‘uma’</a:t>
+                      </a:r>
+                      <a:r>
+                        <a:rPr lang="pt-BR" dirty="0"/>
+                        <a:t>, </a:t>
+                      </a:r>
+                      <a:r>
+                        <a:rPr lang="pt-BR" dirty="0">
+                          <a:solidFill>
+                            <a:srgbClr val="006600"/>
+                          </a:solidFill>
+                        </a:rPr>
+                        <a:t>‘frase’</a:t>
+                      </a:r>
+                      <a:r>
+                        <a:rPr lang="pt-BR" dirty="0"/>
+                        <a:t>]</a:t>
+                      </a:r>
+                    </a:p>
+                  </a:txBody>
+                  <a:tcPr/>
+                </a:tc>
+                <a:extLst>
+                  <a:ext uri="{0D108BD9-81ED-4DB2-BD59-A6C34878D82A}">
+                    <a16:rowId xmlns:a16="http://schemas.microsoft.com/office/drawing/2014/main" val="321807825"/>
+                  </a:ext>
+                </a:extLst>
+              </a:tr>
+            </a:tbl>
+          </a:graphicData>
+        </a:graphic>
+      </p:graphicFrame>
+    </p:spTree>
+    <p:extLst>
+      <p:ext uri="{BB962C8B-B14F-4D97-AF65-F5344CB8AC3E}">
+        <p14:creationId xmlns:p14="http://schemas.microsoft.com/office/powerpoint/2010/main" val="3132373865"/>
+      </p:ext>
+    </p:extLst>
+  </p:cSld>
+  <p:clrMapOvr>
+    <a:masterClrMapping/>
+  </p:clrMapOvr>
+</p:sld>
+</file>
+
+<file path=ppt/slides/slide6.xml><?xml version="1.0" encoding="utf-8"?>
+<p:sld xmlns:a="http://schemas.openxmlformats.org/drawingml/2006/main" xmlns:r="http://schemas.openxmlformats.org/officeDocument/2006/relationships" xmlns:p="http://schemas.openxmlformats.org/presentationml/2006/main">
+  <p:cSld>
+    <p:spTree>
+      <p:nvGrpSpPr>
+        <p:cNvPr id="1" name=""/>
+        <p:cNvGrpSpPr/>
+        <p:nvPr/>
+      </p:nvGrpSpPr>
+      <p:grpSpPr>
+        <a:xfrm>
+          <a:off x="0" y="0"/>
+          <a:ext cx="0" cy="0"/>
+          <a:chOff x="0" y="0"/>
+          <a:chExt cx="0" cy="0"/>
+        </a:xfrm>
+      </p:grpSpPr>
+      <p:sp>
+        <p:nvSpPr>
+          <p:cNvPr id="2" name="Espaço Reservado para Conteúdo 1">
+            <a:extLst>
+              <a:ext uri="{FF2B5EF4-FFF2-40B4-BE49-F238E27FC236}">
+                <a16:creationId xmlns:a16="http://schemas.microsoft.com/office/drawing/2014/main" id="{3E691A56-84EB-4AE7-B6EE-8C300D09001A}"/>
+              </a:ext>
+            </a:extLst>
+          </p:cNvPr>
+          <p:cNvSpPr>
+            <a:spLocks noGrp="1"/>
+          </p:cNvSpPr>
+          <p:nvPr>
+            <p:ph idx="13"/>
+          </p:nvPr>
+        </p:nvSpPr>
+        <p:spPr/>
+        <p:txBody>
+          <a:bodyPr/>
+          <a:lstStyle/>
+          <a:p>
+            <a:pPr marL="0" indent="0">
+              <a:buNone/>
+            </a:pPr>
+            <a:r>
+              <a:rPr lang="pt-BR" sz="3200" dirty="0"/>
+              <a:t>Escrevendo no arquivo:</a:t>
+            </a:r>
+          </a:p>
+          <a:p>
+            <a:pPr marL="0" indent="0">
+              <a:buNone/>
+            </a:pPr>
+            <a:endParaRPr lang="pt-BR" sz="3200" dirty="0"/>
+          </a:p>
+          <a:p>
+            <a:pPr marL="0" indent="0">
+              <a:buNone/>
+            </a:pPr>
+            <a:endParaRPr lang="pt-BR" sz="3200" dirty="0"/>
+          </a:p>
+          <a:p>
+            <a:pPr marL="0" indent="0">
+              <a:buNone/>
+            </a:pPr>
+            <a:r>
+              <a:rPr lang="pt-BR" sz="3200" dirty="0"/>
+              <a:t>Imprimindo tudo o que está no arquivo:</a:t>
+            </a:r>
+          </a:p>
+          <a:p>
+            <a:pPr marL="0" indent="0">
+              <a:buNone/>
+            </a:pPr>
+            <a:endParaRPr lang="pt-BR" sz="3200" dirty="0"/>
+          </a:p>
+          <a:p>
+            <a:pPr marL="0" indent="0">
+              <a:buNone/>
+            </a:pPr>
+            <a:endParaRPr lang="pt-BR" sz="3200" dirty="0"/>
+          </a:p>
+          <a:p>
+            <a:pPr marL="0" indent="0">
+              <a:buNone/>
+            </a:pPr>
+            <a:endParaRPr lang="pt-BR" sz="3200" dirty="0"/>
+          </a:p>
+          <a:p>
+            <a:pPr marL="0" indent="0">
+              <a:buNone/>
+            </a:pPr>
+            <a:r>
+              <a:rPr lang="pt-BR" sz="3200" dirty="0"/>
+              <a:t>Imprimindo palavra por palavra:</a:t>
+            </a:r>
+          </a:p>
+          <a:p>
+            <a:pPr marL="0" indent="0">
+              <a:buNone/>
+            </a:pPr>
+            <a:endParaRPr lang="pt-BR" sz="3200" dirty="0"/>
+          </a:p>
+          <a:p>
+            <a:pPr marL="0" indent="0">
+              <a:buNone/>
+            </a:pPr>
+            <a:endParaRPr lang="pt-BR" sz="3200" dirty="0"/>
+          </a:p>
+          <a:p>
+            <a:pPr marL="0" indent="0">
+              <a:buNone/>
+            </a:pPr>
+            <a:endParaRPr lang="pt-BR" sz="3200" dirty="0"/>
+          </a:p>
+          <a:p>
+            <a:pPr marL="0" indent="0">
+              <a:buNone/>
+            </a:pPr>
+            <a:endParaRPr lang="pt-BR" dirty="0"/>
+          </a:p>
+        </p:txBody>
+      </p:sp>
+      <p:graphicFrame>
+        <p:nvGraphicFramePr>
+          <p:cNvPr id="3" name="Tabela 2">
+            <a:extLst>
+              <a:ext uri="{FF2B5EF4-FFF2-40B4-BE49-F238E27FC236}">
+                <a16:creationId xmlns:a16="http://schemas.microsoft.com/office/drawing/2014/main" id="{C6B95874-4377-432E-AB47-232FA3864DCE}"/>
+              </a:ext>
+            </a:extLst>
+          </p:cNvPr>
+          <p:cNvGraphicFramePr>
+            <a:graphicFrameLocks noGrp="1"/>
+          </p:cNvGraphicFramePr>
+          <p:nvPr>
+            <p:extLst>
+              <p:ext uri="{D42A27DB-BD31-4B8C-83A1-F6EECF244321}">
+                <p14:modId xmlns:p14="http://schemas.microsoft.com/office/powerpoint/2010/main" val="4291529559"/>
+              </p:ext>
+            </p:extLst>
+          </p:nvPr>
+        </p:nvGraphicFramePr>
+        <p:xfrm>
+          <a:off x="378821" y="1166234"/>
+          <a:ext cx="9318071" cy="641302"/>
+        </p:xfrm>
+        <a:graphic>
+          <a:graphicData uri="http://schemas.openxmlformats.org/drawingml/2006/table">
+            <a:tbl>
+              <a:tblPr firstRow="1" bandRow="1">
+                <a:tableStyleId>{16D9F66E-5EB9-4882-86FB-DCBF35E3C3E4}</a:tableStyleId>
+              </a:tblPr>
+              <a:tblGrid>
+                <a:gridCol w="9318071">
+                  <a:extLst>
+                    <a:ext uri="{9D8B030D-6E8A-4147-A177-3AD203B41FA5}">
+                      <a16:colId xmlns:a16="http://schemas.microsoft.com/office/drawing/2014/main" val="2262118557"/>
+                    </a:ext>
+                  </a:extLst>
+                </a:gridCol>
+              </a:tblGrid>
+              <a:tr h="641302">
+                <a:tc>
+                  <a:txBody>
+                    <a:bodyPr/>
+                    <a:lstStyle/>
+                    <a:p>
+                      <a:r>
+                        <a:rPr lang="pt-BR" sz="2000" dirty="0" err="1">
+                          <a:latin typeface="Arial" panose="020B0604020202020204" pitchFamily="34" charset="0"/>
+                          <a:cs typeface="Arial" panose="020B0604020202020204" pitchFamily="34" charset="0"/>
+                        </a:rPr>
+                        <a:t>nomearquivo.write</a:t>
+                      </a:r>
+                      <a:r>
+                        <a:rPr lang="pt-BR" sz="2000" dirty="0">
+                          <a:latin typeface="Arial" panose="020B0604020202020204" pitchFamily="34" charset="0"/>
+                          <a:cs typeface="Arial" panose="020B0604020202020204" pitchFamily="34" charset="0"/>
+                        </a:rPr>
+                        <a:t>(</a:t>
+                      </a:r>
+                      <a:r>
+                        <a:rPr lang="pt-BR" sz="2000" dirty="0">
+                          <a:solidFill>
+                            <a:srgbClr val="006600"/>
+                          </a:solidFill>
+                          <a:latin typeface="Arial" panose="020B0604020202020204" pitchFamily="34" charset="0"/>
+                          <a:cs typeface="Arial" panose="020B0604020202020204" pitchFamily="34" charset="0"/>
+                        </a:rPr>
+                        <a:t>'O que você quiser'</a:t>
+                      </a:r>
+                      <a:r>
+                        <a:rPr lang="pt-BR" sz="2000" dirty="0">
+                          <a:solidFill>
+                            <a:schemeClr val="tx1"/>
+                          </a:solidFill>
+                          <a:latin typeface="Arial" panose="020B0604020202020204" pitchFamily="34" charset="0"/>
+                          <a:cs typeface="Arial" panose="020B0604020202020204" pitchFamily="34" charset="0"/>
+                        </a:rPr>
+                        <a:t>)</a:t>
+                      </a:r>
+                      <a:endParaRPr lang="pt-BR" sz="2000" dirty="0">
+                        <a:latin typeface="Arial" panose="020B0604020202020204" pitchFamily="34" charset="0"/>
+                        <a:cs typeface="Arial" panose="020B0604020202020204" pitchFamily="34" charset="0"/>
+                      </a:endParaRPr>
+                    </a:p>
+                  </a:txBody>
+                  <a:tcPr/>
+                </a:tc>
+                <a:extLst>
+                  <a:ext uri="{0D108BD9-81ED-4DB2-BD59-A6C34878D82A}">
+                    <a16:rowId xmlns:a16="http://schemas.microsoft.com/office/drawing/2014/main" val="664856540"/>
+                  </a:ext>
+                </a:extLst>
+              </a:tr>
+            </a:tbl>
+          </a:graphicData>
+        </a:graphic>
+      </p:graphicFrame>
+      <p:graphicFrame>
+        <p:nvGraphicFramePr>
+          <p:cNvPr id="4" name="Tabela 3">
+            <a:extLst>
+              <a:ext uri="{FF2B5EF4-FFF2-40B4-BE49-F238E27FC236}">
+                <a16:creationId xmlns:a16="http://schemas.microsoft.com/office/drawing/2014/main" id="{ADD810FB-B304-49F0-8161-8A53578C063C}"/>
+              </a:ext>
+            </a:extLst>
+          </p:cNvPr>
+          <p:cNvGraphicFramePr>
+            <a:graphicFrameLocks noGrp="1"/>
+          </p:cNvGraphicFramePr>
+          <p:nvPr>
+            <p:extLst>
+              <p:ext uri="{D42A27DB-BD31-4B8C-83A1-F6EECF244321}">
+                <p14:modId xmlns:p14="http://schemas.microsoft.com/office/powerpoint/2010/main" val="2957970967"/>
+              </p:ext>
+            </p:extLst>
+          </p:nvPr>
+        </p:nvGraphicFramePr>
+        <p:xfrm>
+          <a:off x="378820" y="2788920"/>
+          <a:ext cx="9318071" cy="1280160"/>
+        </p:xfrm>
+        <a:graphic>
+          <a:graphicData uri="http://schemas.openxmlformats.org/drawingml/2006/table">
+            <a:tbl>
+              <a:tblPr firstRow="1" bandRow="1">
+                <a:tableStyleId>{16D9F66E-5EB9-4882-86FB-DCBF35E3C3E4}</a:tableStyleId>
+              </a:tblPr>
+              <a:tblGrid>
+                <a:gridCol w="9318071">
+                  <a:extLst>
+                    <a:ext uri="{9D8B030D-6E8A-4147-A177-3AD203B41FA5}">
+                      <a16:colId xmlns:a16="http://schemas.microsoft.com/office/drawing/2014/main" val="1202160861"/>
+                    </a:ext>
+                  </a:extLst>
+                </a:gridCol>
+              </a:tblGrid>
+              <a:tr h="1112165">
+                <a:tc>
+                  <a:txBody>
+                    <a:bodyPr/>
+                    <a:lstStyle/>
+                    <a:p>
+                      <a:r>
+                        <a:rPr lang="pt-BR" sz="2000" b="1" kern="1200" dirty="0" err="1">
+                          <a:solidFill>
+                            <a:srgbClr val="CE6D0C"/>
+                          </a:solidFill>
+                          <a:effectLst/>
+                          <a:latin typeface="Arial" panose="020B0604020202020204" pitchFamily="34" charset="0"/>
+                          <a:ea typeface="+mn-ea"/>
+                          <a:cs typeface="Arial" panose="020B0604020202020204" pitchFamily="34" charset="0"/>
+                        </a:rPr>
+                        <a:t>with</a:t>
+                      </a:r>
+                      <a:r>
+                        <a:rPr lang="pt-BR" sz="2000" b="1" kern="1200" dirty="0">
+                          <a:solidFill>
+                            <a:schemeClr val="dk1"/>
+                          </a:solidFill>
+                          <a:effectLst/>
+                          <a:latin typeface="Arial" panose="020B0604020202020204" pitchFamily="34" charset="0"/>
+                          <a:ea typeface="+mn-ea"/>
+                          <a:cs typeface="Arial" panose="020B0604020202020204" pitchFamily="34" charset="0"/>
+                        </a:rPr>
+                        <a:t> </a:t>
+                      </a:r>
+                      <a:r>
+                        <a:rPr lang="pt-BR" sz="2000" b="1" kern="1200" dirty="0">
+                          <a:solidFill>
+                            <a:schemeClr val="accent6">
+                              <a:lumMod val="75000"/>
+                            </a:schemeClr>
+                          </a:solidFill>
+                          <a:effectLst/>
+                          <a:latin typeface="Arial" panose="020B0604020202020204" pitchFamily="34" charset="0"/>
+                          <a:ea typeface="+mn-ea"/>
+                          <a:cs typeface="Arial" panose="020B0604020202020204" pitchFamily="34" charset="0"/>
+                        </a:rPr>
+                        <a:t>open</a:t>
+                      </a:r>
+                      <a:r>
+                        <a:rPr lang="pt-BR" sz="2000" dirty="0">
+                          <a:latin typeface="Arial" panose="020B0604020202020204" pitchFamily="34" charset="0"/>
+                          <a:cs typeface="Arial" panose="020B0604020202020204" pitchFamily="34" charset="0"/>
+                        </a:rPr>
+                        <a:t>(</a:t>
+                      </a:r>
+                      <a:r>
+                        <a:rPr lang="pt-BR" sz="2000" dirty="0">
+                          <a:solidFill>
+                            <a:srgbClr val="006600"/>
+                          </a:solidFill>
+                          <a:latin typeface="Arial" panose="020B0604020202020204" pitchFamily="34" charset="0"/>
+                          <a:cs typeface="Arial" panose="020B0604020202020204" pitchFamily="34" charset="0"/>
+                        </a:rPr>
+                        <a:t>'</a:t>
+                      </a:r>
+                      <a:r>
+                        <a:rPr lang="pt-BR" sz="2000" b="1" kern="1200" dirty="0">
+                          <a:solidFill>
+                            <a:srgbClr val="006600"/>
+                          </a:solidFill>
+                          <a:effectLst/>
+                          <a:latin typeface="Arial" panose="020B0604020202020204" pitchFamily="34" charset="0"/>
+                          <a:ea typeface="+mn-ea"/>
+                          <a:cs typeface="Arial" panose="020B0604020202020204" pitchFamily="34" charset="0"/>
+                        </a:rPr>
+                        <a:t>arquivo.txt</a:t>
+                      </a:r>
+                      <a:r>
+                        <a:rPr lang="pt-BR" sz="2000" dirty="0">
+                          <a:solidFill>
+                            <a:srgbClr val="006600"/>
+                          </a:solidFill>
+                          <a:latin typeface="Arial" panose="020B0604020202020204" pitchFamily="34" charset="0"/>
+                          <a:cs typeface="Arial" panose="020B0604020202020204" pitchFamily="34" charset="0"/>
+                        </a:rPr>
+                        <a:t>'</a:t>
+                      </a:r>
+                      <a:r>
+                        <a:rPr lang="pt-BR" sz="2000" dirty="0">
+                          <a:latin typeface="Arial" panose="020B0604020202020204" pitchFamily="34" charset="0"/>
+                          <a:cs typeface="Arial" panose="020B0604020202020204" pitchFamily="34" charset="0"/>
+                        </a:rPr>
+                        <a:t>) </a:t>
+                      </a:r>
+                      <a:r>
+                        <a:rPr lang="pt-BR" sz="2000" b="1" kern="1200" dirty="0">
+                          <a:solidFill>
+                            <a:srgbClr val="CE6D0C"/>
+                          </a:solidFill>
+                          <a:effectLst/>
+                          <a:latin typeface="Arial" panose="020B0604020202020204" pitchFamily="34" charset="0"/>
+                          <a:ea typeface="+mn-ea"/>
+                          <a:cs typeface="Arial" panose="020B0604020202020204" pitchFamily="34" charset="0"/>
+                        </a:rPr>
+                        <a:t>as</a:t>
+                      </a:r>
+                      <a:r>
+                        <a:rPr lang="pt-BR" sz="2000" b="1" kern="1200" dirty="0">
+                          <a:solidFill>
+                            <a:schemeClr val="dk1"/>
+                          </a:solidFill>
+                          <a:effectLst/>
+                          <a:latin typeface="Arial" panose="020B0604020202020204" pitchFamily="34" charset="0"/>
+                          <a:ea typeface="+mn-ea"/>
+                          <a:cs typeface="Arial" panose="020B0604020202020204" pitchFamily="34" charset="0"/>
+                        </a:rPr>
+                        <a:t> </a:t>
+                      </a:r>
+                      <a:r>
+                        <a:rPr lang="pt-BR" sz="2000" dirty="0">
+                          <a:latin typeface="Arial" panose="020B0604020202020204" pitchFamily="34" charset="0"/>
+                          <a:cs typeface="Arial" panose="020B0604020202020204" pitchFamily="34" charset="0"/>
+                        </a:rPr>
+                        <a:t>arquivo:</a:t>
+                      </a:r>
+                      <a:br>
+                        <a:rPr lang="pt-BR" sz="2000" dirty="0">
+                          <a:latin typeface="Arial" panose="020B0604020202020204" pitchFamily="34" charset="0"/>
+                          <a:cs typeface="Arial" panose="020B0604020202020204" pitchFamily="34" charset="0"/>
+                        </a:rPr>
+                      </a:br>
+                      <a:r>
+                        <a:rPr lang="pt-BR" sz="2000" dirty="0">
+                          <a:latin typeface="Arial" panose="020B0604020202020204" pitchFamily="34" charset="0"/>
+                          <a:cs typeface="Arial" panose="020B0604020202020204" pitchFamily="34" charset="0"/>
+                        </a:rPr>
+                        <a:t>   </a:t>
+                      </a:r>
+                      <a:r>
+                        <a:rPr lang="pt-BR" sz="2000" dirty="0">
+                          <a:solidFill>
+                            <a:srgbClr val="CE6D0C"/>
+                          </a:solidFill>
+                          <a:latin typeface="Arial" panose="020B0604020202020204" pitchFamily="34" charset="0"/>
+                          <a:cs typeface="Arial" panose="020B0604020202020204" pitchFamily="34" charset="0"/>
+                        </a:rPr>
+                        <a:t> </a:t>
+                      </a:r>
+                      <a:r>
+                        <a:rPr lang="pt-BR" sz="2000" b="1" kern="1200" dirty="0">
+                          <a:solidFill>
+                            <a:srgbClr val="CE6D0C"/>
+                          </a:solidFill>
+                          <a:effectLst/>
+                          <a:latin typeface="Arial" panose="020B0604020202020204" pitchFamily="34" charset="0"/>
+                          <a:ea typeface="+mn-ea"/>
+                          <a:cs typeface="Arial" panose="020B0604020202020204" pitchFamily="34" charset="0"/>
+                        </a:rPr>
+                        <a:t>for </a:t>
+                      </a:r>
+                      <a:r>
+                        <a:rPr lang="pt-BR" sz="2000" dirty="0">
+                          <a:latin typeface="Arial" panose="020B0604020202020204" pitchFamily="34" charset="0"/>
+                          <a:cs typeface="Arial" panose="020B0604020202020204" pitchFamily="34" charset="0"/>
+                        </a:rPr>
+                        <a:t>linha </a:t>
+                      </a:r>
+                      <a:r>
+                        <a:rPr lang="pt-BR" sz="2000" b="1" kern="1200" dirty="0">
+                          <a:solidFill>
+                            <a:srgbClr val="CE6D0C"/>
+                          </a:solidFill>
+                          <a:effectLst/>
+                          <a:latin typeface="Arial" panose="020B0604020202020204" pitchFamily="34" charset="0"/>
+                          <a:ea typeface="+mn-ea"/>
+                          <a:cs typeface="Arial" panose="020B0604020202020204" pitchFamily="34" charset="0"/>
+                        </a:rPr>
+                        <a:t>in</a:t>
+                      </a:r>
+                      <a:r>
+                        <a:rPr lang="pt-BR" sz="2000" b="1" kern="1200" dirty="0">
+                          <a:solidFill>
+                            <a:schemeClr val="dk1"/>
+                          </a:solidFill>
+                          <a:effectLst/>
+                          <a:latin typeface="Arial" panose="020B0604020202020204" pitchFamily="34" charset="0"/>
+                          <a:ea typeface="+mn-ea"/>
+                          <a:cs typeface="Arial" panose="020B0604020202020204" pitchFamily="34" charset="0"/>
+                        </a:rPr>
+                        <a:t> </a:t>
+                      </a:r>
+                      <a:r>
+                        <a:rPr lang="pt-BR" sz="2000" dirty="0">
+                          <a:latin typeface="Arial" panose="020B0604020202020204" pitchFamily="34" charset="0"/>
+                          <a:cs typeface="Arial" panose="020B0604020202020204" pitchFamily="34" charset="0"/>
+                        </a:rPr>
+                        <a:t>arquivo:</a:t>
+                      </a:r>
+                      <a:br>
+                        <a:rPr lang="pt-BR" sz="2000" dirty="0">
+                          <a:latin typeface="Arial" panose="020B0604020202020204" pitchFamily="34" charset="0"/>
+                          <a:cs typeface="Arial" panose="020B0604020202020204" pitchFamily="34" charset="0"/>
+                        </a:rPr>
+                      </a:br>
+                      <a:r>
+                        <a:rPr lang="pt-BR" sz="2000" dirty="0">
+                          <a:latin typeface="Arial" panose="020B0604020202020204" pitchFamily="34" charset="0"/>
+                          <a:cs typeface="Arial" panose="020B0604020202020204" pitchFamily="34" charset="0"/>
+                        </a:rPr>
+                        <a:t>        </a:t>
+                      </a:r>
+                      <a:r>
+                        <a:rPr lang="pt-BR" sz="2000" b="1" kern="1200" dirty="0">
+                          <a:solidFill>
+                            <a:schemeClr val="accent6">
+                              <a:lumMod val="75000"/>
+                            </a:schemeClr>
+                          </a:solidFill>
+                          <a:effectLst/>
+                          <a:latin typeface="Arial" panose="020B0604020202020204" pitchFamily="34" charset="0"/>
+                          <a:ea typeface="+mn-ea"/>
+                          <a:cs typeface="Arial" panose="020B0604020202020204" pitchFamily="34" charset="0"/>
+                        </a:rPr>
+                        <a:t>print</a:t>
+                      </a:r>
+                      <a:r>
+                        <a:rPr lang="pt-BR" sz="2000" dirty="0">
+                          <a:latin typeface="Arial" panose="020B0604020202020204" pitchFamily="34" charset="0"/>
+                          <a:cs typeface="Arial" panose="020B0604020202020204" pitchFamily="34" charset="0"/>
+                        </a:rPr>
+                        <a:t>(linha)</a:t>
+                      </a:r>
+                    </a:p>
+                    <a:p>
+                      <a:pPr>
+                        <a:tabLst>
+                          <a:tab pos="361950" algn="l"/>
+                        </a:tabLst>
+                      </a:pPr>
+                      <a:endParaRPr lang="pt-BR" dirty="0"/>
+                    </a:p>
+                  </a:txBody>
+                  <a:tcPr/>
+                </a:tc>
+                <a:extLst>
+                  <a:ext uri="{0D108BD9-81ED-4DB2-BD59-A6C34878D82A}">
+                    <a16:rowId xmlns:a16="http://schemas.microsoft.com/office/drawing/2014/main" val="3797455683"/>
+                  </a:ext>
+                </a:extLst>
+              </a:tr>
+            </a:tbl>
+          </a:graphicData>
+        </a:graphic>
+      </p:graphicFrame>
+      <p:graphicFrame>
+        <p:nvGraphicFramePr>
+          <p:cNvPr id="5" name="Tabela 4">
+            <a:extLst>
+              <a:ext uri="{FF2B5EF4-FFF2-40B4-BE49-F238E27FC236}">
+                <a16:creationId xmlns:a16="http://schemas.microsoft.com/office/drawing/2014/main" id="{DA6C7F93-A1FB-49CB-9D96-9AB26DA58D1B}"/>
+              </a:ext>
+            </a:extLst>
+          </p:cNvPr>
+          <p:cNvGraphicFramePr>
+            <a:graphicFrameLocks noGrp="1"/>
+          </p:cNvGraphicFramePr>
+          <p:nvPr>
+            <p:extLst>
+              <p:ext uri="{D42A27DB-BD31-4B8C-83A1-F6EECF244321}">
+                <p14:modId xmlns:p14="http://schemas.microsoft.com/office/powerpoint/2010/main" val="1391469145"/>
+              </p:ext>
+            </p:extLst>
+          </p:nvPr>
+        </p:nvGraphicFramePr>
+        <p:xfrm>
+          <a:off x="378821" y="5097406"/>
+          <a:ext cx="9318070" cy="1521108"/>
+        </p:xfrm>
+        <a:graphic>
+          <a:graphicData uri="http://schemas.openxmlformats.org/drawingml/2006/table">
+            <a:tbl>
+              <a:tblPr firstRow="1" bandRow="1">
+                <a:tableStyleId>{16D9F66E-5EB9-4882-86FB-DCBF35E3C3E4}</a:tableStyleId>
+              </a:tblPr>
+              <a:tblGrid>
+                <a:gridCol w="9318070">
+                  <a:extLst>
+                    <a:ext uri="{9D8B030D-6E8A-4147-A177-3AD203B41FA5}">
+                      <a16:colId xmlns:a16="http://schemas.microsoft.com/office/drawing/2014/main" val="1787718682"/>
+                    </a:ext>
+                  </a:extLst>
+                </a:gridCol>
+              </a:tblGrid>
+              <a:tr h="1521108">
+                <a:tc>
+                  <a:txBody>
+                    <a:bodyPr/>
+                    <a:lstStyle/>
+                    <a:p>
+                      <a:pPr marL="0" marR="0" lvl="0" indent="0" algn="l" defTabSz="914400" rtl="0" eaLnBrk="1" fontAlgn="auto" latinLnBrk="0" hangingPunct="1">
+                        <a:lnSpc>
+                          <a:spcPct val="100000"/>
+                        </a:lnSpc>
+                        <a:spcBef>
+                          <a:spcPts val="0"/>
+                        </a:spcBef>
+                        <a:spcAft>
+                          <a:spcPts val="0"/>
+                        </a:spcAft>
+                        <a:buClrTx/>
+                        <a:buSzTx/>
+                        <a:buFontTx/>
+                        <a:buNone/>
+                        <a:tabLst/>
+                        <a:defRPr/>
+                      </a:pPr>
+                      <a:r>
+                        <a:rPr lang="pt-BR" sz="2000" b="1" kern="1200" dirty="0" err="1">
+                          <a:solidFill>
+                            <a:srgbClr val="CE6D0C"/>
+                          </a:solidFill>
+                          <a:effectLst/>
+                          <a:latin typeface="Arial" panose="020B0604020202020204" pitchFamily="34" charset="0"/>
+                          <a:ea typeface="+mn-ea"/>
+                          <a:cs typeface="Arial" panose="020B0604020202020204" pitchFamily="34" charset="0"/>
+                        </a:rPr>
+                        <a:t>with</a:t>
+                      </a:r>
+                      <a:r>
+                        <a:rPr lang="pt-BR" sz="2000" b="1" kern="1200" dirty="0">
+                          <a:solidFill>
+                            <a:schemeClr val="dk1"/>
+                          </a:solidFill>
+                          <a:effectLst/>
+                          <a:latin typeface="Arial" panose="020B0604020202020204" pitchFamily="34" charset="0"/>
+                          <a:ea typeface="+mn-ea"/>
+                          <a:cs typeface="Arial" panose="020B0604020202020204" pitchFamily="34" charset="0"/>
+                        </a:rPr>
+                        <a:t> </a:t>
+                      </a:r>
+                      <a:r>
+                        <a:rPr lang="pt-BR" sz="2000" b="1" kern="1200" dirty="0">
+                          <a:solidFill>
+                            <a:schemeClr val="accent6">
+                              <a:lumMod val="75000"/>
+                            </a:schemeClr>
+                          </a:solidFill>
+                          <a:effectLst/>
+                          <a:latin typeface="Arial" panose="020B0604020202020204" pitchFamily="34" charset="0"/>
+                          <a:ea typeface="+mn-ea"/>
+                          <a:cs typeface="Arial" panose="020B0604020202020204" pitchFamily="34" charset="0"/>
+                        </a:rPr>
+                        <a:t>open</a:t>
+                      </a:r>
+                      <a:r>
+                        <a:rPr lang="pt-BR" sz="2000" dirty="0">
+                          <a:latin typeface="Arial" panose="020B0604020202020204" pitchFamily="34" charset="0"/>
+                          <a:cs typeface="Arial" panose="020B0604020202020204" pitchFamily="34" charset="0"/>
+                        </a:rPr>
+                        <a:t>(</a:t>
+                      </a:r>
+                      <a:r>
+                        <a:rPr lang="pt-BR" sz="2000" dirty="0">
+                          <a:solidFill>
+                            <a:srgbClr val="006600"/>
+                          </a:solidFill>
+                          <a:latin typeface="Arial" panose="020B0604020202020204" pitchFamily="34" charset="0"/>
+                          <a:cs typeface="Arial" panose="020B0604020202020204" pitchFamily="34" charset="0"/>
+                        </a:rPr>
+                        <a:t>'</a:t>
+                      </a:r>
+                      <a:r>
+                        <a:rPr lang="pt-BR" sz="2000" b="1" kern="1200" dirty="0">
+                          <a:solidFill>
+                            <a:srgbClr val="006600"/>
+                          </a:solidFill>
+                          <a:effectLst/>
+                          <a:latin typeface="Arial" panose="020B0604020202020204" pitchFamily="34" charset="0"/>
+                          <a:ea typeface="+mn-ea"/>
+                          <a:cs typeface="Arial" panose="020B0604020202020204" pitchFamily="34" charset="0"/>
+                        </a:rPr>
+                        <a:t>arquivo.txt</a:t>
+                      </a:r>
+                      <a:r>
+                        <a:rPr lang="pt-BR" sz="2000" dirty="0">
+                          <a:solidFill>
+                            <a:srgbClr val="006600"/>
+                          </a:solidFill>
+                          <a:latin typeface="Arial" panose="020B0604020202020204" pitchFamily="34" charset="0"/>
+                          <a:cs typeface="Arial" panose="020B0604020202020204" pitchFamily="34" charset="0"/>
+                        </a:rPr>
+                        <a:t>'</a:t>
+                      </a:r>
+                      <a:r>
+                        <a:rPr lang="pt-BR" sz="2000" dirty="0">
+                          <a:latin typeface="Arial" panose="020B0604020202020204" pitchFamily="34" charset="0"/>
+                          <a:cs typeface="Arial" panose="020B0604020202020204" pitchFamily="34" charset="0"/>
+                        </a:rPr>
+                        <a:t>) </a:t>
+                      </a:r>
+                      <a:r>
+                        <a:rPr lang="pt-BR" sz="2000" b="1" kern="1200" dirty="0">
+                          <a:solidFill>
+                            <a:srgbClr val="CE6D0C"/>
+                          </a:solidFill>
+                          <a:effectLst/>
+                          <a:latin typeface="Arial" panose="020B0604020202020204" pitchFamily="34" charset="0"/>
+                          <a:ea typeface="+mn-ea"/>
+                          <a:cs typeface="Arial" panose="020B0604020202020204" pitchFamily="34" charset="0"/>
+                        </a:rPr>
+                        <a:t>as</a:t>
+                      </a:r>
+                      <a:r>
+                        <a:rPr lang="pt-BR" sz="2000" b="1" kern="1200" dirty="0">
+                          <a:solidFill>
+                            <a:schemeClr val="dk1"/>
+                          </a:solidFill>
+                          <a:effectLst/>
+                          <a:latin typeface="Arial" panose="020B0604020202020204" pitchFamily="34" charset="0"/>
+                          <a:ea typeface="+mn-ea"/>
+                          <a:cs typeface="Arial" panose="020B0604020202020204" pitchFamily="34" charset="0"/>
+                        </a:rPr>
+                        <a:t> </a:t>
+                      </a:r>
+                      <a:r>
+                        <a:rPr lang="pt-BR" sz="2000" dirty="0">
+                          <a:latin typeface="Arial" panose="020B0604020202020204" pitchFamily="34" charset="0"/>
+                          <a:cs typeface="Arial" panose="020B0604020202020204" pitchFamily="34" charset="0"/>
+                        </a:rPr>
+                        <a:t>arquivo:</a:t>
+                      </a:r>
+                      <a:br>
+                        <a:rPr lang="pt-BR" sz="2000" dirty="0">
+                          <a:latin typeface="Arial" panose="020B0604020202020204" pitchFamily="34" charset="0"/>
+                          <a:cs typeface="Arial" panose="020B0604020202020204" pitchFamily="34" charset="0"/>
+                        </a:rPr>
+                      </a:br>
+                      <a:r>
+                        <a:rPr lang="pt-BR" sz="2000" dirty="0">
+                          <a:latin typeface="Arial" panose="020B0604020202020204" pitchFamily="34" charset="0"/>
+                          <a:cs typeface="Arial" panose="020B0604020202020204" pitchFamily="34" charset="0"/>
+                        </a:rPr>
+                        <a:t>    </a:t>
+                      </a:r>
+                      <a:r>
+                        <a:rPr lang="pt-BR" sz="2000" b="1" kern="1200" dirty="0">
+                          <a:solidFill>
+                            <a:srgbClr val="CE6D0C"/>
+                          </a:solidFill>
+                          <a:effectLst/>
+                          <a:latin typeface="Arial" panose="020B0604020202020204" pitchFamily="34" charset="0"/>
+                          <a:ea typeface="+mn-ea"/>
+                          <a:cs typeface="Arial" panose="020B0604020202020204" pitchFamily="34" charset="0"/>
+                        </a:rPr>
+                        <a:t>for</a:t>
+                      </a:r>
+                      <a:r>
+                        <a:rPr lang="pt-BR" sz="2000" b="1" kern="1200" dirty="0">
+                          <a:solidFill>
+                            <a:schemeClr val="dk1"/>
+                          </a:solidFill>
+                          <a:effectLst/>
+                          <a:latin typeface="Arial" panose="020B0604020202020204" pitchFamily="34" charset="0"/>
+                          <a:ea typeface="+mn-ea"/>
+                          <a:cs typeface="Arial" panose="020B0604020202020204" pitchFamily="34" charset="0"/>
+                        </a:rPr>
+                        <a:t> </a:t>
+                      </a:r>
+                      <a:r>
+                        <a:rPr lang="pt-BR" sz="2000" dirty="0">
+                          <a:latin typeface="Arial" panose="020B0604020202020204" pitchFamily="34" charset="0"/>
+                          <a:cs typeface="Arial" panose="020B0604020202020204" pitchFamily="34" charset="0"/>
+                        </a:rPr>
+                        <a:t>linha </a:t>
+                      </a:r>
+                      <a:r>
+                        <a:rPr lang="pt-BR" sz="2000" b="1" kern="1200" dirty="0">
+                          <a:solidFill>
+                            <a:srgbClr val="CE6D0C"/>
+                          </a:solidFill>
+                          <a:effectLst/>
+                          <a:latin typeface="Arial" panose="020B0604020202020204" pitchFamily="34" charset="0"/>
+                          <a:ea typeface="+mn-ea"/>
+                          <a:cs typeface="Arial" panose="020B0604020202020204" pitchFamily="34" charset="0"/>
+                        </a:rPr>
+                        <a:t>in</a:t>
+                      </a:r>
+                      <a:r>
+                        <a:rPr lang="pt-BR" sz="2000" b="1" kern="1200" dirty="0">
+                          <a:solidFill>
+                            <a:schemeClr val="dk1"/>
+                          </a:solidFill>
+                          <a:effectLst/>
+                          <a:latin typeface="Arial" panose="020B0604020202020204" pitchFamily="34" charset="0"/>
+                          <a:ea typeface="+mn-ea"/>
+                          <a:cs typeface="Arial" panose="020B0604020202020204" pitchFamily="34" charset="0"/>
+                        </a:rPr>
+                        <a:t> </a:t>
+                      </a:r>
+                      <a:r>
+                        <a:rPr lang="pt-BR" sz="2000" dirty="0">
+                          <a:latin typeface="Arial" panose="020B0604020202020204" pitchFamily="34" charset="0"/>
+                          <a:cs typeface="Arial" panose="020B0604020202020204" pitchFamily="34" charset="0"/>
+                        </a:rPr>
+                        <a:t>arquivo:</a:t>
+                      </a:r>
+                      <a:br>
+                        <a:rPr lang="pt-BR" sz="2000" dirty="0">
+                          <a:latin typeface="Arial" panose="020B0604020202020204" pitchFamily="34" charset="0"/>
+                          <a:cs typeface="Arial" panose="020B0604020202020204" pitchFamily="34" charset="0"/>
+                        </a:rPr>
+                      </a:br>
+                      <a:r>
+                        <a:rPr lang="pt-BR" sz="2000" dirty="0">
+                          <a:latin typeface="Arial" panose="020B0604020202020204" pitchFamily="34" charset="0"/>
+                          <a:cs typeface="Arial" panose="020B0604020202020204" pitchFamily="34" charset="0"/>
+                        </a:rPr>
+                        <a:t>        </a:t>
+                      </a:r>
+                      <a:r>
+                        <a:rPr lang="pt-BR" sz="2000" b="1" kern="1200" dirty="0">
+                          <a:solidFill>
+                            <a:srgbClr val="CE6D0C"/>
+                          </a:solidFill>
+                          <a:effectLst/>
+                          <a:latin typeface="Arial" panose="020B0604020202020204" pitchFamily="34" charset="0"/>
+                          <a:ea typeface="+mn-ea"/>
+                          <a:cs typeface="Arial" panose="020B0604020202020204" pitchFamily="34" charset="0"/>
+                        </a:rPr>
+                        <a:t>for</a:t>
+                      </a:r>
+                      <a:r>
+                        <a:rPr lang="pt-BR" sz="2000" b="1" kern="1200" dirty="0">
+                          <a:solidFill>
+                            <a:schemeClr val="dk1"/>
+                          </a:solidFill>
+                          <a:effectLst/>
+                          <a:latin typeface="Arial" panose="020B0604020202020204" pitchFamily="34" charset="0"/>
+                          <a:ea typeface="+mn-ea"/>
+                          <a:cs typeface="Arial" panose="020B0604020202020204" pitchFamily="34" charset="0"/>
+                        </a:rPr>
+                        <a:t> </a:t>
+                      </a:r>
+                      <a:r>
+                        <a:rPr lang="pt-BR" sz="2000" dirty="0">
+                          <a:latin typeface="Arial" panose="020B0604020202020204" pitchFamily="34" charset="0"/>
+                          <a:cs typeface="Arial" panose="020B0604020202020204" pitchFamily="34" charset="0"/>
+                        </a:rPr>
+                        <a:t>palavra </a:t>
+                      </a:r>
+                      <a:r>
+                        <a:rPr lang="pt-BR" sz="2000" b="1" kern="1200" dirty="0">
+                          <a:solidFill>
+                            <a:srgbClr val="CE6D0C"/>
+                          </a:solidFill>
+                          <a:effectLst/>
+                          <a:latin typeface="Arial" panose="020B0604020202020204" pitchFamily="34" charset="0"/>
+                          <a:ea typeface="+mn-ea"/>
+                          <a:cs typeface="Arial" panose="020B0604020202020204" pitchFamily="34" charset="0"/>
+                        </a:rPr>
+                        <a:t>in</a:t>
+                      </a:r>
+                      <a:r>
+                        <a:rPr lang="pt-BR" sz="2000" b="1" kern="1200" dirty="0">
+                          <a:solidFill>
+                            <a:schemeClr val="dk1"/>
+                          </a:solidFill>
+                          <a:effectLst/>
+                          <a:latin typeface="Arial" panose="020B0604020202020204" pitchFamily="34" charset="0"/>
+                          <a:ea typeface="+mn-ea"/>
+                          <a:cs typeface="Arial" panose="020B0604020202020204" pitchFamily="34" charset="0"/>
+                        </a:rPr>
+                        <a:t> </a:t>
+                      </a:r>
+                      <a:r>
+                        <a:rPr lang="pt-BR" sz="2000" dirty="0" err="1">
+                          <a:latin typeface="Arial" panose="020B0604020202020204" pitchFamily="34" charset="0"/>
+                          <a:cs typeface="Arial" panose="020B0604020202020204" pitchFamily="34" charset="0"/>
+                        </a:rPr>
+                        <a:t>linha.split</a:t>
+                      </a:r>
+                      <a:r>
+                        <a:rPr lang="pt-BR" sz="2000" dirty="0">
+                          <a:latin typeface="Arial" panose="020B0604020202020204" pitchFamily="34" charset="0"/>
+                          <a:cs typeface="Arial" panose="020B0604020202020204" pitchFamily="34" charset="0"/>
+                        </a:rPr>
+                        <a:t>():</a:t>
+                      </a:r>
+                      <a:br>
+                        <a:rPr lang="pt-BR" sz="2000" dirty="0">
+                          <a:latin typeface="Arial" panose="020B0604020202020204" pitchFamily="34" charset="0"/>
+                          <a:cs typeface="Arial" panose="020B0604020202020204" pitchFamily="34" charset="0"/>
+                        </a:rPr>
+                      </a:br>
+                      <a:r>
+                        <a:rPr lang="pt-BR" sz="2000" dirty="0">
+                          <a:latin typeface="Arial" panose="020B0604020202020204" pitchFamily="34" charset="0"/>
+                          <a:cs typeface="Arial" panose="020B0604020202020204" pitchFamily="34" charset="0"/>
+                        </a:rPr>
+                        <a:t>            </a:t>
+                      </a:r>
+                      <a:r>
+                        <a:rPr lang="pt-BR" sz="2000" b="1" kern="1200" dirty="0">
+                          <a:solidFill>
+                            <a:schemeClr val="accent6">
+                              <a:lumMod val="75000"/>
+                            </a:schemeClr>
+                          </a:solidFill>
+                          <a:effectLst/>
+                          <a:latin typeface="Arial" panose="020B0604020202020204" pitchFamily="34" charset="0"/>
+                          <a:ea typeface="+mn-ea"/>
+                          <a:cs typeface="Arial" panose="020B0604020202020204" pitchFamily="34" charset="0"/>
+                        </a:rPr>
+                        <a:t>print</a:t>
+                      </a:r>
+                      <a:r>
+                        <a:rPr lang="pt-BR" sz="2000" dirty="0">
+                          <a:latin typeface="Arial" panose="020B0604020202020204" pitchFamily="34" charset="0"/>
+                          <a:cs typeface="Arial" panose="020B0604020202020204" pitchFamily="34" charset="0"/>
+                        </a:rPr>
+                        <a:t>(palavra)</a:t>
+                      </a:r>
+                    </a:p>
+                  </a:txBody>
+                  <a:tcPr/>
+                </a:tc>
+                <a:extLst>
+                  <a:ext uri="{0D108BD9-81ED-4DB2-BD59-A6C34878D82A}">
+                    <a16:rowId xmlns:a16="http://schemas.microsoft.com/office/drawing/2014/main" val="1781612274"/>
+                  </a:ext>
+                </a:extLst>
+              </a:tr>
+            </a:tbl>
+          </a:graphicData>
+        </a:graphic>
+      </p:graphicFrame>
+    </p:spTree>
+    <p:extLst>
+      <p:ext uri="{BB962C8B-B14F-4D97-AF65-F5344CB8AC3E}">
+        <p14:creationId xmlns:p14="http://schemas.microsoft.com/office/powerpoint/2010/main" val="610034357"/>
+      </p:ext>
+    </p:extLst>
+  </p:cSld>
+  <p:clrMapOvr>
+    <a:masterClrMapping/>
+  </p:clrMapOvr>
+</p:sld>
+</file>
+
+<file path=ppt/slides/slide7.xml><?xml version="1.0" encoding="utf-8"?>
+<p:sld xmlns:a="http://schemas.openxmlformats.org/drawingml/2006/main" xmlns:r="http://schemas.openxmlformats.org/officeDocument/2006/relationships" xmlns:p="http://schemas.openxmlformats.org/presentationml/2006/main">
+  <p:cSld>
+    <p:spTree>
+      <p:nvGrpSpPr>
+        <p:cNvPr id="1" name=""/>
+        <p:cNvGrpSpPr/>
+        <p:nvPr/>
+      </p:nvGrpSpPr>
+      <p:grpSpPr>
+        <a:xfrm>
+          <a:off x="0" y="0"/>
+          <a:ext cx="0" cy="0"/>
+          <a:chOff x="0" y="0"/>
+          <a:chExt cx="0" cy="0"/>
+        </a:xfrm>
+      </p:grpSpPr>
+      <p:sp>
+        <p:nvSpPr>
+          <p:cNvPr id="2" name="Título 1">
+            <a:extLst>
+              <a:ext uri="{FF2B5EF4-FFF2-40B4-BE49-F238E27FC236}">
                 <a16:creationId xmlns:a16="http://schemas.microsoft.com/office/drawing/2014/main" id="{0E08B4E9-8E46-4110-98A5-2BB519F8BCF1}"/>
               </a:ext>
             </a:extLst>
@@ -5720,7 +11105,7 @@
 </p:sld>
 </file>
 
-<file path=ppt/slides/slide3.xml><?xml version="1.0" encoding="utf-8"?>
+<file path=ppt/slides/slide8.xml><?xml version="1.0" encoding="utf-8"?>
 <p:sld xmlns:a="http://schemas.openxmlformats.org/drawingml/2006/main" xmlns:r="http://schemas.openxmlformats.org/officeDocument/2006/relationships" xmlns:p="http://schemas.openxmlformats.org/presentationml/2006/main">
   <p:cSld>
     <p:spTree>
@@ -5798,7 +11183,7 @@
 </p:sld>
 </file>
 
-<file path=ppt/slides/slide4.xml><?xml version="1.0" encoding="utf-8"?>
+<file path=ppt/slides/slide9.xml><?xml version="1.0" encoding="utf-8"?>
 <p:sld xmlns:a="http://schemas.openxmlformats.org/drawingml/2006/main" xmlns:r="http://schemas.openxmlformats.org/officeDocument/2006/relationships" xmlns:p="http://schemas.openxmlformats.org/presentationml/2006/main">
   <p:cSld>
     <p:spTree>
@@ -5848,31 +11233,7 @@
             <a:pPr marL="0" indent="0">
               <a:buNone/>
             </a:pPr>
-            <a:r>
-              <a:rPr lang="pt-BR" dirty="0" err="1"/>
-              <a:t>def</a:t>
-            </a:r>
-            <a:r>
-              <a:rPr lang="pt-BR" dirty="0"/>
-              <a:t> </a:t>
-            </a:r>
-            <a:r>
-              <a:rPr lang="pt-BR" dirty="0" err="1"/>
-              <a:t>nomefuncao</a:t>
-            </a:r>
-            <a:r>
-              <a:rPr lang="pt-BR" dirty="0"/>
-              <a:t>():</a:t>
-            </a:r>
-          </a:p>
-          <a:p>
-            <a:pPr marL="0" indent="0">
-              <a:buNone/>
-            </a:pPr>
-            <a:r>
-              <a:rPr lang="pt-BR" dirty="0"/>
-              <a:t>	&lt;código&gt;</a:t>
-            </a:r>
+            <a:endParaRPr lang="pt-BR" dirty="0"/>
           </a:p>
           <a:p>
             <a:pPr marL="0" indent="0">
@@ -5884,6 +11245,18 @@
             <a:pPr marL="0" indent="0">
               <a:buNone/>
             </a:pPr>
+            <a:endParaRPr lang="pt-BR" dirty="0"/>
+          </a:p>
+          <a:p>
+            <a:pPr marL="0" indent="0">
+              <a:buNone/>
+            </a:pPr>
+            <a:endParaRPr lang="pt-BR" dirty="0"/>
+          </a:p>
+          <a:p>
+            <a:pPr marL="0" indent="0">
+              <a:buNone/>
+            </a:pPr>
             <a:r>
               <a:rPr lang="pt-BR" dirty="0"/>
               <a:t>E uma função pode conter outra função dentro dela:</a:t>
@@ -5893,191 +11266,7 @@
             <a:pPr marL="0" indent="0">
               <a:buNone/>
             </a:pPr>
-            <a:r>
-              <a:rPr lang="pt-BR" dirty="0" err="1"/>
-              <a:t>def</a:t>
-            </a:r>
-            <a:r>
-              <a:rPr lang="pt-BR" dirty="0"/>
-              <a:t> &lt;</a:t>
-            </a:r>
-            <a:r>
-              <a:rPr lang="pt-BR" dirty="0" err="1"/>
-              <a:t>nomefuncao</a:t>
-            </a:r>
-            <a:r>
-              <a:rPr lang="pt-BR" dirty="0"/>
-              <a:t>():</a:t>
-            </a:r>
-          </a:p>
-          <a:p>
-            <a:pPr marL="0" indent="0">
-              <a:buNone/>
-            </a:pPr>
-            <a:r>
-              <a:rPr lang="pt-BR" dirty="0"/>
-              <a:t>	</a:t>
-            </a:r>
-            <a:r>
-              <a:rPr lang="pt-BR" dirty="0" err="1"/>
-              <a:t>def</a:t>
-            </a:r>
-            <a:r>
-              <a:rPr lang="pt-BR" dirty="0"/>
-              <a:t>&lt;nomefuncao2():</a:t>
-            </a:r>
-          </a:p>
-          <a:p>
-            <a:pPr marL="0" indent="0">
-              <a:buNone/>
-            </a:pPr>
-            <a:r>
-              <a:rPr lang="pt-BR" dirty="0"/>
-              <a:t>		&lt;codigo&gt;</a:t>
-            </a:r>
-          </a:p>
-          <a:p>
-            <a:pPr marL="0" indent="0">
-              <a:buNone/>
-            </a:pPr>
-            <a:r>
-              <a:rPr lang="pt-BR" dirty="0"/>
-              <a:t>	&lt;codigo&gt;</a:t>
-            </a:r>
-          </a:p>
-          <a:p>
             <a:endParaRPr lang="pt-BR" dirty="0"/>
-          </a:p>
-        </p:txBody>
-      </p:sp>
-    </p:spTree>
-    <p:extLst>
-      <p:ext uri="{BB962C8B-B14F-4D97-AF65-F5344CB8AC3E}">
-        <p14:creationId xmlns:p14="http://schemas.microsoft.com/office/powerpoint/2010/main" val="3719589337"/>
-      </p:ext>
-    </p:extLst>
-  </p:cSld>
-  <p:clrMapOvr>
-    <a:masterClrMapping/>
-  </p:clrMapOvr>
-</p:sld>
-</file>
-
-<file path=ppt/slides/slide5.xml><?xml version="1.0" encoding="utf-8"?>
-<p:sld xmlns:a="http://schemas.openxmlformats.org/drawingml/2006/main" xmlns:r="http://schemas.openxmlformats.org/officeDocument/2006/relationships" xmlns:p="http://schemas.openxmlformats.org/presentationml/2006/main">
-  <p:cSld>
-    <p:spTree>
-      <p:nvGrpSpPr>
-        <p:cNvPr id="1" name=""/>
-        <p:cNvGrpSpPr/>
-        <p:nvPr/>
-      </p:nvGrpSpPr>
-      <p:grpSpPr>
-        <a:xfrm>
-          <a:off x="0" y="0"/>
-          <a:ext cx="0" cy="0"/>
-          <a:chOff x="0" y="0"/>
-          <a:chExt cx="0" cy="0"/>
-        </a:xfrm>
-      </p:grpSpPr>
-      <p:sp>
-        <p:nvSpPr>
-          <p:cNvPr id="2" name="Espaço Reservado para Conteúdo 1">
-            <a:extLst>
-              <a:ext uri="{FF2B5EF4-FFF2-40B4-BE49-F238E27FC236}">
-                <a16:creationId xmlns:a16="http://schemas.microsoft.com/office/drawing/2014/main" id="{0E0D8B3E-4577-449C-A063-3C25B1B52F35}"/>
-              </a:ext>
-            </a:extLst>
-          </p:cNvPr>
-          <p:cNvSpPr>
-            <a:spLocks noGrp="1"/>
-          </p:cNvSpPr>
-          <p:nvPr>
-            <p:ph idx="13"/>
-          </p:nvPr>
-        </p:nvSpPr>
-        <p:spPr>
-          <a:xfrm>
-            <a:off x="378822" y="351291"/>
-            <a:ext cx="10136777" cy="6176118"/>
-          </a:xfrm>
-        </p:spPr>
-        <p:txBody>
-          <a:bodyPr>
-            <a:normAutofit fontScale="92500" lnSpcReduction="10000"/>
-          </a:bodyPr>
-          <a:lstStyle/>
-          <a:p>
-            <a:pPr marL="0" indent="0">
-              <a:buNone/>
-            </a:pPr>
-            <a:r>
-              <a:rPr lang="pt-BR" dirty="0"/>
-              <a:t>Quando declaramos uma variável dentro de uma função, nós a chamamos de variavel local, pois ela não é vista fora da função. Por exemplo:</a:t>
-            </a:r>
-          </a:p>
-          <a:p>
-            <a:pPr marL="0" indent="0">
-              <a:buNone/>
-            </a:pPr>
-            <a:endParaRPr lang="pt-BR" dirty="0"/>
-          </a:p>
-          <a:p>
-            <a:pPr marL="0" indent="0">
-              <a:buNone/>
-            </a:pPr>
-            <a:endParaRPr lang="pt-BR" dirty="0"/>
-          </a:p>
-          <a:p>
-            <a:pPr marL="0" indent="0">
-              <a:buNone/>
-            </a:pPr>
-            <a:endParaRPr lang="pt-BR" dirty="0"/>
-          </a:p>
-          <a:p>
-            <a:pPr marL="0" indent="0">
-              <a:buNone/>
-            </a:pPr>
-            <a:endParaRPr lang="pt-BR" dirty="0"/>
-          </a:p>
-          <a:p>
-            <a:pPr marL="0" indent="0">
-              <a:buNone/>
-            </a:pPr>
-            <a:endParaRPr lang="pt-BR" dirty="0"/>
-          </a:p>
-          <a:p>
-            <a:pPr marL="0" indent="0">
-              <a:buNone/>
-            </a:pPr>
-            <a:endParaRPr lang="pt-BR" dirty="0"/>
-          </a:p>
-          <a:p>
-            <a:pPr marL="0" indent="0">
-              <a:buNone/>
-            </a:pPr>
-            <a:endParaRPr lang="pt-BR" dirty="0"/>
-          </a:p>
-          <a:p>
-            <a:pPr marL="0" indent="0">
-              <a:buNone/>
-            </a:pPr>
-            <a:endParaRPr lang="pt-BR" dirty="0"/>
-          </a:p>
-          <a:p>
-            <a:pPr marL="0" indent="0">
-              <a:buNone/>
-            </a:pPr>
-            <a:endParaRPr lang="pt-BR" dirty="0"/>
-          </a:p>
-          <a:p>
-            <a:pPr marL="0" indent="0">
-              <a:buNone/>
-            </a:pPr>
-            <a:r>
-              <a:rPr lang="pt-BR" dirty="0"/>
-              <a:t>Esse erro ocorre pois como eu disse, a variavel par é local, ou seja, fora dessa função ela não existe.</a:t>
-            </a:r>
           </a:p>
           <a:p>
             <a:endParaRPr lang="pt-BR" dirty="0"/>
@@ -6089,7 +11278,7 @@
           <p:cNvPr id="3" name="Tabela 2">
             <a:extLst>
               <a:ext uri="{FF2B5EF4-FFF2-40B4-BE49-F238E27FC236}">
-                <a16:creationId xmlns:a16="http://schemas.microsoft.com/office/drawing/2014/main" id="{6324055D-CB92-4940-BBDE-6AFF2CA00D06}"/>
+                <a16:creationId xmlns:a16="http://schemas.microsoft.com/office/drawing/2014/main" id="{51CCC295-9E16-4CF7-84B0-4EA266017E92}"/>
               </a:ext>
             </a:extLst>
           </p:cNvPr>
@@ -6099,14 +11288,14 @@
           <p:nvPr>
             <p:extLst>
               <p:ext uri="{D42A27DB-BD31-4B8C-83A1-F6EECF244321}">
-                <p14:modId xmlns:p14="http://schemas.microsoft.com/office/powerpoint/2010/main" val="2126359082"/>
+                <p14:modId xmlns:p14="http://schemas.microsoft.com/office/powerpoint/2010/main" val="2730453290"/>
               </p:ext>
             </p:extLst>
           </p:nvPr>
         </p:nvGraphicFramePr>
         <p:xfrm>
-          <a:off x="378822" y="1586434"/>
-          <a:ext cx="9496698" cy="3383280"/>
+          <a:off x="378822" y="1159017"/>
+          <a:ext cx="8128000" cy="975360"/>
         </p:xfrm>
         <a:graphic>
           <a:graphicData uri="http://schemas.openxmlformats.org/drawingml/2006/table">
@@ -6115,15 +11304,15 @@
                 <a:tableStyleId>{16D9F66E-5EB9-4882-86FB-DCBF35E3C3E4}</a:tableStyleId>
               </a:tblPr>
               <a:tblGrid>
-                <a:gridCol w="9496698">
+                <a:gridCol w="8128000">
                   <a:extLst>
                     <a:ext uri="{9D8B030D-6E8A-4147-A177-3AD203B41FA5}">
-                      <a16:colId xmlns:a16="http://schemas.microsoft.com/office/drawing/2014/main" val="57608438"/>
+                      <a16:colId xmlns:a16="http://schemas.microsoft.com/office/drawing/2014/main" val="2498973946"/>
                     </a:ext>
                   </a:extLst>
                 </a:gridCol>
               </a:tblGrid>
-              <a:tr h="3337728">
+              <a:tr h="540784">
                 <a:tc>
                   <a:txBody>
                     <a:bodyPr/>
@@ -6144,9 +11333,6 @@
                       </a:r>
                       <a:r>
                         <a:rPr lang="pt-BR" sz="2000" dirty="0">
-                          <a:solidFill>
-                            <a:srgbClr val="F19D49"/>
-                          </a:solidFill>
                           <a:latin typeface="Arial" panose="020B0604020202020204" pitchFamily="34" charset="0"/>
                           <a:cs typeface="Arial" panose="020B0604020202020204" pitchFamily="34" charset="0"/>
                         </a:rPr>
@@ -6160,253 +11346,14 @@
                           <a:latin typeface="Arial" panose="020B0604020202020204" pitchFamily="34" charset="0"/>
                           <a:cs typeface="Arial" panose="020B0604020202020204" pitchFamily="34" charset="0"/>
                         </a:rPr>
-                        <a:t>epar</a:t>
-                      </a:r>
-                      <a:r>
-                        <a:rPr lang="pt-BR" sz="2000" dirty="0">
-                          <a:latin typeface="Arial" panose="020B0604020202020204" pitchFamily="34" charset="0"/>
-                          <a:cs typeface="Arial" panose="020B0604020202020204" pitchFamily="34" charset="0"/>
-                        </a:rPr>
-                        <a:t>(x):</a:t>
-                      </a:r>
-                    </a:p>
-                    <a:p>
-                      <a:pPr marL="0" indent="0">
-                        <a:buNone/>
-                        <a:tabLst>
-                          <a:tab pos="360363" algn="l"/>
-                        </a:tabLst>
-                      </a:pPr>
-                      <a:r>
-                        <a:rPr lang="pt-BR" sz="2000" dirty="0">
-                          <a:latin typeface="Arial" panose="020B0604020202020204" pitchFamily="34" charset="0"/>
-                          <a:cs typeface="Arial" panose="020B0604020202020204" pitchFamily="34" charset="0"/>
-                        </a:rPr>
-                        <a:t>	</a:t>
-                      </a:r>
-                      <a:r>
-                        <a:rPr lang="pt-BR" sz="2000" dirty="0" err="1">
-                          <a:solidFill>
-                            <a:srgbClr val="CE6D0C"/>
-                          </a:solidFill>
-                          <a:latin typeface="Arial" panose="020B0604020202020204" pitchFamily="34" charset="0"/>
-                          <a:cs typeface="Arial" panose="020B0604020202020204" pitchFamily="34" charset="0"/>
-                        </a:rPr>
-                        <a:t>if</a:t>
-                      </a:r>
-                      <a:r>
-                        <a:rPr lang="pt-BR" sz="2000" dirty="0">
-                          <a:solidFill>
-                            <a:schemeClr val="accent2">
-                              <a:lumMod val="75000"/>
-                            </a:schemeClr>
-                          </a:solidFill>
-                          <a:latin typeface="Arial" panose="020B0604020202020204" pitchFamily="34" charset="0"/>
-                          <a:cs typeface="Arial" panose="020B0604020202020204" pitchFamily="34" charset="0"/>
-                        </a:rPr>
-                        <a:t> </a:t>
-                      </a:r>
-                      <a:r>
-                        <a:rPr lang="pt-BR" sz="2000" dirty="0">
-                          <a:latin typeface="Arial" panose="020B0604020202020204" pitchFamily="34" charset="0"/>
-                          <a:cs typeface="Arial" panose="020B0604020202020204" pitchFamily="34" charset="0"/>
-                        </a:rPr>
-                        <a:t>x % </a:t>
-                      </a:r>
-                      <a:r>
-                        <a:rPr lang="pt-BR" sz="2000" dirty="0">
-                          <a:solidFill>
-                            <a:schemeClr val="accent6">
-                              <a:lumMod val="75000"/>
-                            </a:schemeClr>
-                          </a:solidFill>
-                          <a:latin typeface="Arial" panose="020B0604020202020204" pitchFamily="34" charset="0"/>
-                          <a:cs typeface="Arial" panose="020B0604020202020204" pitchFamily="34" charset="0"/>
-                        </a:rPr>
-                        <a:t>2 </a:t>
-                      </a:r>
-                      <a:r>
-                        <a:rPr lang="pt-BR" sz="2000" dirty="0">
-                          <a:latin typeface="Arial" panose="020B0604020202020204" pitchFamily="34" charset="0"/>
-                          <a:cs typeface="Arial" panose="020B0604020202020204" pitchFamily="34" charset="0"/>
-                        </a:rPr>
-                        <a:t>== </a:t>
-                      </a:r>
-                      <a:r>
-                        <a:rPr lang="pt-BR" sz="2000" dirty="0">
-                          <a:solidFill>
-                            <a:schemeClr val="accent6">
-                              <a:lumMod val="75000"/>
-                            </a:schemeClr>
-                          </a:solidFill>
-                          <a:latin typeface="Arial" panose="020B0604020202020204" pitchFamily="34" charset="0"/>
-                          <a:cs typeface="Arial" panose="020B0604020202020204" pitchFamily="34" charset="0"/>
-                        </a:rPr>
-                        <a:t>0</a:t>
-                      </a:r>
-                      <a:r>
-                        <a:rPr lang="pt-BR" sz="2000" dirty="0">
-                          <a:latin typeface="Arial" panose="020B0604020202020204" pitchFamily="34" charset="0"/>
-                          <a:cs typeface="Arial" panose="020B0604020202020204" pitchFamily="34" charset="0"/>
-                        </a:rPr>
-                        <a:t>:</a:t>
-                      </a:r>
-                    </a:p>
-                    <a:p>
-                      <a:pPr marL="0" indent="0">
-                        <a:buNone/>
-                        <a:tabLst>
-                          <a:tab pos="809625" algn="l"/>
-                        </a:tabLst>
-                      </a:pPr>
-                      <a:r>
-                        <a:rPr lang="pt-BR" sz="2000" dirty="0">
-                          <a:latin typeface="Arial" panose="020B0604020202020204" pitchFamily="34" charset="0"/>
-                          <a:cs typeface="Arial" panose="020B0604020202020204" pitchFamily="34" charset="0"/>
-                        </a:rPr>
-                        <a:t>		par = </a:t>
-                      </a:r>
-                      <a:r>
-                        <a:rPr lang="pt-BR" sz="2000" dirty="0" err="1">
-                          <a:solidFill>
-                            <a:srgbClr val="CE6D0C"/>
-                          </a:solidFill>
-                          <a:latin typeface="Arial" panose="020B0604020202020204" pitchFamily="34" charset="0"/>
-                          <a:cs typeface="Arial" panose="020B0604020202020204" pitchFamily="34" charset="0"/>
-                        </a:rPr>
-                        <a:t>True</a:t>
-                      </a:r>
-                      <a:endParaRPr lang="pt-BR" sz="2000" dirty="0">
-                        <a:solidFill>
-                          <a:srgbClr val="CE6D0C"/>
-                        </a:solidFill>
-                        <a:latin typeface="Arial" panose="020B0604020202020204" pitchFamily="34" charset="0"/>
-                        <a:cs typeface="Arial" panose="020B0604020202020204" pitchFamily="34" charset="0"/>
-                      </a:endParaRPr>
-                    </a:p>
-                    <a:p>
-                      <a:pPr marL="0" indent="0">
-                        <a:buNone/>
-                        <a:tabLst>
-                          <a:tab pos="360363" algn="l"/>
-                        </a:tabLst>
-                      </a:pPr>
-                      <a:r>
-                        <a:rPr lang="pt-BR" sz="2000" dirty="0">
-                          <a:latin typeface="Arial" panose="020B0604020202020204" pitchFamily="34" charset="0"/>
-                          <a:cs typeface="Arial" panose="020B0604020202020204" pitchFamily="34" charset="0"/>
-                        </a:rPr>
-                        <a:t>	</a:t>
-                      </a:r>
-                      <a:r>
-                        <a:rPr lang="pt-BR" sz="2000" dirty="0" err="1">
-                          <a:solidFill>
-                            <a:srgbClr val="CE6D0C"/>
-                          </a:solidFill>
-                          <a:latin typeface="Arial" panose="020B0604020202020204" pitchFamily="34" charset="0"/>
-                          <a:cs typeface="Arial" panose="020B0604020202020204" pitchFamily="34" charset="0"/>
-                        </a:rPr>
-                        <a:t>else</a:t>
-                      </a:r>
-                      <a:r>
-                        <a:rPr lang="pt-BR" sz="2000" dirty="0">
-                          <a:solidFill>
-                            <a:schemeClr val="tx1"/>
-                          </a:solidFill>
-                          <a:latin typeface="Arial" panose="020B0604020202020204" pitchFamily="34" charset="0"/>
-                          <a:cs typeface="Arial" panose="020B0604020202020204" pitchFamily="34" charset="0"/>
-                        </a:rPr>
-                        <a:t>:</a:t>
-                      </a:r>
-                    </a:p>
-                    <a:p>
-                      <a:pPr marL="0" indent="0">
-                        <a:buNone/>
-                        <a:tabLst>
-                          <a:tab pos="809625" algn="l"/>
-                        </a:tabLst>
-                      </a:pPr>
-                      <a:r>
-                        <a:rPr lang="pt-BR" sz="2000" dirty="0">
-                          <a:latin typeface="Arial" panose="020B0604020202020204" pitchFamily="34" charset="0"/>
-                          <a:cs typeface="Arial" panose="020B0604020202020204" pitchFamily="34" charset="0"/>
-                        </a:rPr>
-                        <a:t>		par = </a:t>
-                      </a:r>
-                      <a:r>
-                        <a:rPr lang="pt-BR" sz="2000" dirty="0">
-                          <a:solidFill>
-                            <a:srgbClr val="CE6D0C"/>
-                          </a:solidFill>
-                          <a:latin typeface="Arial" panose="020B0604020202020204" pitchFamily="34" charset="0"/>
-                          <a:cs typeface="Arial" panose="020B0604020202020204" pitchFamily="34" charset="0"/>
-                        </a:rPr>
-                        <a:t>False</a:t>
-                      </a:r>
-                    </a:p>
-                    <a:p>
-                      <a:pPr marL="0" indent="0">
-                        <a:buNone/>
-                        <a:tabLst>
-                          <a:tab pos="360363" algn="l"/>
-                        </a:tabLst>
-                      </a:pPr>
-                      <a:r>
-                        <a:rPr lang="pt-BR" sz="2000" dirty="0">
-                          <a:latin typeface="Arial" panose="020B0604020202020204" pitchFamily="34" charset="0"/>
-                          <a:cs typeface="Arial" panose="020B0604020202020204" pitchFamily="34" charset="0"/>
-                        </a:rPr>
-                        <a:t>	</a:t>
-                      </a:r>
-                      <a:r>
-                        <a:rPr lang="pt-BR" sz="2000" dirty="0" err="1">
-                          <a:solidFill>
-                            <a:srgbClr val="CE6D0C"/>
-                          </a:solidFill>
-                          <a:latin typeface="Arial" panose="020B0604020202020204" pitchFamily="34" charset="0"/>
-                          <a:cs typeface="Arial" panose="020B0604020202020204" pitchFamily="34" charset="0"/>
-                        </a:rPr>
-                        <a:t>return</a:t>
-                      </a:r>
-                      <a:r>
-                        <a:rPr lang="pt-BR" sz="2000" dirty="0">
-                          <a:latin typeface="Arial" panose="020B0604020202020204" pitchFamily="34" charset="0"/>
-                          <a:cs typeface="Arial" panose="020B0604020202020204" pitchFamily="34" charset="0"/>
-                        </a:rPr>
-                        <a:t> </a:t>
-                      </a:r>
-                      <a:r>
-                        <a:rPr lang="pt-BR" sz="2000" dirty="0" err="1">
-                          <a:latin typeface="Arial" panose="020B0604020202020204" pitchFamily="34" charset="0"/>
-                          <a:cs typeface="Arial" panose="020B0604020202020204" pitchFamily="34" charset="0"/>
-                        </a:rPr>
-                        <a:t>parepar</a:t>
-                      </a:r>
-                      <a:r>
-                        <a:rPr lang="pt-BR" sz="2000" dirty="0">
-                          <a:latin typeface="Arial" panose="020B0604020202020204" pitchFamily="34" charset="0"/>
-                          <a:cs typeface="Arial" panose="020B0604020202020204" pitchFamily="34" charset="0"/>
-                        </a:rPr>
-                        <a:t>(</a:t>
-                      </a:r>
-                      <a:r>
-                        <a:rPr lang="pt-BR" sz="2000" dirty="0">
-                          <a:solidFill>
-                            <a:schemeClr val="accent6">
-                              <a:lumMod val="75000"/>
-                            </a:schemeClr>
-                          </a:solidFill>
-                          <a:latin typeface="Arial" panose="020B0604020202020204" pitchFamily="34" charset="0"/>
-                          <a:cs typeface="Arial" panose="020B0604020202020204" pitchFamily="34" charset="0"/>
-                        </a:rPr>
-                        <a:t>5</a:t>
-                      </a:r>
-                      <a:r>
-                        <a:rPr lang="pt-BR" sz="2000" dirty="0">
-                          <a:latin typeface="Arial" panose="020B0604020202020204" pitchFamily="34" charset="0"/>
-                          <a:cs typeface="Arial" panose="020B0604020202020204" pitchFamily="34" charset="0"/>
-                        </a:rPr>
-                        <a:t>)</a:t>
+                        <a:t>nomefuncao</a:t>
+                      </a:r>
+                      <a:r>
+                        <a:rPr lang="pt-BR" sz="2000" dirty="0">
+                          <a:latin typeface="Arial" panose="020B0604020202020204" pitchFamily="34" charset="0"/>
+                          <a:cs typeface="Arial" panose="020B0604020202020204" pitchFamily="34" charset="0"/>
+                        </a:rPr>
+                        <a:t>():</a:t>
                       </a:r>
                     </a:p>
                     <a:p>
@@ -6415,119 +11362,21 @@
                       </a:pPr>
                       <a:r>
                         <a:rPr lang="pt-BR" sz="2000" dirty="0">
-                          <a:solidFill>
-                            <a:schemeClr val="accent6">
-                              <a:lumMod val="75000"/>
-                            </a:schemeClr>
-                          </a:solidFill>
-                          <a:latin typeface="Arial" panose="020B0604020202020204" pitchFamily="34" charset="0"/>
-                          <a:cs typeface="Arial" panose="020B0604020202020204" pitchFamily="34" charset="0"/>
-                        </a:rPr>
-                        <a:t>Print</a:t>
-                      </a:r>
-                      <a:r>
-                        <a:rPr lang="pt-BR" sz="2000" dirty="0">
-                          <a:latin typeface="Arial" panose="020B0604020202020204" pitchFamily="34" charset="0"/>
-                          <a:cs typeface="Arial" panose="020B0604020202020204" pitchFamily="34" charset="0"/>
-                        </a:rPr>
-                        <a:t>(par)</a:t>
+                          <a:latin typeface="Arial" panose="020B0604020202020204" pitchFamily="34" charset="0"/>
+                          <a:cs typeface="Arial" panose="020B0604020202020204" pitchFamily="34" charset="0"/>
+                        </a:rPr>
+                        <a:t>	&lt;código&gt;</a:t>
                       </a:r>
                     </a:p>
                     <a:p>
-                      <a:pPr marL="0" indent="0">
-                        <a:buNone/>
-                      </a:pPr>
-                      <a:endParaRPr lang="pt-BR" sz="2000" dirty="0">
-                        <a:latin typeface="Arial" panose="020B0604020202020204" pitchFamily="34" charset="0"/>
-                        <a:cs typeface="Arial" panose="020B0604020202020204" pitchFamily="34" charset="0"/>
-                      </a:endParaRPr>
-                    </a:p>
-                    <a:p>
-                      <a:pPr marL="0" indent="0">
-                        <a:buNone/>
-                      </a:pPr>
-                      <a:r>
-                        <a:rPr lang="pt-BR" sz="2000" dirty="0">
-                          <a:solidFill>
-                            <a:srgbClr val="C00000"/>
-                          </a:solidFill>
-                          <a:latin typeface="Arial" panose="020B0604020202020204" pitchFamily="34" charset="0"/>
-                          <a:cs typeface="Arial" panose="020B0604020202020204" pitchFamily="34" charset="0"/>
-                        </a:rPr>
-                        <a:t>Output:</a:t>
-                      </a:r>
-                    </a:p>
-                    <a:p>
-                      <a:pPr marL="0" marR="0" lvl="0" indent="0" algn="l" defTabSz="914400" rtl="0" eaLnBrk="1" fontAlgn="auto" latinLnBrk="0" hangingPunct="1">
-                        <a:lnSpc>
-                          <a:spcPct val="100000"/>
-                        </a:lnSpc>
-                        <a:spcBef>
-                          <a:spcPts val="0"/>
-                        </a:spcBef>
-                        <a:spcAft>
-                          <a:spcPts val="0"/>
-                        </a:spcAft>
-                        <a:buClrTx/>
-                        <a:buSzTx/>
-                        <a:buFontTx/>
-                        <a:buNone/>
-                        <a:tabLst/>
-                        <a:defRPr/>
-                      </a:pPr>
-                      <a:r>
-                        <a:rPr lang="pt-BR" sz="2000" dirty="0">
-                          <a:solidFill>
-                            <a:srgbClr val="C00000"/>
-                          </a:solidFill>
-                          <a:latin typeface="Arial" panose="020B0604020202020204" pitchFamily="34" charset="0"/>
-                          <a:cs typeface="Arial" panose="020B0604020202020204" pitchFamily="34" charset="0"/>
-                        </a:rPr>
-                        <a:t>&gt;&gt;&gt; </a:t>
-                      </a:r>
-                      <a:r>
-                        <a:rPr lang="en-US" sz="2000" dirty="0" err="1">
-                          <a:solidFill>
-                            <a:srgbClr val="FF0000"/>
-                          </a:solidFill>
-                          <a:latin typeface="Arial" panose="020B0604020202020204" pitchFamily="34" charset="0"/>
-                          <a:cs typeface="Arial" panose="020B0604020202020204" pitchFamily="34" charset="0"/>
-                        </a:rPr>
-                        <a:t>NameError</a:t>
-                      </a:r>
-                      <a:r>
-                        <a:rPr lang="en-US" sz="2000" dirty="0">
-                          <a:solidFill>
-                            <a:srgbClr val="FF0000"/>
-                          </a:solidFill>
-                          <a:latin typeface="Arial" panose="020B0604020202020204" pitchFamily="34" charset="0"/>
-                          <a:cs typeface="Arial" panose="020B0604020202020204" pitchFamily="34" charset="0"/>
-                        </a:rPr>
-                        <a:t>: name 'par' is not defined</a:t>
-                      </a:r>
-                      <a:endParaRPr lang="pt-BR" sz="2000" dirty="0">
-                        <a:solidFill>
-                          <a:srgbClr val="FF0000"/>
-                        </a:solidFill>
-                        <a:latin typeface="Arial" panose="020B0604020202020204" pitchFamily="34" charset="0"/>
-                        <a:cs typeface="Arial" panose="020B0604020202020204" pitchFamily="34" charset="0"/>
-                      </a:endParaRPr>
-                    </a:p>
-                    <a:p>
-                      <a:endParaRPr lang="pt-BR" sz="1600" dirty="0"/>
+                      <a:endParaRPr lang="pt-BR" dirty="0"/>
                     </a:p>
                   </a:txBody>
-                  <a:tcPr>
-                    <a:solidFill>
-                      <a:schemeClr val="accent6">
-                        <a:tint val="20000"/>
-                      </a:schemeClr>
-                    </a:solidFill>
-                  </a:tcPr>
+                  <a:tcPr/>
                 </a:tc>
                 <a:extLst>
                   <a:ext uri="{0D108BD9-81ED-4DB2-BD59-A6C34878D82A}">
-                    <a16:rowId xmlns:a16="http://schemas.microsoft.com/office/drawing/2014/main" val="2618431660"/>
+                    <a16:rowId xmlns:a16="http://schemas.microsoft.com/office/drawing/2014/main" val="3610202009"/>
                   </a:ext>
                 </a:extLst>
               </a:tr>
@@ -6535,142 +11384,12 @@
           </a:graphicData>
         </a:graphic>
       </p:graphicFrame>
-    </p:spTree>
-    <p:extLst>
-      <p:ext uri="{BB962C8B-B14F-4D97-AF65-F5344CB8AC3E}">
-        <p14:creationId xmlns:p14="http://schemas.microsoft.com/office/powerpoint/2010/main" val="3552652377"/>
-      </p:ext>
-    </p:extLst>
-  </p:cSld>
-  <p:clrMapOvr>
-    <a:masterClrMapping/>
-  </p:clrMapOvr>
-</p:sld>
-</file>
-
-<file path=ppt/slides/slide6.xml><?xml version="1.0" encoding="utf-8"?>
-<p:sld xmlns:a="http://schemas.openxmlformats.org/drawingml/2006/main" xmlns:r="http://schemas.openxmlformats.org/officeDocument/2006/relationships" xmlns:p="http://schemas.openxmlformats.org/presentationml/2006/main">
-  <p:cSld>
-    <p:spTree>
-      <p:nvGrpSpPr>
-        <p:cNvPr id="1" name=""/>
-        <p:cNvGrpSpPr/>
-        <p:nvPr/>
-      </p:nvGrpSpPr>
-      <p:grpSpPr>
-        <a:xfrm>
-          <a:off x="0" y="0"/>
-          <a:ext cx="0" cy="0"/>
-          <a:chOff x="0" y="0"/>
-          <a:chExt cx="0" cy="0"/>
-        </a:xfrm>
-      </p:grpSpPr>
-      <p:sp>
-        <p:nvSpPr>
-          <p:cNvPr id="2" name="Espaço Reservado para Conteúdo 1">
+      <p:graphicFrame>
+        <p:nvGraphicFramePr>
+          <p:cNvPr id="4" name="Tabela 3">
             <a:extLst>
               <a:ext uri="{FF2B5EF4-FFF2-40B4-BE49-F238E27FC236}">
-                <a16:creationId xmlns:a16="http://schemas.microsoft.com/office/drawing/2014/main" id="{18A6C8F8-6D6F-499A-866F-F9C2D4FF9168}"/>
-              </a:ext>
-            </a:extLst>
-          </p:cNvPr>
-          <p:cNvSpPr>
-            <a:spLocks noGrp="1"/>
-          </p:cNvSpPr>
-          <p:nvPr>
-            <p:ph idx="13"/>
-          </p:nvPr>
-        </p:nvSpPr>
-        <p:spPr/>
-        <p:txBody>
-          <a:bodyPr/>
-          <a:lstStyle/>
-          <a:p>
-            <a:pPr marL="0" indent="0">
-              <a:buNone/>
-            </a:pPr>
-            <a:r>
-              <a:rPr lang="pt-BR" dirty="0"/>
-              <a:t>Então se fizermos o seguinte:</a:t>
-            </a:r>
-          </a:p>
-          <a:p>
-            <a:pPr marL="0" indent="0">
-              <a:buNone/>
-            </a:pPr>
-            <a:endParaRPr lang="pt-BR" dirty="0"/>
-          </a:p>
-          <a:p>
-            <a:pPr marL="0" indent="0">
-              <a:buNone/>
-            </a:pPr>
-            <a:endParaRPr lang="pt-BR" dirty="0"/>
-          </a:p>
-          <a:p>
-            <a:pPr marL="0" indent="0">
-              <a:buNone/>
-            </a:pPr>
-            <a:endParaRPr lang="pt-BR" dirty="0"/>
-          </a:p>
-          <a:p>
-            <a:pPr marL="0" indent="0">
-              <a:buNone/>
-            </a:pPr>
-            <a:endParaRPr lang="pt-BR" dirty="0"/>
-          </a:p>
-          <a:p>
-            <a:pPr marL="0" indent="0">
-              <a:buNone/>
-            </a:pPr>
-            <a:endParaRPr lang="pt-BR" dirty="0"/>
-          </a:p>
-          <a:p>
-            <a:pPr marL="0" indent="0">
-              <a:buNone/>
-            </a:pPr>
-            <a:endParaRPr lang="pt-BR" dirty="0"/>
-          </a:p>
-          <a:p>
-            <a:pPr marL="0" indent="0">
-              <a:buNone/>
-            </a:pPr>
-            <a:endParaRPr lang="pt-BR" dirty="0"/>
-          </a:p>
-          <a:p>
-            <a:pPr marL="0" indent="0">
-              <a:buNone/>
-            </a:pPr>
-            <a:endParaRPr lang="pt-BR" dirty="0"/>
-          </a:p>
-          <a:p>
-            <a:pPr marL="0" indent="0">
-              <a:buNone/>
-            </a:pPr>
-            <a:endParaRPr lang="pt-BR" dirty="0"/>
-          </a:p>
-          <a:p>
-            <a:pPr marL="0" indent="0">
-              <a:buNone/>
-            </a:pPr>
-            <a:r>
-              <a:rPr lang="pt-BR" dirty="0"/>
-              <a:t>Qual será o output?		</a:t>
-            </a:r>
-          </a:p>
-          <a:p>
-            <a:endParaRPr lang="pt-BR" dirty="0"/>
-          </a:p>
-          <a:p>
-            <a:endParaRPr lang="pt-BR" dirty="0"/>
-          </a:p>
-        </p:txBody>
-      </p:sp>
-      <p:graphicFrame>
-        <p:nvGraphicFramePr>
-          <p:cNvPr id="3" name="Tabela 2">
-            <a:extLst>
-              <a:ext uri="{FF2B5EF4-FFF2-40B4-BE49-F238E27FC236}">
-                <a16:creationId xmlns:a16="http://schemas.microsoft.com/office/drawing/2014/main" id="{27B925EF-85B5-4278-AC00-265F868695B9}"/>
+                <a16:creationId xmlns:a16="http://schemas.microsoft.com/office/drawing/2014/main" id="{084AC7D8-91F2-4F7F-87A4-9947B2CE5752}"/>
               </a:ext>
             </a:extLst>
           </p:cNvPr>
@@ -6680,14 +11399,14 @@
           <p:nvPr>
             <p:extLst>
               <p:ext uri="{D42A27DB-BD31-4B8C-83A1-F6EECF244321}">
-                <p14:modId xmlns:p14="http://schemas.microsoft.com/office/powerpoint/2010/main" val="3896873016"/>
+                <p14:modId xmlns:p14="http://schemas.microsoft.com/office/powerpoint/2010/main" val="1914509480"/>
               </p:ext>
             </p:extLst>
           </p:nvPr>
         </p:nvGraphicFramePr>
         <p:xfrm>
-          <a:off x="378821" y="1240171"/>
-          <a:ext cx="9439735" cy="3718560"/>
+          <a:off x="378822" y="3663305"/>
+          <a:ext cx="8128000" cy="1584960"/>
         </p:xfrm>
         <a:graphic>
           <a:graphicData uri="http://schemas.openxmlformats.org/drawingml/2006/table">
@@ -6696,10 +11415,10 @@
                 <a:tableStyleId>{16D9F66E-5EB9-4882-86FB-DCBF35E3C3E4}</a:tableStyleId>
               </a:tblPr>
               <a:tblGrid>
-                <a:gridCol w="9439735">
+                <a:gridCol w="8128000">
                   <a:extLst>
                     <a:ext uri="{9D8B030D-6E8A-4147-A177-3AD203B41FA5}">
-                      <a16:colId xmlns:a16="http://schemas.microsoft.com/office/drawing/2014/main" val="1791430372"/>
+                      <a16:colId xmlns:a16="http://schemas.microsoft.com/office/drawing/2014/main" val="2323122284"/>
                     </a:ext>
                   </a:extLst>
                 </a:gridCol>
@@ -6714,159 +11433,71 @@
                         <a:buNone/>
                       </a:pPr>
                       <a:r>
-                        <a:rPr lang="pt-BR" sz="2000" dirty="0">
-                          <a:latin typeface="Arial" panose="020B0604020202020204" pitchFamily="34" charset="0"/>
-                          <a:cs typeface="Arial" panose="020B0604020202020204" pitchFamily="34" charset="0"/>
-                        </a:rPr>
-                        <a:t>x = </a:t>
-                      </a:r>
-                      <a:r>
-                        <a:rPr lang="pt-BR" sz="2000" dirty="0">
-                          <a:solidFill>
-                            <a:schemeClr val="accent6">
-                              <a:lumMod val="75000"/>
-                            </a:schemeClr>
-                          </a:solidFill>
-                          <a:latin typeface="Arial" panose="020B0604020202020204" pitchFamily="34" charset="0"/>
-                          <a:cs typeface="Arial" panose="020B0604020202020204" pitchFamily="34" charset="0"/>
-                        </a:rPr>
-                        <a:t>20</a:t>
-                      </a:r>
-                    </a:p>
-                    <a:p>
-                      <a:endParaRPr lang="pt-BR" sz="2000" dirty="0">
-                        <a:latin typeface="Arial" panose="020B0604020202020204" pitchFamily="34" charset="0"/>
-                        <a:cs typeface="Arial" panose="020B0604020202020204" pitchFamily="34" charset="0"/>
-                      </a:endParaRPr>
+                        <a:rPr lang="pt-BR" sz="2000" dirty="0" err="1">
+                          <a:solidFill>
+                            <a:srgbClr val="CE6D0C"/>
+                          </a:solidFill>
+                          <a:latin typeface="Arial" panose="020B0604020202020204" pitchFamily="34" charset="0"/>
+                          <a:cs typeface="Arial" panose="020B0604020202020204" pitchFamily="34" charset="0"/>
+                        </a:rPr>
+                        <a:t>def</a:t>
+                      </a:r>
+                      <a:r>
+                        <a:rPr lang="pt-BR" sz="2000" dirty="0">
+                          <a:latin typeface="Arial" panose="020B0604020202020204" pitchFamily="34" charset="0"/>
+                          <a:cs typeface="Arial" panose="020B0604020202020204" pitchFamily="34" charset="0"/>
+                        </a:rPr>
+                        <a:t> </a:t>
+                      </a:r>
+                      <a:r>
+                        <a:rPr lang="pt-BR" sz="2000" dirty="0" err="1">
+                          <a:solidFill>
+                            <a:schemeClr val="accent2"/>
+                          </a:solidFill>
+                          <a:latin typeface="Arial" panose="020B0604020202020204" pitchFamily="34" charset="0"/>
+                          <a:cs typeface="Arial" panose="020B0604020202020204" pitchFamily="34" charset="0"/>
+                        </a:rPr>
+                        <a:t>nomefuncao</a:t>
+                      </a:r>
+                      <a:r>
+                        <a:rPr lang="pt-BR" sz="2000" dirty="0">
+                          <a:latin typeface="Arial" panose="020B0604020202020204" pitchFamily="34" charset="0"/>
+                          <a:cs typeface="Arial" panose="020B0604020202020204" pitchFamily="34" charset="0"/>
+                        </a:rPr>
+                        <a:t>():</a:t>
+                      </a:r>
                     </a:p>
                     <a:p>
                       <a:pPr marL="0" indent="0">
                         <a:buNone/>
                       </a:pPr>
                       <a:r>
-                        <a:rPr lang="pt-BR" sz="2000" dirty="0" err="1">
-                          <a:solidFill>
-                            <a:srgbClr val="CE6D0C"/>
-                          </a:solidFill>
-                          <a:latin typeface="Arial" panose="020B0604020202020204" pitchFamily="34" charset="0"/>
-                          <a:cs typeface="Arial" panose="020B0604020202020204" pitchFamily="34" charset="0"/>
-                        </a:rPr>
-                        <a:t>def</a:t>
-                      </a:r>
-                      <a:r>
-                        <a:rPr lang="pt-BR" sz="2000" dirty="0">
-                          <a:latin typeface="Arial" panose="020B0604020202020204" pitchFamily="34" charset="0"/>
-                          <a:cs typeface="Arial" panose="020B0604020202020204" pitchFamily="34" charset="0"/>
-                        </a:rPr>
-                        <a:t> </a:t>
-                      </a:r>
-                      <a:r>
-                        <a:rPr lang="pt-BR" sz="2000" dirty="0" err="1">
-                          <a:solidFill>
-                            <a:schemeClr val="accent2"/>
-                          </a:solidFill>
-                          <a:latin typeface="Arial" panose="020B0604020202020204" pitchFamily="34" charset="0"/>
-                          <a:cs typeface="Arial" panose="020B0604020202020204" pitchFamily="34" charset="0"/>
-                        </a:rPr>
-                        <a:t>ExemploFuncao</a:t>
-                      </a:r>
-                      <a:r>
-                        <a:rPr lang="pt-BR" sz="2000" dirty="0">
-                          <a:latin typeface="Arial" panose="020B0604020202020204" pitchFamily="34" charset="0"/>
-                          <a:cs typeface="Arial" panose="020B0604020202020204" pitchFamily="34" charset="0"/>
-                        </a:rPr>
-                        <a:t>():</a:t>
-                      </a:r>
-                    </a:p>
-                    <a:p>
-                      <a:pPr marL="0" indent="0">
-                        <a:buNone/>
-                        <a:tabLst>
-                          <a:tab pos="360363" algn="l"/>
-                        </a:tabLst>
-                      </a:pPr>
-                      <a:r>
                         <a:rPr lang="pt-BR" sz="2000" dirty="0"/>
                         <a:t>	</a:t>
                       </a:r>
                       <a:r>
-                        <a:rPr lang="pt-BR" sz="2000" dirty="0">
-                          <a:latin typeface="Arial" panose="020B0604020202020204" pitchFamily="34" charset="0"/>
-                          <a:cs typeface="Arial" panose="020B0604020202020204" pitchFamily="34" charset="0"/>
-                        </a:rPr>
-                        <a:t>x = </a:t>
-                      </a:r>
-                      <a:r>
-                        <a:rPr lang="pt-BR" sz="2000" dirty="0">
-                          <a:solidFill>
-                            <a:schemeClr val="accent6">
-                              <a:lumMod val="75000"/>
-                            </a:schemeClr>
-                          </a:solidFill>
-                          <a:latin typeface="Arial" panose="020B0604020202020204" pitchFamily="34" charset="0"/>
-                          <a:cs typeface="Arial" panose="020B0604020202020204" pitchFamily="34" charset="0"/>
-                        </a:rPr>
-                        <a:t>10</a:t>
-                      </a:r>
-                    </a:p>
-                    <a:p>
-                      <a:pPr marL="0" indent="0">
-                        <a:buNone/>
-                        <a:tabLst>
-                          <a:tab pos="360363" algn="l"/>
-                        </a:tabLst>
-                      </a:pPr>
+                        <a:rPr lang="pt-BR" sz="2000" dirty="0" err="1">
+                          <a:solidFill>
+                            <a:srgbClr val="CE6D0C"/>
+                          </a:solidFill>
+                        </a:rPr>
+                        <a:t>def</a:t>
+                      </a:r>
                       <a:r>
                         <a:rPr lang="pt-BR" sz="2000" dirty="0"/>
-                        <a:t>	</a:t>
-                      </a:r>
-                      <a:r>
-                        <a:rPr lang="pt-BR" sz="2000" dirty="0">
-                          <a:latin typeface="Arial" panose="020B0604020202020204" pitchFamily="34" charset="0"/>
-                          <a:cs typeface="Arial" panose="020B0604020202020204" pitchFamily="34" charset="0"/>
-                        </a:rPr>
-                        <a:t>x *= </a:t>
-                      </a:r>
-                      <a:r>
-                        <a:rPr lang="pt-BR" sz="2000" dirty="0">
-                          <a:solidFill>
-                            <a:schemeClr val="accent6">
-                              <a:lumMod val="75000"/>
-                            </a:schemeClr>
-                          </a:solidFill>
-                          <a:latin typeface="Arial" panose="020B0604020202020204" pitchFamily="34" charset="0"/>
-                          <a:cs typeface="Arial" panose="020B0604020202020204" pitchFamily="34" charset="0"/>
-                        </a:rPr>
-                        <a:t>3</a:t>
-                      </a:r>
-                    </a:p>
-                    <a:p>
-                      <a:pPr marL="0" indent="0">
-                        <a:buNone/>
-                        <a:tabLst>
-                          <a:tab pos="360363" algn="l"/>
-                        </a:tabLst>
-                      </a:pPr>
+                        <a:t> </a:t>
+                      </a:r>
+                      <a:r>
+                        <a:rPr lang="pt-BR" sz="2000" dirty="0">
+                          <a:solidFill>
+                            <a:schemeClr val="accent2"/>
+                          </a:solidFill>
+                        </a:rPr>
+                        <a:t>nomefuncao2</a:t>
+                      </a:r>
                       <a:r>
                         <a:rPr lang="pt-BR" sz="2000" dirty="0"/>
-                        <a:t>	</a:t>
-                      </a:r>
-                      <a:r>
-                        <a:rPr lang="pt-BR" sz="2000" dirty="0" err="1">
-                          <a:solidFill>
-                            <a:srgbClr val="CE6D0C"/>
-                          </a:solidFill>
-                          <a:latin typeface="Arial" panose="020B0604020202020204" pitchFamily="34" charset="0"/>
-                          <a:cs typeface="Arial" panose="020B0604020202020204" pitchFamily="34" charset="0"/>
-                        </a:rPr>
-                        <a:t>return</a:t>
-                      </a:r>
-                      <a:r>
-                        <a:rPr lang="pt-BR" sz="2000" dirty="0">
-                          <a:latin typeface="Arial" panose="020B0604020202020204" pitchFamily="34" charset="0"/>
-                          <a:cs typeface="Arial" panose="020B0604020202020204" pitchFamily="34" charset="0"/>
-                        </a:rPr>
-                        <a:t> x</a:t>
+                        <a:t>():</a:t>
                       </a:r>
                     </a:p>
                     <a:p>
@@ -6874,11 +11505,8 @@
                         <a:buNone/>
                       </a:pPr>
                       <a:r>
-                        <a:rPr lang="pt-BR" sz="2000" dirty="0">
-                          <a:latin typeface="Arial" panose="020B0604020202020204" pitchFamily="34" charset="0"/>
-                          <a:cs typeface="Arial" panose="020B0604020202020204" pitchFamily="34" charset="0"/>
-                        </a:rPr>
-                        <a:t>sla()</a:t>
+                        <a:rPr lang="pt-BR" sz="2000" dirty="0"/>
+                        <a:t>		&lt;codigo&gt;</a:t>
                       </a:r>
                     </a:p>
                     <a:p>
@@ -6886,69 +11514,8 @@
                         <a:buNone/>
                       </a:pPr>
                       <a:r>
-                        <a:rPr lang="pt-BR" sz="2000" dirty="0">
-                          <a:solidFill>
-                            <a:schemeClr val="accent6">
-                              <a:lumMod val="75000"/>
-                            </a:schemeClr>
-                          </a:solidFill>
-                          <a:latin typeface="Arial" panose="020B0604020202020204" pitchFamily="34" charset="0"/>
-                          <a:cs typeface="Arial" panose="020B0604020202020204" pitchFamily="34" charset="0"/>
-                        </a:rPr>
-                        <a:t>print</a:t>
-                      </a:r>
-                      <a:r>
-                        <a:rPr lang="pt-BR" sz="2000" dirty="0">
-                          <a:latin typeface="Arial" panose="020B0604020202020204" pitchFamily="34" charset="0"/>
-                          <a:cs typeface="Arial" panose="020B0604020202020204" pitchFamily="34" charset="0"/>
-                        </a:rPr>
-                        <a:t>(x)</a:t>
-                      </a:r>
-                    </a:p>
-                    <a:p>
-                      <a:pPr marL="0" indent="0">
-                        <a:buNone/>
-                      </a:pPr>
-                      <a:endParaRPr lang="pt-BR" sz="2000" dirty="0">
-                        <a:latin typeface="Arial" panose="020B0604020202020204" pitchFamily="34" charset="0"/>
-                        <a:cs typeface="Arial" panose="020B0604020202020204" pitchFamily="34" charset="0"/>
-                      </a:endParaRPr>
-                    </a:p>
-                    <a:p>
-                      <a:pPr marL="0" indent="0">
-                        <a:buNone/>
-                      </a:pPr>
-                      <a:r>
-                        <a:rPr lang="pt-BR" sz="2000" dirty="0">
-                          <a:solidFill>
-                            <a:srgbClr val="C00000"/>
-                          </a:solidFill>
-                          <a:latin typeface="Arial" panose="020B0604020202020204" pitchFamily="34" charset="0"/>
-                          <a:cs typeface="Arial" panose="020B0604020202020204" pitchFamily="34" charset="0"/>
-                        </a:rPr>
-                        <a:t>Output:</a:t>
-                      </a:r>
-                    </a:p>
-                    <a:p>
-                      <a:pPr marL="0" indent="0">
-                        <a:buNone/>
-                      </a:pPr>
-                      <a:r>
-                        <a:rPr lang="pt-BR" sz="2000" dirty="0">
-                          <a:solidFill>
-                            <a:srgbClr val="C00000"/>
-                          </a:solidFill>
-                          <a:latin typeface="Arial" panose="020B0604020202020204" pitchFamily="34" charset="0"/>
-                          <a:cs typeface="Arial" panose="020B0604020202020204" pitchFamily="34" charset="0"/>
-                        </a:rPr>
-                        <a:t>&gt;&gt;&gt;</a:t>
-                      </a:r>
-                      <a:r>
-                        <a:rPr lang="pt-BR" sz="2000" dirty="0">
-                          <a:latin typeface="Arial" panose="020B0604020202020204" pitchFamily="34" charset="0"/>
-                          <a:cs typeface="Arial" panose="020B0604020202020204" pitchFamily="34" charset="0"/>
-                        </a:rPr>
-                        <a:t>  “???”</a:t>
+                        <a:rPr lang="pt-BR" sz="2000" dirty="0"/>
+                        <a:t>	&lt;codigo&gt;</a:t>
                       </a:r>
                     </a:p>
                     <a:p>
@@ -6959,7 +11526,7 @@
                 </a:tc>
                 <a:extLst>
                   <a:ext uri="{0D108BD9-81ED-4DB2-BD59-A6C34878D82A}">
-                    <a16:rowId xmlns:a16="http://schemas.microsoft.com/office/drawing/2014/main" val="3596085933"/>
+                    <a16:rowId xmlns:a16="http://schemas.microsoft.com/office/drawing/2014/main" val="863103248"/>
                   </a:ext>
                 </a:extLst>
               </a:tr>
@@ -6970,1430 +11537,7 @@
     </p:spTree>
     <p:extLst>
       <p:ext uri="{BB962C8B-B14F-4D97-AF65-F5344CB8AC3E}">
-        <p14:creationId xmlns:p14="http://schemas.microsoft.com/office/powerpoint/2010/main" val="3051498906"/>
-      </p:ext>
-    </p:extLst>
-  </p:cSld>
-  <p:clrMapOvr>
-    <a:masterClrMapping/>
-  </p:clrMapOvr>
-</p:sld>
-</file>
-
-<file path=ppt/slides/slide7.xml><?xml version="1.0" encoding="utf-8"?>
-<p:sld xmlns:a="http://schemas.openxmlformats.org/drawingml/2006/main" xmlns:r="http://schemas.openxmlformats.org/officeDocument/2006/relationships" xmlns:p="http://schemas.openxmlformats.org/presentationml/2006/main">
-  <p:cSld>
-    <p:spTree>
-      <p:nvGrpSpPr>
-        <p:cNvPr id="1" name=""/>
-        <p:cNvGrpSpPr/>
-        <p:nvPr/>
-      </p:nvGrpSpPr>
-      <p:grpSpPr>
-        <a:xfrm>
-          <a:off x="0" y="0"/>
-          <a:ext cx="0" cy="0"/>
-          <a:chOff x="0" y="0"/>
-          <a:chExt cx="0" cy="0"/>
-        </a:xfrm>
-      </p:grpSpPr>
-      <p:sp>
-        <p:nvSpPr>
-          <p:cNvPr id="2" name="Espaço Reservado para Conteúdo 1">
-            <a:extLst>
-              <a:ext uri="{FF2B5EF4-FFF2-40B4-BE49-F238E27FC236}">
-                <a16:creationId xmlns:a16="http://schemas.microsoft.com/office/drawing/2014/main" id="{E0470E5D-2FEE-4A8F-858F-9AD8E9327BF5}"/>
-              </a:ext>
-            </a:extLst>
-          </p:cNvPr>
-          <p:cNvSpPr>
-            <a:spLocks noGrp="1"/>
-          </p:cNvSpPr>
-          <p:nvPr>
-            <p:ph idx="13"/>
-          </p:nvPr>
-        </p:nvSpPr>
-        <p:spPr>
-          <a:xfrm>
-            <a:off x="378822" y="351290"/>
-            <a:ext cx="10136777" cy="6506709"/>
-          </a:xfrm>
-        </p:spPr>
-        <p:txBody>
-          <a:bodyPr>
-            <a:normAutofit/>
-          </a:bodyPr>
-          <a:lstStyle/>
-          <a:p>
-            <a:pPr marL="0" indent="0">
-              <a:buNone/>
-            </a:pPr>
-            <a:r>
-              <a:rPr lang="pt-BR" dirty="0"/>
-              <a:t>Agora se eu fizer assim...</a:t>
-            </a:r>
-          </a:p>
-          <a:p>
-            <a:pPr marL="0" indent="0">
-              <a:buNone/>
-            </a:pPr>
-            <a:endParaRPr lang="pt-BR" dirty="0"/>
-          </a:p>
-          <a:p>
-            <a:pPr marL="0" indent="0">
-              <a:buNone/>
-            </a:pPr>
-            <a:endParaRPr lang="pt-BR" dirty="0"/>
-          </a:p>
-          <a:p>
-            <a:pPr marL="0" indent="0">
-              <a:buNone/>
-            </a:pPr>
-            <a:endParaRPr lang="pt-BR" dirty="0"/>
-          </a:p>
-          <a:p>
-            <a:pPr marL="0" indent="0">
-              <a:buNone/>
-            </a:pPr>
-            <a:endParaRPr lang="pt-BR" dirty="0"/>
-          </a:p>
-          <a:p>
-            <a:pPr marL="0" indent="0">
-              <a:buNone/>
-            </a:pPr>
-            <a:endParaRPr lang="pt-BR" dirty="0"/>
-          </a:p>
-          <a:p>
-            <a:pPr marL="0" indent="0">
-              <a:buNone/>
-            </a:pPr>
-            <a:endParaRPr lang="pt-BR" dirty="0"/>
-          </a:p>
-          <a:p>
-            <a:pPr marL="0" indent="0">
-              <a:buNone/>
-            </a:pPr>
-            <a:endParaRPr lang="pt-BR" dirty="0"/>
-          </a:p>
-          <a:p>
-            <a:pPr marL="0" indent="0">
-              <a:buNone/>
-            </a:pPr>
-            <a:endParaRPr lang="pt-BR" dirty="0"/>
-          </a:p>
-          <a:p>
-            <a:pPr marL="0" indent="0">
-              <a:buNone/>
-            </a:pPr>
-            <a:endParaRPr lang="pt-BR" dirty="0"/>
-          </a:p>
-          <a:p>
-            <a:pPr marL="0" indent="0">
-              <a:buNone/>
-            </a:pPr>
-            <a:r>
-              <a:rPr lang="pt-BR" dirty="0"/>
-              <a:t>Como definimos a variável x como global,, ela será visível em qualquer parte do código.</a:t>
-            </a:r>
-          </a:p>
-          <a:p>
-            <a:pPr marL="0" indent="0">
-              <a:buNone/>
-            </a:pPr>
-            <a:r>
-              <a:rPr lang="pt-BR" dirty="0"/>
-              <a:t>		</a:t>
-            </a:r>
-          </a:p>
-        </p:txBody>
-      </p:sp>
-      <p:graphicFrame>
-        <p:nvGraphicFramePr>
-          <p:cNvPr id="3" name="Tabela 2">
-            <a:extLst>
-              <a:ext uri="{FF2B5EF4-FFF2-40B4-BE49-F238E27FC236}">
-                <a16:creationId xmlns:a16="http://schemas.microsoft.com/office/drawing/2014/main" id="{66581141-BA75-4292-9C16-D3F8E45D6D4D}"/>
-              </a:ext>
-            </a:extLst>
-          </p:cNvPr>
-          <p:cNvGraphicFramePr>
-            <a:graphicFrameLocks noGrp="1"/>
-          </p:cNvGraphicFramePr>
-          <p:nvPr>
-            <p:extLst>
-              <p:ext uri="{D42A27DB-BD31-4B8C-83A1-F6EECF244321}">
-                <p14:modId xmlns:p14="http://schemas.microsoft.com/office/powerpoint/2010/main" val="246125728"/>
-              </p:ext>
-            </p:extLst>
-          </p:nvPr>
-        </p:nvGraphicFramePr>
-        <p:xfrm>
-          <a:off x="378822" y="1199351"/>
-          <a:ext cx="9484706" cy="4023360"/>
-        </p:xfrm>
-        <a:graphic>
-          <a:graphicData uri="http://schemas.openxmlformats.org/drawingml/2006/table">
-            <a:tbl>
-              <a:tblPr firstRow="1" bandRow="1">
-                <a:tableStyleId>{16D9F66E-5EB9-4882-86FB-DCBF35E3C3E4}</a:tableStyleId>
-              </a:tblPr>
-              <a:tblGrid>
-                <a:gridCol w="9484706">
-                  <a:extLst>
-                    <a:ext uri="{9D8B030D-6E8A-4147-A177-3AD203B41FA5}">
-                      <a16:colId xmlns:a16="http://schemas.microsoft.com/office/drawing/2014/main" val="1592645588"/>
-                    </a:ext>
-                  </a:extLst>
-                </a:gridCol>
-              </a:tblGrid>
-              <a:tr h="370840">
-                <a:tc>
-                  <a:txBody>
-                    <a:bodyPr/>
-                    <a:lstStyle/>
-                    <a:p>
-                      <a:pPr marL="0" indent="0">
-                        <a:buNone/>
-                      </a:pPr>
-                      <a:r>
-                        <a:rPr lang="pt-BR" sz="2000" b="1" dirty="0">
-                          <a:latin typeface="Arial" panose="020B0604020202020204" pitchFamily="34" charset="0"/>
-                          <a:cs typeface="Arial" panose="020B0604020202020204" pitchFamily="34" charset="0"/>
-                        </a:rPr>
-                        <a:t>x = </a:t>
-                      </a:r>
-                      <a:r>
-                        <a:rPr lang="pt-BR" sz="2000" b="1" dirty="0">
-                          <a:solidFill>
-                            <a:schemeClr val="accent6">
-                              <a:lumMod val="75000"/>
-                            </a:schemeClr>
-                          </a:solidFill>
-                          <a:latin typeface="Arial" panose="020B0604020202020204" pitchFamily="34" charset="0"/>
-                          <a:cs typeface="Arial" panose="020B0604020202020204" pitchFamily="34" charset="0"/>
-                        </a:rPr>
-                        <a:t>20</a:t>
-                      </a:r>
-                    </a:p>
-                    <a:p>
-                      <a:endParaRPr lang="pt-BR" sz="2000" b="1" dirty="0">
-                        <a:latin typeface="Arial" panose="020B0604020202020204" pitchFamily="34" charset="0"/>
-                        <a:cs typeface="Arial" panose="020B0604020202020204" pitchFamily="34" charset="0"/>
-                      </a:endParaRPr>
-                    </a:p>
-                    <a:p>
-                      <a:pPr marL="0" indent="0">
-                        <a:buNone/>
-                      </a:pPr>
-                      <a:r>
-                        <a:rPr lang="pt-BR" sz="2000" b="1" dirty="0" err="1">
-                          <a:solidFill>
-                            <a:srgbClr val="CE6D0C"/>
-                          </a:solidFill>
-                          <a:latin typeface="Arial" panose="020B0604020202020204" pitchFamily="34" charset="0"/>
-                          <a:cs typeface="Arial" panose="020B0604020202020204" pitchFamily="34" charset="0"/>
-                        </a:rPr>
-                        <a:t>def</a:t>
-                      </a:r>
-                      <a:r>
-                        <a:rPr lang="pt-BR" sz="2000" b="1" dirty="0">
-                          <a:latin typeface="Arial" panose="020B0604020202020204" pitchFamily="34" charset="0"/>
-                          <a:cs typeface="Arial" panose="020B0604020202020204" pitchFamily="34" charset="0"/>
-                        </a:rPr>
-                        <a:t> </a:t>
-                      </a:r>
-                      <a:r>
-                        <a:rPr lang="pt-BR" sz="2000" b="1" dirty="0" err="1">
-                          <a:solidFill>
-                            <a:schemeClr val="accent2"/>
-                          </a:solidFill>
-                          <a:latin typeface="Arial" panose="020B0604020202020204" pitchFamily="34" charset="0"/>
-                          <a:cs typeface="Arial" panose="020B0604020202020204" pitchFamily="34" charset="0"/>
-                        </a:rPr>
-                        <a:t>ExemploFuncao</a:t>
-                      </a:r>
-                      <a:r>
-                        <a:rPr lang="pt-BR" sz="2000" b="1" dirty="0">
-                          <a:latin typeface="Arial" panose="020B0604020202020204" pitchFamily="34" charset="0"/>
-                          <a:cs typeface="Arial" panose="020B0604020202020204" pitchFamily="34" charset="0"/>
-                        </a:rPr>
-                        <a:t>():</a:t>
-                      </a:r>
-                    </a:p>
-                    <a:p>
-                      <a:pPr marL="0" indent="0">
-                        <a:buNone/>
-                      </a:pPr>
-                      <a:r>
-                        <a:rPr lang="pt-BR" sz="2000" b="1" dirty="0">
-                          <a:latin typeface="Arial" panose="020B0604020202020204" pitchFamily="34" charset="0"/>
-                          <a:cs typeface="Arial" panose="020B0604020202020204" pitchFamily="34" charset="0"/>
-                        </a:rPr>
-                        <a:t>    </a:t>
-                      </a:r>
-                      <a:r>
-                        <a:rPr lang="pt-BR" sz="2000" b="1" dirty="0">
-                          <a:solidFill>
-                            <a:srgbClr val="CE6D0C"/>
-                          </a:solidFill>
-                          <a:latin typeface="Arial" panose="020B0604020202020204" pitchFamily="34" charset="0"/>
-                          <a:cs typeface="Arial" panose="020B0604020202020204" pitchFamily="34" charset="0"/>
-                        </a:rPr>
-                        <a:t>global</a:t>
-                      </a:r>
-                      <a:r>
-                        <a:rPr lang="pt-BR" sz="2000" b="1" dirty="0">
-                          <a:latin typeface="Arial" panose="020B0604020202020204" pitchFamily="34" charset="0"/>
-                          <a:cs typeface="Arial" panose="020B0604020202020204" pitchFamily="34" charset="0"/>
-                        </a:rPr>
-                        <a:t> x</a:t>
-                      </a:r>
-                    </a:p>
-                    <a:p>
-                      <a:pPr marL="0" indent="0">
-                        <a:buNone/>
-                      </a:pPr>
-                      <a:r>
-                        <a:rPr lang="pt-BR" sz="2000" b="1" dirty="0">
-                          <a:latin typeface="Arial" panose="020B0604020202020204" pitchFamily="34" charset="0"/>
-                          <a:cs typeface="Arial" panose="020B0604020202020204" pitchFamily="34" charset="0"/>
-                        </a:rPr>
-                        <a:t>    x = </a:t>
-                      </a:r>
-                      <a:r>
-                        <a:rPr lang="pt-BR" sz="2000" b="1" dirty="0">
-                          <a:solidFill>
-                            <a:schemeClr val="accent6">
-                              <a:lumMod val="75000"/>
-                            </a:schemeClr>
-                          </a:solidFill>
-                          <a:latin typeface="Arial" panose="020B0604020202020204" pitchFamily="34" charset="0"/>
-                          <a:cs typeface="Arial" panose="020B0604020202020204" pitchFamily="34" charset="0"/>
-                        </a:rPr>
-                        <a:t>10</a:t>
-                      </a:r>
-                    </a:p>
-                    <a:p>
-                      <a:pPr marL="0" indent="0">
-                        <a:buNone/>
-                      </a:pPr>
-                      <a:r>
-                        <a:rPr lang="pt-BR" sz="2000" b="1" dirty="0">
-                          <a:latin typeface="Arial" panose="020B0604020202020204" pitchFamily="34" charset="0"/>
-                          <a:cs typeface="Arial" panose="020B0604020202020204" pitchFamily="34" charset="0"/>
-                        </a:rPr>
-                        <a:t>    x *= </a:t>
-                      </a:r>
-                      <a:r>
-                        <a:rPr lang="pt-BR" sz="2000" b="1" dirty="0">
-                          <a:solidFill>
-                            <a:schemeClr val="accent6">
-                              <a:lumMod val="75000"/>
-                            </a:schemeClr>
-                          </a:solidFill>
-                          <a:latin typeface="Arial" panose="020B0604020202020204" pitchFamily="34" charset="0"/>
-                          <a:cs typeface="Arial" panose="020B0604020202020204" pitchFamily="34" charset="0"/>
-                        </a:rPr>
-                        <a:t>3</a:t>
-                      </a:r>
-                    </a:p>
-                    <a:p>
-                      <a:pPr marL="0" indent="0">
-                        <a:buNone/>
-                      </a:pPr>
-                      <a:r>
-                        <a:rPr lang="pt-BR" sz="2000" b="1" dirty="0">
-                          <a:latin typeface="Arial" panose="020B0604020202020204" pitchFamily="34" charset="0"/>
-                          <a:cs typeface="Arial" panose="020B0604020202020204" pitchFamily="34" charset="0"/>
-                        </a:rPr>
-                        <a:t>    </a:t>
-                      </a:r>
-                      <a:r>
-                        <a:rPr lang="pt-BR" sz="2000" b="1" dirty="0" err="1">
-                          <a:solidFill>
-                            <a:srgbClr val="CE6D0C"/>
-                          </a:solidFill>
-                          <a:latin typeface="Arial" panose="020B0604020202020204" pitchFamily="34" charset="0"/>
-                          <a:cs typeface="Arial" panose="020B0604020202020204" pitchFamily="34" charset="0"/>
-                        </a:rPr>
-                        <a:t>return</a:t>
-                      </a:r>
-                      <a:r>
-                        <a:rPr lang="pt-BR" sz="2000" b="1" dirty="0">
-                          <a:latin typeface="Arial" panose="020B0604020202020204" pitchFamily="34" charset="0"/>
-                          <a:cs typeface="Arial" panose="020B0604020202020204" pitchFamily="34" charset="0"/>
-                        </a:rPr>
-                        <a:t> x</a:t>
-                      </a:r>
-                    </a:p>
-                    <a:p>
-                      <a:pPr marL="0" indent="0">
-                        <a:buNone/>
-                      </a:pPr>
-                      <a:r>
-                        <a:rPr lang="pt-BR" sz="2000" b="1" dirty="0">
-                          <a:latin typeface="Arial" panose="020B0604020202020204" pitchFamily="34" charset="0"/>
-                          <a:cs typeface="Arial" panose="020B0604020202020204" pitchFamily="34" charset="0"/>
-                        </a:rPr>
-                        <a:t>sla()</a:t>
-                      </a:r>
-                    </a:p>
-                    <a:p>
-                      <a:pPr marL="0" indent="0">
-                        <a:buNone/>
-                      </a:pPr>
-                      <a:r>
-                        <a:rPr lang="pt-BR" sz="2000" b="1" dirty="0">
-                          <a:solidFill>
-                            <a:schemeClr val="accent6">
-                              <a:lumMod val="75000"/>
-                            </a:schemeClr>
-                          </a:solidFill>
-                          <a:latin typeface="Arial" panose="020B0604020202020204" pitchFamily="34" charset="0"/>
-                          <a:cs typeface="Arial" panose="020B0604020202020204" pitchFamily="34" charset="0"/>
-                        </a:rPr>
-                        <a:t>print</a:t>
-                      </a:r>
-                      <a:r>
-                        <a:rPr lang="pt-BR" sz="2000" b="1" dirty="0">
-                          <a:latin typeface="Arial" panose="020B0604020202020204" pitchFamily="34" charset="0"/>
-                          <a:cs typeface="Arial" panose="020B0604020202020204" pitchFamily="34" charset="0"/>
-                        </a:rPr>
-                        <a:t>(x)</a:t>
-                      </a:r>
-                    </a:p>
-                    <a:p>
-                      <a:pPr marL="0" indent="0">
-                        <a:buNone/>
-                      </a:pPr>
-                      <a:endParaRPr lang="pt-BR" sz="2000" b="1" dirty="0">
-                        <a:latin typeface="Arial" panose="020B0604020202020204" pitchFamily="34" charset="0"/>
-                        <a:cs typeface="Arial" panose="020B0604020202020204" pitchFamily="34" charset="0"/>
-                      </a:endParaRPr>
-                    </a:p>
-                    <a:p>
-                      <a:pPr marL="0" indent="0">
-                        <a:buNone/>
-                      </a:pPr>
-                      <a:r>
-                        <a:rPr lang="pt-BR" sz="2000" b="1" dirty="0">
-                          <a:solidFill>
-                            <a:srgbClr val="C00000"/>
-                          </a:solidFill>
-                          <a:latin typeface="Arial" panose="020B0604020202020204" pitchFamily="34" charset="0"/>
-                          <a:cs typeface="Arial" panose="020B0604020202020204" pitchFamily="34" charset="0"/>
-                        </a:rPr>
-                        <a:t>Output:</a:t>
-                      </a:r>
-                    </a:p>
-                    <a:p>
-                      <a:pPr marL="0" indent="0">
-                        <a:buNone/>
-                      </a:pPr>
-                      <a:r>
-                        <a:rPr lang="pt-BR" sz="2000" b="1" dirty="0">
-                          <a:solidFill>
-                            <a:srgbClr val="C00000"/>
-                          </a:solidFill>
-                          <a:latin typeface="Arial" panose="020B0604020202020204" pitchFamily="34" charset="0"/>
-                          <a:cs typeface="Arial" panose="020B0604020202020204" pitchFamily="34" charset="0"/>
-                        </a:rPr>
-                        <a:t>&gt;&gt;&gt;</a:t>
-                      </a:r>
-                      <a:r>
-                        <a:rPr lang="pt-BR" sz="2000" b="1" dirty="0">
-                          <a:solidFill>
-                            <a:schemeClr val="tx1"/>
-                          </a:solidFill>
-                          <a:latin typeface="Arial" panose="020B0604020202020204" pitchFamily="34" charset="0"/>
-                          <a:cs typeface="Arial" panose="020B0604020202020204" pitchFamily="34" charset="0"/>
-                        </a:rPr>
-                        <a:t> 30</a:t>
-                      </a:r>
-                    </a:p>
-                    <a:p>
-                      <a:endParaRPr lang="pt-BR" dirty="0"/>
-                    </a:p>
-                  </a:txBody>
-                  <a:tcPr/>
-                </a:tc>
-                <a:extLst>
-                  <a:ext uri="{0D108BD9-81ED-4DB2-BD59-A6C34878D82A}">
-                    <a16:rowId xmlns:a16="http://schemas.microsoft.com/office/drawing/2014/main" val="3423284050"/>
-                  </a:ext>
-                </a:extLst>
-              </a:tr>
-            </a:tbl>
-          </a:graphicData>
-        </a:graphic>
-      </p:graphicFrame>
-    </p:spTree>
-    <p:extLst>
-      <p:ext uri="{BB962C8B-B14F-4D97-AF65-F5344CB8AC3E}">
-        <p14:creationId xmlns:p14="http://schemas.microsoft.com/office/powerpoint/2010/main" val="2207885807"/>
-      </p:ext>
-    </p:extLst>
-  </p:cSld>
-  <p:clrMapOvr>
-    <a:masterClrMapping/>
-  </p:clrMapOvr>
-</p:sld>
-</file>
-
-<file path=ppt/slides/slide8.xml><?xml version="1.0" encoding="utf-8"?>
-<p:sld xmlns:a="http://schemas.openxmlformats.org/drawingml/2006/main" xmlns:r="http://schemas.openxmlformats.org/officeDocument/2006/relationships" xmlns:p="http://schemas.openxmlformats.org/presentationml/2006/main">
-  <p:cSld>
-    <p:spTree>
-      <p:nvGrpSpPr>
-        <p:cNvPr id="1" name=""/>
-        <p:cNvGrpSpPr/>
-        <p:nvPr/>
-      </p:nvGrpSpPr>
-      <p:grpSpPr>
-        <a:xfrm>
-          <a:off x="0" y="0"/>
-          <a:ext cx="0" cy="0"/>
-          <a:chOff x="0" y="0"/>
-          <a:chExt cx="0" cy="0"/>
-        </a:xfrm>
-      </p:grpSpPr>
-      <p:sp>
-        <p:nvSpPr>
-          <p:cNvPr id="2" name="Título 1">
-            <a:extLst>
-              <a:ext uri="{FF2B5EF4-FFF2-40B4-BE49-F238E27FC236}">
-                <a16:creationId xmlns:a16="http://schemas.microsoft.com/office/drawing/2014/main" id="{78442A39-D0DC-4364-8A01-3561D23D1CCF}"/>
-              </a:ext>
-            </a:extLst>
-          </p:cNvPr>
-          <p:cNvSpPr>
-            <a:spLocks noGrp="1"/>
-          </p:cNvSpPr>
-          <p:nvPr>
-            <p:ph type="title"/>
-          </p:nvPr>
-        </p:nvSpPr>
-        <p:spPr/>
-        <p:txBody>
-          <a:bodyPr/>
-          <a:lstStyle/>
-          <a:p>
-            <a:r>
-              <a:rPr lang="pt-BR" dirty="0"/>
-              <a:t>Dicionário</a:t>
-            </a:r>
-          </a:p>
-        </p:txBody>
-      </p:sp>
-      <p:sp>
-        <p:nvSpPr>
-          <p:cNvPr id="3" name="Espaço Reservado para Conteúdo 2">
-            <a:extLst>
-              <a:ext uri="{FF2B5EF4-FFF2-40B4-BE49-F238E27FC236}">
-                <a16:creationId xmlns:a16="http://schemas.microsoft.com/office/drawing/2014/main" id="{F860EE1F-973D-47A2-A663-0D3205A0E524}"/>
-              </a:ext>
-            </a:extLst>
-          </p:cNvPr>
-          <p:cNvSpPr>
-            <a:spLocks noGrp="1"/>
-          </p:cNvSpPr>
-          <p:nvPr>
-            <p:ph idx="1"/>
-          </p:nvPr>
-        </p:nvSpPr>
-        <p:spPr/>
-        <p:txBody>
-          <a:bodyPr/>
-          <a:lstStyle/>
-          <a:p>
-            <a:pPr marL="0" indent="0">
-              <a:buNone/>
-            </a:pPr>
-            <a:r>
-              <a:rPr lang="pt-BR" dirty="0"/>
-              <a:t>Podemos entender o dicionário como uma lista, onde ao invés de ter uma chave fixa, nós a escolhemos.</a:t>
-            </a:r>
-          </a:p>
-          <a:p>
-            <a:pPr marL="0" indent="0">
-              <a:buNone/>
-            </a:pPr>
-            <a:r>
-              <a:rPr lang="pt-BR" dirty="0"/>
-              <a:t>Em uma lista, para acessarmos um determinado elemento, utilizamos os numeros de 0 a N.</a:t>
-            </a:r>
-          </a:p>
-          <a:p>
-            <a:pPr marL="0" indent="0">
-              <a:buNone/>
-            </a:pPr>
-            <a:r>
-              <a:rPr lang="pt-BR" dirty="0"/>
-              <a:t>Já em um dicionário, nós decidimos como iremos acessar seus elementos.</a:t>
-            </a:r>
-          </a:p>
-        </p:txBody>
-      </p:sp>
-    </p:spTree>
-    <p:extLst>
-      <p:ext uri="{BB962C8B-B14F-4D97-AF65-F5344CB8AC3E}">
-        <p14:creationId xmlns:p14="http://schemas.microsoft.com/office/powerpoint/2010/main" val="1700941263"/>
-      </p:ext>
-    </p:extLst>
-  </p:cSld>
-  <p:clrMapOvr>
-    <a:masterClrMapping/>
-  </p:clrMapOvr>
-</p:sld>
-</file>
-
-<file path=ppt/slides/slide9.xml><?xml version="1.0" encoding="utf-8"?>
-<p:sld xmlns:a="http://schemas.openxmlformats.org/drawingml/2006/main" xmlns:r="http://schemas.openxmlformats.org/officeDocument/2006/relationships" xmlns:p="http://schemas.openxmlformats.org/presentationml/2006/main">
-  <p:cSld>
-    <p:spTree>
-      <p:nvGrpSpPr>
-        <p:cNvPr id="1" name=""/>
-        <p:cNvGrpSpPr/>
-        <p:nvPr/>
-      </p:nvGrpSpPr>
-      <p:grpSpPr>
-        <a:xfrm>
-          <a:off x="0" y="0"/>
-          <a:ext cx="0" cy="0"/>
-          <a:chOff x="0" y="0"/>
-          <a:chExt cx="0" cy="0"/>
-        </a:xfrm>
-      </p:grpSpPr>
-      <p:sp>
-        <p:nvSpPr>
-          <p:cNvPr id="2" name="Espaço Reservado para Conteúdo 1">
-            <a:extLst>
-              <a:ext uri="{FF2B5EF4-FFF2-40B4-BE49-F238E27FC236}">
-                <a16:creationId xmlns:a16="http://schemas.microsoft.com/office/drawing/2014/main" id="{E2ECD60B-236E-467F-AF95-A2D506C3FDDB}"/>
-              </a:ext>
-            </a:extLst>
-          </p:cNvPr>
-          <p:cNvSpPr>
-            <a:spLocks noGrp="1"/>
-          </p:cNvSpPr>
-          <p:nvPr>
-            <p:ph idx="13"/>
-          </p:nvPr>
-        </p:nvSpPr>
-        <p:spPr/>
-        <p:txBody>
-          <a:bodyPr/>
-          <a:lstStyle/>
-          <a:p>
-            <a:pPr marL="0" indent="0">
-              <a:buNone/>
-            </a:pPr>
-            <a:r>
-              <a:rPr lang="pt-BR" dirty="0"/>
-              <a:t>Por exemplo:</a:t>
-            </a:r>
-          </a:p>
-          <a:p>
-            <a:pPr marL="0" indent="0">
-              <a:buNone/>
-            </a:pPr>
-            <a:endParaRPr lang="pt-BR" dirty="0"/>
-          </a:p>
-          <a:p>
-            <a:pPr marL="0" indent="0">
-              <a:buNone/>
-            </a:pPr>
-            <a:endParaRPr lang="pt-BR" dirty="0"/>
-          </a:p>
-          <a:p>
-            <a:pPr marL="0" indent="0">
-              <a:buNone/>
-            </a:pPr>
-            <a:endParaRPr lang="pt-BR" dirty="0"/>
-          </a:p>
-          <a:p>
-            <a:pPr marL="0" indent="0">
-              <a:buNone/>
-            </a:pPr>
-            <a:endParaRPr lang="pt-BR" dirty="0"/>
-          </a:p>
-          <a:p>
-            <a:pPr marL="0" indent="0">
-              <a:buNone/>
-            </a:pPr>
-            <a:endParaRPr lang="pt-BR" dirty="0"/>
-          </a:p>
-          <a:p>
-            <a:pPr marL="0" indent="0">
-              <a:buNone/>
-            </a:pPr>
-            <a:r>
-              <a:rPr lang="pt-BR" dirty="0"/>
-              <a:t>E podemos fazer o contrario tambem:</a:t>
-            </a:r>
-          </a:p>
-        </p:txBody>
-      </p:sp>
-      <p:graphicFrame>
-        <p:nvGraphicFramePr>
-          <p:cNvPr id="3" name="Tabela 2">
-            <a:extLst>
-              <a:ext uri="{FF2B5EF4-FFF2-40B4-BE49-F238E27FC236}">
-                <a16:creationId xmlns:a16="http://schemas.microsoft.com/office/drawing/2014/main" id="{DA9E3313-6670-47A6-B9D9-0AAE9B45B4B3}"/>
-              </a:ext>
-            </a:extLst>
-          </p:cNvPr>
-          <p:cNvGraphicFramePr>
-            <a:graphicFrameLocks noGrp="1"/>
-          </p:cNvGraphicFramePr>
-          <p:nvPr>
-            <p:extLst>
-              <p:ext uri="{D42A27DB-BD31-4B8C-83A1-F6EECF244321}">
-                <p14:modId xmlns:p14="http://schemas.microsoft.com/office/powerpoint/2010/main" val="2189366680"/>
-              </p:ext>
-            </p:extLst>
-          </p:nvPr>
-        </p:nvGraphicFramePr>
-        <p:xfrm>
-          <a:off x="378822" y="1050947"/>
-          <a:ext cx="9364785" cy="1920240"/>
-        </p:xfrm>
-        <a:graphic>
-          <a:graphicData uri="http://schemas.openxmlformats.org/drawingml/2006/table">
-            <a:tbl>
-              <a:tblPr firstRow="1" bandRow="1">
-                <a:tableStyleId>{16D9F66E-5EB9-4882-86FB-DCBF35E3C3E4}</a:tableStyleId>
-              </a:tblPr>
-              <a:tblGrid>
-                <a:gridCol w="9364785">
-                  <a:extLst>
-                    <a:ext uri="{9D8B030D-6E8A-4147-A177-3AD203B41FA5}">
-                      <a16:colId xmlns:a16="http://schemas.microsoft.com/office/drawing/2014/main" val="653730010"/>
-                    </a:ext>
-                  </a:extLst>
-                </a:gridCol>
-              </a:tblGrid>
-              <a:tr h="1543987">
-                <a:tc>
-                  <a:txBody>
-                    <a:bodyPr/>
-                    <a:lstStyle/>
-                    <a:p>
-                      <a:pPr marL="0" marR="0" lvl="0" indent="0" algn="l" defTabSz="914400" rtl="0" eaLnBrk="1" fontAlgn="auto" latinLnBrk="0" hangingPunct="1">
-                        <a:lnSpc>
-                          <a:spcPct val="100000"/>
-                        </a:lnSpc>
-                        <a:spcBef>
-                          <a:spcPts val="0"/>
-                        </a:spcBef>
-                        <a:spcAft>
-                          <a:spcPts val="0"/>
-                        </a:spcAft>
-                        <a:buClrTx/>
-                        <a:buSzTx/>
-                        <a:buFontTx/>
-                        <a:buNone/>
-                        <a:tabLst/>
-                        <a:defRPr/>
-                      </a:pPr>
-                      <a:r>
-                        <a:rPr lang="pt-BR" sz="2000" b="1" dirty="0">
-                          <a:latin typeface="Arial" panose="020B0604020202020204" pitchFamily="34" charset="0"/>
-                          <a:cs typeface="Arial" panose="020B0604020202020204" pitchFamily="34" charset="0"/>
-                        </a:rPr>
-                        <a:t>dicionario = {</a:t>
-                      </a:r>
-                      <a:r>
-                        <a:rPr lang="pt-BR" sz="2000" b="1" dirty="0">
-                          <a:solidFill>
-                            <a:schemeClr val="accent6">
-                              <a:lumMod val="75000"/>
-                            </a:schemeClr>
-                          </a:solidFill>
-                          <a:latin typeface="Arial" panose="020B0604020202020204" pitchFamily="34" charset="0"/>
-                          <a:cs typeface="Arial" panose="020B0604020202020204" pitchFamily="34" charset="0"/>
-                        </a:rPr>
-                        <a:t>1</a:t>
-                      </a:r>
-                      <a:r>
-                        <a:rPr lang="pt-BR" sz="2000" b="1" dirty="0">
-                          <a:latin typeface="Arial" panose="020B0604020202020204" pitchFamily="34" charset="0"/>
-                          <a:cs typeface="Arial" panose="020B0604020202020204" pitchFamily="34" charset="0"/>
-                        </a:rPr>
-                        <a:t>: </a:t>
-                      </a:r>
-                      <a:r>
-                        <a:rPr lang="pt-BR" sz="2000" b="1" dirty="0">
-                          <a:solidFill>
-                            <a:srgbClr val="006600"/>
-                          </a:solidFill>
-                          <a:latin typeface="Arial" panose="020B0604020202020204" pitchFamily="34" charset="0"/>
-                          <a:cs typeface="Arial" panose="020B0604020202020204" pitchFamily="34" charset="0"/>
-                        </a:rPr>
-                        <a:t>'janeiro'</a:t>
-                      </a:r>
-                      <a:r>
-                        <a:rPr lang="pt-BR" sz="2000" b="1" dirty="0">
-                          <a:solidFill>
-                            <a:srgbClr val="CE6D0C"/>
-                          </a:solidFill>
-                          <a:latin typeface="Arial" panose="020B0604020202020204" pitchFamily="34" charset="0"/>
-                          <a:cs typeface="Arial" panose="020B0604020202020204" pitchFamily="34" charset="0"/>
-                        </a:rPr>
-                        <a:t>, </a:t>
-                      </a:r>
-                      <a:r>
-                        <a:rPr lang="pt-BR" sz="2000" b="1" dirty="0">
-                          <a:solidFill>
-                            <a:schemeClr val="accent6">
-                              <a:lumMod val="75000"/>
-                            </a:schemeClr>
-                          </a:solidFill>
-                          <a:latin typeface="Arial" panose="020B0604020202020204" pitchFamily="34" charset="0"/>
-                          <a:cs typeface="Arial" panose="020B0604020202020204" pitchFamily="34" charset="0"/>
-                        </a:rPr>
-                        <a:t>2</a:t>
-                      </a:r>
-                      <a:r>
-                        <a:rPr lang="pt-BR" sz="2000" b="1" dirty="0">
-                          <a:latin typeface="Arial" panose="020B0604020202020204" pitchFamily="34" charset="0"/>
-                          <a:cs typeface="Arial" panose="020B0604020202020204" pitchFamily="34" charset="0"/>
-                        </a:rPr>
-                        <a:t>: </a:t>
-                      </a:r>
-                      <a:r>
-                        <a:rPr lang="pt-BR" sz="2000" b="1" dirty="0">
-                          <a:solidFill>
-                            <a:srgbClr val="006600"/>
-                          </a:solidFill>
-                          <a:latin typeface="Arial" panose="020B0604020202020204" pitchFamily="34" charset="0"/>
-                          <a:cs typeface="Arial" panose="020B0604020202020204" pitchFamily="34" charset="0"/>
-                        </a:rPr>
-                        <a:t>'fevereiro'</a:t>
-                      </a:r>
-                      <a:r>
-                        <a:rPr lang="pt-BR" sz="2000" b="1" dirty="0">
-                          <a:solidFill>
-                            <a:srgbClr val="CE6D0C"/>
-                          </a:solidFill>
-                          <a:latin typeface="Arial" panose="020B0604020202020204" pitchFamily="34" charset="0"/>
-                          <a:cs typeface="Arial" panose="020B0604020202020204" pitchFamily="34" charset="0"/>
-                        </a:rPr>
-                        <a:t>, </a:t>
-                      </a:r>
-                      <a:r>
-                        <a:rPr lang="pt-BR" sz="2000" b="1" dirty="0">
-                          <a:solidFill>
-                            <a:schemeClr val="accent6">
-                              <a:lumMod val="75000"/>
-                            </a:schemeClr>
-                          </a:solidFill>
-                          <a:latin typeface="Arial" panose="020B0604020202020204" pitchFamily="34" charset="0"/>
-                          <a:cs typeface="Arial" panose="020B0604020202020204" pitchFamily="34" charset="0"/>
-                        </a:rPr>
-                        <a:t>3</a:t>
-                      </a:r>
-                      <a:r>
-                        <a:rPr lang="pt-BR" sz="2000" b="1" dirty="0">
-                          <a:latin typeface="Arial" panose="020B0604020202020204" pitchFamily="34" charset="0"/>
-                          <a:cs typeface="Arial" panose="020B0604020202020204" pitchFamily="34" charset="0"/>
-                        </a:rPr>
-                        <a:t>: </a:t>
-                      </a:r>
-                      <a:r>
-                        <a:rPr lang="pt-BR" sz="2000" b="1" dirty="0">
-                          <a:solidFill>
-                            <a:srgbClr val="006600"/>
-                          </a:solidFill>
-                          <a:latin typeface="Arial" panose="020B0604020202020204" pitchFamily="34" charset="0"/>
-                          <a:cs typeface="Arial" panose="020B0604020202020204" pitchFamily="34" charset="0"/>
-                        </a:rPr>
-                        <a:t>'março'</a:t>
-                      </a:r>
-                      <a:r>
-                        <a:rPr lang="pt-BR" sz="2000" b="1" dirty="0">
-                          <a:solidFill>
-                            <a:srgbClr val="CE6D0C"/>
-                          </a:solidFill>
-                          <a:latin typeface="Arial" panose="020B0604020202020204" pitchFamily="34" charset="0"/>
-                          <a:cs typeface="Arial" panose="020B0604020202020204" pitchFamily="34" charset="0"/>
-                        </a:rPr>
-                        <a:t>,</a:t>
-                      </a:r>
-                      <a:r>
-                        <a:rPr lang="pt-BR" sz="2000" b="1" dirty="0">
-                          <a:latin typeface="Arial" panose="020B0604020202020204" pitchFamily="34" charset="0"/>
-                          <a:cs typeface="Arial" panose="020B0604020202020204" pitchFamily="34" charset="0"/>
-                        </a:rPr>
-                        <a:t> </a:t>
-                      </a:r>
-                      <a:r>
-                        <a:rPr lang="pt-BR" sz="2000" b="1" dirty="0">
-                          <a:solidFill>
-                            <a:schemeClr val="accent6">
-                              <a:lumMod val="75000"/>
-                            </a:schemeClr>
-                          </a:solidFill>
-                          <a:latin typeface="Arial" panose="020B0604020202020204" pitchFamily="34" charset="0"/>
-                          <a:cs typeface="Arial" panose="020B0604020202020204" pitchFamily="34" charset="0"/>
-                        </a:rPr>
-                        <a:t>4</a:t>
-                      </a:r>
-                      <a:r>
-                        <a:rPr lang="pt-BR" sz="2000" b="1" dirty="0">
-                          <a:latin typeface="Arial" panose="020B0604020202020204" pitchFamily="34" charset="0"/>
-                          <a:cs typeface="Arial" panose="020B0604020202020204" pitchFamily="34" charset="0"/>
-                        </a:rPr>
-                        <a:t>: </a:t>
-                      </a:r>
-                      <a:r>
-                        <a:rPr lang="pt-BR" sz="2000" b="1" dirty="0">
-                          <a:solidFill>
-                            <a:srgbClr val="006600"/>
-                          </a:solidFill>
-                          <a:latin typeface="Arial" panose="020B0604020202020204" pitchFamily="34" charset="0"/>
-                          <a:cs typeface="Arial" panose="020B0604020202020204" pitchFamily="34" charset="0"/>
-                        </a:rPr>
-                        <a:t>'abril’</a:t>
-                      </a:r>
-                      <a:r>
-                        <a:rPr lang="pt-BR" sz="2000" b="1" dirty="0">
-                          <a:latin typeface="Arial" panose="020B0604020202020204" pitchFamily="34" charset="0"/>
-                          <a:cs typeface="Arial" panose="020B0604020202020204" pitchFamily="34" charset="0"/>
-                        </a:rPr>
-                        <a:t>}</a:t>
-                      </a:r>
-                    </a:p>
-                    <a:p>
-                      <a:pPr marL="0" marR="0" lvl="0" indent="0" algn="l" defTabSz="914400" rtl="0" eaLnBrk="1" fontAlgn="auto" latinLnBrk="0" hangingPunct="1">
-                        <a:lnSpc>
-                          <a:spcPct val="100000"/>
-                        </a:lnSpc>
-                        <a:spcBef>
-                          <a:spcPts val="0"/>
-                        </a:spcBef>
-                        <a:spcAft>
-                          <a:spcPts val="0"/>
-                        </a:spcAft>
-                        <a:buClrTx/>
-                        <a:buSzTx/>
-                        <a:buFontTx/>
-                        <a:buNone/>
-                        <a:tabLst/>
-                        <a:defRPr/>
-                      </a:pPr>
-                      <a:endParaRPr lang="pt-BR" sz="2000" b="1" dirty="0">
-                        <a:latin typeface="Arial" panose="020B0604020202020204" pitchFamily="34" charset="0"/>
-                        <a:cs typeface="Arial" panose="020B0604020202020204" pitchFamily="34" charset="0"/>
-                      </a:endParaRPr>
-                    </a:p>
-                    <a:p>
-                      <a:pPr marL="0" marR="0" lvl="0" indent="0" algn="l" defTabSz="914400" rtl="0" eaLnBrk="1" fontAlgn="auto" latinLnBrk="0" hangingPunct="1">
-                        <a:lnSpc>
-                          <a:spcPct val="100000"/>
-                        </a:lnSpc>
-                        <a:spcBef>
-                          <a:spcPts val="0"/>
-                        </a:spcBef>
-                        <a:spcAft>
-                          <a:spcPts val="0"/>
-                        </a:spcAft>
-                        <a:buClrTx/>
-                        <a:buSzTx/>
-                        <a:buFontTx/>
-                        <a:buNone/>
-                        <a:tabLst/>
-                        <a:defRPr/>
-                      </a:pPr>
-                      <a:r>
-                        <a:rPr lang="pt-BR" sz="2000" b="1" dirty="0">
-                          <a:solidFill>
-                            <a:schemeClr val="accent6">
-                              <a:lumMod val="75000"/>
-                            </a:schemeClr>
-                          </a:solidFill>
-                          <a:latin typeface="Arial" panose="020B0604020202020204" pitchFamily="34" charset="0"/>
-                          <a:cs typeface="Arial" panose="020B0604020202020204" pitchFamily="34" charset="0"/>
-                        </a:rPr>
-                        <a:t>print</a:t>
-                      </a:r>
-                      <a:r>
-                        <a:rPr lang="pt-BR" sz="2000" b="1" dirty="0">
-                          <a:latin typeface="Arial" panose="020B0604020202020204" pitchFamily="34" charset="0"/>
-                          <a:cs typeface="Arial" panose="020B0604020202020204" pitchFamily="34" charset="0"/>
-                        </a:rPr>
-                        <a:t>(dicionario[</a:t>
-                      </a:r>
-                      <a:r>
-                        <a:rPr lang="pt-BR" sz="2000" b="1" dirty="0">
-                          <a:solidFill>
-                            <a:schemeClr val="accent6">
-                              <a:lumMod val="75000"/>
-                            </a:schemeClr>
-                          </a:solidFill>
-                          <a:latin typeface="Arial" panose="020B0604020202020204" pitchFamily="34" charset="0"/>
-                          <a:cs typeface="Arial" panose="020B0604020202020204" pitchFamily="34" charset="0"/>
-                        </a:rPr>
-                        <a:t>1</a:t>
-                      </a:r>
-                      <a:r>
-                        <a:rPr lang="pt-BR" sz="2000" b="1" dirty="0">
-                          <a:latin typeface="Arial" panose="020B0604020202020204" pitchFamily="34" charset="0"/>
-                          <a:cs typeface="Arial" panose="020B0604020202020204" pitchFamily="34" charset="0"/>
-                        </a:rPr>
-                        <a:t>]) </a:t>
-                      </a:r>
-                    </a:p>
-                    <a:p>
-                      <a:pPr marL="0" marR="0" lvl="0" indent="0" algn="l" defTabSz="914400" rtl="0" eaLnBrk="1" fontAlgn="auto" latinLnBrk="0" hangingPunct="1">
-                        <a:lnSpc>
-                          <a:spcPct val="100000"/>
-                        </a:lnSpc>
-                        <a:spcBef>
-                          <a:spcPts val="0"/>
-                        </a:spcBef>
-                        <a:spcAft>
-                          <a:spcPts val="0"/>
-                        </a:spcAft>
-                        <a:buClrTx/>
-                        <a:buSzTx/>
-                        <a:buFontTx/>
-                        <a:buNone/>
-                        <a:tabLst/>
-                        <a:defRPr/>
-                      </a:pPr>
-                      <a:endParaRPr lang="pt-BR" sz="2000" b="1" dirty="0">
-                        <a:latin typeface="Arial" panose="020B0604020202020204" pitchFamily="34" charset="0"/>
-                        <a:cs typeface="Arial" panose="020B0604020202020204" pitchFamily="34" charset="0"/>
-                      </a:endParaRPr>
-                    </a:p>
-                    <a:p>
-                      <a:pPr marL="0" marR="0" lvl="0" indent="0" algn="l" defTabSz="914400" rtl="0" eaLnBrk="1" fontAlgn="auto" latinLnBrk="0" hangingPunct="1">
-                        <a:lnSpc>
-                          <a:spcPct val="100000"/>
-                        </a:lnSpc>
-                        <a:spcBef>
-                          <a:spcPts val="0"/>
-                        </a:spcBef>
-                        <a:spcAft>
-                          <a:spcPts val="0"/>
-                        </a:spcAft>
-                        <a:buClrTx/>
-                        <a:buSzTx/>
-                        <a:buFontTx/>
-                        <a:buNone/>
-                        <a:tabLst/>
-                        <a:defRPr/>
-                      </a:pPr>
-                      <a:r>
-                        <a:rPr lang="pt-BR" sz="2000" b="1" dirty="0">
-                          <a:solidFill>
-                            <a:srgbClr val="C00000"/>
-                          </a:solidFill>
-                          <a:latin typeface="Arial" panose="020B0604020202020204" pitchFamily="34" charset="0"/>
-                          <a:cs typeface="Arial" panose="020B0604020202020204" pitchFamily="34" charset="0"/>
-                        </a:rPr>
-                        <a:t>Output:</a:t>
-                      </a:r>
-                    </a:p>
-                    <a:p>
-                      <a:pPr marL="0" marR="0" lvl="0" indent="0" algn="l" defTabSz="914400" rtl="0" eaLnBrk="1" fontAlgn="auto" latinLnBrk="0" hangingPunct="1">
-                        <a:lnSpc>
-                          <a:spcPct val="100000"/>
-                        </a:lnSpc>
-                        <a:spcBef>
-                          <a:spcPts val="0"/>
-                        </a:spcBef>
-                        <a:spcAft>
-                          <a:spcPts val="0"/>
-                        </a:spcAft>
-                        <a:buClrTx/>
-                        <a:buSzTx/>
-                        <a:buFontTx/>
-                        <a:buNone/>
-                        <a:tabLst/>
-                        <a:defRPr/>
-                      </a:pPr>
-                      <a:r>
-                        <a:rPr lang="pt-BR" sz="2000" b="1" dirty="0">
-                          <a:solidFill>
-                            <a:srgbClr val="C00000"/>
-                          </a:solidFill>
-                          <a:latin typeface="Arial" panose="020B0604020202020204" pitchFamily="34" charset="0"/>
-                          <a:cs typeface="Arial" panose="020B0604020202020204" pitchFamily="34" charset="0"/>
-                        </a:rPr>
-                        <a:t>&gt;&gt;&gt;</a:t>
-                      </a:r>
-                      <a:r>
-                        <a:rPr lang="pt-BR" sz="2000" b="1" dirty="0">
-                          <a:latin typeface="Arial" panose="020B0604020202020204" pitchFamily="34" charset="0"/>
-                          <a:cs typeface="Arial" panose="020B0604020202020204" pitchFamily="34" charset="0"/>
-                        </a:rPr>
-                        <a:t> 'janeiro'</a:t>
-                      </a:r>
-                      <a:endParaRPr lang="pt-BR" b="1" dirty="0"/>
-                    </a:p>
-                  </a:txBody>
-                  <a:tcPr/>
-                </a:tc>
-                <a:extLst>
-                  <a:ext uri="{0D108BD9-81ED-4DB2-BD59-A6C34878D82A}">
-                    <a16:rowId xmlns:a16="http://schemas.microsoft.com/office/drawing/2014/main" val="1843929899"/>
-                  </a:ext>
-                </a:extLst>
-              </a:tr>
-            </a:tbl>
-          </a:graphicData>
-        </a:graphic>
-      </p:graphicFrame>
-      <p:graphicFrame>
-        <p:nvGraphicFramePr>
-          <p:cNvPr id="4" name="Tabela 3">
-            <a:extLst>
-              <a:ext uri="{FF2B5EF4-FFF2-40B4-BE49-F238E27FC236}">
-                <a16:creationId xmlns:a16="http://schemas.microsoft.com/office/drawing/2014/main" id="{0EB1A4A6-0AC2-47EE-87F1-647EFB9BD890}"/>
-              </a:ext>
-            </a:extLst>
-          </p:cNvPr>
-          <p:cNvGraphicFramePr>
-            <a:graphicFrameLocks noGrp="1"/>
-          </p:cNvGraphicFramePr>
-          <p:nvPr>
-            <p:extLst>
-              <p:ext uri="{D42A27DB-BD31-4B8C-83A1-F6EECF244321}">
-                <p14:modId xmlns:p14="http://schemas.microsoft.com/office/powerpoint/2010/main" val="1204732536"/>
-              </p:ext>
-            </p:extLst>
-          </p:nvPr>
-        </p:nvGraphicFramePr>
-        <p:xfrm>
-          <a:off x="378822" y="4284617"/>
-          <a:ext cx="9364784" cy="1920240"/>
-        </p:xfrm>
-        <a:graphic>
-          <a:graphicData uri="http://schemas.openxmlformats.org/drawingml/2006/table">
-            <a:tbl>
-              <a:tblPr firstRow="1" bandRow="1">
-                <a:tableStyleId>{16D9F66E-5EB9-4882-86FB-DCBF35E3C3E4}</a:tableStyleId>
-              </a:tblPr>
-              <a:tblGrid>
-                <a:gridCol w="9364784">
-                  <a:extLst>
-                    <a:ext uri="{9D8B030D-6E8A-4147-A177-3AD203B41FA5}">
-                      <a16:colId xmlns:a16="http://schemas.microsoft.com/office/drawing/2014/main" val="723528418"/>
-                    </a:ext>
-                  </a:extLst>
-                </a:gridCol>
-              </a:tblGrid>
-              <a:tr h="370840">
-                <a:tc>
-                  <a:txBody>
-                    <a:bodyPr/>
-                    <a:lstStyle/>
-                    <a:p>
-                      <a:pPr marL="0" indent="0">
-                        <a:buNone/>
-                      </a:pPr>
-                      <a:r>
-                        <a:rPr lang="pt-BR" sz="2000" dirty="0">
-                          <a:latin typeface="Arial" panose="020B0604020202020204" pitchFamily="34" charset="0"/>
-                          <a:cs typeface="Arial" panose="020B0604020202020204" pitchFamily="34" charset="0"/>
-                        </a:rPr>
-                        <a:t>dicionario = {</a:t>
-                      </a:r>
-                      <a:r>
-                        <a:rPr lang="pt-BR" sz="2000" dirty="0">
-                          <a:solidFill>
-                            <a:srgbClr val="006600"/>
-                          </a:solidFill>
-                          <a:latin typeface="Arial" panose="020B0604020202020204" pitchFamily="34" charset="0"/>
-                          <a:cs typeface="Arial" panose="020B0604020202020204" pitchFamily="34" charset="0"/>
-                        </a:rPr>
-                        <a:t>'janeiro'</a:t>
-                      </a:r>
-                      <a:r>
-                        <a:rPr lang="pt-BR" sz="2000" dirty="0">
-                          <a:latin typeface="Arial" panose="020B0604020202020204" pitchFamily="34" charset="0"/>
-                          <a:cs typeface="Arial" panose="020B0604020202020204" pitchFamily="34" charset="0"/>
-                        </a:rPr>
-                        <a:t>: </a:t>
-                      </a:r>
-                      <a:r>
-                        <a:rPr lang="pt-BR" sz="2000" dirty="0">
-                          <a:solidFill>
-                            <a:schemeClr val="accent6">
-                              <a:lumMod val="75000"/>
-                            </a:schemeClr>
-                          </a:solidFill>
-                          <a:latin typeface="Arial" panose="020B0604020202020204" pitchFamily="34" charset="0"/>
-                          <a:cs typeface="Arial" panose="020B0604020202020204" pitchFamily="34" charset="0"/>
-                        </a:rPr>
-                        <a:t>1</a:t>
-                      </a:r>
-                      <a:r>
-                        <a:rPr lang="pt-BR" sz="2000" dirty="0">
-                          <a:solidFill>
-                            <a:srgbClr val="CE6D0C"/>
-                          </a:solidFill>
-                          <a:latin typeface="Arial" panose="020B0604020202020204" pitchFamily="34" charset="0"/>
-                          <a:cs typeface="Arial" panose="020B0604020202020204" pitchFamily="34" charset="0"/>
-                        </a:rPr>
-                        <a:t>,</a:t>
-                      </a:r>
-                      <a:r>
-                        <a:rPr lang="pt-BR" sz="2000" dirty="0">
-                          <a:latin typeface="Arial" panose="020B0604020202020204" pitchFamily="34" charset="0"/>
-                          <a:cs typeface="Arial" panose="020B0604020202020204" pitchFamily="34" charset="0"/>
-                        </a:rPr>
-                        <a:t> </a:t>
-                      </a:r>
-                      <a:r>
-                        <a:rPr lang="pt-BR" sz="2000" dirty="0">
-                          <a:solidFill>
-                            <a:srgbClr val="006600"/>
-                          </a:solidFill>
-                          <a:latin typeface="Arial" panose="020B0604020202020204" pitchFamily="34" charset="0"/>
-                          <a:cs typeface="Arial" panose="020B0604020202020204" pitchFamily="34" charset="0"/>
-                        </a:rPr>
-                        <a:t>'fevereiro’</a:t>
-                      </a:r>
-                      <a:r>
-                        <a:rPr lang="pt-BR" sz="2000" dirty="0">
-                          <a:latin typeface="Arial" panose="020B0604020202020204" pitchFamily="34" charset="0"/>
-                          <a:cs typeface="Arial" panose="020B0604020202020204" pitchFamily="34" charset="0"/>
-                        </a:rPr>
-                        <a:t>: </a:t>
-                      </a:r>
-                      <a:r>
-                        <a:rPr lang="pt-BR" sz="2000" dirty="0">
-                          <a:solidFill>
-                            <a:schemeClr val="accent6">
-                              <a:lumMod val="75000"/>
-                            </a:schemeClr>
-                          </a:solidFill>
-                          <a:latin typeface="Arial" panose="020B0604020202020204" pitchFamily="34" charset="0"/>
-                          <a:cs typeface="Arial" panose="020B0604020202020204" pitchFamily="34" charset="0"/>
-                        </a:rPr>
-                        <a:t>2</a:t>
-                      </a:r>
-                      <a:r>
-                        <a:rPr lang="pt-BR" sz="2000" dirty="0">
-                          <a:solidFill>
-                            <a:srgbClr val="CE6D0C"/>
-                          </a:solidFill>
-                          <a:latin typeface="Arial" panose="020B0604020202020204" pitchFamily="34" charset="0"/>
-                          <a:cs typeface="Arial" panose="020B0604020202020204" pitchFamily="34" charset="0"/>
-                        </a:rPr>
-                        <a:t>,</a:t>
-                      </a:r>
-                      <a:r>
-                        <a:rPr lang="pt-BR" sz="2000" dirty="0">
-                          <a:latin typeface="Arial" panose="020B0604020202020204" pitchFamily="34" charset="0"/>
-                          <a:cs typeface="Arial" panose="020B0604020202020204" pitchFamily="34" charset="0"/>
-                        </a:rPr>
-                        <a:t> </a:t>
-                      </a:r>
-                      <a:r>
-                        <a:rPr lang="pt-BR" sz="2000" dirty="0">
-                          <a:solidFill>
-                            <a:srgbClr val="006600"/>
-                          </a:solidFill>
-                          <a:latin typeface="Arial" panose="020B0604020202020204" pitchFamily="34" charset="0"/>
-                          <a:cs typeface="Arial" panose="020B0604020202020204" pitchFamily="34" charset="0"/>
-                        </a:rPr>
-                        <a:t>‘março’</a:t>
-                      </a:r>
-                      <a:r>
-                        <a:rPr lang="pt-BR" sz="2000" dirty="0">
-                          <a:latin typeface="Arial" panose="020B0604020202020204" pitchFamily="34" charset="0"/>
-                          <a:cs typeface="Arial" panose="020B0604020202020204" pitchFamily="34" charset="0"/>
-                        </a:rPr>
-                        <a:t>: </a:t>
-                      </a:r>
-                      <a:r>
-                        <a:rPr lang="pt-BR" sz="2000" dirty="0">
-                          <a:solidFill>
-                            <a:schemeClr val="accent6">
-                              <a:lumMod val="75000"/>
-                            </a:schemeClr>
-                          </a:solidFill>
-                          <a:latin typeface="Arial" panose="020B0604020202020204" pitchFamily="34" charset="0"/>
-                          <a:cs typeface="Arial" panose="020B0604020202020204" pitchFamily="34" charset="0"/>
-                        </a:rPr>
-                        <a:t>3</a:t>
-                      </a:r>
-                      <a:r>
-                        <a:rPr lang="pt-BR" sz="2000" dirty="0">
-                          <a:solidFill>
-                            <a:srgbClr val="CE6D0C"/>
-                          </a:solidFill>
-                          <a:latin typeface="Arial" panose="020B0604020202020204" pitchFamily="34" charset="0"/>
-                          <a:cs typeface="Arial" panose="020B0604020202020204" pitchFamily="34" charset="0"/>
-                        </a:rPr>
-                        <a:t>,</a:t>
-                      </a:r>
-                      <a:r>
-                        <a:rPr lang="pt-BR" sz="2000" dirty="0">
-                          <a:solidFill>
-                            <a:srgbClr val="006600"/>
-                          </a:solidFill>
-                          <a:latin typeface="Arial" panose="020B0604020202020204" pitchFamily="34" charset="0"/>
-                          <a:cs typeface="Arial" panose="020B0604020202020204" pitchFamily="34" charset="0"/>
-                        </a:rPr>
-                        <a:t> ‘abril’</a:t>
-                      </a:r>
-                      <a:r>
-                        <a:rPr lang="pt-BR" sz="2000" dirty="0">
-                          <a:latin typeface="Arial" panose="020B0604020202020204" pitchFamily="34" charset="0"/>
-                          <a:cs typeface="Arial" panose="020B0604020202020204" pitchFamily="34" charset="0"/>
-                        </a:rPr>
-                        <a:t>: </a:t>
-                      </a:r>
-                      <a:r>
-                        <a:rPr lang="pt-BR" sz="2000" dirty="0">
-                          <a:solidFill>
-                            <a:schemeClr val="accent6">
-                              <a:lumMod val="75000"/>
-                            </a:schemeClr>
-                          </a:solidFill>
-                          <a:latin typeface="Arial" panose="020B0604020202020204" pitchFamily="34" charset="0"/>
-                          <a:cs typeface="Arial" panose="020B0604020202020204" pitchFamily="34" charset="0"/>
-                        </a:rPr>
-                        <a:t>4</a:t>
-                      </a:r>
-                      <a:r>
-                        <a:rPr lang="pt-BR" sz="2000" dirty="0">
-                          <a:latin typeface="Arial" panose="020B0604020202020204" pitchFamily="34" charset="0"/>
-                          <a:cs typeface="Arial" panose="020B0604020202020204" pitchFamily="34" charset="0"/>
-                        </a:rPr>
-                        <a:t>}</a:t>
-                      </a:r>
-                    </a:p>
-                    <a:p>
-                      <a:pPr marL="0" indent="0">
-                        <a:buNone/>
-                      </a:pPr>
-                      <a:endParaRPr lang="pt-BR" sz="2000" dirty="0">
-                        <a:latin typeface="Arial" panose="020B0604020202020204" pitchFamily="34" charset="0"/>
-                        <a:cs typeface="Arial" panose="020B0604020202020204" pitchFamily="34" charset="0"/>
-                      </a:endParaRPr>
-                    </a:p>
-                    <a:p>
-                      <a:pPr marL="0" indent="0">
-                        <a:buNone/>
-                      </a:pPr>
-                      <a:r>
-                        <a:rPr lang="pt-BR" sz="2000" dirty="0">
-                          <a:solidFill>
-                            <a:schemeClr val="accent6">
-                              <a:lumMod val="75000"/>
-                            </a:schemeClr>
-                          </a:solidFill>
-                          <a:latin typeface="Arial" panose="020B0604020202020204" pitchFamily="34" charset="0"/>
-                          <a:cs typeface="Arial" panose="020B0604020202020204" pitchFamily="34" charset="0"/>
-                        </a:rPr>
-                        <a:t>print</a:t>
-                      </a:r>
-                      <a:r>
-                        <a:rPr lang="pt-BR" sz="2000" dirty="0">
-                          <a:latin typeface="Arial" panose="020B0604020202020204" pitchFamily="34" charset="0"/>
-                          <a:cs typeface="Arial" panose="020B0604020202020204" pitchFamily="34" charset="0"/>
-                        </a:rPr>
-                        <a:t>(dicionario[</a:t>
-                      </a:r>
-                      <a:r>
-                        <a:rPr lang="pt-BR" sz="2000" dirty="0">
-                          <a:solidFill>
-                            <a:srgbClr val="006600"/>
-                          </a:solidFill>
-                          <a:latin typeface="Arial" panose="020B0604020202020204" pitchFamily="34" charset="0"/>
-                          <a:cs typeface="Arial" panose="020B0604020202020204" pitchFamily="34" charset="0"/>
-                        </a:rPr>
-                        <a:t>'janeiro’</a:t>
-                      </a:r>
-                      <a:r>
-                        <a:rPr lang="pt-BR" sz="2000" dirty="0">
-                          <a:latin typeface="Arial" panose="020B0604020202020204" pitchFamily="34" charset="0"/>
-                          <a:cs typeface="Arial" panose="020B0604020202020204" pitchFamily="34" charset="0"/>
-                        </a:rPr>
-                        <a:t>])</a:t>
-                      </a:r>
-                    </a:p>
-                    <a:p>
-                      <a:pPr marL="0" indent="0">
-                        <a:buNone/>
-                      </a:pPr>
-                      <a:endParaRPr lang="pt-BR" sz="2000" dirty="0">
-                        <a:latin typeface="Arial" panose="020B0604020202020204" pitchFamily="34" charset="0"/>
-                        <a:cs typeface="Arial" panose="020B0604020202020204" pitchFamily="34" charset="0"/>
-                      </a:endParaRPr>
-                    </a:p>
-                    <a:p>
-                      <a:pPr marL="0" indent="0">
-                        <a:buNone/>
-                      </a:pPr>
-                      <a:r>
-                        <a:rPr lang="pt-BR" sz="2000" dirty="0">
-                          <a:solidFill>
-                            <a:srgbClr val="C00000"/>
-                          </a:solidFill>
-                          <a:latin typeface="Arial" panose="020B0604020202020204" pitchFamily="34" charset="0"/>
-                          <a:cs typeface="Arial" panose="020B0604020202020204" pitchFamily="34" charset="0"/>
-                        </a:rPr>
-                        <a:t>Output:</a:t>
-                      </a:r>
-                    </a:p>
-                    <a:p>
-                      <a:pPr marL="0" indent="0">
-                        <a:buNone/>
-                      </a:pPr>
-                      <a:r>
-                        <a:rPr lang="pt-BR" sz="2000" dirty="0">
-                          <a:solidFill>
-                            <a:srgbClr val="C00000"/>
-                          </a:solidFill>
-                          <a:latin typeface="Arial" panose="020B0604020202020204" pitchFamily="34" charset="0"/>
-                          <a:cs typeface="Arial" panose="020B0604020202020204" pitchFamily="34" charset="0"/>
-                        </a:rPr>
-                        <a:t>&gt;&gt;&gt;</a:t>
-                      </a:r>
-                      <a:r>
-                        <a:rPr lang="pt-BR" sz="2000" dirty="0">
-                          <a:latin typeface="Arial" panose="020B0604020202020204" pitchFamily="34" charset="0"/>
-                          <a:cs typeface="Arial" panose="020B0604020202020204" pitchFamily="34" charset="0"/>
-                        </a:rPr>
-                        <a:t> </a:t>
-                      </a:r>
-                      <a:r>
-                        <a:rPr lang="pt-BR" sz="2000" dirty="0">
-                          <a:solidFill>
-                            <a:schemeClr val="accent6">
-                              <a:lumMod val="75000"/>
-                            </a:schemeClr>
-                          </a:solidFill>
-                          <a:latin typeface="Arial" panose="020B0604020202020204" pitchFamily="34" charset="0"/>
-                          <a:cs typeface="Arial" panose="020B0604020202020204" pitchFamily="34" charset="0"/>
-                        </a:rPr>
-                        <a:t>1</a:t>
-                      </a:r>
-                    </a:p>
-                  </a:txBody>
-                  <a:tcPr/>
-                </a:tc>
-                <a:extLst>
-                  <a:ext uri="{0D108BD9-81ED-4DB2-BD59-A6C34878D82A}">
-                    <a16:rowId xmlns:a16="http://schemas.microsoft.com/office/drawing/2014/main" val="1072332892"/>
-                  </a:ext>
-                </a:extLst>
-              </a:tr>
-            </a:tbl>
-          </a:graphicData>
-        </a:graphic>
-      </p:graphicFrame>
-    </p:spTree>
-    <p:extLst>
-      <p:ext uri="{BB962C8B-B14F-4D97-AF65-F5344CB8AC3E}">
-        <p14:creationId xmlns:p14="http://schemas.microsoft.com/office/powerpoint/2010/main" val="3303603436"/>
+        <p14:creationId xmlns:p14="http://schemas.microsoft.com/office/powerpoint/2010/main" val="3719589337"/>
       </p:ext>
     </p:extLst>
   </p:cSld>

--- a/1º semestre/Revisões by danny/2º bimestre/Revisão Algoritmos.pptx
+++ b/1º semestre/Revisões by danny/2º bimestre/Revisão Algoritmos.pptx
@@ -5,7 +5,7 @@
     <p:sldMasterId id="2147483648" r:id="rId1"/>
   </p:sldMasterIdLst>
   <p:notesMasterIdLst>
-    <p:notesMasterId r:id="rId21"/>
+    <p:notesMasterId r:id="rId22"/>
   </p:notesMasterIdLst>
   <p:sldIdLst>
     <p:sldId id="256" r:id="rId2"/>
@@ -27,6 +27,7 @@
     <p:sldId id="270" r:id="rId18"/>
     <p:sldId id="271" r:id="rId19"/>
     <p:sldId id="272" r:id="rId20"/>
+    <p:sldId id="278" r:id="rId21"/>
   </p:sldIdLst>
   <p:sldSz cx="12192000" cy="6858000"/>
   <p:notesSz cx="6858000" cy="9144000"/>
@@ -215,7 +216,7 @@
           <a:p>
             <a:fld id="{0EDE2110-337E-4A4E-801C-86CE88B7C597}" type="datetimeFigureOut">
               <a:rPr lang="pt-BR" smtClean="0"/>
-              <a:t>13/06/2018</a:t>
+              <a:t>19/06/2018</a:t>
             </a:fld>
             <a:endParaRPr lang="pt-BR"/>
           </a:p>
@@ -3209,6 +3210,61 @@
       </p:grpSpPr>
       <p:sp>
         <p:nvSpPr>
+          <p:cNvPr id="6" name="Losango 5">
+            <a:extLst>
+              <a:ext uri="{FF2B5EF4-FFF2-40B4-BE49-F238E27FC236}">
+                <a16:creationId xmlns:a16="http://schemas.microsoft.com/office/drawing/2014/main" id="{26E39F2C-DF93-4A97-AFD3-2F42FB354493}"/>
+              </a:ext>
+            </a:extLst>
+          </p:cNvPr>
+          <p:cNvSpPr/>
+          <p:nvPr/>
+        </p:nvSpPr>
+        <p:spPr>
+          <a:xfrm>
+            <a:off x="2290916" y="0"/>
+            <a:ext cx="7610168" cy="6858000"/>
+          </a:xfrm>
+          <a:prstGeom prst="diamond">
+            <a:avLst/>
+          </a:prstGeom>
+          <a:blipFill dpi="0" rotWithShape="1">
+            <a:blip r:embed="rId2">
+              <a:alphaModFix amt="91000"/>
+            </a:blip>
+            <a:srcRect/>
+            <a:stretch>
+              <a:fillRect/>
+            </a:stretch>
+          </a:blipFill>
+        </p:spPr>
+        <p:style>
+          <a:lnRef idx="2">
+            <a:schemeClr val="accent1">
+              <a:shade val="50000"/>
+            </a:schemeClr>
+          </a:lnRef>
+          <a:fillRef idx="1">
+            <a:schemeClr val="accent1"/>
+          </a:fillRef>
+          <a:effectRef idx="0">
+            <a:schemeClr val="accent1"/>
+          </a:effectRef>
+          <a:fontRef idx="minor">
+            <a:schemeClr val="lt1"/>
+          </a:fontRef>
+        </p:style>
+        <p:txBody>
+          <a:bodyPr rtlCol="0" anchor="ctr"/>
+          <a:lstStyle/>
+          <a:p>
+            <a:pPr algn="ctr"/>
+            <a:endParaRPr lang="pt-BR"/>
+          </a:p>
+        </p:txBody>
+      </p:sp>
+      <p:sp>
+        <p:nvSpPr>
           <p:cNvPr id="2" name="Título 1"/>
           <p:cNvSpPr>
             <a:spLocks noGrp="1"/>
@@ -3314,7 +3370,16 @@
             </a:pPr>
             <a:r>
               <a:rPr lang="pt-BR" dirty="0"/>
-              <a:t>Quando declaramos uma variável dentro de uma função, nós a chamamos de variavel local, pois ela não é vista fora da função. Por exemplo:</a:t>
+              <a:t>Quando declaramos uma variável dentro de uma função, nós a chamamos de variavel local, pois ela não é vista fora da função. </a:t>
+            </a:r>
+          </a:p>
+          <a:p>
+            <a:pPr marL="0" indent="0">
+              <a:buNone/>
+            </a:pPr>
+            <a:r>
+              <a:rPr lang="pt-BR" dirty="0"/>
+              <a:t>Por exemplo:</a:t>
             </a:r>
           </a:p>
           <a:p>
@@ -3377,7 +3442,15 @@
             </a:pPr>
             <a:r>
               <a:rPr lang="pt-BR" dirty="0"/>
-              <a:t>Esse erro ocorre pois como eu disse, a variavel par é local, ou seja, fora dessa função ela não existe.</a:t>
+              <a:t>Esse erro ocorre pois, como eu disse, a </a:t>
+            </a:r>
+            <a:r>
+              <a:rPr lang="pt-BR" dirty="0" err="1"/>
+              <a:t>variavel</a:t>
+            </a:r>
+            <a:r>
+              <a:rPr lang="pt-BR" dirty="0"/>
+              <a:t> 'par' é local, ou seja, fora dessa função ela não existe.</a:t>
             </a:r>
           </a:p>
           <a:p>
@@ -4427,7 +4500,15 @@
             </a:pPr>
             <a:r>
               <a:rPr lang="pt-BR" sz="2000" strike="sngStrike" dirty="0"/>
-              <a:t>Tio nadalete ainda não ensinou isso</a:t>
+              <a:t>Tio </a:t>
+            </a:r>
+            <a:r>
+              <a:rPr lang="pt-BR" sz="2000" strike="sngStrike" dirty="0" err="1"/>
+              <a:t>Nadalete</a:t>
+            </a:r>
+            <a:r>
+              <a:rPr lang="pt-BR" sz="2000" strike="sngStrike" dirty="0"/>
+              <a:t> ainda não ensinou isso</a:t>
             </a:r>
           </a:p>
         </p:txBody>
@@ -4798,6 +4879,60 @@
       </p:grpSpPr>
       <p:sp>
         <p:nvSpPr>
+          <p:cNvPr id="4" name="Lágrima 3">
+            <a:extLst>
+              <a:ext uri="{FF2B5EF4-FFF2-40B4-BE49-F238E27FC236}">
+                <a16:creationId xmlns:a16="http://schemas.microsoft.com/office/drawing/2014/main" id="{B1121C60-98AA-449C-8236-AB6F5485DC1A}"/>
+              </a:ext>
+            </a:extLst>
+          </p:cNvPr>
+          <p:cNvSpPr/>
+          <p:nvPr/>
+        </p:nvSpPr>
+        <p:spPr>
+          <a:xfrm>
+            <a:off x="6990736" y="1843548"/>
+            <a:ext cx="5201264" cy="5014452"/>
+          </a:xfrm>
+          <a:prstGeom prst="teardrop">
+            <a:avLst/>
+          </a:prstGeom>
+          <a:blipFill>
+            <a:blip r:embed="rId2">
+              <a:alphaModFix amt="61000"/>
+            </a:blip>
+            <a:stretch>
+              <a:fillRect/>
+            </a:stretch>
+          </a:blipFill>
+        </p:spPr>
+        <p:style>
+          <a:lnRef idx="2">
+            <a:schemeClr val="accent1">
+              <a:shade val="50000"/>
+            </a:schemeClr>
+          </a:lnRef>
+          <a:fillRef idx="1">
+            <a:schemeClr val="accent1"/>
+          </a:fillRef>
+          <a:effectRef idx="0">
+            <a:schemeClr val="accent1"/>
+          </a:effectRef>
+          <a:fontRef idx="minor">
+            <a:schemeClr val="lt1"/>
+          </a:fontRef>
+        </p:style>
+        <p:txBody>
+          <a:bodyPr rtlCol="0" anchor="ctr"/>
+          <a:lstStyle/>
+          <a:p>
+            <a:pPr algn="ctr"/>
+            <a:endParaRPr lang="pt-BR"/>
+          </a:p>
+        </p:txBody>
+      </p:sp>
+      <p:sp>
+        <p:nvSpPr>
           <p:cNvPr id="2" name="Título 1">
             <a:extLst>
               <a:ext uri="{FF2B5EF4-FFF2-40B4-BE49-F238E27FC236}">
@@ -4850,8 +4985,14 @@
             </a:pPr>
             <a:r>
               <a:rPr lang="pt-BR" dirty="0"/>
-              <a:t>Podemos entender o dicionário como uma lista, onde ao invés de ter um índice fixo, nós a escolhemos.</a:t>
-            </a:r>
+              <a:t>Podemos entender o dicionário como uma lista, onde, ao invés de termos um índice fixo, podemos escolher como vamos defini-lo.</a:t>
+            </a:r>
+          </a:p>
+          <a:p>
+            <a:pPr marL="0" indent="0">
+              <a:buNone/>
+            </a:pPr>
+            <a:endParaRPr lang="pt-BR" dirty="0"/>
           </a:p>
           <a:p>
             <a:pPr marL="0" indent="0">
@@ -4861,6 +5002,12 @@
               <a:rPr lang="pt-BR" dirty="0"/>
               <a:t>Em uma lista, para acessarmos um determinado elemento, utilizamos os numeros de 0 a N.</a:t>
             </a:r>
+          </a:p>
+          <a:p>
+            <a:pPr marL="0" indent="0">
+              <a:buNone/>
+            </a:pPr>
+            <a:endParaRPr lang="pt-BR" dirty="0"/>
           </a:p>
           <a:p>
             <a:pPr marL="0" indent="0">
@@ -5785,7 +5932,7 @@
             </a:pPr>
             <a:r>
               <a:rPr lang="pt-BR" dirty="0"/>
-              <a:t>Pode ser utilizado </a:t>
+              <a:t>Podemos utilizar </a:t>
             </a:r>
             <a:r>
               <a:rPr lang="pt-BR" dirty="0" err="1"/>
@@ -5793,7 +5940,16 @@
             </a:r>
             <a:r>
               <a:rPr lang="pt-BR" dirty="0"/>
-              <a:t> ou números, varia de acordo com o que você quiser fazer.</a:t>
+              <a:t> ou números.</a:t>
+            </a:r>
+          </a:p>
+          <a:p>
+            <a:pPr marL="0" indent="0">
+              <a:buNone/>
+            </a:pPr>
+            <a:r>
+              <a:rPr lang="pt-BR" dirty="0"/>
+              <a:t>O critério varia de acordo com o que você quiser fazer.</a:t>
             </a:r>
           </a:p>
           <a:p>
@@ -5863,13 +6019,13 @@
           <p:nvPr>
             <p:extLst>
               <p:ext uri="{D42A27DB-BD31-4B8C-83A1-F6EECF244321}">
-                <p14:modId xmlns:p14="http://schemas.microsoft.com/office/powerpoint/2010/main" val="1016308338"/>
+                <p14:modId xmlns:p14="http://schemas.microsoft.com/office/powerpoint/2010/main" val="2967666964"/>
               </p:ext>
             </p:extLst>
           </p:nvPr>
         </p:nvGraphicFramePr>
         <p:xfrm>
-          <a:off x="404223" y="2298700"/>
+          <a:off x="404223" y="2466860"/>
           <a:ext cx="10354135" cy="365760"/>
         </p:xfrm>
         <a:graphic>
@@ -6501,7 +6657,7 @@
             </a:pPr>
             <a:r>
               <a:rPr lang="pt-BR" dirty="0"/>
-              <a:t>É possivel tambem fazer operações matemáticas utilizando dicionarios!!</a:t>
+              <a:t>Tambem é possivel fazermos operações matemáticas utilizando dicionarios!!!</a:t>
             </a:r>
           </a:p>
           <a:p>
@@ -6539,13 +6695,13 @@
           <p:nvPr>
             <p:extLst>
               <p:ext uri="{D42A27DB-BD31-4B8C-83A1-F6EECF244321}">
-                <p14:modId xmlns:p14="http://schemas.microsoft.com/office/powerpoint/2010/main" val="3179664995"/>
+                <p14:modId xmlns:p14="http://schemas.microsoft.com/office/powerpoint/2010/main" val="4235847572"/>
               </p:ext>
             </p:extLst>
           </p:nvPr>
         </p:nvGraphicFramePr>
         <p:xfrm>
-          <a:off x="378822" y="2179320"/>
+          <a:off x="378822" y="1674827"/>
           <a:ext cx="9374778" cy="2499360"/>
         </p:xfrm>
         <a:graphic>
@@ -6965,6 +7121,60 @@
           </a:graphicData>
         </a:graphic>
       </p:graphicFrame>
+      <p:sp>
+        <p:nvSpPr>
+          <p:cNvPr id="4" name="Lágrima 3">
+            <a:extLst>
+              <a:ext uri="{FF2B5EF4-FFF2-40B4-BE49-F238E27FC236}">
+                <a16:creationId xmlns:a16="http://schemas.microsoft.com/office/drawing/2014/main" id="{BF463DE7-2501-4AF4-886C-86835C9FF1DC}"/>
+              </a:ext>
+            </a:extLst>
+          </p:cNvPr>
+          <p:cNvSpPr/>
+          <p:nvPr/>
+        </p:nvSpPr>
+        <p:spPr>
+          <a:xfrm>
+            <a:off x="6518786" y="1917290"/>
+            <a:ext cx="5673213" cy="4940710"/>
+          </a:xfrm>
+          <a:prstGeom prst="teardrop">
+            <a:avLst/>
+          </a:prstGeom>
+          <a:blipFill>
+            <a:blip r:embed="rId2">
+              <a:alphaModFix amt="61000"/>
+            </a:blip>
+            <a:stretch>
+              <a:fillRect/>
+            </a:stretch>
+          </a:blipFill>
+        </p:spPr>
+        <p:style>
+          <a:lnRef idx="2">
+            <a:schemeClr val="accent1">
+              <a:shade val="50000"/>
+            </a:schemeClr>
+          </a:lnRef>
+          <a:fillRef idx="1">
+            <a:schemeClr val="accent1"/>
+          </a:fillRef>
+          <a:effectRef idx="0">
+            <a:schemeClr val="accent1"/>
+          </a:effectRef>
+          <a:fontRef idx="minor">
+            <a:schemeClr val="lt1"/>
+          </a:fontRef>
+        </p:style>
+        <p:txBody>
+          <a:bodyPr rtlCol="0" anchor="ctr"/>
+          <a:lstStyle/>
+          <a:p>
+            <a:pPr algn="ctr"/>
+            <a:endParaRPr lang="pt-BR"/>
+          </a:p>
+        </p:txBody>
+      </p:sp>
     </p:spTree>
     <p:extLst>
       <p:ext uri="{BB962C8B-B14F-4D97-AF65-F5344CB8AC3E}">
@@ -7021,7 +7231,7 @@
             </a:pPr>
             <a:r>
               <a:rPr lang="pt-BR" dirty="0"/>
-              <a:t>Para adicionar mais um elemento nesse dicionario, basta fazermos o seguinte:</a:t>
+              <a:t>Para adicionarmos mais um elemento nesse dicionario, basta fazermos o seguinte:</a:t>
             </a:r>
           </a:p>
           <a:p>
@@ -7632,7 +7842,7 @@
             </a:pPr>
             <a:r>
               <a:rPr lang="pt-BR" dirty="0"/>
-              <a:t>Para visualizar uma todas as chaves do dicionario, utilizamos o seguinte comando:</a:t>
+              <a:t>Para visualizarmos todas as chaves do dicionario, utilizamos o seguinte comando:</a:t>
             </a:r>
           </a:p>
         </p:txBody>
@@ -8722,7 +8932,9 @@
           </a:xfrm>
         </p:spPr>
         <p:txBody>
-          <a:bodyPr/>
+          <a:bodyPr>
+            <a:normAutofit fontScale="92500"/>
+          </a:bodyPr>
           <a:lstStyle/>
           <a:p>
             <a:pPr marL="0" indent="0">
@@ -8762,7 +8974,7 @@
             </a:pPr>
             <a:r>
               <a:rPr lang="pt-BR" dirty="0"/>
-              <a:t>Outra maneira, que faz praticamente a mesma coisa é:</a:t>
+              <a:t>Há também outro modo de fazer praticamente a mesma coisa:</a:t>
             </a:r>
           </a:p>
           <a:p>
@@ -8786,7 +8998,37 @@
             </a:pPr>
             <a:r>
               <a:rPr lang="pt-BR" dirty="0"/>
-              <a:t>No lugar do X, nós colocamos </a:t>
+              <a:t>No lugar do </a:t>
+            </a:r>
+            <a:r>
+              <a:rPr lang="pt-BR" dirty="0">
+                <a:solidFill>
+                  <a:srgbClr val="006600"/>
+                </a:solidFill>
+              </a:rPr>
+              <a:t>'</a:t>
+            </a:r>
+            <a:r>
+              <a:rPr lang="pt-BR" dirty="0">
+                <a:solidFill>
+                  <a:srgbClr val="006600"/>
+                </a:solidFill>
+                <a:latin typeface="Arial" panose="020B0604020202020204" pitchFamily="34" charset="0"/>
+                <a:cs typeface="Arial" panose="020B0604020202020204" pitchFamily="34" charset="0"/>
+              </a:rPr>
+              <a:t>X</a:t>
+            </a:r>
+            <a:r>
+              <a:rPr lang="pt-BR" dirty="0">
+                <a:solidFill>
+                  <a:srgbClr val="006600"/>
+                </a:solidFill>
+              </a:rPr>
+              <a:t>'</a:t>
+            </a:r>
+            <a:r>
+              <a:rPr lang="pt-BR" dirty="0"/>
+              <a:t>, nós colocamos </a:t>
             </a:r>
             <a:r>
               <a:rPr lang="pt-BR" dirty="0">
@@ -8806,14 +9048,8 @@
                   <a:srgbClr val="006600"/>
                 </a:solidFill>
               </a:rPr>
-              <a:t> ‘w’</a:t>
-            </a:r>
-            <a:endParaRPr lang="pt-BR" dirty="0"/>
-          </a:p>
-          <a:p>
-            <a:pPr marL="0" indent="0">
-              <a:buNone/>
-            </a:pPr>
+              <a:t> 'w'</a:t>
+            </a:r>
             <a:endParaRPr lang="pt-BR" dirty="0"/>
           </a:p>
         </p:txBody>
@@ -8833,7 +9069,7 @@
           <p:nvPr>
             <p:extLst>
               <p:ext uri="{D42A27DB-BD31-4B8C-83A1-F6EECF244321}">
-                <p14:modId xmlns:p14="http://schemas.microsoft.com/office/powerpoint/2010/main" val="4013982939"/>
+                <p14:modId xmlns:p14="http://schemas.microsoft.com/office/powerpoint/2010/main" val="1622985506"/>
               </p:ext>
             </p:extLst>
           </p:nvPr>
@@ -8967,14 +9203,14 @@
           <p:nvPr>
             <p:extLst>
               <p:ext uri="{D42A27DB-BD31-4B8C-83A1-F6EECF244321}">
-                <p14:modId xmlns:p14="http://schemas.microsoft.com/office/powerpoint/2010/main" val="1542581511"/>
+                <p14:modId xmlns:p14="http://schemas.microsoft.com/office/powerpoint/2010/main" val="1958651047"/>
               </p:ext>
             </p:extLst>
           </p:nvPr>
         </p:nvGraphicFramePr>
         <p:xfrm>
           <a:off x="838200" y="4388298"/>
-          <a:ext cx="5577205" cy="396240"/>
+          <a:ext cx="9085289" cy="502357"/>
         </p:xfrm>
         <a:graphic>
           <a:graphicData uri="http://schemas.openxmlformats.org/drawingml/2006/table">
@@ -8983,7 +9219,7 @@
                 <a:tableStyleId>{16D9F66E-5EB9-4882-86FB-DCBF35E3C3E4}</a:tableStyleId>
               </a:tblPr>
               <a:tblGrid>
-                <a:gridCol w="5577205">
+                <a:gridCol w="9085289">
                   <a:extLst>
                     <a:ext uri="{9D8B030D-6E8A-4147-A177-3AD203B41FA5}">
                       <a16:colId xmlns:a16="http://schemas.microsoft.com/office/drawing/2014/main" val="2511009862"/>
@@ -8991,7 +9227,7 @@
                   </a:extLst>
                 </a:gridCol>
               </a:tblGrid>
-              <a:tr h="370840">
+              <a:tr h="502357">
                 <a:tc>
                   <a:txBody>
                     <a:bodyPr/>
@@ -9038,10 +9274,26 @@
                           <a:solidFill>
                             <a:srgbClr val="006600"/>
                           </a:solidFill>
-                          <a:latin typeface="Arial" panose="020B0604020202020204" pitchFamily="34" charset="0"/>
-                          <a:cs typeface="Arial" panose="020B0604020202020204" pitchFamily="34" charset="0"/>
-                        </a:rPr>
-                        <a:t>'nomearquivo.txt'</a:t>
+                        </a:rPr>
+                        <a:t>'</a:t>
+                      </a:r>
+                      <a:r>
+                        <a:rPr lang="pt-BR" sz="2000" dirty="0">
+                          <a:solidFill>
+                            <a:srgbClr val="006600"/>
+                          </a:solidFill>
+                          <a:latin typeface="Arial" panose="020B0604020202020204" pitchFamily="34" charset="0"/>
+                          <a:cs typeface="Arial" panose="020B0604020202020204" pitchFamily="34" charset="0"/>
+                        </a:rPr>
+                        <a:t>nomearquivo.txt</a:t>
+                      </a:r>
+                      <a:r>
+                        <a:rPr lang="pt-BR" sz="2000" dirty="0">
+                          <a:solidFill>
+                            <a:srgbClr val="006600"/>
+                          </a:solidFill>
+                        </a:rPr>
+                        <a:t>'</a:t>
                       </a:r>
                       <a:r>
                         <a:rPr lang="pt-BR" sz="2000" dirty="0">
@@ -9058,10 +9310,26 @@
                           <a:solidFill>
                             <a:srgbClr val="006600"/>
                           </a:solidFill>
-                          <a:latin typeface="Arial" panose="020B0604020202020204" pitchFamily="34" charset="0"/>
-                          <a:cs typeface="Arial" panose="020B0604020202020204" pitchFamily="34" charset="0"/>
-                        </a:rPr>
-                        <a:t>'X’</a:t>
+                        </a:rPr>
+                        <a:t>'</a:t>
+                      </a:r>
+                      <a:r>
+                        <a:rPr lang="pt-BR" sz="2000" dirty="0">
+                          <a:solidFill>
+                            <a:srgbClr val="006600"/>
+                          </a:solidFill>
+                          <a:latin typeface="Arial" panose="020B0604020202020204" pitchFamily="34" charset="0"/>
+                          <a:cs typeface="Arial" panose="020B0604020202020204" pitchFamily="34" charset="0"/>
+                        </a:rPr>
+                        <a:t>X</a:t>
+                      </a:r>
+                      <a:r>
+                        <a:rPr lang="pt-BR" sz="2000" dirty="0">
+                          <a:solidFill>
+                            <a:srgbClr val="006600"/>
+                          </a:solidFill>
+                        </a:rPr>
+                        <a:t>'</a:t>
                       </a:r>
                       <a:r>
                         <a:rPr lang="pt-BR" sz="2000" dirty="0">
@@ -9085,7 +9353,7 @@
                           <a:latin typeface="Arial" panose="020B0604020202020204" pitchFamily="34" charset="0"/>
                           <a:cs typeface="Arial" panose="020B0604020202020204" pitchFamily="34" charset="0"/>
                         </a:rPr>
-                        <a:t> variavel</a:t>
+                        <a:t> variável</a:t>
                       </a:r>
                     </a:p>
                   </a:txBody>
@@ -9105,6 +9373,96 @@
     <p:extLst>
       <p:ext uri="{BB962C8B-B14F-4D97-AF65-F5344CB8AC3E}">
         <p14:creationId xmlns:p14="http://schemas.microsoft.com/office/powerpoint/2010/main" val="3533120128"/>
+      </p:ext>
+    </p:extLst>
+  </p:cSld>
+  <p:clrMapOvr>
+    <a:masterClrMapping/>
+  </p:clrMapOvr>
+</p:sld>
+</file>
+
+<file path=ppt/slides/slide20.xml><?xml version="1.0" encoding="utf-8"?>
+<p:sld xmlns:a="http://schemas.openxmlformats.org/drawingml/2006/main" xmlns:r="http://schemas.openxmlformats.org/officeDocument/2006/relationships" xmlns:p="http://schemas.openxmlformats.org/presentationml/2006/main">
+  <p:cSld>
+    <p:spTree>
+      <p:nvGrpSpPr>
+        <p:cNvPr id="1" name=""/>
+        <p:cNvGrpSpPr/>
+        <p:nvPr/>
+      </p:nvGrpSpPr>
+      <p:grpSpPr>
+        <a:xfrm>
+          <a:off x="0" y="0"/>
+          <a:ext cx="0" cy="0"/>
+          <a:chOff x="0" y="0"/>
+          <a:chExt cx="0" cy="0"/>
+        </a:xfrm>
+      </p:grpSpPr>
+      <p:pic>
+        <p:nvPicPr>
+          <p:cNvPr id="5" name="Imagem 4"/>
+          <p:cNvPicPr>
+            <a:picLocks noChangeAspect="1"/>
+          </p:cNvPicPr>
+          <p:nvPr/>
+        </p:nvPicPr>
+        <p:blipFill>
+          <a:blip r:embed="rId2"/>
+          <a:stretch>
+            <a:fillRect/>
+          </a:stretch>
+        </p:blipFill>
+        <p:spPr>
+          <a:xfrm>
+            <a:off x="0" y="-1"/>
+            <a:ext cx="12192000" cy="6858001"/>
+          </a:xfrm>
+          <a:prstGeom prst="rect">
+            <a:avLst/>
+          </a:prstGeom>
+        </p:spPr>
+      </p:pic>
+      <p:pic>
+        <p:nvPicPr>
+          <p:cNvPr id="3" name="Imagem 2">
+            <a:extLst>
+              <a:ext uri="{FF2B5EF4-FFF2-40B4-BE49-F238E27FC236}">
+                <a16:creationId xmlns:a16="http://schemas.microsoft.com/office/drawing/2014/main" id="{E800BAB4-F7A3-4C33-91B2-BF882B0203E4}"/>
+              </a:ext>
+            </a:extLst>
+          </p:cNvPr>
+          <p:cNvPicPr>
+            <a:picLocks noChangeAspect="1"/>
+          </p:cNvPicPr>
+          <p:nvPr/>
+        </p:nvPicPr>
+        <p:blipFill>
+          <a:blip r:embed="rId3">
+            <a:extLst>
+              <a:ext uri="{28A0092B-C50C-407E-A947-70E740481C1C}">
+                <a14:useLocalDpi xmlns:a14="http://schemas.microsoft.com/office/drawing/2010/main" val="0"/>
+              </a:ext>
+            </a:extLst>
+          </a:blip>
+          <a:stretch>
+            <a:fillRect/>
+          </a:stretch>
+        </p:blipFill>
+        <p:spPr>
+          <a:xfrm>
+            <a:off x="5257487" y="4627954"/>
+            <a:ext cx="1677026" cy="1328964"/>
+          </a:xfrm>
+          <a:prstGeom prst="rect">
+            <a:avLst/>
+          </a:prstGeom>
+        </p:spPr>
+      </p:pic>
+    </p:spTree>
+    <p:extLst>
+      <p:ext uri="{BB962C8B-B14F-4D97-AF65-F5344CB8AC3E}">
+        <p14:creationId xmlns:p14="http://schemas.microsoft.com/office/powerpoint/2010/main" val="1221616001"/>
       </p:ext>
     </p:extLst>
   </p:cSld>
@@ -9133,6 +9491,61 @@
       </p:grpSpPr>
       <p:sp>
         <p:nvSpPr>
+          <p:cNvPr id="12" name="Lágrima 11">
+            <a:extLst>
+              <a:ext uri="{FF2B5EF4-FFF2-40B4-BE49-F238E27FC236}">
+                <a16:creationId xmlns:a16="http://schemas.microsoft.com/office/drawing/2014/main" id="{A7526083-2549-4242-8ECE-71FD840A51AB}"/>
+              </a:ext>
+            </a:extLst>
+          </p:cNvPr>
+          <p:cNvSpPr/>
+          <p:nvPr/>
+        </p:nvSpPr>
+        <p:spPr>
+          <a:xfrm>
+            <a:off x="6718852" y="1292087"/>
+            <a:ext cx="5473148" cy="5565913"/>
+          </a:xfrm>
+          <a:prstGeom prst="teardrop">
+            <a:avLst/>
+          </a:prstGeom>
+          <a:blipFill dpi="0" rotWithShape="1">
+            <a:blip r:embed="rId2">
+              <a:alphaModFix amt="50000"/>
+            </a:blip>
+            <a:srcRect/>
+            <a:stretch>
+              <a:fillRect/>
+            </a:stretch>
+          </a:blipFill>
+        </p:spPr>
+        <p:style>
+          <a:lnRef idx="2">
+            <a:schemeClr val="accent1">
+              <a:shade val="50000"/>
+            </a:schemeClr>
+          </a:lnRef>
+          <a:fillRef idx="1">
+            <a:schemeClr val="accent1"/>
+          </a:fillRef>
+          <a:effectRef idx="0">
+            <a:schemeClr val="accent1"/>
+          </a:effectRef>
+          <a:fontRef idx="minor">
+            <a:schemeClr val="lt1"/>
+          </a:fontRef>
+        </p:style>
+        <p:txBody>
+          <a:bodyPr rtlCol="0" anchor="ctr"/>
+          <a:lstStyle/>
+          <a:p>
+            <a:pPr algn="ctr"/>
+            <a:endParaRPr lang="pt-BR"/>
+          </a:p>
+        </p:txBody>
+      </p:sp>
+      <p:sp>
+        <p:nvSpPr>
           <p:cNvPr id="2" name="Título 1">
             <a:extLst>
               <a:ext uri="{FF2B5EF4-FFF2-40B4-BE49-F238E27FC236}">
@@ -9226,7 +9639,7 @@
             </a:pPr>
             <a:r>
               <a:rPr lang="pt-BR" dirty="0"/>
-              <a:t>Então quando você o utiliza, não é necessário fechar o arquivo, diferente do </a:t>
+              <a:t>Portanto, quando você o utiliza, não é necessário fechar o arquivo, diferente do </a:t>
             </a:r>
             <a:r>
               <a:rPr lang="pt-BR" dirty="0">
@@ -9249,10 +9662,10 @@
             </a:pPr>
             <a:r>
               <a:rPr lang="pt-BR" dirty="0"/>
-              <a:t>Porém, quando o </a:t>
-            </a:r>
-            <a:r>
-              <a:rPr lang="pt-BR" dirty="0" err="1">
+              <a:t>Também é necessário lembrar que, quando o </a:t>
+            </a:r>
+            <a:r>
+              <a:rPr lang="pt-BR" b="1" dirty="0" err="1">
                 <a:solidFill>
                   <a:schemeClr val="accent2">
                     <a:lumMod val="75000"/>
@@ -9262,14 +9675,14 @@
               <a:t>with</a:t>
             </a:r>
             <a:r>
-              <a:rPr lang="pt-BR" dirty="0"/>
+              <a:rPr lang="pt-BR" b="1" dirty="0"/>
               <a:t> </a:t>
             </a:r>
             <a:r>
-              <a:rPr lang="pt-BR" dirty="0">
+              <a:rPr lang="pt-BR" b="1" dirty="0">
                 <a:solidFill>
                   <a:schemeClr val="accent6">
-                    <a:lumMod val="75000"/>
+                    <a:lumMod val="50000"/>
                   </a:schemeClr>
                 </a:solidFill>
               </a:rPr>
@@ -9280,7 +9693,7 @@
               <a:t>() é utilizado, todo o código deve ser </a:t>
             </a:r>
             <a:r>
-              <a:rPr lang="pt-BR" dirty="0" err="1"/>
+              <a:rPr lang="pt-BR" u="sng" dirty="0" err="1"/>
               <a:t>identado</a:t>
             </a:r>
             <a:r>
@@ -9394,11 +9807,8 @@
             </a:pPr>
             <a:r>
               <a:rPr lang="pt-BR" dirty="0"/>
-              <a:t>Trocando aquele X por:</a:t>
-            </a:r>
-          </a:p>
-          <a:p>
-            <a:pPr fontAlgn="base"/>
+              <a:t>Trocando aquele </a:t>
+            </a:r>
             <a:r>
               <a:rPr lang="pt-BR" dirty="0">
                 <a:solidFill>
@@ -9408,6 +9818,39 @@
               <a:t>'</a:t>
             </a:r>
             <a:r>
+              <a:rPr lang="pt-BR" dirty="0">
+                <a:solidFill>
+                  <a:srgbClr val="006600"/>
+                </a:solidFill>
+                <a:latin typeface="Arial" panose="020B0604020202020204" pitchFamily="34" charset="0"/>
+                <a:cs typeface="Arial" panose="020B0604020202020204" pitchFamily="34" charset="0"/>
+              </a:rPr>
+              <a:t>X</a:t>
+            </a:r>
+            <a:r>
+              <a:rPr lang="pt-BR" dirty="0">
+                <a:solidFill>
+                  <a:srgbClr val="006600"/>
+                </a:solidFill>
+              </a:rPr>
+              <a:t>'</a:t>
+            </a:r>
+            <a:r>
+              <a:rPr lang="pt-BR" dirty="0"/>
+              <a:t> por:</a:t>
+            </a:r>
+          </a:p>
+          <a:p>
+            <a:pPr fontAlgn="base"/>
+            <a:r>
+              <a:rPr lang="pt-BR" dirty="0">
+                <a:solidFill>
+                  <a:srgbClr val="006600"/>
+                </a:solidFill>
+              </a:rPr>
+              <a:t>'</a:t>
+            </a:r>
+            <a:r>
               <a:rPr lang="pt-BR" b="1" dirty="0">
                 <a:solidFill>
                   <a:srgbClr val="006600"/>
@@ -9456,7 +9899,7 @@
             </a:r>
             <a:r>
               <a:rPr lang="pt-BR" dirty="0"/>
-              <a:t>–  Para apenas escrever (um arquivo existente com o mesmo nome será apagado).</a:t>
+              <a:t>–  Para apenas escrever (se existir um arquivo com o mesmo nome, será sobrescrito).</a:t>
             </a:r>
           </a:p>
           <a:p>
@@ -9503,7 +9946,7 @@
             </a:r>
             <a:r>
               <a:rPr lang="pt-BR" dirty="0"/>
-              <a:t>Abre o arquivo para leitura e escrita. Porém, o arquivo já deve existir (na mesma pasta que está o arquivo.py).</a:t>
+              <a:t>Abre o arquivo para leitura e escrita, porém o arquivo já deve existir (na mesma pasta que está o arquivo.py).</a:t>
             </a:r>
             <a:endParaRPr lang="pt-BR" b="1" dirty="0">
               <a:solidFill>
@@ -9539,7 +9982,7 @@
             </a:r>
             <a:r>
               <a:rPr lang="pt-BR" dirty="0"/>
-              <a:t>–  Abre o arquivo para leitura e escrita. Se o arquivo já existir, ele será deletado.</a:t>
+              <a:t>–  Abre o arquivo para leitura e escrita, porém, se o arquivo já existir, ele será sobrescrito.</a:t>
             </a:r>
           </a:p>
           <a:p>
@@ -10236,7 +10679,7 @@
           <p:nvPr>
             <p:extLst>
               <p:ext uri="{D42A27DB-BD31-4B8C-83A1-F6EECF244321}">
-                <p14:modId xmlns:p14="http://schemas.microsoft.com/office/powerpoint/2010/main" val="4291529559"/>
+                <p14:modId xmlns:p14="http://schemas.microsoft.com/office/powerpoint/2010/main" val="1313972755"/>
               </p:ext>
             </p:extLst>
           </p:nvPr>
@@ -10288,7 +10731,7 @@
                           <a:latin typeface="Arial" panose="020B0604020202020204" pitchFamily="34" charset="0"/>
                           <a:cs typeface="Arial" panose="020B0604020202020204" pitchFamily="34" charset="0"/>
                         </a:rPr>
-                        <a:t>'O que você quiser'</a:t>
+                        <a:t>‘o que você quiser'</a:t>
                       </a:r>
                       <a:r>
                         <a:rPr lang="pt-BR" sz="2000" dirty="0">
@@ -11075,16 +11518,37 @@
             </a:pPr>
             <a:r>
               <a:rPr lang="pt-BR" dirty="0"/>
+              <a:t>Funções são rotinas que são capazes de executar instruções e retornar um resultado.</a:t>
+            </a:r>
+          </a:p>
+          <a:p>
+            <a:pPr marL="0" indent="0">
+              <a:buNone/>
+            </a:pPr>
+            <a:endParaRPr lang="pt-BR" dirty="0"/>
+          </a:p>
+          <a:p>
+            <a:pPr marL="0" indent="0">
+              <a:buNone/>
+            </a:pPr>
+            <a:r>
+              <a:rPr lang="pt-BR" dirty="0"/>
+              <a:t>Podem existir funções que apenas executam ações e não retornam nenhum resultado.</a:t>
+            </a:r>
+          </a:p>
+          <a:p>
+            <a:pPr marL="0" indent="0">
+              <a:buNone/>
+            </a:pPr>
+            <a:endParaRPr lang="pt-BR" dirty="0"/>
+          </a:p>
+          <a:p>
+            <a:pPr marL="0" indent="0">
+              <a:buNone/>
+            </a:pPr>
+            <a:r>
+              <a:rPr lang="pt-BR" dirty="0"/>
               <a:t>Em Python, para definirmos uma função, utilizamos o def.</a:t>
-            </a:r>
-          </a:p>
-          <a:p>
-            <a:pPr marL="0" indent="0">
-              <a:buNone/>
-            </a:pPr>
-            <a:r>
-              <a:rPr lang="pt-BR" dirty="0"/>
-              <a:t>Funções são rotinas que são capazes de executar instruções e retornar um resultado. Podem existir funções que apenas executam ações e não retornam nenhum resultado.</a:t>
             </a:r>
           </a:p>
           <a:p>
@@ -11124,6 +11588,60 @@
       </p:grpSpPr>
       <p:sp>
         <p:nvSpPr>
+          <p:cNvPr id="5" name="Lágrima 4">
+            <a:extLst>
+              <a:ext uri="{FF2B5EF4-FFF2-40B4-BE49-F238E27FC236}">
+                <a16:creationId xmlns:a16="http://schemas.microsoft.com/office/drawing/2014/main" id="{6237B585-AF49-46BD-A4F5-4D474742E312}"/>
+              </a:ext>
+            </a:extLst>
+          </p:cNvPr>
+          <p:cNvSpPr/>
+          <p:nvPr/>
+        </p:nvSpPr>
+        <p:spPr>
+          <a:xfrm>
+            <a:off x="6990736" y="1843548"/>
+            <a:ext cx="5201264" cy="5014452"/>
+          </a:xfrm>
+          <a:prstGeom prst="teardrop">
+            <a:avLst/>
+          </a:prstGeom>
+          <a:blipFill>
+            <a:blip r:embed="rId2">
+              <a:alphaModFix amt="61000"/>
+            </a:blip>
+            <a:stretch>
+              <a:fillRect/>
+            </a:stretch>
+          </a:blipFill>
+        </p:spPr>
+        <p:style>
+          <a:lnRef idx="2">
+            <a:schemeClr val="accent1">
+              <a:shade val="50000"/>
+            </a:schemeClr>
+          </a:lnRef>
+          <a:fillRef idx="1">
+            <a:schemeClr val="accent1"/>
+          </a:fillRef>
+          <a:effectRef idx="0">
+            <a:schemeClr val="accent1"/>
+          </a:effectRef>
+          <a:fontRef idx="minor">
+            <a:schemeClr val="lt1"/>
+          </a:fontRef>
+        </p:style>
+        <p:txBody>
+          <a:bodyPr rtlCol="0" anchor="ctr"/>
+          <a:lstStyle/>
+          <a:p>
+            <a:pPr algn="ctr"/>
+            <a:endParaRPr lang="pt-BR"/>
+          </a:p>
+        </p:txBody>
+      </p:sp>
+      <p:sp>
+        <p:nvSpPr>
           <p:cNvPr id="3" name="Espaço Reservado para Conteúdo 2">
             <a:extLst>
               <a:ext uri="{FF2B5EF4-FFF2-40B4-BE49-F238E27FC236}">
@@ -11140,12 +11658,14 @@
         </p:nvSpPr>
         <p:spPr>
           <a:xfrm>
-            <a:off x="838200" y="1825625"/>
-            <a:ext cx="10515600" cy="4351338"/>
+            <a:off x="838200" y="1702671"/>
+            <a:ext cx="10515600" cy="4631942"/>
           </a:xfrm>
         </p:spPr>
         <p:txBody>
-          <a:bodyPr/>
+          <a:bodyPr>
+            <a:normAutofit/>
+          </a:bodyPr>
           <a:lstStyle/>
           <a:p>
             <a:pPr marL="0" indent="0">
@@ -11153,8 +11673,29 @@
             </a:pPr>
             <a:r>
               <a:rPr lang="pt-BR" dirty="0"/>
-              <a:t>Uma função serve para deixar o codigo mais organizado. Em códigos muito grandes, ela gera uma facilidade, pois se precisamos mudar alguma coisa, basta irmos ate a função e alterar apenas a própria função, sem ter que ficar alterando muita coisa no código inteiro.</a:t>
-            </a:r>
+              <a:t>Uma função serve para executar rotinas que se repetem, além de  deixar o codigo mais organizado.</a:t>
+            </a:r>
+          </a:p>
+          <a:p>
+            <a:pPr marL="0" indent="0">
+              <a:buNone/>
+            </a:pPr>
+            <a:endParaRPr lang="pt-BR" dirty="0"/>
+          </a:p>
+          <a:p>
+            <a:pPr marL="0" indent="0">
+              <a:buNone/>
+            </a:pPr>
+            <a:r>
+              <a:rPr lang="pt-BR" dirty="0"/>
+              <a:t>Em códigos muito grandes, ela gera uma facilidade, pois se precisamos mudar alguma coisa, basta irmos ate a função e alterar apenas a própria função, sem ter que ficar alterando muita coisa no código inteiro.</a:t>
+            </a:r>
+          </a:p>
+          <a:p>
+            <a:pPr marL="0" indent="0">
+              <a:buNone/>
+            </a:pPr>
+            <a:endParaRPr lang="pt-BR" dirty="0"/>
           </a:p>
           <a:p>
             <a:pPr marL="0" indent="0">

--- a/1º semestre/Revisões by danny/2º bimestre/Revisão Algoritmos.pptx
+++ b/1º semestre/Revisões by danny/2º bimestre/Revisão Algoritmos.pptx
@@ -5,29 +5,31 @@
     <p:sldMasterId id="2147483648" r:id="rId1"/>
   </p:sldMasterIdLst>
   <p:notesMasterIdLst>
-    <p:notesMasterId r:id="rId22"/>
+    <p:notesMasterId r:id="rId24"/>
   </p:notesMasterIdLst>
   <p:sldIdLst>
     <p:sldId id="256" r:id="rId2"/>
-    <p:sldId id="273" r:id="rId3"/>
-    <p:sldId id="274" r:id="rId4"/>
-    <p:sldId id="275" r:id="rId5"/>
-    <p:sldId id="277" r:id="rId6"/>
-    <p:sldId id="276" r:id="rId7"/>
-    <p:sldId id="257" r:id="rId8"/>
-    <p:sldId id="258" r:id="rId9"/>
-    <p:sldId id="262" r:id="rId10"/>
-    <p:sldId id="263" r:id="rId11"/>
-    <p:sldId id="264" r:id="rId12"/>
-    <p:sldId id="265" r:id="rId13"/>
-    <p:sldId id="266" r:id="rId14"/>
-    <p:sldId id="267" r:id="rId15"/>
-    <p:sldId id="268" r:id="rId16"/>
-    <p:sldId id="269" r:id="rId17"/>
-    <p:sldId id="270" r:id="rId18"/>
-    <p:sldId id="271" r:id="rId19"/>
-    <p:sldId id="272" r:id="rId20"/>
-    <p:sldId id="278" r:id="rId21"/>
+    <p:sldId id="279" r:id="rId3"/>
+    <p:sldId id="280" r:id="rId4"/>
+    <p:sldId id="273" r:id="rId5"/>
+    <p:sldId id="274" r:id="rId6"/>
+    <p:sldId id="275" r:id="rId7"/>
+    <p:sldId id="277" r:id="rId8"/>
+    <p:sldId id="276" r:id="rId9"/>
+    <p:sldId id="257" r:id="rId10"/>
+    <p:sldId id="258" r:id="rId11"/>
+    <p:sldId id="262" r:id="rId12"/>
+    <p:sldId id="263" r:id="rId13"/>
+    <p:sldId id="264" r:id="rId14"/>
+    <p:sldId id="265" r:id="rId15"/>
+    <p:sldId id="266" r:id="rId16"/>
+    <p:sldId id="267" r:id="rId17"/>
+    <p:sldId id="268" r:id="rId18"/>
+    <p:sldId id="269" r:id="rId19"/>
+    <p:sldId id="270" r:id="rId20"/>
+    <p:sldId id="271" r:id="rId21"/>
+    <p:sldId id="272" r:id="rId22"/>
+    <p:sldId id="278" r:id="rId23"/>
   </p:sldIdLst>
   <p:sldSz cx="12192000" cy="6858000"/>
   <p:notesSz cx="6858000" cy="9144000"/>
@@ -216,7 +218,7 @@
           <a:p>
             <a:fld id="{0EDE2110-337E-4A4E-801C-86CE88B7C597}" type="datetimeFigureOut">
               <a:rPr lang="pt-BR" smtClean="0"/>
-              <a:t>19/06/2018</a:t>
+              <a:t>25/06/2018</a:t>
             </a:fld>
             <a:endParaRPr lang="pt-BR"/>
           </a:p>
@@ -548,7 +550,7 @@
           <a:p>
             <a:fld id="{A9A7DB56-8055-4830-B452-75AA04796B0A}" type="slidenum">
               <a:rPr lang="pt-BR" smtClean="0"/>
-              <a:t>4</a:t>
+              <a:t>6</a:t>
             </a:fld>
             <a:endParaRPr lang="pt-BR"/>
           </a:p>
@@ -632,7 +634,7 @@
           <a:p>
             <a:fld id="{A9A7DB56-8055-4830-B452-75AA04796B0A}" type="slidenum">
               <a:rPr lang="pt-BR" smtClean="0"/>
-              <a:t>14</a:t>
+              <a:t>16</a:t>
             </a:fld>
             <a:endParaRPr lang="pt-BR"/>
           </a:p>
@@ -3222,16 +3224,14 @@
         </p:nvSpPr>
         <p:spPr>
           <a:xfrm>
-            <a:off x="2290916" y="0"/>
-            <a:ext cx="7610168" cy="6858000"/>
+            <a:off x="1335315" y="0"/>
+            <a:ext cx="9463314" cy="6858000"/>
           </a:xfrm>
           <a:prstGeom prst="diamond">
             <a:avLst/>
           </a:prstGeom>
           <a:blipFill dpi="0" rotWithShape="1">
-            <a:blip r:embed="rId2">
-              <a:alphaModFix amt="91000"/>
-            </a:blip>
+            <a:blip r:embed="rId2"/>
             <a:srcRect/>
             <a:stretch>
               <a:fillRect/>
@@ -3259,7 +3259,7 @@
           <a:lstStyle/>
           <a:p>
             <a:pPr algn="ctr"/>
-            <a:endParaRPr lang="pt-BR"/>
+            <a:endParaRPr lang="pt-BR" dirty="0"/>
           </a:p>
         </p:txBody>
       </p:sp>
@@ -3279,7 +3279,21 @@
           <a:lstStyle/>
           <a:p>
             <a:r>
-              <a:rPr lang="pt-BR" dirty="0"/>
+              <a:rPr lang="pt-BR" b="1" dirty="0">
+                <a:ln w="9525">
+                  <a:solidFill>
+                    <a:schemeClr val="bg1"/>
+                  </a:solidFill>
+                  <a:prstDash val="solid"/>
+                </a:ln>
+                <a:effectLst>
+                  <a:outerShdw blurRad="12700" dist="38100" dir="2700000" algn="tl" rotWithShape="0">
+                    <a:schemeClr val="bg1">
+                      <a:lumMod val="50000"/>
+                    </a:schemeClr>
+                  </a:outerShdw>
+                </a:effectLst>
+              </a:rPr>
               <a:t>Revisão de Algoritmos</a:t>
             </a:r>
           </a:p>
@@ -3297,11 +3311,30 @@
         </p:nvSpPr>
         <p:spPr/>
         <p:txBody>
-          <a:bodyPr/>
+          <a:bodyPr>
+            <a:normAutofit/>
+          </a:bodyPr>
           <a:lstStyle/>
           <a:p>
             <a:r>
-              <a:rPr lang="pt-BR" dirty="0"/>
+              <a:rPr lang="pt-BR" sz="2800" b="1" dirty="0">
+                <a:ln w="9525">
+                  <a:solidFill>
+                    <a:schemeClr val="bg1"/>
+                  </a:solidFill>
+                  <a:prstDash val="solid"/>
+                </a:ln>
+                <a:solidFill>
+                  <a:schemeClr val="bg1"/>
+                </a:solidFill>
+                <a:effectLst>
+                  <a:outerShdw blurRad="12700" dist="38100" dir="2700000" algn="tl" rotWithShape="0">
+                    <a:schemeClr val="bg1">
+                      <a:lumMod val="50000"/>
+                    </a:schemeClr>
+                  </a:outerShdw>
+                </a:effectLst>
+              </a:rPr>
               <a:t>By Danny</a:t>
             </a:r>
           </a:p>
@@ -3321,6 +3354,571 @@
 </file>
 
 <file path=ppt/slides/slide10.xml><?xml version="1.0" encoding="utf-8"?>
+<p:sld xmlns:a="http://schemas.openxmlformats.org/drawingml/2006/main" xmlns:r="http://schemas.openxmlformats.org/officeDocument/2006/relationships" xmlns:p="http://schemas.openxmlformats.org/presentationml/2006/main">
+  <p:cSld>
+    <p:spTree>
+      <p:nvGrpSpPr>
+        <p:cNvPr id="1" name=""/>
+        <p:cNvGrpSpPr/>
+        <p:nvPr/>
+      </p:nvGrpSpPr>
+      <p:grpSpPr>
+        <a:xfrm>
+          <a:off x="0" y="0"/>
+          <a:ext cx="0" cy="0"/>
+          <a:chOff x="0" y="0"/>
+          <a:chExt cx="0" cy="0"/>
+        </a:xfrm>
+      </p:grpSpPr>
+      <p:sp>
+        <p:nvSpPr>
+          <p:cNvPr id="5" name="Lágrima 4">
+            <a:extLst>
+              <a:ext uri="{FF2B5EF4-FFF2-40B4-BE49-F238E27FC236}">
+                <a16:creationId xmlns:a16="http://schemas.microsoft.com/office/drawing/2014/main" id="{6237B585-AF49-46BD-A4F5-4D474742E312}"/>
+              </a:ext>
+            </a:extLst>
+          </p:cNvPr>
+          <p:cNvSpPr/>
+          <p:nvPr/>
+        </p:nvSpPr>
+        <p:spPr>
+          <a:xfrm>
+            <a:off x="8897257" y="4267200"/>
+            <a:ext cx="3294743" cy="2590800"/>
+          </a:xfrm>
+          <a:prstGeom prst="teardrop">
+            <a:avLst/>
+          </a:prstGeom>
+          <a:blipFill dpi="0" rotWithShape="1">
+            <a:blip r:embed="rId2"/>
+            <a:srcRect/>
+            <a:stretch>
+              <a:fillRect/>
+            </a:stretch>
+          </a:blipFill>
+          <a:effectLst>
+            <a:outerShdw blurRad="50800" dist="50800" dir="5400000" algn="ctr" rotWithShape="0">
+              <a:srgbClr val="000000">
+                <a:alpha val="0"/>
+              </a:srgbClr>
+            </a:outerShdw>
+          </a:effectLst>
+        </p:spPr>
+        <p:style>
+          <a:lnRef idx="2">
+            <a:schemeClr val="accent1">
+              <a:shade val="50000"/>
+            </a:schemeClr>
+          </a:lnRef>
+          <a:fillRef idx="1">
+            <a:schemeClr val="accent1"/>
+          </a:fillRef>
+          <a:effectRef idx="0">
+            <a:schemeClr val="accent1"/>
+          </a:effectRef>
+          <a:fontRef idx="minor">
+            <a:schemeClr val="lt1"/>
+          </a:fontRef>
+        </p:style>
+        <p:txBody>
+          <a:bodyPr rtlCol="0" anchor="ctr"/>
+          <a:lstStyle/>
+          <a:p>
+            <a:pPr algn="ctr"/>
+            <a:endParaRPr lang="pt-BR"/>
+          </a:p>
+        </p:txBody>
+      </p:sp>
+      <p:sp>
+        <p:nvSpPr>
+          <p:cNvPr id="3" name="Espaço Reservado para Conteúdo 2">
+            <a:extLst>
+              <a:ext uri="{FF2B5EF4-FFF2-40B4-BE49-F238E27FC236}">
+                <a16:creationId xmlns:a16="http://schemas.microsoft.com/office/drawing/2014/main" id="{A406C180-8731-44EE-B612-0D44DA96A1F7}"/>
+              </a:ext>
+            </a:extLst>
+          </p:cNvPr>
+          <p:cNvSpPr>
+            <a:spLocks noGrp="1"/>
+          </p:cNvSpPr>
+          <p:nvPr>
+            <p:ph idx="1"/>
+          </p:nvPr>
+        </p:nvSpPr>
+        <p:spPr>
+          <a:xfrm>
+            <a:off x="838200" y="420914"/>
+            <a:ext cx="9394371" cy="5913699"/>
+          </a:xfrm>
+        </p:spPr>
+        <p:txBody>
+          <a:bodyPr>
+            <a:normAutofit/>
+          </a:bodyPr>
+          <a:lstStyle/>
+          <a:p>
+            <a:pPr marL="0" indent="0">
+              <a:buNone/>
+            </a:pPr>
+            <a:r>
+              <a:rPr lang="pt-BR" dirty="0"/>
+              <a:t>Uma função serve para executar rotinas que se repetem, além de  deixar o codigo mais organizado.</a:t>
+            </a:r>
+          </a:p>
+          <a:p>
+            <a:pPr marL="0" indent="0">
+              <a:buNone/>
+            </a:pPr>
+            <a:endParaRPr lang="pt-BR" dirty="0"/>
+          </a:p>
+          <a:p>
+            <a:pPr marL="0" indent="0">
+              <a:buNone/>
+            </a:pPr>
+            <a:r>
+              <a:rPr lang="pt-BR" dirty="0"/>
+              <a:t>Em códigos muito grandes, ela gera uma facilidade, pois se precisamos mudar alguma coisa, basta irmos ate a função e alterar apenas a própria função, sem ter que ficar alterando muita coisa no código inteiro.</a:t>
+            </a:r>
+          </a:p>
+          <a:p>
+            <a:pPr marL="0" indent="0">
+              <a:buNone/>
+            </a:pPr>
+            <a:endParaRPr lang="pt-BR" dirty="0"/>
+          </a:p>
+          <a:p>
+            <a:pPr marL="0" indent="0">
+              <a:buNone/>
+            </a:pPr>
+            <a:r>
+              <a:rPr lang="pt-BR" dirty="0"/>
+              <a:t>Ela pode ser chamada N vezes, ou seja, função tambem serve para encurtar um código.</a:t>
+            </a:r>
+          </a:p>
+          <a:p>
+            <a:endParaRPr lang="pt-BR" dirty="0"/>
+          </a:p>
+        </p:txBody>
+      </p:sp>
+    </p:spTree>
+    <p:extLst>
+      <p:ext uri="{BB962C8B-B14F-4D97-AF65-F5344CB8AC3E}">
+        <p14:creationId xmlns:p14="http://schemas.microsoft.com/office/powerpoint/2010/main" val="1344195133"/>
+      </p:ext>
+    </p:extLst>
+  </p:cSld>
+  <p:clrMapOvr>
+    <a:masterClrMapping/>
+  </p:clrMapOvr>
+</p:sld>
+</file>
+
+<file path=ppt/slides/slide11.xml><?xml version="1.0" encoding="utf-8"?>
+<p:sld xmlns:a="http://schemas.openxmlformats.org/drawingml/2006/main" xmlns:r="http://schemas.openxmlformats.org/officeDocument/2006/relationships" xmlns:p="http://schemas.openxmlformats.org/presentationml/2006/main">
+  <p:cSld>
+    <p:spTree>
+      <p:nvGrpSpPr>
+        <p:cNvPr id="1" name=""/>
+        <p:cNvGrpSpPr/>
+        <p:nvPr/>
+      </p:nvGrpSpPr>
+      <p:grpSpPr>
+        <a:xfrm>
+          <a:off x="0" y="0"/>
+          <a:ext cx="0" cy="0"/>
+          <a:chOff x="0" y="0"/>
+          <a:chExt cx="0" cy="0"/>
+        </a:xfrm>
+      </p:grpSpPr>
+      <p:sp>
+        <p:nvSpPr>
+          <p:cNvPr id="2" name="Espaço Reservado para Conteúdo 1">
+            <a:extLst>
+              <a:ext uri="{FF2B5EF4-FFF2-40B4-BE49-F238E27FC236}">
+                <a16:creationId xmlns:a16="http://schemas.microsoft.com/office/drawing/2014/main" id="{166DC2DA-C83D-4239-8944-D3F19565C0F9}"/>
+              </a:ext>
+            </a:extLst>
+          </p:cNvPr>
+          <p:cNvSpPr>
+            <a:spLocks noGrp="1"/>
+          </p:cNvSpPr>
+          <p:nvPr>
+            <p:ph idx="13"/>
+          </p:nvPr>
+        </p:nvSpPr>
+        <p:spPr>
+          <a:xfrm>
+            <a:off x="378822" y="351290"/>
+            <a:ext cx="10136777" cy="6506709"/>
+          </a:xfrm>
+        </p:spPr>
+        <p:txBody>
+          <a:bodyPr>
+            <a:normAutofit/>
+          </a:bodyPr>
+          <a:lstStyle/>
+          <a:p>
+            <a:pPr marL="0" indent="0">
+              <a:buNone/>
+            </a:pPr>
+            <a:r>
+              <a:rPr lang="pt-BR" dirty="0"/>
+              <a:t>Em Python, a sintaxe é a seguinte:</a:t>
+            </a:r>
+          </a:p>
+          <a:p>
+            <a:pPr marL="0" indent="0">
+              <a:buNone/>
+            </a:pPr>
+            <a:endParaRPr lang="pt-BR" dirty="0"/>
+          </a:p>
+          <a:p>
+            <a:pPr marL="0" indent="0">
+              <a:buNone/>
+            </a:pPr>
+            <a:endParaRPr lang="pt-BR" dirty="0"/>
+          </a:p>
+          <a:p>
+            <a:pPr marL="0" indent="0">
+              <a:buNone/>
+            </a:pPr>
+            <a:endParaRPr lang="pt-BR" dirty="0"/>
+          </a:p>
+          <a:p>
+            <a:pPr marL="0" indent="0">
+              <a:buNone/>
+            </a:pPr>
+            <a:endParaRPr lang="pt-BR" dirty="0"/>
+          </a:p>
+          <a:p>
+            <a:pPr marL="0" indent="0">
+              <a:buNone/>
+            </a:pPr>
+            <a:r>
+              <a:rPr lang="pt-BR" dirty="0"/>
+              <a:t>E uma função pode conter outra função dentro dela:</a:t>
+            </a:r>
+          </a:p>
+          <a:p>
+            <a:pPr marL="0" indent="0">
+              <a:buNone/>
+            </a:pPr>
+            <a:endParaRPr lang="pt-BR" dirty="0"/>
+          </a:p>
+          <a:p>
+            <a:pPr marL="0" indent="0">
+              <a:buNone/>
+            </a:pPr>
+            <a:endParaRPr lang="pt-BR" dirty="0"/>
+          </a:p>
+          <a:p>
+            <a:pPr marL="0" indent="0">
+              <a:buNone/>
+            </a:pPr>
+            <a:endParaRPr lang="pt-BR" dirty="0"/>
+          </a:p>
+          <a:p>
+            <a:pPr marL="0" indent="0">
+              <a:buNone/>
+            </a:pPr>
+            <a:endParaRPr lang="pt-BR" dirty="0"/>
+          </a:p>
+          <a:p>
+            <a:pPr marL="0" indent="0">
+              <a:buNone/>
+            </a:pPr>
+            <a:r>
+              <a:rPr lang="pt-BR" dirty="0"/>
+              <a:t>Vale ressaltar que a função que está dentro não é vista por fora.</a:t>
+            </a:r>
+          </a:p>
+          <a:p>
+            <a:pPr marL="0" indent="0">
+              <a:buNone/>
+            </a:pPr>
+            <a:endParaRPr lang="pt-BR" dirty="0"/>
+          </a:p>
+          <a:p>
+            <a:endParaRPr lang="pt-BR" dirty="0"/>
+          </a:p>
+        </p:txBody>
+      </p:sp>
+      <p:graphicFrame>
+        <p:nvGraphicFramePr>
+          <p:cNvPr id="3" name="Tabela 2">
+            <a:extLst>
+              <a:ext uri="{FF2B5EF4-FFF2-40B4-BE49-F238E27FC236}">
+                <a16:creationId xmlns:a16="http://schemas.microsoft.com/office/drawing/2014/main" id="{51CCC295-9E16-4CF7-84B0-4EA266017E92}"/>
+              </a:ext>
+            </a:extLst>
+          </p:cNvPr>
+          <p:cNvGraphicFramePr>
+            <a:graphicFrameLocks noGrp="1"/>
+          </p:cNvGraphicFramePr>
+          <p:nvPr>
+            <p:extLst>
+              <p:ext uri="{D42A27DB-BD31-4B8C-83A1-F6EECF244321}">
+                <p14:modId xmlns:p14="http://schemas.microsoft.com/office/powerpoint/2010/main" val="2730453290"/>
+              </p:ext>
+            </p:extLst>
+          </p:nvPr>
+        </p:nvGraphicFramePr>
+        <p:xfrm>
+          <a:off x="378822" y="1159017"/>
+          <a:ext cx="8128000" cy="975360"/>
+        </p:xfrm>
+        <a:graphic>
+          <a:graphicData uri="http://schemas.openxmlformats.org/drawingml/2006/table">
+            <a:tbl>
+              <a:tblPr firstRow="1" bandRow="1">
+                <a:tableStyleId>{16D9F66E-5EB9-4882-86FB-DCBF35E3C3E4}</a:tableStyleId>
+              </a:tblPr>
+              <a:tblGrid>
+                <a:gridCol w="8128000">
+                  <a:extLst>
+                    <a:ext uri="{9D8B030D-6E8A-4147-A177-3AD203B41FA5}">
+                      <a16:colId xmlns:a16="http://schemas.microsoft.com/office/drawing/2014/main" val="2498973946"/>
+                    </a:ext>
+                  </a:extLst>
+                </a:gridCol>
+              </a:tblGrid>
+              <a:tr h="540784">
+                <a:tc>
+                  <a:txBody>
+                    <a:bodyPr/>
+                    <a:lstStyle/>
+                    <a:p>
+                      <a:pPr marL="0" indent="0">
+                        <a:buNone/>
+                      </a:pPr>
+                      <a:r>
+                        <a:rPr lang="pt-BR" sz="2000" dirty="0" err="1">
+                          <a:solidFill>
+                            <a:srgbClr val="CE6D0C"/>
+                          </a:solidFill>
+                          <a:latin typeface="Arial" panose="020B0604020202020204" pitchFamily="34" charset="0"/>
+                          <a:cs typeface="Arial" panose="020B0604020202020204" pitchFamily="34" charset="0"/>
+                        </a:rPr>
+                        <a:t>def</a:t>
+                      </a:r>
+                      <a:r>
+                        <a:rPr lang="pt-BR" sz="2000" dirty="0">
+                          <a:latin typeface="Arial" panose="020B0604020202020204" pitchFamily="34" charset="0"/>
+                          <a:cs typeface="Arial" panose="020B0604020202020204" pitchFamily="34" charset="0"/>
+                        </a:rPr>
+                        <a:t> </a:t>
+                      </a:r>
+                      <a:r>
+                        <a:rPr lang="pt-BR" sz="2000" dirty="0" err="1">
+                          <a:solidFill>
+                            <a:schemeClr val="accent2"/>
+                          </a:solidFill>
+                          <a:latin typeface="Arial" panose="020B0604020202020204" pitchFamily="34" charset="0"/>
+                          <a:cs typeface="Arial" panose="020B0604020202020204" pitchFamily="34" charset="0"/>
+                        </a:rPr>
+                        <a:t>nomefuncao</a:t>
+                      </a:r>
+                      <a:r>
+                        <a:rPr lang="pt-BR" sz="2000" dirty="0">
+                          <a:latin typeface="Arial" panose="020B0604020202020204" pitchFamily="34" charset="0"/>
+                          <a:cs typeface="Arial" panose="020B0604020202020204" pitchFamily="34" charset="0"/>
+                        </a:rPr>
+                        <a:t>():</a:t>
+                      </a:r>
+                    </a:p>
+                    <a:p>
+                      <a:pPr marL="0" indent="0">
+                        <a:buNone/>
+                      </a:pPr>
+                      <a:r>
+                        <a:rPr lang="pt-BR" sz="2000" dirty="0">
+                          <a:latin typeface="Arial" panose="020B0604020202020204" pitchFamily="34" charset="0"/>
+                          <a:cs typeface="Arial" panose="020B0604020202020204" pitchFamily="34" charset="0"/>
+                        </a:rPr>
+                        <a:t>	&lt;código&gt;</a:t>
+                      </a:r>
+                    </a:p>
+                    <a:p>
+                      <a:endParaRPr lang="pt-BR" dirty="0"/>
+                    </a:p>
+                  </a:txBody>
+                  <a:tcPr/>
+                </a:tc>
+                <a:extLst>
+                  <a:ext uri="{0D108BD9-81ED-4DB2-BD59-A6C34878D82A}">
+                    <a16:rowId xmlns:a16="http://schemas.microsoft.com/office/drawing/2014/main" val="3610202009"/>
+                  </a:ext>
+                </a:extLst>
+              </a:tr>
+            </a:tbl>
+          </a:graphicData>
+        </a:graphic>
+      </p:graphicFrame>
+      <p:graphicFrame>
+        <p:nvGraphicFramePr>
+          <p:cNvPr id="4" name="Tabela 3">
+            <a:extLst>
+              <a:ext uri="{FF2B5EF4-FFF2-40B4-BE49-F238E27FC236}">
+                <a16:creationId xmlns:a16="http://schemas.microsoft.com/office/drawing/2014/main" id="{084AC7D8-91F2-4F7F-87A4-9947B2CE5752}"/>
+              </a:ext>
+            </a:extLst>
+          </p:cNvPr>
+          <p:cNvGraphicFramePr>
+            <a:graphicFrameLocks noGrp="1"/>
+          </p:cNvGraphicFramePr>
+          <p:nvPr>
+            <p:extLst>
+              <p:ext uri="{D42A27DB-BD31-4B8C-83A1-F6EECF244321}">
+                <p14:modId xmlns:p14="http://schemas.microsoft.com/office/powerpoint/2010/main" val="1914509480"/>
+              </p:ext>
+            </p:extLst>
+          </p:nvPr>
+        </p:nvGraphicFramePr>
+        <p:xfrm>
+          <a:off x="378822" y="3663305"/>
+          <a:ext cx="8128000" cy="1584960"/>
+        </p:xfrm>
+        <a:graphic>
+          <a:graphicData uri="http://schemas.openxmlformats.org/drawingml/2006/table">
+            <a:tbl>
+              <a:tblPr firstRow="1" bandRow="1">
+                <a:tableStyleId>{16D9F66E-5EB9-4882-86FB-DCBF35E3C3E4}</a:tableStyleId>
+              </a:tblPr>
+              <a:tblGrid>
+                <a:gridCol w="8128000">
+                  <a:extLst>
+                    <a:ext uri="{9D8B030D-6E8A-4147-A177-3AD203B41FA5}">
+                      <a16:colId xmlns:a16="http://schemas.microsoft.com/office/drawing/2014/main" val="2323122284"/>
+                    </a:ext>
+                  </a:extLst>
+                </a:gridCol>
+              </a:tblGrid>
+              <a:tr h="370840">
+                <a:tc>
+                  <a:txBody>
+                    <a:bodyPr/>
+                    <a:lstStyle/>
+                    <a:p>
+                      <a:pPr marL="0" indent="0">
+                        <a:buNone/>
+                      </a:pPr>
+                      <a:r>
+                        <a:rPr lang="pt-BR" sz="2000" dirty="0" err="1">
+                          <a:solidFill>
+                            <a:srgbClr val="CE6D0C"/>
+                          </a:solidFill>
+                          <a:latin typeface="Arial" panose="020B0604020202020204" pitchFamily="34" charset="0"/>
+                          <a:cs typeface="Arial" panose="020B0604020202020204" pitchFamily="34" charset="0"/>
+                        </a:rPr>
+                        <a:t>def</a:t>
+                      </a:r>
+                      <a:r>
+                        <a:rPr lang="pt-BR" sz="2000" dirty="0">
+                          <a:latin typeface="Arial" panose="020B0604020202020204" pitchFamily="34" charset="0"/>
+                          <a:cs typeface="Arial" panose="020B0604020202020204" pitchFamily="34" charset="0"/>
+                        </a:rPr>
+                        <a:t> </a:t>
+                      </a:r>
+                      <a:r>
+                        <a:rPr lang="pt-BR" sz="2000" dirty="0" err="1">
+                          <a:solidFill>
+                            <a:schemeClr val="accent2"/>
+                          </a:solidFill>
+                          <a:latin typeface="Arial" panose="020B0604020202020204" pitchFamily="34" charset="0"/>
+                          <a:cs typeface="Arial" panose="020B0604020202020204" pitchFamily="34" charset="0"/>
+                        </a:rPr>
+                        <a:t>nomefuncao</a:t>
+                      </a:r>
+                      <a:r>
+                        <a:rPr lang="pt-BR" sz="2000" dirty="0">
+                          <a:latin typeface="Arial" panose="020B0604020202020204" pitchFamily="34" charset="0"/>
+                          <a:cs typeface="Arial" panose="020B0604020202020204" pitchFamily="34" charset="0"/>
+                        </a:rPr>
+                        <a:t>():</a:t>
+                      </a:r>
+                    </a:p>
+                    <a:p>
+                      <a:pPr marL="0" indent="0">
+                        <a:buNone/>
+                      </a:pPr>
+                      <a:r>
+                        <a:rPr lang="pt-BR" sz="2000" dirty="0"/>
+                        <a:t>	</a:t>
+                      </a:r>
+                      <a:r>
+                        <a:rPr lang="pt-BR" sz="2000" dirty="0" err="1">
+                          <a:solidFill>
+                            <a:srgbClr val="CE6D0C"/>
+                          </a:solidFill>
+                        </a:rPr>
+                        <a:t>def</a:t>
+                      </a:r>
+                      <a:r>
+                        <a:rPr lang="pt-BR" sz="2000" dirty="0"/>
+                        <a:t> </a:t>
+                      </a:r>
+                      <a:r>
+                        <a:rPr lang="pt-BR" sz="2000" dirty="0">
+                          <a:solidFill>
+                            <a:schemeClr val="accent2"/>
+                          </a:solidFill>
+                        </a:rPr>
+                        <a:t>nomefuncao2</a:t>
+                      </a:r>
+                      <a:r>
+                        <a:rPr lang="pt-BR" sz="2000" dirty="0"/>
+                        <a:t>():</a:t>
+                      </a:r>
+                    </a:p>
+                    <a:p>
+                      <a:pPr marL="0" indent="0">
+                        <a:buNone/>
+                      </a:pPr>
+                      <a:r>
+                        <a:rPr lang="pt-BR" sz="2000" dirty="0"/>
+                        <a:t>		&lt;codigo&gt;</a:t>
+                      </a:r>
+                    </a:p>
+                    <a:p>
+                      <a:pPr marL="0" indent="0">
+                        <a:buNone/>
+                      </a:pPr>
+                      <a:r>
+                        <a:rPr lang="pt-BR" sz="2000" dirty="0"/>
+                        <a:t>	&lt;codigo&gt;</a:t>
+                      </a:r>
+                    </a:p>
+                    <a:p>
+                      <a:endParaRPr lang="pt-BR" dirty="0"/>
+                    </a:p>
+                  </a:txBody>
+                  <a:tcPr/>
+                </a:tc>
+                <a:extLst>
+                  <a:ext uri="{0D108BD9-81ED-4DB2-BD59-A6C34878D82A}">
+                    <a16:rowId xmlns:a16="http://schemas.microsoft.com/office/drawing/2014/main" val="863103248"/>
+                  </a:ext>
+                </a:extLst>
+              </a:tr>
+            </a:tbl>
+          </a:graphicData>
+        </a:graphic>
+      </p:graphicFrame>
+    </p:spTree>
+    <p:extLst>
+      <p:ext uri="{BB962C8B-B14F-4D97-AF65-F5344CB8AC3E}">
+        <p14:creationId xmlns:p14="http://schemas.microsoft.com/office/powerpoint/2010/main" val="3719589337"/>
+      </p:ext>
+    </p:extLst>
+  </p:cSld>
+  <p:clrMapOvr>
+    <a:masterClrMapping/>
+  </p:clrMapOvr>
+</p:sld>
+</file>
+
+<file path=ppt/slides/slide12.xml><?xml version="1.0" encoding="utf-8"?>
 <p:sld xmlns:a="http://schemas.openxmlformats.org/drawingml/2006/main" xmlns:r="http://schemas.openxmlformats.org/officeDocument/2006/relationships" xmlns:p="http://schemas.openxmlformats.org/presentationml/2006/main">
   <p:cSld>
     <p:spTree>
@@ -3442,15 +4040,7 @@
             </a:pPr>
             <a:r>
               <a:rPr lang="pt-BR" dirty="0"/>
-              <a:t>Esse erro ocorre pois, como eu disse, a </a:t>
-            </a:r>
-            <a:r>
-              <a:rPr lang="pt-BR" dirty="0" err="1"/>
-              <a:t>variavel</a:t>
-            </a:r>
-            <a:r>
-              <a:rPr lang="pt-BR" dirty="0"/>
-              <a:t> 'par' é local, ou seja, fora dessa função ela não existe.</a:t>
+              <a:t>Esse erro ocorre pois, como eu disse, a variavel 'par' é local, ou seja, fora dessa função ela não existe.</a:t>
             </a:r>
           </a:p>
           <a:p>
@@ -3930,7 +4520,7 @@
 </p:sld>
 </file>
 
-<file path=ppt/slides/slide11.xml><?xml version="1.0" encoding="utf-8"?>
+<file path=ppt/slides/slide13.xml><?xml version="1.0" encoding="utf-8"?>
 <p:sld xmlns:a="http://schemas.openxmlformats.org/drawingml/2006/main" xmlns:r="http://schemas.openxmlformats.org/officeDocument/2006/relationships" xmlns:p="http://schemas.openxmlformats.org/presentationml/2006/main">
   <p:cSld>
     <p:spTree>
@@ -4378,7 +4968,7 @@
 </p:sld>
 </file>
 
-<file path=ppt/slides/slide12.xml><?xml version="1.0" encoding="utf-8"?>
+<file path=ppt/slides/slide14.xml><?xml version="1.0" encoding="utf-8"?>
 <p:sld xmlns:a="http://schemas.openxmlformats.org/drawingml/2006/main" xmlns:r="http://schemas.openxmlformats.org/officeDocument/2006/relationships" xmlns:p="http://schemas.openxmlformats.org/presentationml/2006/main">
   <p:cSld>
     <p:spTree>
@@ -4860,7 +5450,7 @@
 </p:sld>
 </file>
 
-<file path=ppt/slides/slide13.xml><?xml version="1.0" encoding="utf-8"?>
+<file path=ppt/slides/slide15.xml><?xml version="1.0" encoding="utf-8"?>
 <p:sld xmlns:a="http://schemas.openxmlformats.org/drawingml/2006/main" xmlns:r="http://schemas.openxmlformats.org/officeDocument/2006/relationships" xmlns:p="http://schemas.openxmlformats.org/presentationml/2006/main">
   <p:cSld>
     <p:spTree>
@@ -4891,16 +5481,15 @@
         </p:nvSpPr>
         <p:spPr>
           <a:xfrm>
-            <a:off x="6990736" y="1843548"/>
-            <a:ext cx="5201264" cy="5014452"/>
+            <a:off x="8926286" y="3556000"/>
+            <a:ext cx="3265714" cy="3302000"/>
           </a:xfrm>
           <a:prstGeom prst="teardrop">
             <a:avLst/>
           </a:prstGeom>
-          <a:blipFill>
-            <a:blip r:embed="rId2">
-              <a:alphaModFix amt="61000"/>
-            </a:blip>
+          <a:blipFill dpi="0" rotWithShape="1">
+            <a:blip r:embed="rId2"/>
+            <a:srcRect/>
             <a:stretch>
               <a:fillRect/>
             </a:stretch>
@@ -4975,7 +5564,12 @@
             <p:ph idx="1"/>
           </p:nvPr>
         </p:nvSpPr>
-        <p:spPr/>
+        <p:spPr>
+          <a:xfrm>
+            <a:off x="838200" y="1825625"/>
+            <a:ext cx="8828314" cy="4836432"/>
+          </a:xfrm>
+        </p:spPr>
         <p:txBody>
           <a:bodyPr/>
           <a:lstStyle/>
@@ -5033,7 +5627,7 @@
 </p:sld>
 </file>
 
-<file path=ppt/slides/slide14.xml><?xml version="1.0" encoding="utf-8"?>
+<file path=ppt/slides/slide16.xml><?xml version="1.0" encoding="utf-8"?>
 <p:sld xmlns:a="http://schemas.openxmlformats.org/drawingml/2006/main" xmlns:r="http://schemas.openxmlformats.org/officeDocument/2006/relationships" xmlns:p="http://schemas.openxmlformats.org/presentationml/2006/main">
   <p:cSld>
     <p:spTree>
@@ -5889,7 +6483,7 @@
 </p:sld>
 </file>
 
-<file path=ppt/slides/slide15.xml><?xml version="1.0" encoding="utf-8"?>
+<file path=ppt/slides/slide17.xml><?xml version="1.0" encoding="utf-8"?>
 <p:sld xmlns:a="http://schemas.openxmlformats.org/drawingml/2006/main" xmlns:r="http://schemas.openxmlformats.org/officeDocument/2006/relationships" xmlns:p="http://schemas.openxmlformats.org/presentationml/2006/main">
   <p:cSld>
     <p:spTree>
@@ -6614,7 +7208,7 @@
 </p:sld>
 </file>
 
-<file path=ppt/slides/slide16.xml><?xml version="1.0" encoding="utf-8"?>
+<file path=ppt/slides/slide18.xml><?xml version="1.0" encoding="utf-8"?>
 <p:sld xmlns:a="http://schemas.openxmlformats.org/drawingml/2006/main" xmlns:r="http://schemas.openxmlformats.org/officeDocument/2006/relationships" xmlns:p="http://schemas.openxmlformats.org/presentationml/2006/main">
   <p:cSld>
     <p:spTree>
@@ -7135,16 +7729,15 @@
         </p:nvSpPr>
         <p:spPr>
           <a:xfrm>
-            <a:off x="6518786" y="1917290"/>
-            <a:ext cx="5673213" cy="4940710"/>
+            <a:off x="6662057" y="1674827"/>
+            <a:ext cx="5529943" cy="5183173"/>
           </a:xfrm>
           <a:prstGeom prst="teardrop">
             <a:avLst/>
           </a:prstGeom>
-          <a:blipFill>
-            <a:blip r:embed="rId2">
-              <a:alphaModFix amt="61000"/>
-            </a:blip>
+          <a:blipFill dpi="0" rotWithShape="1">
+            <a:blip r:embed="rId2"/>
+            <a:srcRect/>
             <a:stretch>
               <a:fillRect/>
             </a:stretch>
@@ -7188,7 +7781,7 @@
 </p:sld>
 </file>
 
-<file path=ppt/slides/slide17.xml><?xml version="1.0" encoding="utf-8"?>
+<file path=ppt/slides/slide19.xml><?xml version="1.0" encoding="utf-8"?>
 <p:sld xmlns:a="http://schemas.openxmlformats.org/drawingml/2006/main" xmlns:r="http://schemas.openxmlformats.org/officeDocument/2006/relationships" xmlns:p="http://schemas.openxmlformats.org/presentationml/2006/main">
   <p:cSld>
     <p:spTree>
@@ -7799,7 +8392,747 @@
 </p:sld>
 </file>
 
-<file path=ppt/slides/slide18.xml><?xml version="1.0" encoding="utf-8"?>
+<file path=ppt/slides/slide2.xml><?xml version="1.0" encoding="utf-8"?>
+<p:sld xmlns:a="http://schemas.openxmlformats.org/drawingml/2006/main" xmlns:r="http://schemas.openxmlformats.org/officeDocument/2006/relationships" xmlns:p="http://schemas.openxmlformats.org/presentationml/2006/main">
+  <p:cSld>
+    <p:spTree>
+      <p:nvGrpSpPr>
+        <p:cNvPr id="1" name=""/>
+        <p:cNvGrpSpPr/>
+        <p:nvPr/>
+      </p:nvGrpSpPr>
+      <p:grpSpPr>
+        <a:xfrm>
+          <a:off x="0" y="0"/>
+          <a:ext cx="0" cy="0"/>
+          <a:chOff x="0" y="0"/>
+          <a:chExt cx="0" cy="0"/>
+        </a:xfrm>
+      </p:grpSpPr>
+      <p:sp>
+        <p:nvSpPr>
+          <p:cNvPr id="2" name="Título 1">
+            <a:extLst>
+              <a:ext uri="{FF2B5EF4-FFF2-40B4-BE49-F238E27FC236}">
+                <a16:creationId xmlns:a16="http://schemas.microsoft.com/office/drawing/2014/main" id="{D41A692A-B072-4913-AB77-13718D7C486C}"/>
+              </a:ext>
+            </a:extLst>
+          </p:cNvPr>
+          <p:cNvSpPr>
+            <a:spLocks noGrp="1"/>
+          </p:cNvSpPr>
+          <p:nvPr>
+            <p:ph type="title"/>
+          </p:nvPr>
+        </p:nvSpPr>
+        <p:spPr/>
+        <p:txBody>
+          <a:bodyPr/>
+          <a:lstStyle/>
+          <a:p>
+            <a:r>
+              <a:rPr lang="pt-BR" dirty="0"/>
+              <a:t>Formatação de outputs</a:t>
+            </a:r>
+          </a:p>
+        </p:txBody>
+      </p:sp>
+      <p:sp>
+        <p:nvSpPr>
+          <p:cNvPr id="3" name="Espaço Reservado para Conteúdo 2">
+            <a:extLst>
+              <a:ext uri="{FF2B5EF4-FFF2-40B4-BE49-F238E27FC236}">
+                <a16:creationId xmlns:a16="http://schemas.microsoft.com/office/drawing/2014/main" id="{BB4EB3A1-0E7A-4A17-982C-CCEB4A9EF3ED}"/>
+              </a:ext>
+            </a:extLst>
+          </p:cNvPr>
+          <p:cNvSpPr>
+            <a:spLocks noGrp="1"/>
+          </p:cNvSpPr>
+          <p:nvPr>
+            <p:ph idx="1"/>
+          </p:nvPr>
+        </p:nvSpPr>
+        <p:spPr>
+          <a:xfrm>
+            <a:off x="838200" y="1825625"/>
+            <a:ext cx="10515600" cy="4351338"/>
+          </a:xfrm>
+        </p:spPr>
+        <p:txBody>
+          <a:bodyPr/>
+          <a:lstStyle/>
+          <a:p>
+            <a:pPr marL="0" indent="0">
+              <a:buNone/>
+            </a:pPr>
+            <a:r>
+              <a:rPr lang="pt-BR" dirty="0"/>
+              <a:t>Opção 1:</a:t>
+            </a:r>
+          </a:p>
+          <a:p>
+            <a:pPr marL="0" indent="0">
+              <a:buNone/>
+            </a:pPr>
+            <a:endParaRPr lang="pt-BR" dirty="0"/>
+          </a:p>
+          <a:p>
+            <a:pPr marL="0" indent="0">
+              <a:buNone/>
+            </a:pPr>
+            <a:endParaRPr lang="pt-BR" dirty="0"/>
+          </a:p>
+          <a:p>
+            <a:pPr marL="0" indent="0">
+              <a:buNone/>
+            </a:pPr>
+            <a:r>
+              <a:rPr lang="pt-BR" dirty="0"/>
+              <a:t>Opção 2:</a:t>
+            </a:r>
+          </a:p>
+          <a:p>
+            <a:pPr marL="0" indent="0">
+              <a:buNone/>
+            </a:pPr>
+            <a:endParaRPr lang="pt-BR" dirty="0"/>
+          </a:p>
+          <a:p>
+            <a:pPr marL="0" indent="0">
+              <a:buNone/>
+            </a:pPr>
+            <a:endParaRPr lang="pt-BR" dirty="0"/>
+          </a:p>
+          <a:p>
+            <a:pPr marL="0" indent="0">
+              <a:buNone/>
+            </a:pPr>
+            <a:r>
+              <a:rPr lang="pt-BR" dirty="0"/>
+              <a:t>Opção 3:</a:t>
+            </a:r>
+          </a:p>
+          <a:p>
+            <a:pPr marL="0" indent="0">
+              <a:buNone/>
+            </a:pPr>
+            <a:endParaRPr lang="pt-BR" dirty="0"/>
+          </a:p>
+          <a:p>
+            <a:pPr marL="0" indent="0">
+              <a:buNone/>
+            </a:pPr>
+            <a:endParaRPr lang="pt-BR" dirty="0"/>
+          </a:p>
+        </p:txBody>
+      </p:sp>
+      <p:graphicFrame>
+        <p:nvGraphicFramePr>
+          <p:cNvPr id="8" name="Tabela 7">
+            <a:extLst>
+              <a:ext uri="{FF2B5EF4-FFF2-40B4-BE49-F238E27FC236}">
+                <a16:creationId xmlns:a16="http://schemas.microsoft.com/office/drawing/2014/main" id="{72CB160D-C6CD-4880-BF8E-B75A0F6404FA}"/>
+              </a:ext>
+            </a:extLst>
+          </p:cNvPr>
+          <p:cNvGraphicFramePr>
+            <a:graphicFrameLocks noGrp="1"/>
+          </p:cNvGraphicFramePr>
+          <p:nvPr>
+            <p:extLst>
+              <p:ext uri="{D42A27DB-BD31-4B8C-83A1-F6EECF244321}">
+                <p14:modId xmlns:p14="http://schemas.microsoft.com/office/powerpoint/2010/main" val="566678989"/>
+              </p:ext>
+            </p:extLst>
+          </p:nvPr>
+        </p:nvGraphicFramePr>
+        <p:xfrm>
+          <a:off x="838196" y="2357166"/>
+          <a:ext cx="9048751" cy="396240"/>
+        </p:xfrm>
+        <a:graphic>
+          <a:graphicData uri="http://schemas.openxmlformats.org/drawingml/2006/table">
+            <a:tbl>
+              <a:tblPr firstRow="1" bandRow="1">
+                <a:tableStyleId>{16D9F66E-5EB9-4882-86FB-DCBF35E3C3E4}</a:tableStyleId>
+              </a:tblPr>
+              <a:tblGrid>
+                <a:gridCol w="9048751">
+                  <a:extLst>
+                    <a:ext uri="{9D8B030D-6E8A-4147-A177-3AD203B41FA5}">
+                      <a16:colId xmlns:a16="http://schemas.microsoft.com/office/drawing/2014/main" val="772136313"/>
+                    </a:ext>
+                  </a:extLst>
+                </a:gridCol>
+              </a:tblGrid>
+              <a:tr h="392067">
+                <a:tc>
+                  <a:txBody>
+                    <a:bodyPr/>
+                    <a:lstStyle/>
+                    <a:p>
+                      <a:r>
+                        <a:rPr lang="pt-BR" sz="2000" dirty="0">
+                          <a:solidFill>
+                            <a:schemeClr val="accent6">
+                              <a:lumMod val="75000"/>
+                            </a:schemeClr>
+                          </a:solidFill>
+                          <a:latin typeface="Arial" panose="020B0604020202020204" pitchFamily="34" charset="0"/>
+                          <a:cs typeface="Arial" panose="020B0604020202020204" pitchFamily="34" charset="0"/>
+                        </a:rPr>
+                        <a:t>print</a:t>
+                      </a:r>
+                      <a:r>
+                        <a:rPr lang="pt-BR" sz="2000" dirty="0">
+                          <a:latin typeface="Arial" panose="020B0604020202020204" pitchFamily="34" charset="0"/>
+                          <a:cs typeface="Arial" panose="020B0604020202020204" pitchFamily="34" charset="0"/>
+                        </a:rPr>
+                        <a:t>(var1</a:t>
+                      </a:r>
+                      <a:r>
+                        <a:rPr lang="pt-BR" sz="2000" dirty="0">
+                          <a:solidFill>
+                            <a:schemeClr val="accent2">
+                              <a:lumMod val="75000"/>
+                            </a:schemeClr>
+                          </a:solidFill>
+                          <a:latin typeface="Arial" panose="020B0604020202020204" pitchFamily="34" charset="0"/>
+                          <a:cs typeface="Arial" panose="020B0604020202020204" pitchFamily="34" charset="0"/>
+                        </a:rPr>
+                        <a:t>,</a:t>
+                      </a:r>
+                      <a:r>
+                        <a:rPr lang="pt-BR" sz="2000" dirty="0">
+                          <a:latin typeface="Arial" panose="020B0604020202020204" pitchFamily="34" charset="0"/>
+                          <a:cs typeface="Arial" panose="020B0604020202020204" pitchFamily="34" charset="0"/>
+                        </a:rPr>
+                        <a:t> </a:t>
+                      </a:r>
+                      <a:r>
+                        <a:rPr lang="pt-BR" sz="2000" dirty="0">
+                          <a:solidFill>
+                            <a:srgbClr val="006600"/>
+                          </a:solidFill>
+                          <a:latin typeface="Arial" panose="020B0604020202020204" pitchFamily="34" charset="0"/>
+                          <a:cs typeface="Arial" panose="020B0604020202020204" pitchFamily="34" charset="0"/>
+                        </a:rPr>
+                        <a:t>'+'</a:t>
+                      </a:r>
+                      <a:r>
+                        <a:rPr lang="pt-BR" sz="2000" dirty="0">
+                          <a:solidFill>
+                            <a:schemeClr val="accent2">
+                              <a:lumMod val="75000"/>
+                            </a:schemeClr>
+                          </a:solidFill>
+                          <a:latin typeface="Arial" panose="020B0604020202020204" pitchFamily="34" charset="0"/>
+                          <a:cs typeface="Arial" panose="020B0604020202020204" pitchFamily="34" charset="0"/>
+                        </a:rPr>
+                        <a:t>,</a:t>
+                      </a:r>
+                      <a:r>
+                        <a:rPr lang="pt-BR" sz="2000" dirty="0">
+                          <a:latin typeface="Arial" panose="020B0604020202020204" pitchFamily="34" charset="0"/>
+                          <a:cs typeface="Arial" panose="020B0604020202020204" pitchFamily="34" charset="0"/>
+                        </a:rPr>
+                        <a:t> var2</a:t>
+                      </a:r>
+                      <a:r>
+                        <a:rPr lang="pt-BR" sz="2000" dirty="0">
+                          <a:solidFill>
+                            <a:schemeClr val="accent2">
+                              <a:lumMod val="75000"/>
+                            </a:schemeClr>
+                          </a:solidFill>
+                          <a:latin typeface="Arial" panose="020B0604020202020204" pitchFamily="34" charset="0"/>
+                          <a:cs typeface="Arial" panose="020B0604020202020204" pitchFamily="34" charset="0"/>
+                        </a:rPr>
+                        <a:t>,</a:t>
+                      </a:r>
+                      <a:r>
+                        <a:rPr lang="pt-BR" sz="2000" dirty="0">
+                          <a:latin typeface="Arial" panose="020B0604020202020204" pitchFamily="34" charset="0"/>
+                          <a:cs typeface="Arial" panose="020B0604020202020204" pitchFamily="34" charset="0"/>
+                        </a:rPr>
+                        <a:t> </a:t>
+                      </a:r>
+                      <a:r>
+                        <a:rPr lang="pt-BR" sz="2000" dirty="0">
+                          <a:solidFill>
+                            <a:srgbClr val="006600"/>
+                          </a:solidFill>
+                          <a:latin typeface="Arial" panose="020B0604020202020204" pitchFamily="34" charset="0"/>
+                          <a:cs typeface="Arial" panose="020B0604020202020204" pitchFamily="34" charset="0"/>
+                        </a:rPr>
+                        <a:t>'='</a:t>
+                      </a:r>
+                      <a:r>
+                        <a:rPr lang="pt-BR" sz="2000" dirty="0">
+                          <a:solidFill>
+                            <a:schemeClr val="accent2">
+                              <a:lumMod val="75000"/>
+                            </a:schemeClr>
+                          </a:solidFill>
+                          <a:latin typeface="Arial" panose="020B0604020202020204" pitchFamily="34" charset="0"/>
+                          <a:cs typeface="Arial" panose="020B0604020202020204" pitchFamily="34" charset="0"/>
+                        </a:rPr>
+                        <a:t>,</a:t>
+                      </a:r>
+                      <a:r>
+                        <a:rPr lang="pt-BR" sz="2000" dirty="0">
+                          <a:latin typeface="Arial" panose="020B0604020202020204" pitchFamily="34" charset="0"/>
+                          <a:cs typeface="Arial" panose="020B0604020202020204" pitchFamily="34" charset="0"/>
+                        </a:rPr>
+                        <a:t> var3)</a:t>
+                      </a:r>
+                    </a:p>
+                  </a:txBody>
+                  <a:tcPr/>
+                </a:tc>
+                <a:extLst>
+                  <a:ext uri="{0D108BD9-81ED-4DB2-BD59-A6C34878D82A}">
+                    <a16:rowId xmlns:a16="http://schemas.microsoft.com/office/drawing/2014/main" val="3414818231"/>
+                  </a:ext>
+                </a:extLst>
+              </a:tr>
+            </a:tbl>
+          </a:graphicData>
+        </a:graphic>
+      </p:graphicFrame>
+      <p:graphicFrame>
+        <p:nvGraphicFramePr>
+          <p:cNvPr id="9" name="Tabela 8">
+            <a:extLst>
+              <a:ext uri="{FF2B5EF4-FFF2-40B4-BE49-F238E27FC236}">
+                <a16:creationId xmlns:a16="http://schemas.microsoft.com/office/drawing/2014/main" id="{FA273086-2CD6-4024-8161-27B5A841480F}"/>
+              </a:ext>
+            </a:extLst>
+          </p:cNvPr>
+          <p:cNvGraphicFramePr>
+            <a:graphicFrameLocks noGrp="1"/>
+          </p:cNvGraphicFramePr>
+          <p:nvPr>
+            <p:extLst>
+              <p:ext uri="{D42A27DB-BD31-4B8C-83A1-F6EECF244321}">
+                <p14:modId xmlns:p14="http://schemas.microsoft.com/office/powerpoint/2010/main" val="4204421611"/>
+              </p:ext>
+            </p:extLst>
+          </p:nvPr>
+        </p:nvGraphicFramePr>
+        <p:xfrm>
+          <a:off x="838196" y="3809729"/>
+          <a:ext cx="9048751" cy="457200"/>
+        </p:xfrm>
+        <a:graphic>
+          <a:graphicData uri="http://schemas.openxmlformats.org/drawingml/2006/table">
+            <a:tbl>
+              <a:tblPr firstRow="1" bandRow="1">
+                <a:tableStyleId>{16D9F66E-5EB9-4882-86FB-DCBF35E3C3E4}</a:tableStyleId>
+              </a:tblPr>
+              <a:tblGrid>
+                <a:gridCol w="9048751">
+                  <a:extLst>
+                    <a:ext uri="{9D8B030D-6E8A-4147-A177-3AD203B41FA5}">
+                      <a16:colId xmlns:a16="http://schemas.microsoft.com/office/drawing/2014/main" val="2046979200"/>
+                    </a:ext>
+                  </a:extLst>
+                </a:gridCol>
+              </a:tblGrid>
+              <a:tr h="370840">
+                <a:tc>
+                  <a:txBody>
+                    <a:bodyPr/>
+                    <a:lstStyle/>
+                    <a:p>
+                      <a:r>
+                        <a:rPr lang="pt-BR" sz="2400" b="1" kern="1200" dirty="0">
+                          <a:solidFill>
+                            <a:schemeClr val="accent6">
+                              <a:lumMod val="75000"/>
+                            </a:schemeClr>
+                          </a:solidFill>
+                          <a:effectLst/>
+                          <a:latin typeface="Arial" panose="020B0604020202020204" pitchFamily="34" charset="0"/>
+                          <a:ea typeface="+mn-ea"/>
+                          <a:cs typeface="Arial" panose="020B0604020202020204" pitchFamily="34" charset="0"/>
+                        </a:rPr>
+                        <a:t>print</a:t>
+                      </a:r>
+                      <a:r>
+                        <a:rPr lang="pt-BR" sz="2400" dirty="0">
+                          <a:latin typeface="Arial" panose="020B0604020202020204" pitchFamily="34" charset="0"/>
+                          <a:cs typeface="Arial" panose="020B0604020202020204" pitchFamily="34" charset="0"/>
+                        </a:rPr>
+                        <a:t>(</a:t>
+                      </a:r>
+                      <a:r>
+                        <a:rPr lang="pt-BR" sz="2400" b="1" kern="1200" dirty="0">
+                          <a:solidFill>
+                            <a:srgbClr val="006600"/>
+                          </a:solidFill>
+                          <a:effectLst/>
+                          <a:latin typeface="Arial" panose="020B0604020202020204" pitchFamily="34" charset="0"/>
+                          <a:ea typeface="+mn-ea"/>
+                          <a:cs typeface="Arial" panose="020B0604020202020204" pitchFamily="34" charset="0"/>
+                        </a:rPr>
+                        <a:t>'{} + {} = {}'</a:t>
+                      </a:r>
+                      <a:r>
+                        <a:rPr lang="pt-BR" sz="2400" dirty="0">
+                          <a:solidFill>
+                            <a:srgbClr val="006600"/>
+                          </a:solidFill>
+                          <a:latin typeface="Arial" panose="020B0604020202020204" pitchFamily="34" charset="0"/>
+                          <a:cs typeface="Arial" panose="020B0604020202020204" pitchFamily="34" charset="0"/>
+                        </a:rPr>
+                        <a:t>.</a:t>
+                      </a:r>
+                      <a:r>
+                        <a:rPr lang="pt-BR" sz="2400" dirty="0" err="1">
+                          <a:latin typeface="Arial" panose="020B0604020202020204" pitchFamily="34" charset="0"/>
+                          <a:cs typeface="Arial" panose="020B0604020202020204" pitchFamily="34" charset="0"/>
+                        </a:rPr>
+                        <a:t>format</a:t>
+                      </a:r>
+                      <a:r>
+                        <a:rPr lang="pt-BR" sz="2400" dirty="0">
+                          <a:latin typeface="Arial" panose="020B0604020202020204" pitchFamily="34" charset="0"/>
+                          <a:cs typeface="Arial" panose="020B0604020202020204" pitchFamily="34" charset="0"/>
+                        </a:rPr>
+                        <a:t>(var1</a:t>
+                      </a:r>
+                      <a:r>
+                        <a:rPr lang="pt-BR" sz="2400" b="1" kern="1200" dirty="0">
+                          <a:solidFill>
+                            <a:schemeClr val="accent2">
+                              <a:lumMod val="75000"/>
+                            </a:schemeClr>
+                          </a:solidFill>
+                          <a:effectLst/>
+                          <a:latin typeface="Arial" panose="020B0604020202020204" pitchFamily="34" charset="0"/>
+                          <a:ea typeface="+mn-ea"/>
+                          <a:cs typeface="Arial" panose="020B0604020202020204" pitchFamily="34" charset="0"/>
+                        </a:rPr>
+                        <a:t>,</a:t>
+                      </a:r>
+                      <a:r>
+                        <a:rPr lang="pt-BR" sz="2400" b="1" kern="1200" dirty="0">
+                          <a:solidFill>
+                            <a:schemeClr val="dk1"/>
+                          </a:solidFill>
+                          <a:effectLst/>
+                          <a:latin typeface="Arial" panose="020B0604020202020204" pitchFamily="34" charset="0"/>
+                          <a:ea typeface="+mn-ea"/>
+                          <a:cs typeface="Arial" panose="020B0604020202020204" pitchFamily="34" charset="0"/>
+                        </a:rPr>
+                        <a:t> </a:t>
+                      </a:r>
+                      <a:r>
+                        <a:rPr lang="pt-BR" sz="2400" dirty="0">
+                          <a:latin typeface="Arial" panose="020B0604020202020204" pitchFamily="34" charset="0"/>
+                          <a:cs typeface="Arial" panose="020B0604020202020204" pitchFamily="34" charset="0"/>
+                        </a:rPr>
+                        <a:t>var2</a:t>
+                      </a:r>
+                      <a:r>
+                        <a:rPr lang="pt-BR" sz="2400" b="1" kern="1200" dirty="0">
+                          <a:solidFill>
+                            <a:schemeClr val="accent2">
+                              <a:lumMod val="75000"/>
+                            </a:schemeClr>
+                          </a:solidFill>
+                          <a:effectLst/>
+                          <a:latin typeface="Arial" panose="020B0604020202020204" pitchFamily="34" charset="0"/>
+                          <a:ea typeface="+mn-ea"/>
+                          <a:cs typeface="Arial" panose="020B0604020202020204" pitchFamily="34" charset="0"/>
+                        </a:rPr>
+                        <a:t>,</a:t>
+                      </a:r>
+                      <a:r>
+                        <a:rPr lang="pt-BR" sz="2400" b="1" kern="1200" dirty="0">
+                          <a:solidFill>
+                            <a:schemeClr val="dk1"/>
+                          </a:solidFill>
+                          <a:effectLst/>
+                          <a:latin typeface="Arial" panose="020B0604020202020204" pitchFamily="34" charset="0"/>
+                          <a:ea typeface="+mn-ea"/>
+                          <a:cs typeface="Arial" panose="020B0604020202020204" pitchFamily="34" charset="0"/>
+                        </a:rPr>
+                        <a:t> </a:t>
+                      </a:r>
+                      <a:r>
+                        <a:rPr lang="pt-BR" sz="2400" dirty="0">
+                          <a:latin typeface="Arial" panose="020B0604020202020204" pitchFamily="34" charset="0"/>
+                          <a:cs typeface="Arial" panose="020B0604020202020204" pitchFamily="34" charset="0"/>
+                        </a:rPr>
+                        <a:t>var3))</a:t>
+                      </a:r>
+                    </a:p>
+                  </a:txBody>
+                  <a:tcPr/>
+                </a:tc>
+                <a:extLst>
+                  <a:ext uri="{0D108BD9-81ED-4DB2-BD59-A6C34878D82A}">
+                    <a16:rowId xmlns:a16="http://schemas.microsoft.com/office/drawing/2014/main" val="3464257212"/>
+                  </a:ext>
+                </a:extLst>
+              </a:tr>
+            </a:tbl>
+          </a:graphicData>
+        </a:graphic>
+      </p:graphicFrame>
+      <p:graphicFrame>
+        <p:nvGraphicFramePr>
+          <p:cNvPr id="10" name="Tabela 9">
+            <a:extLst>
+              <a:ext uri="{FF2B5EF4-FFF2-40B4-BE49-F238E27FC236}">
+                <a16:creationId xmlns:a16="http://schemas.microsoft.com/office/drawing/2014/main" id="{EAE61FC9-3EC2-41AE-948E-8DDBC713604D}"/>
+              </a:ext>
+            </a:extLst>
+          </p:cNvPr>
+          <p:cNvGraphicFramePr>
+            <a:graphicFrameLocks noGrp="1"/>
+          </p:cNvGraphicFramePr>
+          <p:nvPr>
+            <p:extLst>
+              <p:ext uri="{D42A27DB-BD31-4B8C-83A1-F6EECF244321}">
+                <p14:modId xmlns:p14="http://schemas.microsoft.com/office/powerpoint/2010/main" val="1364426769"/>
+              </p:ext>
+            </p:extLst>
+          </p:nvPr>
+        </p:nvGraphicFramePr>
+        <p:xfrm>
+          <a:off x="838197" y="5414963"/>
+          <a:ext cx="9048751" cy="457200"/>
+        </p:xfrm>
+        <a:graphic>
+          <a:graphicData uri="http://schemas.openxmlformats.org/drawingml/2006/table">
+            <a:tbl>
+              <a:tblPr firstRow="1" bandRow="1">
+                <a:tableStyleId>{16D9F66E-5EB9-4882-86FB-DCBF35E3C3E4}</a:tableStyleId>
+              </a:tblPr>
+              <a:tblGrid>
+                <a:gridCol w="9048751">
+                  <a:extLst>
+                    <a:ext uri="{9D8B030D-6E8A-4147-A177-3AD203B41FA5}">
+                      <a16:colId xmlns:a16="http://schemas.microsoft.com/office/drawing/2014/main" val="387581398"/>
+                    </a:ext>
+                  </a:extLst>
+                </a:gridCol>
+              </a:tblGrid>
+              <a:tr h="457200">
+                <a:tc>
+                  <a:txBody>
+                    <a:bodyPr/>
+                    <a:lstStyle/>
+                    <a:p>
+                      <a:pPr marL="0" marR="0" lvl="0" indent="0" algn="l" defTabSz="914400" rtl="0" eaLnBrk="1" fontAlgn="auto" latinLnBrk="0" hangingPunct="1">
+                        <a:lnSpc>
+                          <a:spcPct val="100000"/>
+                        </a:lnSpc>
+                        <a:spcBef>
+                          <a:spcPts val="0"/>
+                        </a:spcBef>
+                        <a:spcAft>
+                          <a:spcPts val="0"/>
+                        </a:spcAft>
+                        <a:buClrTx/>
+                        <a:buSzTx/>
+                        <a:buFontTx/>
+                        <a:buNone/>
+                        <a:tabLst/>
+                        <a:defRPr/>
+                      </a:pPr>
+                      <a:r>
+                        <a:rPr lang="pt-BR" sz="2000" b="1" kern="1200" dirty="0">
+                          <a:solidFill>
+                            <a:schemeClr val="accent6">
+                              <a:lumMod val="75000"/>
+                            </a:schemeClr>
+                          </a:solidFill>
+                          <a:effectLst/>
+                          <a:latin typeface="Arial" panose="020B0604020202020204" pitchFamily="34" charset="0"/>
+                          <a:ea typeface="+mn-ea"/>
+                          <a:cs typeface="Arial" panose="020B0604020202020204" pitchFamily="34" charset="0"/>
+                        </a:rPr>
+                        <a:t>print</a:t>
+                      </a:r>
+                      <a:r>
+                        <a:rPr lang="pt-BR" sz="2000" dirty="0">
+                          <a:latin typeface="Arial" panose="020B0604020202020204" pitchFamily="34" charset="0"/>
+                          <a:cs typeface="Arial" panose="020B0604020202020204" pitchFamily="34" charset="0"/>
+                        </a:rPr>
+                        <a:t>(</a:t>
+                      </a:r>
+                      <a:r>
+                        <a:rPr lang="pt-BR" sz="2000" b="1" kern="1200" dirty="0">
+                          <a:solidFill>
+                            <a:srgbClr val="006600"/>
+                          </a:solidFill>
+                          <a:effectLst/>
+                          <a:latin typeface="Arial" panose="020B0604020202020204" pitchFamily="34" charset="0"/>
+                          <a:ea typeface="+mn-ea"/>
+                          <a:cs typeface="Arial" panose="020B0604020202020204" pitchFamily="34" charset="0"/>
+                        </a:rPr>
+                        <a:t>'{</a:t>
+                      </a:r>
+                      <a:r>
+                        <a:rPr lang="pt-BR" sz="2000" dirty="0">
+                          <a:latin typeface="Arial" panose="020B0604020202020204" pitchFamily="34" charset="0"/>
+                          <a:cs typeface="Arial" panose="020B0604020202020204" pitchFamily="34" charset="0"/>
+                        </a:rPr>
+                        <a:t>var1</a:t>
+                      </a:r>
+                      <a:r>
+                        <a:rPr lang="pt-BR" sz="2000" b="1" kern="1200" dirty="0">
+                          <a:solidFill>
+                            <a:srgbClr val="006600"/>
+                          </a:solidFill>
+                          <a:effectLst/>
+                          <a:latin typeface="Arial" panose="020B0604020202020204" pitchFamily="34" charset="0"/>
+                          <a:ea typeface="+mn-ea"/>
+                          <a:cs typeface="Arial" panose="020B0604020202020204" pitchFamily="34" charset="0"/>
+                        </a:rPr>
+                        <a:t>} + {</a:t>
+                      </a:r>
+                      <a:r>
+                        <a:rPr lang="pt-BR" sz="2000" dirty="0">
+                          <a:latin typeface="Arial" panose="020B0604020202020204" pitchFamily="34" charset="0"/>
+                          <a:cs typeface="Arial" panose="020B0604020202020204" pitchFamily="34" charset="0"/>
+                        </a:rPr>
+                        <a:t>var2</a:t>
+                      </a:r>
+                      <a:r>
+                        <a:rPr lang="pt-BR" sz="2000" b="1" kern="1200" dirty="0">
+                          <a:solidFill>
+                            <a:srgbClr val="006600"/>
+                          </a:solidFill>
+                          <a:effectLst/>
+                          <a:latin typeface="Arial" panose="020B0604020202020204" pitchFamily="34" charset="0"/>
+                          <a:ea typeface="+mn-ea"/>
+                          <a:cs typeface="Arial" panose="020B0604020202020204" pitchFamily="34" charset="0"/>
+                        </a:rPr>
+                        <a:t>} = {</a:t>
+                      </a:r>
+                      <a:r>
+                        <a:rPr lang="pt-BR" sz="2000" dirty="0">
+                          <a:latin typeface="Arial" panose="020B0604020202020204" pitchFamily="34" charset="0"/>
+                          <a:cs typeface="Arial" panose="020B0604020202020204" pitchFamily="34" charset="0"/>
+                        </a:rPr>
+                        <a:t>var3</a:t>
+                      </a:r>
+                      <a:r>
+                        <a:rPr lang="pt-BR" sz="2000" b="1" kern="1200" dirty="0">
+                          <a:solidFill>
+                            <a:srgbClr val="006600"/>
+                          </a:solidFill>
+                          <a:effectLst/>
+                          <a:latin typeface="Arial" panose="020B0604020202020204" pitchFamily="34" charset="0"/>
+                          <a:ea typeface="+mn-ea"/>
+                          <a:cs typeface="Arial" panose="020B0604020202020204" pitchFamily="34" charset="0"/>
+                        </a:rPr>
+                        <a:t>} '</a:t>
+                      </a:r>
+                      <a:r>
+                        <a:rPr lang="pt-BR" sz="2000" b="1" kern="1200" dirty="0">
+                          <a:solidFill>
+                            <a:schemeClr val="tx1"/>
+                          </a:solidFill>
+                          <a:effectLst/>
+                          <a:latin typeface="Arial" panose="020B0604020202020204" pitchFamily="34" charset="0"/>
+                          <a:ea typeface="+mn-ea"/>
+                          <a:cs typeface="Arial" panose="020B0604020202020204" pitchFamily="34" charset="0"/>
+                        </a:rPr>
+                        <a:t>)</a:t>
+                      </a:r>
+                      <a:endParaRPr lang="pt-BR" dirty="0">
+                        <a:solidFill>
+                          <a:schemeClr val="tx1"/>
+                        </a:solidFill>
+                      </a:endParaRPr>
+                    </a:p>
+                  </a:txBody>
+                  <a:tcPr/>
+                </a:tc>
+                <a:extLst>
+                  <a:ext uri="{0D108BD9-81ED-4DB2-BD59-A6C34878D82A}">
+                    <a16:rowId xmlns:a16="http://schemas.microsoft.com/office/drawing/2014/main" val="3795208909"/>
+                  </a:ext>
+                </a:extLst>
+              </a:tr>
+            </a:tbl>
+          </a:graphicData>
+        </a:graphic>
+      </p:graphicFrame>
+      <p:sp>
+        <p:nvSpPr>
+          <p:cNvPr id="11" name="Lágrima 10">
+            <a:extLst>
+              <a:ext uri="{FF2B5EF4-FFF2-40B4-BE49-F238E27FC236}">
+                <a16:creationId xmlns:a16="http://schemas.microsoft.com/office/drawing/2014/main" id="{CBE9BCC4-2F0C-4CC2-BFED-71429BAC757A}"/>
+              </a:ext>
+            </a:extLst>
+          </p:cNvPr>
+          <p:cNvSpPr/>
+          <p:nvPr/>
+        </p:nvSpPr>
+        <p:spPr>
+          <a:xfrm>
+            <a:off x="8086725" y="3414441"/>
+            <a:ext cx="4105275" cy="3429000"/>
+          </a:xfrm>
+          <a:prstGeom prst="teardrop">
+            <a:avLst/>
+          </a:prstGeom>
+          <a:blipFill dpi="0" rotWithShape="1">
+            <a:blip r:embed="rId2"/>
+            <a:srcRect/>
+            <a:stretch>
+              <a:fillRect/>
+            </a:stretch>
+          </a:blipFill>
+        </p:spPr>
+        <p:style>
+          <a:lnRef idx="2">
+            <a:schemeClr val="accent1">
+              <a:shade val="50000"/>
+            </a:schemeClr>
+          </a:lnRef>
+          <a:fillRef idx="1">
+            <a:schemeClr val="accent1"/>
+          </a:fillRef>
+          <a:effectRef idx="0">
+            <a:schemeClr val="accent1"/>
+          </a:effectRef>
+          <a:fontRef idx="minor">
+            <a:schemeClr val="lt1"/>
+          </a:fontRef>
+        </p:style>
+        <p:txBody>
+          <a:bodyPr rtlCol="0" anchor="ctr"/>
+          <a:lstStyle/>
+          <a:p>
+            <a:pPr algn="ctr"/>
+            <a:endParaRPr lang="pt-BR"/>
+          </a:p>
+        </p:txBody>
+      </p:sp>
+    </p:spTree>
+    <p:extLst>
+      <p:ext uri="{BB962C8B-B14F-4D97-AF65-F5344CB8AC3E}">
+        <p14:creationId xmlns:p14="http://schemas.microsoft.com/office/powerpoint/2010/main" val="3736239129"/>
+      </p:ext>
+    </p:extLst>
+  </p:cSld>
+  <p:clrMapOvr>
+    <a:masterClrMapping/>
+  </p:clrMapOvr>
+</p:sld>
+</file>
+
+<file path=ppt/slides/slide20.xml><?xml version="1.0" encoding="utf-8"?>
 <p:sld xmlns:a="http://schemas.openxmlformats.org/drawingml/2006/main" xmlns:r="http://schemas.openxmlformats.org/officeDocument/2006/relationships" xmlns:p="http://schemas.openxmlformats.org/presentationml/2006/main">
   <p:cSld>
     <p:spTree>
@@ -8336,7 +9669,7 @@
 </p:sld>
 </file>
 
-<file path=ppt/slides/slide19.xml><?xml version="1.0" encoding="utf-8"?>
+<file path=ppt/slides/slide21.xml><?xml version="1.0" encoding="utf-8"?>
 <p:sld xmlns:a="http://schemas.openxmlformats.org/drawingml/2006/main" xmlns:r="http://schemas.openxmlformats.org/officeDocument/2006/relationships" xmlns:p="http://schemas.openxmlformats.org/presentationml/2006/main">
   <p:cSld>
     <p:spTree>
@@ -8864,525 +10197,7 @@
 </p:sld>
 </file>
 
-<file path=ppt/slides/slide2.xml><?xml version="1.0" encoding="utf-8"?>
-<p:sld xmlns:a="http://schemas.openxmlformats.org/drawingml/2006/main" xmlns:r="http://schemas.openxmlformats.org/officeDocument/2006/relationships" xmlns:p="http://schemas.openxmlformats.org/presentationml/2006/main">
-  <p:cSld>
-    <p:spTree>
-      <p:nvGrpSpPr>
-        <p:cNvPr id="1" name=""/>
-        <p:cNvGrpSpPr/>
-        <p:nvPr/>
-      </p:nvGrpSpPr>
-      <p:grpSpPr>
-        <a:xfrm>
-          <a:off x="0" y="0"/>
-          <a:ext cx="0" cy="0"/>
-          <a:chOff x="0" y="0"/>
-          <a:chExt cx="0" cy="0"/>
-        </a:xfrm>
-      </p:grpSpPr>
-      <p:sp>
-        <p:nvSpPr>
-          <p:cNvPr id="2" name="Título 1">
-            <a:extLst>
-              <a:ext uri="{FF2B5EF4-FFF2-40B4-BE49-F238E27FC236}">
-                <a16:creationId xmlns:a16="http://schemas.microsoft.com/office/drawing/2014/main" id="{8C6978F8-5846-431C-8286-35265C4115A4}"/>
-              </a:ext>
-            </a:extLst>
-          </p:cNvPr>
-          <p:cNvSpPr>
-            <a:spLocks noGrp="1"/>
-          </p:cNvSpPr>
-          <p:nvPr>
-            <p:ph type="title"/>
-          </p:nvPr>
-        </p:nvSpPr>
-        <p:spPr/>
-        <p:txBody>
-          <a:bodyPr/>
-          <a:lstStyle/>
-          <a:p>
-            <a:r>
-              <a:rPr lang="pt-BR" dirty="0"/>
-              <a:t>Interação com arquivos</a:t>
-            </a:r>
-          </a:p>
-        </p:txBody>
-      </p:sp>
-      <p:sp>
-        <p:nvSpPr>
-          <p:cNvPr id="3" name="Espaço Reservado para Conteúdo 2">
-            <a:extLst>
-              <a:ext uri="{FF2B5EF4-FFF2-40B4-BE49-F238E27FC236}">
-                <a16:creationId xmlns:a16="http://schemas.microsoft.com/office/drawing/2014/main" id="{17C97C90-60D6-45EF-8351-476BFAA598AB}"/>
-              </a:ext>
-            </a:extLst>
-          </p:cNvPr>
-          <p:cNvSpPr>
-            <a:spLocks noGrp="1"/>
-          </p:cNvSpPr>
-          <p:nvPr>
-            <p:ph idx="1"/>
-          </p:nvPr>
-        </p:nvSpPr>
-        <p:spPr>
-          <a:xfrm>
-            <a:off x="838200" y="1825625"/>
-            <a:ext cx="10284502" cy="4351338"/>
-          </a:xfrm>
-        </p:spPr>
-        <p:txBody>
-          <a:bodyPr>
-            <a:normAutofit fontScale="92500"/>
-          </a:bodyPr>
-          <a:lstStyle/>
-          <a:p>
-            <a:pPr marL="0" indent="0">
-              <a:buNone/>
-            </a:pPr>
-            <a:r>
-              <a:rPr lang="pt-BR" dirty="0"/>
-              <a:t>Para abrir um arquivo .</a:t>
-            </a:r>
-            <a:r>
-              <a:rPr lang="pt-BR" dirty="0" err="1"/>
-              <a:t>txt</a:t>
-            </a:r>
-            <a:r>
-              <a:rPr lang="pt-BR" dirty="0"/>
-              <a:t>, fazemos o seguinte:</a:t>
-            </a:r>
-          </a:p>
-          <a:p>
-            <a:pPr marL="0" indent="0">
-              <a:buNone/>
-            </a:pPr>
-            <a:endParaRPr lang="pt-BR" dirty="0"/>
-          </a:p>
-          <a:p>
-            <a:pPr marL="0" indent="0">
-              <a:buNone/>
-            </a:pPr>
-            <a:endParaRPr lang="pt-BR" dirty="0"/>
-          </a:p>
-          <a:p>
-            <a:pPr marL="0" indent="0">
-              <a:lnSpc>
-                <a:spcPct val="200000"/>
-              </a:lnSpc>
-              <a:buNone/>
-            </a:pPr>
-            <a:r>
-              <a:rPr lang="pt-BR" dirty="0"/>
-              <a:t>Há também outro modo de fazer praticamente a mesma coisa:</a:t>
-            </a:r>
-          </a:p>
-          <a:p>
-            <a:pPr marL="0" indent="0">
-              <a:buNone/>
-            </a:pPr>
-            <a:endParaRPr lang="pt-BR" dirty="0"/>
-          </a:p>
-          <a:p>
-            <a:pPr marL="0" indent="0">
-              <a:buNone/>
-            </a:pPr>
-            <a:endParaRPr lang="pt-BR" dirty="0"/>
-          </a:p>
-          <a:p>
-            <a:pPr marL="0" indent="0">
-              <a:lnSpc>
-                <a:spcPct val="150000"/>
-              </a:lnSpc>
-              <a:buNone/>
-            </a:pPr>
-            <a:r>
-              <a:rPr lang="pt-BR" dirty="0"/>
-              <a:t>No lugar do </a:t>
-            </a:r>
-            <a:r>
-              <a:rPr lang="pt-BR" dirty="0">
-                <a:solidFill>
-                  <a:srgbClr val="006600"/>
-                </a:solidFill>
-              </a:rPr>
-              <a:t>'</a:t>
-            </a:r>
-            <a:r>
-              <a:rPr lang="pt-BR" dirty="0">
-                <a:solidFill>
-                  <a:srgbClr val="006600"/>
-                </a:solidFill>
-                <a:latin typeface="Arial" panose="020B0604020202020204" pitchFamily="34" charset="0"/>
-                <a:cs typeface="Arial" panose="020B0604020202020204" pitchFamily="34" charset="0"/>
-              </a:rPr>
-              <a:t>X</a:t>
-            </a:r>
-            <a:r>
-              <a:rPr lang="pt-BR" dirty="0">
-                <a:solidFill>
-                  <a:srgbClr val="006600"/>
-                </a:solidFill>
-              </a:rPr>
-              <a:t>'</a:t>
-            </a:r>
-            <a:r>
-              <a:rPr lang="pt-BR" dirty="0"/>
-              <a:t>, nós colocamos </a:t>
-            </a:r>
-            <a:r>
-              <a:rPr lang="pt-BR" dirty="0">
-                <a:solidFill>
-                  <a:srgbClr val="006600"/>
-                </a:solidFill>
-              </a:rPr>
-              <a:t>'r'</a:t>
-            </a:r>
-            <a:r>
-              <a:rPr lang="pt-BR" dirty="0"/>
-              <a:t>,</a:t>
-            </a:r>
-            <a:r>
-              <a:rPr lang="pt-BR" dirty="0">
-                <a:solidFill>
-                  <a:srgbClr val="006600"/>
-                </a:solidFill>
-              </a:rPr>
-              <a:t> 'w'</a:t>
-            </a:r>
-            <a:endParaRPr lang="pt-BR" dirty="0"/>
-          </a:p>
-        </p:txBody>
-      </p:sp>
-      <p:graphicFrame>
-        <p:nvGraphicFramePr>
-          <p:cNvPr id="4" name="Tabela 3">
-            <a:extLst>
-              <a:ext uri="{FF2B5EF4-FFF2-40B4-BE49-F238E27FC236}">
-                <a16:creationId xmlns:a16="http://schemas.microsoft.com/office/drawing/2014/main" id="{F0EF4EDC-2E51-44FD-873B-66124D6F1D38}"/>
-              </a:ext>
-            </a:extLst>
-          </p:cNvPr>
-          <p:cNvGraphicFramePr>
-            <a:graphicFrameLocks noGrp="1"/>
-          </p:cNvGraphicFramePr>
-          <p:nvPr>
-            <p:extLst>
-              <p:ext uri="{D42A27DB-BD31-4B8C-83A1-F6EECF244321}">
-                <p14:modId xmlns:p14="http://schemas.microsoft.com/office/powerpoint/2010/main" val="1622985506"/>
-              </p:ext>
-            </p:extLst>
-          </p:nvPr>
-        </p:nvGraphicFramePr>
-        <p:xfrm>
-          <a:off x="838200" y="2469702"/>
-          <a:ext cx="9085289" cy="490859"/>
-        </p:xfrm>
-        <a:graphic>
-          <a:graphicData uri="http://schemas.openxmlformats.org/drawingml/2006/table">
-            <a:tbl>
-              <a:tblPr firstRow="1" bandRow="1">
-                <a:tableStyleId>{16D9F66E-5EB9-4882-86FB-DCBF35E3C3E4}</a:tableStyleId>
-              </a:tblPr>
-              <a:tblGrid>
-                <a:gridCol w="9085289">
-                  <a:extLst>
-                    <a:ext uri="{9D8B030D-6E8A-4147-A177-3AD203B41FA5}">
-                      <a16:colId xmlns:a16="http://schemas.microsoft.com/office/drawing/2014/main" val="2392824554"/>
-                    </a:ext>
-                  </a:extLst>
-                </a:gridCol>
-              </a:tblGrid>
-              <a:tr h="490859">
-                <a:tc>
-                  <a:txBody>
-                    <a:bodyPr/>
-                    <a:lstStyle/>
-                    <a:p>
-                      <a:r>
-                        <a:rPr lang="pt-BR" sz="2000" dirty="0">
-                          <a:latin typeface="Arial" panose="020B0604020202020204" pitchFamily="34" charset="0"/>
-                          <a:cs typeface="Arial" panose="020B0604020202020204" pitchFamily="34" charset="0"/>
-                        </a:rPr>
-                        <a:t>variavel = </a:t>
-                      </a:r>
-                      <a:r>
-                        <a:rPr lang="pt-BR" sz="2000" dirty="0">
-                          <a:solidFill>
-                            <a:schemeClr val="accent6">
-                              <a:lumMod val="75000"/>
-                            </a:schemeClr>
-                          </a:solidFill>
-                          <a:latin typeface="Arial" panose="020B0604020202020204" pitchFamily="34" charset="0"/>
-                          <a:cs typeface="Arial" panose="020B0604020202020204" pitchFamily="34" charset="0"/>
-                        </a:rPr>
-                        <a:t>open</a:t>
-                      </a:r>
-                      <a:r>
-                        <a:rPr lang="pt-BR" sz="2000" dirty="0">
-                          <a:latin typeface="Arial" panose="020B0604020202020204" pitchFamily="34" charset="0"/>
-                          <a:cs typeface="Arial" panose="020B0604020202020204" pitchFamily="34" charset="0"/>
-                        </a:rPr>
-                        <a:t>(</a:t>
-                      </a:r>
-                      <a:r>
-                        <a:rPr lang="pt-BR" sz="2000" dirty="0">
-                          <a:solidFill>
-                            <a:srgbClr val="006600"/>
-                          </a:solidFill>
-                        </a:rPr>
-                        <a:t>'</a:t>
-                      </a:r>
-                      <a:r>
-                        <a:rPr lang="pt-BR" sz="2000" dirty="0">
-                          <a:solidFill>
-                            <a:srgbClr val="006600"/>
-                          </a:solidFill>
-                          <a:latin typeface="Arial" panose="020B0604020202020204" pitchFamily="34" charset="0"/>
-                          <a:cs typeface="Arial" panose="020B0604020202020204" pitchFamily="34" charset="0"/>
-                        </a:rPr>
-                        <a:t>nomearquivo.txt</a:t>
-                      </a:r>
-                      <a:r>
-                        <a:rPr lang="pt-BR" sz="2000" dirty="0">
-                          <a:solidFill>
-                            <a:srgbClr val="006600"/>
-                          </a:solidFill>
-                        </a:rPr>
-                        <a:t>'</a:t>
-                      </a:r>
-                      <a:r>
-                        <a:rPr lang="pt-BR" sz="2000" dirty="0">
-                          <a:solidFill>
-                            <a:srgbClr val="CE6D0C"/>
-                          </a:solidFill>
-                        </a:rPr>
-                        <a:t> , </a:t>
-                      </a:r>
-                      <a:r>
-                        <a:rPr lang="pt-BR" sz="2000" dirty="0">
-                          <a:solidFill>
-                            <a:srgbClr val="006600"/>
-                          </a:solidFill>
-                        </a:rPr>
-                        <a:t>'X'</a:t>
-                      </a:r>
-                      <a:r>
-                        <a:rPr lang="pt-BR" sz="2000" dirty="0">
-                          <a:latin typeface="Arial" panose="020B0604020202020204" pitchFamily="34" charset="0"/>
-                          <a:cs typeface="Arial" panose="020B0604020202020204" pitchFamily="34" charset="0"/>
-                        </a:rPr>
-                        <a:t>)</a:t>
-                      </a:r>
-                    </a:p>
-                  </a:txBody>
-                  <a:tcPr/>
-                </a:tc>
-                <a:extLst>
-                  <a:ext uri="{0D108BD9-81ED-4DB2-BD59-A6C34878D82A}">
-                    <a16:rowId xmlns:a16="http://schemas.microsoft.com/office/drawing/2014/main" val="3190257407"/>
-                  </a:ext>
-                </a:extLst>
-              </a:tr>
-            </a:tbl>
-          </a:graphicData>
-        </a:graphic>
-      </p:graphicFrame>
-      <p:graphicFrame>
-        <p:nvGraphicFramePr>
-          <p:cNvPr id="5" name="Tabela 4">
-            <a:extLst>
-              <a:ext uri="{FF2B5EF4-FFF2-40B4-BE49-F238E27FC236}">
-                <a16:creationId xmlns:a16="http://schemas.microsoft.com/office/drawing/2014/main" id="{5309A4E3-0A9B-4237-AC9E-B8AF7EDA9E58}"/>
-              </a:ext>
-            </a:extLst>
-          </p:cNvPr>
-          <p:cNvGraphicFramePr>
-            <a:graphicFrameLocks noGrp="1"/>
-          </p:cNvGraphicFramePr>
-          <p:nvPr>
-            <p:extLst>
-              <p:ext uri="{D42A27DB-BD31-4B8C-83A1-F6EECF244321}">
-                <p14:modId xmlns:p14="http://schemas.microsoft.com/office/powerpoint/2010/main" val="1958651047"/>
-              </p:ext>
-            </p:extLst>
-          </p:nvPr>
-        </p:nvGraphicFramePr>
-        <p:xfrm>
-          <a:off x="838200" y="4388298"/>
-          <a:ext cx="9085289" cy="502357"/>
-        </p:xfrm>
-        <a:graphic>
-          <a:graphicData uri="http://schemas.openxmlformats.org/drawingml/2006/table">
-            <a:tbl>
-              <a:tblPr firstRow="1" bandRow="1">
-                <a:tableStyleId>{16D9F66E-5EB9-4882-86FB-DCBF35E3C3E4}</a:tableStyleId>
-              </a:tblPr>
-              <a:tblGrid>
-                <a:gridCol w="9085289">
-                  <a:extLst>
-                    <a:ext uri="{9D8B030D-6E8A-4147-A177-3AD203B41FA5}">
-                      <a16:colId xmlns:a16="http://schemas.microsoft.com/office/drawing/2014/main" val="2511009862"/>
-                    </a:ext>
-                  </a:extLst>
-                </a:gridCol>
-              </a:tblGrid>
-              <a:tr h="502357">
-                <a:tc>
-                  <a:txBody>
-                    <a:bodyPr/>
-                    <a:lstStyle/>
-                    <a:p>
-                      <a:r>
-                        <a:rPr lang="pt-BR" sz="2000" dirty="0" err="1">
-                          <a:solidFill>
-                            <a:srgbClr val="CE6D0C"/>
-                          </a:solidFill>
-                          <a:latin typeface="Arial" panose="020B0604020202020204" pitchFamily="34" charset="0"/>
-                          <a:cs typeface="Arial" panose="020B0604020202020204" pitchFamily="34" charset="0"/>
-                        </a:rPr>
-                        <a:t>with</a:t>
-                      </a:r>
-                      <a:r>
-                        <a:rPr lang="pt-BR" sz="2000" dirty="0">
-                          <a:latin typeface="Arial" panose="020B0604020202020204" pitchFamily="34" charset="0"/>
-                          <a:cs typeface="Arial" panose="020B0604020202020204" pitchFamily="34" charset="0"/>
-                        </a:rPr>
-                        <a:t> </a:t>
-                      </a:r>
-                      <a:r>
-                        <a:rPr lang="pt-BR" sz="2000" dirty="0">
-                          <a:solidFill>
-                            <a:schemeClr val="accent6">
-                              <a:lumMod val="75000"/>
-                            </a:schemeClr>
-                          </a:solidFill>
-                          <a:latin typeface="Arial" panose="020B0604020202020204" pitchFamily="34" charset="0"/>
-                          <a:cs typeface="Arial" panose="020B0604020202020204" pitchFamily="34" charset="0"/>
-                        </a:rPr>
-                        <a:t>open</a:t>
-                      </a:r>
-                      <a:r>
-                        <a:rPr lang="pt-BR" sz="2000" dirty="0">
-                          <a:latin typeface="Arial" panose="020B0604020202020204" pitchFamily="34" charset="0"/>
-                          <a:cs typeface="Arial" panose="020B0604020202020204" pitchFamily="34" charset="0"/>
-                        </a:rPr>
-                        <a:t>(</a:t>
-                      </a:r>
-                      <a:r>
-                        <a:rPr lang="pt-BR" sz="2000" dirty="0">
-                          <a:solidFill>
-                            <a:srgbClr val="006600"/>
-                          </a:solidFill>
-                        </a:rPr>
-                        <a:t>'</a:t>
-                      </a:r>
-                      <a:r>
-                        <a:rPr lang="pt-BR" sz="2000" dirty="0">
-                          <a:solidFill>
-                            <a:srgbClr val="006600"/>
-                          </a:solidFill>
-                          <a:latin typeface="Arial" panose="020B0604020202020204" pitchFamily="34" charset="0"/>
-                          <a:cs typeface="Arial" panose="020B0604020202020204" pitchFamily="34" charset="0"/>
-                        </a:rPr>
-                        <a:t>nomearquivo.txt</a:t>
-                      </a:r>
-                      <a:r>
-                        <a:rPr lang="pt-BR" sz="2000" dirty="0">
-                          <a:solidFill>
-                            <a:srgbClr val="006600"/>
-                          </a:solidFill>
-                        </a:rPr>
-                        <a:t>'</a:t>
-                      </a:r>
-                      <a:r>
-                        <a:rPr lang="pt-BR" sz="2000" dirty="0">
-                          <a:solidFill>
-                            <a:srgbClr val="CE6D0C"/>
-                          </a:solidFill>
-                          <a:latin typeface="Arial" panose="020B0604020202020204" pitchFamily="34" charset="0"/>
-                          <a:cs typeface="Arial" panose="020B0604020202020204" pitchFamily="34" charset="0"/>
-                        </a:rPr>
-                        <a:t> , </a:t>
-                      </a:r>
-                      <a:r>
-                        <a:rPr lang="pt-BR" sz="2000" dirty="0">
-                          <a:solidFill>
-                            <a:srgbClr val="006600"/>
-                          </a:solidFill>
-                        </a:rPr>
-                        <a:t>'</a:t>
-                      </a:r>
-                      <a:r>
-                        <a:rPr lang="pt-BR" sz="2000" dirty="0">
-                          <a:solidFill>
-                            <a:srgbClr val="006600"/>
-                          </a:solidFill>
-                          <a:latin typeface="Arial" panose="020B0604020202020204" pitchFamily="34" charset="0"/>
-                          <a:cs typeface="Arial" panose="020B0604020202020204" pitchFamily="34" charset="0"/>
-                        </a:rPr>
-                        <a:t>X</a:t>
-                      </a:r>
-                      <a:r>
-                        <a:rPr lang="pt-BR" sz="2000" dirty="0">
-                          <a:solidFill>
-                            <a:srgbClr val="006600"/>
-                          </a:solidFill>
-                        </a:rPr>
-                        <a:t>'</a:t>
-                      </a:r>
-                      <a:r>
-                        <a:rPr lang="pt-BR" sz="2000" dirty="0">
-                          <a:latin typeface="Arial" panose="020B0604020202020204" pitchFamily="34" charset="0"/>
-                          <a:cs typeface="Arial" panose="020B0604020202020204" pitchFamily="34" charset="0"/>
-                        </a:rPr>
-                        <a:t>) </a:t>
-                      </a:r>
-                      <a:r>
-                        <a:rPr lang="pt-BR" sz="2000" dirty="0">
-                          <a:solidFill>
-                            <a:srgbClr val="CE6D0C"/>
-                          </a:solidFill>
-                          <a:latin typeface="Arial" panose="020B0604020202020204" pitchFamily="34" charset="0"/>
-                          <a:cs typeface="Arial" panose="020B0604020202020204" pitchFamily="34" charset="0"/>
-                        </a:rPr>
-                        <a:t>as</a:t>
-                      </a:r>
-                      <a:r>
-                        <a:rPr lang="pt-BR" sz="2000" dirty="0">
-                          <a:latin typeface="Arial" panose="020B0604020202020204" pitchFamily="34" charset="0"/>
-                          <a:cs typeface="Arial" panose="020B0604020202020204" pitchFamily="34" charset="0"/>
-                        </a:rPr>
-                        <a:t> variável</a:t>
-                      </a:r>
-                    </a:p>
-                  </a:txBody>
-                  <a:tcPr/>
-                </a:tc>
-                <a:extLst>
-                  <a:ext uri="{0D108BD9-81ED-4DB2-BD59-A6C34878D82A}">
-                    <a16:rowId xmlns:a16="http://schemas.microsoft.com/office/drawing/2014/main" val="1566457539"/>
-                  </a:ext>
-                </a:extLst>
-              </a:tr>
-            </a:tbl>
-          </a:graphicData>
-        </a:graphic>
-      </p:graphicFrame>
-    </p:spTree>
-    <p:extLst>
-      <p:ext uri="{BB962C8B-B14F-4D97-AF65-F5344CB8AC3E}">
-        <p14:creationId xmlns:p14="http://schemas.microsoft.com/office/powerpoint/2010/main" val="3533120128"/>
-      </p:ext>
-    </p:extLst>
-  </p:cSld>
-  <p:clrMapOvr>
-    <a:masterClrMapping/>
-  </p:clrMapOvr>
-</p:sld>
-</file>
-
-<file path=ppt/slides/slide20.xml><?xml version="1.0" encoding="utf-8"?>
+<file path=ppt/slides/slide22.xml><?xml version="1.0" encoding="utf-8"?>
 <p:sld xmlns:a="http://schemas.openxmlformats.org/drawingml/2006/main" xmlns:r="http://schemas.openxmlformats.org/officeDocument/2006/relationships" xmlns:p="http://schemas.openxmlformats.org/presentationml/2006/main">
   <p:cSld>
     <p:spTree>
@@ -9491,6 +10306,833 @@
       </p:grpSpPr>
       <p:sp>
         <p:nvSpPr>
+          <p:cNvPr id="2" name="Espaço Reservado para Conteúdo 1">
+            <a:extLst>
+              <a:ext uri="{FF2B5EF4-FFF2-40B4-BE49-F238E27FC236}">
+                <a16:creationId xmlns:a16="http://schemas.microsoft.com/office/drawing/2014/main" id="{1B5EA2CF-09F6-4923-A079-6419301B404B}"/>
+              </a:ext>
+            </a:extLst>
+          </p:cNvPr>
+          <p:cNvSpPr>
+            <a:spLocks noGrp="1"/>
+          </p:cNvSpPr>
+          <p:nvPr>
+            <p:ph idx="13"/>
+          </p:nvPr>
+        </p:nvSpPr>
+        <p:spPr/>
+        <p:txBody>
+          <a:bodyPr/>
+          <a:lstStyle/>
+          <a:p>
+            <a:pPr marL="0" indent="0">
+              <a:buNone/>
+            </a:pPr>
+            <a:r>
+              <a:rPr lang="pt-BR" dirty="0"/>
+              <a:t>Para números de ponto flutuante, para delimitar a quantidade de casas depois da vírgula:</a:t>
+            </a:r>
+          </a:p>
+          <a:p>
+            <a:pPr marL="0" indent="0">
+              <a:buNone/>
+            </a:pPr>
+            <a:endParaRPr lang="pt-BR" dirty="0"/>
+          </a:p>
+          <a:p>
+            <a:pPr marL="0" indent="0">
+              <a:buNone/>
+            </a:pPr>
+            <a:endParaRPr lang="pt-BR" dirty="0"/>
+          </a:p>
+          <a:p>
+            <a:pPr marL="0" indent="0">
+              <a:buNone/>
+            </a:pPr>
+            <a:endParaRPr lang="pt-BR" dirty="0"/>
+          </a:p>
+          <a:p>
+            <a:pPr marL="0" indent="0">
+              <a:buNone/>
+            </a:pPr>
+            <a:r>
+              <a:rPr lang="pt-BR" dirty="0"/>
+              <a:t>E pode ser utilizado com mais de um valor:</a:t>
+            </a:r>
+          </a:p>
+          <a:p>
+            <a:pPr marL="0" indent="0">
+              <a:buNone/>
+            </a:pPr>
+            <a:endParaRPr lang="pt-BR" dirty="0"/>
+          </a:p>
+          <a:p>
+            <a:pPr marL="0" indent="0">
+              <a:buNone/>
+            </a:pPr>
+            <a:endParaRPr lang="pt-BR" dirty="0"/>
+          </a:p>
+          <a:p>
+            <a:pPr marL="0" indent="0">
+              <a:buNone/>
+            </a:pPr>
+            <a:endParaRPr lang="pt-BR" dirty="0"/>
+          </a:p>
+        </p:txBody>
+      </p:sp>
+      <p:graphicFrame>
+        <p:nvGraphicFramePr>
+          <p:cNvPr id="3" name="Tabela 2">
+            <a:extLst>
+              <a:ext uri="{FF2B5EF4-FFF2-40B4-BE49-F238E27FC236}">
+                <a16:creationId xmlns:a16="http://schemas.microsoft.com/office/drawing/2014/main" id="{312D73EC-B1BC-41A9-9DDE-4A67150F01D0}"/>
+              </a:ext>
+            </a:extLst>
+          </p:cNvPr>
+          <p:cNvGraphicFramePr>
+            <a:graphicFrameLocks noGrp="1"/>
+          </p:cNvGraphicFramePr>
+          <p:nvPr>
+            <p:extLst>
+              <p:ext uri="{D42A27DB-BD31-4B8C-83A1-F6EECF244321}">
+                <p14:modId xmlns:p14="http://schemas.microsoft.com/office/powerpoint/2010/main" val="3931317444"/>
+              </p:ext>
+            </p:extLst>
+          </p:nvPr>
+        </p:nvGraphicFramePr>
+        <p:xfrm>
+          <a:off x="378822" y="1576916"/>
+          <a:ext cx="9279528" cy="396240"/>
+        </p:xfrm>
+        <a:graphic>
+          <a:graphicData uri="http://schemas.openxmlformats.org/drawingml/2006/table">
+            <a:tbl>
+              <a:tblPr firstRow="1" bandRow="1">
+                <a:tableStyleId>{16D9F66E-5EB9-4882-86FB-DCBF35E3C3E4}</a:tableStyleId>
+              </a:tblPr>
+              <a:tblGrid>
+                <a:gridCol w="9279528">
+                  <a:extLst>
+                    <a:ext uri="{9D8B030D-6E8A-4147-A177-3AD203B41FA5}">
+                      <a16:colId xmlns:a16="http://schemas.microsoft.com/office/drawing/2014/main" val="2688759220"/>
+                    </a:ext>
+                  </a:extLst>
+                </a:gridCol>
+              </a:tblGrid>
+              <a:tr h="370840">
+                <a:tc>
+                  <a:txBody>
+                    <a:bodyPr/>
+                    <a:lstStyle/>
+                    <a:p>
+                      <a:r>
+                        <a:rPr lang="pt-BR" sz="2000" b="1" kern="1200" dirty="0">
+                          <a:solidFill>
+                            <a:schemeClr val="accent6">
+                              <a:lumMod val="75000"/>
+                            </a:schemeClr>
+                          </a:solidFill>
+                          <a:effectLst/>
+                          <a:latin typeface="+mn-lt"/>
+                          <a:ea typeface="+mn-ea"/>
+                          <a:cs typeface="+mn-cs"/>
+                        </a:rPr>
+                        <a:t>print</a:t>
+                      </a:r>
+                      <a:r>
+                        <a:rPr lang="pt-BR" sz="2000" dirty="0"/>
+                        <a:t>(</a:t>
+                      </a:r>
+                      <a:r>
+                        <a:rPr lang="pt-BR" sz="2000" b="1" kern="1200" dirty="0">
+                          <a:solidFill>
+                            <a:srgbClr val="006600"/>
+                          </a:solidFill>
+                          <a:effectLst/>
+                          <a:latin typeface="+mn-lt"/>
+                          <a:ea typeface="+mn-ea"/>
+                          <a:cs typeface="+mn-cs"/>
+                        </a:rPr>
+                        <a:t>'%.2f ' </a:t>
+                      </a:r>
+                      <a:r>
+                        <a:rPr lang="pt-BR" sz="2000" dirty="0"/>
+                        <a:t>%var1)</a:t>
+                      </a:r>
+                      <a:endParaRPr lang="pt-BR" dirty="0"/>
+                    </a:p>
+                  </a:txBody>
+                  <a:tcPr/>
+                </a:tc>
+                <a:extLst>
+                  <a:ext uri="{0D108BD9-81ED-4DB2-BD59-A6C34878D82A}">
+                    <a16:rowId xmlns:a16="http://schemas.microsoft.com/office/drawing/2014/main" val="497494159"/>
+                  </a:ext>
+                </a:extLst>
+              </a:tr>
+            </a:tbl>
+          </a:graphicData>
+        </a:graphic>
+      </p:graphicFrame>
+      <p:graphicFrame>
+        <p:nvGraphicFramePr>
+          <p:cNvPr id="4" name="Tabela 3">
+            <a:extLst>
+              <a:ext uri="{FF2B5EF4-FFF2-40B4-BE49-F238E27FC236}">
+                <a16:creationId xmlns:a16="http://schemas.microsoft.com/office/drawing/2014/main" id="{E9BBF9C6-B735-4DC3-A153-9DCA4FCC6415}"/>
+              </a:ext>
+            </a:extLst>
+          </p:cNvPr>
+          <p:cNvGraphicFramePr>
+            <a:graphicFrameLocks noGrp="1"/>
+          </p:cNvGraphicFramePr>
+          <p:nvPr>
+            <p:extLst>
+              <p:ext uri="{D42A27DB-BD31-4B8C-83A1-F6EECF244321}">
+                <p14:modId xmlns:p14="http://schemas.microsoft.com/office/powerpoint/2010/main" val="4167376901"/>
+              </p:ext>
+            </p:extLst>
+          </p:nvPr>
+        </p:nvGraphicFramePr>
+        <p:xfrm>
+          <a:off x="378822" y="3532746"/>
+          <a:ext cx="9279528" cy="396240"/>
+        </p:xfrm>
+        <a:graphic>
+          <a:graphicData uri="http://schemas.openxmlformats.org/drawingml/2006/table">
+            <a:tbl>
+              <a:tblPr firstRow="1" bandRow="1">
+                <a:tableStyleId>{16D9F66E-5EB9-4882-86FB-DCBF35E3C3E4}</a:tableStyleId>
+              </a:tblPr>
+              <a:tblGrid>
+                <a:gridCol w="9279528">
+                  <a:extLst>
+                    <a:ext uri="{9D8B030D-6E8A-4147-A177-3AD203B41FA5}">
+                      <a16:colId xmlns:a16="http://schemas.microsoft.com/office/drawing/2014/main" val="3549962625"/>
+                    </a:ext>
+                  </a:extLst>
+                </a:gridCol>
+              </a:tblGrid>
+              <a:tr h="370840">
+                <a:tc>
+                  <a:txBody>
+                    <a:bodyPr/>
+                    <a:lstStyle/>
+                    <a:p>
+                      <a:r>
+                        <a:rPr lang="pt-BR" sz="2000" b="1" kern="1200" dirty="0">
+                          <a:solidFill>
+                            <a:schemeClr val="accent6">
+                              <a:lumMod val="75000"/>
+                            </a:schemeClr>
+                          </a:solidFill>
+                          <a:effectLst/>
+                          <a:latin typeface="+mn-lt"/>
+                          <a:ea typeface="+mn-ea"/>
+                          <a:cs typeface="+mn-cs"/>
+                        </a:rPr>
+                        <a:t>print</a:t>
+                      </a:r>
+                      <a:r>
+                        <a:rPr lang="pt-BR" sz="2000" dirty="0"/>
+                        <a:t>(</a:t>
+                      </a:r>
+                      <a:r>
+                        <a:rPr lang="pt-BR" sz="2000" b="1" kern="1200" dirty="0">
+                          <a:solidFill>
+                            <a:srgbClr val="006600"/>
+                          </a:solidFill>
+                          <a:effectLst/>
+                          <a:latin typeface="+mn-lt"/>
+                          <a:ea typeface="+mn-ea"/>
+                          <a:cs typeface="+mn-cs"/>
+                        </a:rPr>
+                        <a:t>'%.2f  %.3f ' </a:t>
+                      </a:r>
+                      <a:r>
+                        <a:rPr lang="pt-BR" sz="2000" dirty="0"/>
+                        <a:t>%(var1</a:t>
+                      </a:r>
+                      <a:r>
+                        <a:rPr lang="pt-BR" sz="2000" b="1" kern="1200" dirty="0">
+                          <a:solidFill>
+                            <a:schemeClr val="dk1"/>
+                          </a:solidFill>
+                          <a:effectLst/>
+                          <a:latin typeface="+mn-lt"/>
+                          <a:ea typeface="+mn-ea"/>
+                          <a:cs typeface="+mn-cs"/>
+                        </a:rPr>
+                        <a:t>, </a:t>
+                      </a:r>
+                      <a:r>
+                        <a:rPr lang="pt-BR" sz="2000" dirty="0"/>
+                        <a:t>var1))</a:t>
+                      </a:r>
+                    </a:p>
+                  </a:txBody>
+                  <a:tcPr/>
+                </a:tc>
+                <a:extLst>
+                  <a:ext uri="{0D108BD9-81ED-4DB2-BD59-A6C34878D82A}">
+                    <a16:rowId xmlns:a16="http://schemas.microsoft.com/office/drawing/2014/main" val="1316872572"/>
+                  </a:ext>
+                </a:extLst>
+              </a:tr>
+            </a:tbl>
+          </a:graphicData>
+        </a:graphic>
+      </p:graphicFrame>
+    </p:spTree>
+    <p:extLst>
+      <p:ext uri="{BB962C8B-B14F-4D97-AF65-F5344CB8AC3E}">
+        <p14:creationId xmlns:p14="http://schemas.microsoft.com/office/powerpoint/2010/main" val="4152002022"/>
+      </p:ext>
+    </p:extLst>
+  </p:cSld>
+  <p:clrMapOvr>
+    <a:masterClrMapping/>
+  </p:clrMapOvr>
+</p:sld>
+</file>
+
+<file path=ppt/slides/slide4.xml><?xml version="1.0" encoding="utf-8"?>
+<p:sld xmlns:a="http://schemas.openxmlformats.org/drawingml/2006/main" xmlns:r="http://schemas.openxmlformats.org/officeDocument/2006/relationships" xmlns:p="http://schemas.openxmlformats.org/presentationml/2006/main">
+  <p:cSld>
+    <p:spTree>
+      <p:nvGrpSpPr>
+        <p:cNvPr id="1" name=""/>
+        <p:cNvGrpSpPr/>
+        <p:nvPr/>
+      </p:nvGrpSpPr>
+      <p:grpSpPr>
+        <a:xfrm>
+          <a:off x="0" y="0"/>
+          <a:ext cx="0" cy="0"/>
+          <a:chOff x="0" y="0"/>
+          <a:chExt cx="0" cy="0"/>
+        </a:xfrm>
+      </p:grpSpPr>
+      <p:sp>
+        <p:nvSpPr>
+          <p:cNvPr id="2" name="Título 1">
+            <a:extLst>
+              <a:ext uri="{FF2B5EF4-FFF2-40B4-BE49-F238E27FC236}">
+                <a16:creationId xmlns:a16="http://schemas.microsoft.com/office/drawing/2014/main" id="{8C6978F8-5846-431C-8286-35265C4115A4}"/>
+              </a:ext>
+            </a:extLst>
+          </p:cNvPr>
+          <p:cNvSpPr>
+            <a:spLocks noGrp="1"/>
+          </p:cNvSpPr>
+          <p:nvPr>
+            <p:ph type="title"/>
+          </p:nvPr>
+        </p:nvSpPr>
+        <p:spPr/>
+        <p:txBody>
+          <a:bodyPr/>
+          <a:lstStyle/>
+          <a:p>
+            <a:r>
+              <a:rPr lang="pt-BR" dirty="0"/>
+              <a:t>Interação com arquivos</a:t>
+            </a:r>
+          </a:p>
+        </p:txBody>
+      </p:sp>
+      <p:sp>
+        <p:nvSpPr>
+          <p:cNvPr id="3" name="Espaço Reservado para Conteúdo 2">
+            <a:extLst>
+              <a:ext uri="{FF2B5EF4-FFF2-40B4-BE49-F238E27FC236}">
+                <a16:creationId xmlns:a16="http://schemas.microsoft.com/office/drawing/2014/main" id="{17C97C90-60D6-45EF-8351-476BFAA598AB}"/>
+              </a:ext>
+            </a:extLst>
+          </p:cNvPr>
+          <p:cNvSpPr>
+            <a:spLocks noGrp="1"/>
+          </p:cNvSpPr>
+          <p:nvPr>
+            <p:ph idx="1"/>
+          </p:nvPr>
+        </p:nvSpPr>
+        <p:spPr>
+          <a:xfrm>
+            <a:off x="838200" y="1825625"/>
+            <a:ext cx="10284502" cy="4351338"/>
+          </a:xfrm>
+        </p:spPr>
+        <p:txBody>
+          <a:bodyPr>
+            <a:normAutofit fontScale="92500"/>
+          </a:bodyPr>
+          <a:lstStyle/>
+          <a:p>
+            <a:pPr marL="0" indent="0">
+              <a:buNone/>
+            </a:pPr>
+            <a:r>
+              <a:rPr lang="pt-BR" dirty="0"/>
+              <a:t>Para abrir um arquivo .</a:t>
+            </a:r>
+            <a:r>
+              <a:rPr lang="pt-BR" dirty="0" err="1"/>
+              <a:t>txt</a:t>
+            </a:r>
+            <a:r>
+              <a:rPr lang="pt-BR" dirty="0"/>
+              <a:t>, fazemos o seguinte:</a:t>
+            </a:r>
+          </a:p>
+          <a:p>
+            <a:pPr marL="0" indent="0">
+              <a:buNone/>
+            </a:pPr>
+            <a:endParaRPr lang="pt-BR" dirty="0"/>
+          </a:p>
+          <a:p>
+            <a:pPr marL="0" indent="0">
+              <a:buNone/>
+            </a:pPr>
+            <a:endParaRPr lang="pt-BR" dirty="0"/>
+          </a:p>
+          <a:p>
+            <a:pPr marL="0" indent="0">
+              <a:lnSpc>
+                <a:spcPct val="200000"/>
+              </a:lnSpc>
+              <a:buNone/>
+            </a:pPr>
+            <a:r>
+              <a:rPr lang="pt-BR" dirty="0"/>
+              <a:t>Há também outro modo de fazer praticamente a mesma coisa:</a:t>
+            </a:r>
+          </a:p>
+          <a:p>
+            <a:pPr marL="0" indent="0">
+              <a:buNone/>
+            </a:pPr>
+            <a:endParaRPr lang="pt-BR" dirty="0"/>
+          </a:p>
+          <a:p>
+            <a:pPr marL="0" indent="0">
+              <a:buNone/>
+            </a:pPr>
+            <a:endParaRPr lang="pt-BR" dirty="0"/>
+          </a:p>
+          <a:p>
+            <a:pPr marL="0" indent="0">
+              <a:lnSpc>
+                <a:spcPct val="150000"/>
+              </a:lnSpc>
+              <a:buNone/>
+            </a:pPr>
+            <a:r>
+              <a:rPr lang="pt-BR" dirty="0"/>
+              <a:t>No lugar do </a:t>
+            </a:r>
+            <a:r>
+              <a:rPr lang="pt-BR" dirty="0">
+                <a:solidFill>
+                  <a:srgbClr val="006600"/>
+                </a:solidFill>
+              </a:rPr>
+              <a:t>'</a:t>
+            </a:r>
+            <a:r>
+              <a:rPr lang="pt-BR" dirty="0">
+                <a:solidFill>
+                  <a:srgbClr val="006600"/>
+                </a:solidFill>
+                <a:latin typeface="Arial" panose="020B0604020202020204" pitchFamily="34" charset="0"/>
+                <a:cs typeface="Arial" panose="020B0604020202020204" pitchFamily="34" charset="0"/>
+              </a:rPr>
+              <a:t>X</a:t>
+            </a:r>
+            <a:r>
+              <a:rPr lang="pt-BR" dirty="0">
+                <a:solidFill>
+                  <a:srgbClr val="006600"/>
+                </a:solidFill>
+              </a:rPr>
+              <a:t>'</a:t>
+            </a:r>
+            <a:r>
+              <a:rPr lang="pt-BR" dirty="0"/>
+              <a:t>, nós colocamos </a:t>
+            </a:r>
+            <a:r>
+              <a:rPr lang="pt-BR" dirty="0">
+                <a:solidFill>
+                  <a:srgbClr val="006600"/>
+                </a:solidFill>
+              </a:rPr>
+              <a:t>'r'</a:t>
+            </a:r>
+            <a:r>
+              <a:rPr lang="pt-BR" dirty="0"/>
+              <a:t>,</a:t>
+            </a:r>
+            <a:r>
+              <a:rPr lang="pt-BR" dirty="0">
+                <a:solidFill>
+                  <a:srgbClr val="006600"/>
+                </a:solidFill>
+              </a:rPr>
+              <a:t> 'w'</a:t>
+            </a:r>
+            <a:endParaRPr lang="pt-BR" dirty="0"/>
+          </a:p>
+        </p:txBody>
+      </p:sp>
+      <p:graphicFrame>
+        <p:nvGraphicFramePr>
+          <p:cNvPr id="4" name="Tabela 3">
+            <a:extLst>
+              <a:ext uri="{FF2B5EF4-FFF2-40B4-BE49-F238E27FC236}">
+                <a16:creationId xmlns:a16="http://schemas.microsoft.com/office/drawing/2014/main" id="{F0EF4EDC-2E51-44FD-873B-66124D6F1D38}"/>
+              </a:ext>
+            </a:extLst>
+          </p:cNvPr>
+          <p:cNvGraphicFramePr>
+            <a:graphicFrameLocks noGrp="1"/>
+          </p:cNvGraphicFramePr>
+          <p:nvPr>
+            <p:extLst>
+              <p:ext uri="{D42A27DB-BD31-4B8C-83A1-F6EECF244321}">
+                <p14:modId xmlns:p14="http://schemas.microsoft.com/office/powerpoint/2010/main" val="1622985506"/>
+              </p:ext>
+            </p:extLst>
+          </p:nvPr>
+        </p:nvGraphicFramePr>
+        <p:xfrm>
+          <a:off x="838200" y="2469702"/>
+          <a:ext cx="9085289" cy="490859"/>
+        </p:xfrm>
+        <a:graphic>
+          <a:graphicData uri="http://schemas.openxmlformats.org/drawingml/2006/table">
+            <a:tbl>
+              <a:tblPr firstRow="1" bandRow="1">
+                <a:tableStyleId>{16D9F66E-5EB9-4882-86FB-DCBF35E3C3E4}</a:tableStyleId>
+              </a:tblPr>
+              <a:tblGrid>
+                <a:gridCol w="9085289">
+                  <a:extLst>
+                    <a:ext uri="{9D8B030D-6E8A-4147-A177-3AD203B41FA5}">
+                      <a16:colId xmlns:a16="http://schemas.microsoft.com/office/drawing/2014/main" val="2392824554"/>
+                    </a:ext>
+                  </a:extLst>
+                </a:gridCol>
+              </a:tblGrid>
+              <a:tr h="490859">
+                <a:tc>
+                  <a:txBody>
+                    <a:bodyPr/>
+                    <a:lstStyle/>
+                    <a:p>
+                      <a:r>
+                        <a:rPr lang="pt-BR" sz="2000" dirty="0">
+                          <a:latin typeface="Arial" panose="020B0604020202020204" pitchFamily="34" charset="0"/>
+                          <a:cs typeface="Arial" panose="020B0604020202020204" pitchFamily="34" charset="0"/>
+                        </a:rPr>
+                        <a:t>variavel = </a:t>
+                      </a:r>
+                      <a:r>
+                        <a:rPr lang="pt-BR" sz="2000" dirty="0">
+                          <a:solidFill>
+                            <a:schemeClr val="accent6">
+                              <a:lumMod val="75000"/>
+                            </a:schemeClr>
+                          </a:solidFill>
+                          <a:latin typeface="Arial" panose="020B0604020202020204" pitchFamily="34" charset="0"/>
+                          <a:cs typeface="Arial" panose="020B0604020202020204" pitchFamily="34" charset="0"/>
+                        </a:rPr>
+                        <a:t>open</a:t>
+                      </a:r>
+                      <a:r>
+                        <a:rPr lang="pt-BR" sz="2000" dirty="0">
+                          <a:latin typeface="Arial" panose="020B0604020202020204" pitchFamily="34" charset="0"/>
+                          <a:cs typeface="Arial" panose="020B0604020202020204" pitchFamily="34" charset="0"/>
+                        </a:rPr>
+                        <a:t>(</a:t>
+                      </a:r>
+                      <a:r>
+                        <a:rPr lang="pt-BR" sz="2000" dirty="0">
+                          <a:solidFill>
+                            <a:srgbClr val="006600"/>
+                          </a:solidFill>
+                        </a:rPr>
+                        <a:t>'</a:t>
+                      </a:r>
+                      <a:r>
+                        <a:rPr lang="pt-BR" sz="2000" dirty="0">
+                          <a:solidFill>
+                            <a:srgbClr val="006600"/>
+                          </a:solidFill>
+                          <a:latin typeface="Arial" panose="020B0604020202020204" pitchFamily="34" charset="0"/>
+                          <a:cs typeface="Arial" panose="020B0604020202020204" pitchFamily="34" charset="0"/>
+                        </a:rPr>
+                        <a:t>nomearquivo.txt</a:t>
+                      </a:r>
+                      <a:r>
+                        <a:rPr lang="pt-BR" sz="2000" dirty="0">
+                          <a:solidFill>
+                            <a:srgbClr val="006600"/>
+                          </a:solidFill>
+                        </a:rPr>
+                        <a:t>'</a:t>
+                      </a:r>
+                      <a:r>
+                        <a:rPr lang="pt-BR" sz="2000" dirty="0">
+                          <a:solidFill>
+                            <a:srgbClr val="CE6D0C"/>
+                          </a:solidFill>
+                        </a:rPr>
+                        <a:t> , </a:t>
+                      </a:r>
+                      <a:r>
+                        <a:rPr lang="pt-BR" sz="2000" dirty="0">
+                          <a:solidFill>
+                            <a:srgbClr val="006600"/>
+                          </a:solidFill>
+                        </a:rPr>
+                        <a:t>'X'</a:t>
+                      </a:r>
+                      <a:r>
+                        <a:rPr lang="pt-BR" sz="2000" dirty="0">
+                          <a:latin typeface="Arial" panose="020B0604020202020204" pitchFamily="34" charset="0"/>
+                          <a:cs typeface="Arial" panose="020B0604020202020204" pitchFamily="34" charset="0"/>
+                        </a:rPr>
+                        <a:t>)</a:t>
+                      </a:r>
+                    </a:p>
+                  </a:txBody>
+                  <a:tcPr/>
+                </a:tc>
+                <a:extLst>
+                  <a:ext uri="{0D108BD9-81ED-4DB2-BD59-A6C34878D82A}">
+                    <a16:rowId xmlns:a16="http://schemas.microsoft.com/office/drawing/2014/main" val="3190257407"/>
+                  </a:ext>
+                </a:extLst>
+              </a:tr>
+            </a:tbl>
+          </a:graphicData>
+        </a:graphic>
+      </p:graphicFrame>
+      <p:graphicFrame>
+        <p:nvGraphicFramePr>
+          <p:cNvPr id="5" name="Tabela 4">
+            <a:extLst>
+              <a:ext uri="{FF2B5EF4-FFF2-40B4-BE49-F238E27FC236}">
+                <a16:creationId xmlns:a16="http://schemas.microsoft.com/office/drawing/2014/main" id="{5309A4E3-0A9B-4237-AC9E-B8AF7EDA9E58}"/>
+              </a:ext>
+            </a:extLst>
+          </p:cNvPr>
+          <p:cNvGraphicFramePr>
+            <a:graphicFrameLocks noGrp="1"/>
+          </p:cNvGraphicFramePr>
+          <p:nvPr>
+            <p:extLst>
+              <p:ext uri="{D42A27DB-BD31-4B8C-83A1-F6EECF244321}">
+                <p14:modId xmlns:p14="http://schemas.microsoft.com/office/powerpoint/2010/main" val="1958651047"/>
+              </p:ext>
+            </p:extLst>
+          </p:nvPr>
+        </p:nvGraphicFramePr>
+        <p:xfrm>
+          <a:off x="838200" y="4388298"/>
+          <a:ext cx="9085289" cy="502357"/>
+        </p:xfrm>
+        <a:graphic>
+          <a:graphicData uri="http://schemas.openxmlformats.org/drawingml/2006/table">
+            <a:tbl>
+              <a:tblPr firstRow="1" bandRow="1">
+                <a:tableStyleId>{16D9F66E-5EB9-4882-86FB-DCBF35E3C3E4}</a:tableStyleId>
+              </a:tblPr>
+              <a:tblGrid>
+                <a:gridCol w="9085289">
+                  <a:extLst>
+                    <a:ext uri="{9D8B030D-6E8A-4147-A177-3AD203B41FA5}">
+                      <a16:colId xmlns:a16="http://schemas.microsoft.com/office/drawing/2014/main" val="2511009862"/>
+                    </a:ext>
+                  </a:extLst>
+                </a:gridCol>
+              </a:tblGrid>
+              <a:tr h="502357">
+                <a:tc>
+                  <a:txBody>
+                    <a:bodyPr/>
+                    <a:lstStyle/>
+                    <a:p>
+                      <a:r>
+                        <a:rPr lang="pt-BR" sz="2000" dirty="0" err="1">
+                          <a:solidFill>
+                            <a:srgbClr val="CE6D0C"/>
+                          </a:solidFill>
+                          <a:latin typeface="Arial" panose="020B0604020202020204" pitchFamily="34" charset="0"/>
+                          <a:cs typeface="Arial" panose="020B0604020202020204" pitchFamily="34" charset="0"/>
+                        </a:rPr>
+                        <a:t>with</a:t>
+                      </a:r>
+                      <a:r>
+                        <a:rPr lang="pt-BR" sz="2000" dirty="0">
+                          <a:latin typeface="Arial" panose="020B0604020202020204" pitchFamily="34" charset="0"/>
+                          <a:cs typeface="Arial" panose="020B0604020202020204" pitchFamily="34" charset="0"/>
+                        </a:rPr>
+                        <a:t> </a:t>
+                      </a:r>
+                      <a:r>
+                        <a:rPr lang="pt-BR" sz="2000" dirty="0">
+                          <a:solidFill>
+                            <a:schemeClr val="accent6">
+                              <a:lumMod val="75000"/>
+                            </a:schemeClr>
+                          </a:solidFill>
+                          <a:latin typeface="Arial" panose="020B0604020202020204" pitchFamily="34" charset="0"/>
+                          <a:cs typeface="Arial" panose="020B0604020202020204" pitchFamily="34" charset="0"/>
+                        </a:rPr>
+                        <a:t>open</a:t>
+                      </a:r>
+                      <a:r>
+                        <a:rPr lang="pt-BR" sz="2000" dirty="0">
+                          <a:latin typeface="Arial" panose="020B0604020202020204" pitchFamily="34" charset="0"/>
+                          <a:cs typeface="Arial" panose="020B0604020202020204" pitchFamily="34" charset="0"/>
+                        </a:rPr>
+                        <a:t>(</a:t>
+                      </a:r>
+                      <a:r>
+                        <a:rPr lang="pt-BR" sz="2000" dirty="0">
+                          <a:solidFill>
+                            <a:srgbClr val="006600"/>
+                          </a:solidFill>
+                        </a:rPr>
+                        <a:t>'</a:t>
+                      </a:r>
+                      <a:r>
+                        <a:rPr lang="pt-BR" sz="2000" dirty="0">
+                          <a:solidFill>
+                            <a:srgbClr val="006600"/>
+                          </a:solidFill>
+                          <a:latin typeface="Arial" panose="020B0604020202020204" pitchFamily="34" charset="0"/>
+                          <a:cs typeface="Arial" panose="020B0604020202020204" pitchFamily="34" charset="0"/>
+                        </a:rPr>
+                        <a:t>nomearquivo.txt</a:t>
+                      </a:r>
+                      <a:r>
+                        <a:rPr lang="pt-BR" sz="2000" dirty="0">
+                          <a:solidFill>
+                            <a:srgbClr val="006600"/>
+                          </a:solidFill>
+                        </a:rPr>
+                        <a:t>'</a:t>
+                      </a:r>
+                      <a:r>
+                        <a:rPr lang="pt-BR" sz="2000" dirty="0">
+                          <a:solidFill>
+                            <a:srgbClr val="CE6D0C"/>
+                          </a:solidFill>
+                          <a:latin typeface="Arial" panose="020B0604020202020204" pitchFamily="34" charset="0"/>
+                          <a:cs typeface="Arial" panose="020B0604020202020204" pitchFamily="34" charset="0"/>
+                        </a:rPr>
+                        <a:t> , </a:t>
+                      </a:r>
+                      <a:r>
+                        <a:rPr lang="pt-BR" sz="2000" dirty="0">
+                          <a:solidFill>
+                            <a:srgbClr val="006600"/>
+                          </a:solidFill>
+                        </a:rPr>
+                        <a:t>'</a:t>
+                      </a:r>
+                      <a:r>
+                        <a:rPr lang="pt-BR" sz="2000" dirty="0">
+                          <a:solidFill>
+                            <a:srgbClr val="006600"/>
+                          </a:solidFill>
+                          <a:latin typeface="Arial" panose="020B0604020202020204" pitchFamily="34" charset="0"/>
+                          <a:cs typeface="Arial" panose="020B0604020202020204" pitchFamily="34" charset="0"/>
+                        </a:rPr>
+                        <a:t>X</a:t>
+                      </a:r>
+                      <a:r>
+                        <a:rPr lang="pt-BR" sz="2000" dirty="0">
+                          <a:solidFill>
+                            <a:srgbClr val="006600"/>
+                          </a:solidFill>
+                        </a:rPr>
+                        <a:t>'</a:t>
+                      </a:r>
+                      <a:r>
+                        <a:rPr lang="pt-BR" sz="2000" dirty="0">
+                          <a:latin typeface="Arial" panose="020B0604020202020204" pitchFamily="34" charset="0"/>
+                          <a:cs typeface="Arial" panose="020B0604020202020204" pitchFamily="34" charset="0"/>
+                        </a:rPr>
+                        <a:t>) </a:t>
+                      </a:r>
+                      <a:r>
+                        <a:rPr lang="pt-BR" sz="2000" dirty="0">
+                          <a:solidFill>
+                            <a:srgbClr val="CE6D0C"/>
+                          </a:solidFill>
+                          <a:latin typeface="Arial" panose="020B0604020202020204" pitchFamily="34" charset="0"/>
+                          <a:cs typeface="Arial" panose="020B0604020202020204" pitchFamily="34" charset="0"/>
+                        </a:rPr>
+                        <a:t>as</a:t>
+                      </a:r>
+                      <a:r>
+                        <a:rPr lang="pt-BR" sz="2000" dirty="0">
+                          <a:latin typeface="Arial" panose="020B0604020202020204" pitchFamily="34" charset="0"/>
+                          <a:cs typeface="Arial" panose="020B0604020202020204" pitchFamily="34" charset="0"/>
+                        </a:rPr>
+                        <a:t> variável</a:t>
+                      </a:r>
+                    </a:p>
+                  </a:txBody>
+                  <a:tcPr/>
+                </a:tc>
+                <a:extLst>
+                  <a:ext uri="{0D108BD9-81ED-4DB2-BD59-A6C34878D82A}">
+                    <a16:rowId xmlns:a16="http://schemas.microsoft.com/office/drawing/2014/main" val="1566457539"/>
+                  </a:ext>
+                </a:extLst>
+              </a:tr>
+            </a:tbl>
+          </a:graphicData>
+        </a:graphic>
+      </p:graphicFrame>
+    </p:spTree>
+    <p:extLst>
+      <p:ext uri="{BB962C8B-B14F-4D97-AF65-F5344CB8AC3E}">
+        <p14:creationId xmlns:p14="http://schemas.microsoft.com/office/powerpoint/2010/main" val="3533120128"/>
+      </p:ext>
+    </p:extLst>
+  </p:cSld>
+  <p:clrMapOvr>
+    <a:masterClrMapping/>
+  </p:clrMapOvr>
+</p:sld>
+</file>
+
+<file path=ppt/slides/slide5.xml><?xml version="1.0" encoding="utf-8"?>
+<p:sld xmlns:a="http://schemas.openxmlformats.org/drawingml/2006/main" xmlns:r="http://schemas.openxmlformats.org/officeDocument/2006/relationships" xmlns:p="http://schemas.openxmlformats.org/presentationml/2006/main">
+  <p:cSld>
+    <p:spTree>
+      <p:nvGrpSpPr>
+        <p:cNvPr id="1" name=""/>
+        <p:cNvGrpSpPr/>
+        <p:nvPr/>
+      </p:nvGrpSpPr>
+      <p:grpSpPr>
+        <a:xfrm>
+          <a:off x="0" y="0"/>
+          <a:ext cx="0" cy="0"/>
+          <a:chOff x="0" y="0"/>
+          <a:chExt cx="0" cy="0"/>
+        </a:xfrm>
+      </p:grpSpPr>
+      <p:sp>
+        <p:nvSpPr>
           <p:cNvPr id="12" name="Lágrima 11">
             <a:extLst>
               <a:ext uri="{FF2B5EF4-FFF2-40B4-BE49-F238E27FC236}">
@@ -9503,16 +11145,14 @@
         </p:nvSpPr>
         <p:spPr>
           <a:xfrm>
-            <a:off x="6718852" y="1292087"/>
-            <a:ext cx="5473148" cy="5565913"/>
+            <a:off x="9244013" y="3875314"/>
+            <a:ext cx="2947987" cy="3088709"/>
           </a:xfrm>
           <a:prstGeom prst="teardrop">
             <a:avLst/>
           </a:prstGeom>
           <a:blipFill dpi="0" rotWithShape="1">
-            <a:blip r:embed="rId2">
-              <a:alphaModFix amt="50000"/>
-            </a:blip>
+            <a:blip r:embed="rId2"/>
             <a:srcRect/>
             <a:stretch>
               <a:fillRect/>
@@ -9588,7 +11228,12 @@
             <p:ph idx="1"/>
           </p:nvPr>
         </p:nvSpPr>
-        <p:spPr/>
+        <p:spPr>
+          <a:xfrm>
+            <a:off x="838200" y="1825625"/>
+            <a:ext cx="9365343" cy="4351338"/>
+          </a:xfrm>
+        </p:spPr>
         <p:txBody>
           <a:bodyPr/>
           <a:lstStyle/>
@@ -9693,7 +11338,7 @@
               <a:t>() é utilizado, todo o código deve ser </a:t>
             </a:r>
             <a:r>
-              <a:rPr lang="pt-BR" u="sng" dirty="0" err="1"/>
+              <a:rPr lang="pt-BR" b="1" u="sng" dirty="0" err="1"/>
               <a:t>identado</a:t>
             </a:r>
             <a:r>
@@ -9728,7 +11373,7 @@
 </p:sld>
 </file>
 
-<file path=ppt/slides/slide4.xml><?xml version="1.0" encoding="utf-8"?>
+<file path=ppt/slides/slide6.xml><?xml version="1.0" encoding="utf-8"?>
 <p:sld xmlns:a="http://schemas.openxmlformats.org/drawingml/2006/main" xmlns:r="http://schemas.openxmlformats.org/officeDocument/2006/relationships" xmlns:p="http://schemas.openxmlformats.org/presentationml/2006/main">
   <p:cSld>
     <p:spTree>
@@ -10003,7 +11648,7 @@
 </p:sld>
 </file>
 
-<file path=ppt/slides/slide5.xml><?xml version="1.0" encoding="utf-8"?>
+<file path=ppt/slides/slide7.xml><?xml version="1.0" encoding="utf-8"?>
 <p:sld xmlns:a="http://schemas.openxmlformats.org/drawingml/2006/main" xmlns:r="http://schemas.openxmlformats.org/officeDocument/2006/relationships" xmlns:p="http://schemas.openxmlformats.org/presentationml/2006/main">
   <p:cSld>
     <p:spTree>
@@ -10064,7 +11709,7 @@
             <p:ph idx="1"/>
             <p:extLst>
               <p:ext uri="{D42A27DB-BD31-4B8C-83A1-F6EECF244321}">
-                <p14:modId xmlns:p14="http://schemas.microsoft.com/office/powerpoint/2010/main" val="957709947"/>
+                <p14:modId xmlns:p14="http://schemas.microsoft.com/office/powerpoint/2010/main" val="2833896772"/>
               </p:ext>
             </p:extLst>
           </p:nvPr>
@@ -10103,12 +11748,36 @@
                         <a:t> = </a:t>
                       </a:r>
                       <a:r>
+                        <a:rPr lang="pt-BR" sz="1800" b="1" kern="1200" dirty="0">
+                          <a:solidFill>
+                            <a:srgbClr val="006600"/>
+                          </a:solidFill>
+                          <a:effectLst/>
+                          <a:latin typeface="+mn-lt"/>
+                          <a:ea typeface="+mn-ea"/>
+                          <a:cs typeface="+mn-cs"/>
+                        </a:rPr>
+                        <a:t>'</a:t>
+                      </a:r>
+                      <a:r>
                         <a:rPr lang="pt-BR" dirty="0">
                           <a:solidFill>
                             <a:srgbClr val="006600"/>
                           </a:solidFill>
                         </a:rPr>
-                        <a:t>“*****EXEMPLO*****”</a:t>
+                        <a:t>*****EXEMPLO*****</a:t>
+                      </a:r>
+                      <a:r>
+                        <a:rPr lang="pt-BR" sz="1800" b="1" kern="1200" dirty="0">
+                          <a:solidFill>
+                            <a:srgbClr val="006600"/>
+                          </a:solidFill>
+                          <a:effectLst/>
+                          <a:latin typeface="+mn-lt"/>
+                          <a:ea typeface="+mn-ea"/>
+                          <a:cs typeface="+mn-cs"/>
+                        </a:rPr>
+                        <a:t>’</a:t>
                       </a:r>
                     </a:p>
                     <a:p>
@@ -10211,13 +11880,42 @@
                         <a:t> = </a:t>
                       </a:r>
                       <a:r>
+                        <a:rPr lang="pt-BR" sz="1800" b="1" kern="1200" dirty="0">
+                          <a:solidFill>
+                            <a:srgbClr val="006600"/>
+                          </a:solidFill>
+                          <a:effectLst/>
+                          <a:latin typeface="+mn-lt"/>
+                          <a:ea typeface="+mn-ea"/>
+                          <a:cs typeface="+mn-cs"/>
+                        </a:rPr>
+                        <a:t>'</a:t>
+                      </a:r>
+                      <a:r>
                         <a:rPr lang="pt-BR" dirty="0">
                           <a:solidFill>
                             <a:srgbClr val="006600"/>
                           </a:solidFill>
                         </a:rPr>
-                        <a:t>“*****EXEMPLO*****”</a:t>
-                      </a:r>
+                        <a:t>*****EXEMPLO*****</a:t>
+                      </a:r>
+                      <a:r>
+                        <a:rPr lang="pt-BR" sz="1800" b="1" kern="1200" dirty="0">
+                          <a:solidFill>
+                            <a:srgbClr val="006600"/>
+                          </a:solidFill>
+                          <a:effectLst/>
+                          <a:latin typeface="+mn-lt"/>
+                          <a:ea typeface="+mn-ea"/>
+                          <a:cs typeface="+mn-cs"/>
+                        </a:rPr>
+                        <a:t>'</a:t>
+                      </a:r>
+                      <a:endParaRPr lang="pt-BR" dirty="0">
+                        <a:solidFill>
+                          <a:srgbClr val="006600"/>
+                        </a:solidFill>
+                      </a:endParaRPr>
                     </a:p>
                     <a:p>
                       <a:r>
@@ -10306,7 +12004,7 @@
                             </a:schemeClr>
                           </a:solidFill>
                         </a:rPr>
-                        <a:t> para remover a direita</a:t>
+                        <a:t> para remover do lado direito</a:t>
                       </a:r>
                     </a:p>
                     <a:p>
@@ -10372,7 +12070,7 @@
           <p:nvPr>
             <p:extLst>
               <p:ext uri="{D42A27DB-BD31-4B8C-83A1-F6EECF244321}">
-                <p14:modId xmlns:p14="http://schemas.microsoft.com/office/powerpoint/2010/main" val="3961485720"/>
+                <p14:modId xmlns:p14="http://schemas.microsoft.com/office/powerpoint/2010/main" val="3339063231"/>
               </p:ext>
             </p:extLst>
           </p:nvPr>
@@ -10411,12 +12109,36 @@
                         <a:t> = </a:t>
                       </a:r>
                       <a:r>
+                        <a:rPr lang="pt-BR" sz="1800" b="1" kern="1200" dirty="0">
+                          <a:solidFill>
+                            <a:srgbClr val="006600"/>
+                          </a:solidFill>
+                          <a:effectLst/>
+                          <a:latin typeface="+mn-lt"/>
+                          <a:ea typeface="+mn-ea"/>
+                          <a:cs typeface="+mn-cs"/>
+                        </a:rPr>
+                        <a:t>'</a:t>
+                      </a:r>
+                      <a:r>
                         <a:rPr lang="pt-BR" dirty="0">
                           <a:solidFill>
                             <a:srgbClr val="006600"/>
                           </a:solidFill>
                         </a:rPr>
-                        <a:t>“isto é uma frase”</a:t>
+                        <a:t>isto é uma frase</a:t>
+                      </a:r>
+                      <a:r>
+                        <a:rPr lang="pt-BR" sz="1800" b="1" kern="1200" dirty="0">
+                          <a:solidFill>
+                            <a:srgbClr val="006600"/>
+                          </a:solidFill>
+                          <a:effectLst/>
+                          <a:latin typeface="+mn-lt"/>
+                          <a:ea typeface="+mn-ea"/>
+                          <a:cs typeface="+mn-cs"/>
+                        </a:rPr>
+                        <a:t>’</a:t>
                       </a:r>
                     </a:p>
                     <a:p>
@@ -10470,48 +12192,144 @@
                         <a:t>[</a:t>
                       </a:r>
                       <a:r>
+                        <a:rPr lang="pt-BR" sz="1800" b="1" kern="1200" dirty="0">
+                          <a:solidFill>
+                            <a:srgbClr val="006600"/>
+                          </a:solidFill>
+                          <a:effectLst/>
+                          <a:latin typeface="+mn-lt"/>
+                          <a:ea typeface="+mn-ea"/>
+                          <a:cs typeface="+mn-cs"/>
+                        </a:rPr>
+                        <a:t>'</a:t>
+                      </a:r>
+                      <a:r>
                         <a:rPr lang="pt-BR" dirty="0">
                           <a:solidFill>
                             <a:srgbClr val="006600"/>
                           </a:solidFill>
                         </a:rPr>
-                        <a:t>‘isto’</a:t>
+                        <a:t>isto</a:t>
+                      </a:r>
+                      <a:r>
+                        <a:rPr lang="pt-BR" sz="1800" b="1" kern="1200" dirty="0">
+                          <a:solidFill>
+                            <a:srgbClr val="006600"/>
+                          </a:solidFill>
+                          <a:effectLst/>
+                          <a:latin typeface="+mn-lt"/>
+                          <a:ea typeface="+mn-ea"/>
+                          <a:cs typeface="+mn-cs"/>
+                        </a:rPr>
+                        <a:t>'</a:t>
                       </a:r>
                       <a:r>
                         <a:rPr lang="pt-BR" dirty="0"/>
                         <a:t>, </a:t>
                       </a:r>
                       <a:r>
+                        <a:rPr lang="pt-BR" sz="1800" b="1" kern="1200" dirty="0">
+                          <a:solidFill>
+                            <a:srgbClr val="006600"/>
+                          </a:solidFill>
+                          <a:effectLst/>
+                          <a:latin typeface="+mn-lt"/>
+                          <a:ea typeface="+mn-ea"/>
+                          <a:cs typeface="+mn-cs"/>
+                        </a:rPr>
+                        <a:t>'</a:t>
+                      </a:r>
+                      <a:r>
                         <a:rPr lang="pt-BR" dirty="0">
                           <a:solidFill>
                             <a:srgbClr val="006600"/>
                           </a:solidFill>
                         </a:rPr>
-                        <a:t>‘é’</a:t>
+                        <a:t>é</a:t>
+                      </a:r>
+                      <a:r>
+                        <a:rPr lang="pt-BR" sz="1800" b="1" kern="1200" dirty="0">
+                          <a:solidFill>
+                            <a:srgbClr val="006600"/>
+                          </a:solidFill>
+                          <a:effectLst/>
+                          <a:latin typeface="+mn-lt"/>
+                          <a:ea typeface="+mn-ea"/>
+                          <a:cs typeface="+mn-cs"/>
+                        </a:rPr>
+                        <a:t>'</a:t>
                       </a:r>
                       <a:r>
                         <a:rPr lang="pt-BR" dirty="0"/>
                         <a:t>, </a:t>
                       </a:r>
                       <a:r>
+                        <a:rPr lang="pt-BR" sz="1800" b="1" kern="1200" dirty="0">
+                          <a:solidFill>
+                            <a:srgbClr val="006600"/>
+                          </a:solidFill>
+                          <a:effectLst/>
+                          <a:latin typeface="+mn-lt"/>
+                          <a:ea typeface="+mn-ea"/>
+                          <a:cs typeface="+mn-cs"/>
+                        </a:rPr>
+                        <a:t>'</a:t>
+                      </a:r>
+                      <a:r>
                         <a:rPr lang="pt-BR" dirty="0">
                           <a:solidFill>
                             <a:srgbClr val="006600"/>
                           </a:solidFill>
                         </a:rPr>
-                        <a:t>‘uma’</a:t>
+                        <a:t>uma</a:t>
+                      </a:r>
+                      <a:r>
+                        <a:rPr lang="pt-BR" sz="1800" b="1" kern="1200" dirty="0">
+                          <a:solidFill>
+                            <a:srgbClr val="006600"/>
+                          </a:solidFill>
+                          <a:effectLst/>
+                          <a:latin typeface="+mn-lt"/>
+                          <a:ea typeface="+mn-ea"/>
+                          <a:cs typeface="+mn-cs"/>
+                        </a:rPr>
+                        <a:t>'</a:t>
                       </a:r>
                       <a:r>
                         <a:rPr lang="pt-BR" dirty="0"/>
                         <a:t>, </a:t>
                       </a:r>
                       <a:r>
+                        <a:rPr lang="pt-BR" sz="1800" b="1" kern="1200" dirty="0">
+                          <a:solidFill>
+                            <a:srgbClr val="006600"/>
+                          </a:solidFill>
+                          <a:effectLst/>
+                          <a:latin typeface="+mn-lt"/>
+                          <a:ea typeface="+mn-ea"/>
+                          <a:cs typeface="+mn-cs"/>
+                        </a:rPr>
+                        <a:t>'</a:t>
+                      </a:r>
+                      <a:r>
                         <a:rPr lang="pt-BR" dirty="0">
                           <a:solidFill>
                             <a:srgbClr val="006600"/>
                           </a:solidFill>
                         </a:rPr>
-                        <a:t>‘frase’</a:t>
+                        <a:t>frase</a:t>
+                      </a:r>
+                      <a:r>
+                        <a:rPr lang="pt-BR" sz="1800" b="1" kern="1200" dirty="0">
+                          <a:solidFill>
+                            <a:srgbClr val="006600"/>
+                          </a:solidFill>
+                          <a:effectLst/>
+                          <a:latin typeface="+mn-lt"/>
+                          <a:ea typeface="+mn-ea"/>
+                          <a:cs typeface="+mn-cs"/>
+                        </a:rPr>
+                        <a:t>'</a:t>
                       </a:r>
                       <a:r>
                         <a:rPr lang="pt-BR" dirty="0"/>
@@ -10544,7 +12362,7 @@
 </p:sld>
 </file>
 
-<file path=ppt/slides/slide6.xml><?xml version="1.0" encoding="utf-8"?>
+<file path=ppt/slides/slide8.xml><?xml version="1.0" encoding="utf-8"?>
 <p:sld xmlns:a="http://schemas.openxmlformats.org/drawingml/2006/main" xmlns:r="http://schemas.openxmlformats.org/officeDocument/2006/relationships" xmlns:p="http://schemas.openxmlformats.org/presentationml/2006/main">
   <p:cSld>
     <p:spTree>
@@ -11445,7 +13263,7 @@
 </p:sld>
 </file>
 
-<file path=ppt/slides/slide7.xml><?xml version="1.0" encoding="utf-8"?>
+<file path=ppt/slides/slide9.xml><?xml version="1.0" encoding="utf-8"?>
 <p:sld xmlns:a="http://schemas.openxmlformats.org/drawingml/2006/main" xmlns:r="http://schemas.openxmlformats.org/officeDocument/2006/relationships" xmlns:p="http://schemas.openxmlformats.org/presentationml/2006/main">
   <p:cSld>
     <p:spTree>
@@ -11560,525 +13378,6 @@
     <p:extLst>
       <p:ext uri="{BB962C8B-B14F-4D97-AF65-F5344CB8AC3E}">
         <p14:creationId xmlns:p14="http://schemas.microsoft.com/office/powerpoint/2010/main" val="1282553262"/>
-      </p:ext>
-    </p:extLst>
-  </p:cSld>
-  <p:clrMapOvr>
-    <a:masterClrMapping/>
-  </p:clrMapOvr>
-</p:sld>
-</file>
-
-<file path=ppt/slides/slide8.xml><?xml version="1.0" encoding="utf-8"?>
-<p:sld xmlns:a="http://schemas.openxmlformats.org/drawingml/2006/main" xmlns:r="http://schemas.openxmlformats.org/officeDocument/2006/relationships" xmlns:p="http://schemas.openxmlformats.org/presentationml/2006/main">
-  <p:cSld>
-    <p:spTree>
-      <p:nvGrpSpPr>
-        <p:cNvPr id="1" name=""/>
-        <p:cNvGrpSpPr/>
-        <p:nvPr/>
-      </p:nvGrpSpPr>
-      <p:grpSpPr>
-        <a:xfrm>
-          <a:off x="0" y="0"/>
-          <a:ext cx="0" cy="0"/>
-          <a:chOff x="0" y="0"/>
-          <a:chExt cx="0" cy="0"/>
-        </a:xfrm>
-      </p:grpSpPr>
-      <p:sp>
-        <p:nvSpPr>
-          <p:cNvPr id="5" name="Lágrima 4">
-            <a:extLst>
-              <a:ext uri="{FF2B5EF4-FFF2-40B4-BE49-F238E27FC236}">
-                <a16:creationId xmlns:a16="http://schemas.microsoft.com/office/drawing/2014/main" id="{6237B585-AF49-46BD-A4F5-4D474742E312}"/>
-              </a:ext>
-            </a:extLst>
-          </p:cNvPr>
-          <p:cNvSpPr/>
-          <p:nvPr/>
-        </p:nvSpPr>
-        <p:spPr>
-          <a:xfrm>
-            <a:off x="6990736" y="1843548"/>
-            <a:ext cx="5201264" cy="5014452"/>
-          </a:xfrm>
-          <a:prstGeom prst="teardrop">
-            <a:avLst/>
-          </a:prstGeom>
-          <a:blipFill>
-            <a:blip r:embed="rId2">
-              <a:alphaModFix amt="61000"/>
-            </a:blip>
-            <a:stretch>
-              <a:fillRect/>
-            </a:stretch>
-          </a:blipFill>
-        </p:spPr>
-        <p:style>
-          <a:lnRef idx="2">
-            <a:schemeClr val="accent1">
-              <a:shade val="50000"/>
-            </a:schemeClr>
-          </a:lnRef>
-          <a:fillRef idx="1">
-            <a:schemeClr val="accent1"/>
-          </a:fillRef>
-          <a:effectRef idx="0">
-            <a:schemeClr val="accent1"/>
-          </a:effectRef>
-          <a:fontRef idx="minor">
-            <a:schemeClr val="lt1"/>
-          </a:fontRef>
-        </p:style>
-        <p:txBody>
-          <a:bodyPr rtlCol="0" anchor="ctr"/>
-          <a:lstStyle/>
-          <a:p>
-            <a:pPr algn="ctr"/>
-            <a:endParaRPr lang="pt-BR"/>
-          </a:p>
-        </p:txBody>
-      </p:sp>
-      <p:sp>
-        <p:nvSpPr>
-          <p:cNvPr id="3" name="Espaço Reservado para Conteúdo 2">
-            <a:extLst>
-              <a:ext uri="{FF2B5EF4-FFF2-40B4-BE49-F238E27FC236}">
-                <a16:creationId xmlns:a16="http://schemas.microsoft.com/office/drawing/2014/main" id="{A406C180-8731-44EE-B612-0D44DA96A1F7}"/>
-              </a:ext>
-            </a:extLst>
-          </p:cNvPr>
-          <p:cNvSpPr>
-            <a:spLocks noGrp="1"/>
-          </p:cNvSpPr>
-          <p:nvPr>
-            <p:ph idx="1"/>
-          </p:nvPr>
-        </p:nvSpPr>
-        <p:spPr>
-          <a:xfrm>
-            <a:off x="838200" y="1702671"/>
-            <a:ext cx="10515600" cy="4631942"/>
-          </a:xfrm>
-        </p:spPr>
-        <p:txBody>
-          <a:bodyPr>
-            <a:normAutofit/>
-          </a:bodyPr>
-          <a:lstStyle/>
-          <a:p>
-            <a:pPr marL="0" indent="0">
-              <a:buNone/>
-            </a:pPr>
-            <a:r>
-              <a:rPr lang="pt-BR" dirty="0"/>
-              <a:t>Uma função serve para executar rotinas que se repetem, além de  deixar o codigo mais organizado.</a:t>
-            </a:r>
-          </a:p>
-          <a:p>
-            <a:pPr marL="0" indent="0">
-              <a:buNone/>
-            </a:pPr>
-            <a:endParaRPr lang="pt-BR" dirty="0"/>
-          </a:p>
-          <a:p>
-            <a:pPr marL="0" indent="0">
-              <a:buNone/>
-            </a:pPr>
-            <a:r>
-              <a:rPr lang="pt-BR" dirty="0"/>
-              <a:t>Em códigos muito grandes, ela gera uma facilidade, pois se precisamos mudar alguma coisa, basta irmos ate a função e alterar apenas a própria função, sem ter que ficar alterando muita coisa no código inteiro.</a:t>
-            </a:r>
-          </a:p>
-          <a:p>
-            <a:pPr marL="0" indent="0">
-              <a:buNone/>
-            </a:pPr>
-            <a:endParaRPr lang="pt-BR" dirty="0"/>
-          </a:p>
-          <a:p>
-            <a:pPr marL="0" indent="0">
-              <a:buNone/>
-            </a:pPr>
-            <a:r>
-              <a:rPr lang="pt-BR" dirty="0"/>
-              <a:t>Ela pode ser chamada N vezes, ou seja, função tambem serve para encurtar um código.</a:t>
-            </a:r>
-          </a:p>
-          <a:p>
-            <a:endParaRPr lang="pt-BR" dirty="0"/>
-          </a:p>
-        </p:txBody>
-      </p:sp>
-    </p:spTree>
-    <p:extLst>
-      <p:ext uri="{BB962C8B-B14F-4D97-AF65-F5344CB8AC3E}">
-        <p14:creationId xmlns:p14="http://schemas.microsoft.com/office/powerpoint/2010/main" val="1344195133"/>
-      </p:ext>
-    </p:extLst>
-  </p:cSld>
-  <p:clrMapOvr>
-    <a:masterClrMapping/>
-  </p:clrMapOvr>
-</p:sld>
-</file>
-
-<file path=ppt/slides/slide9.xml><?xml version="1.0" encoding="utf-8"?>
-<p:sld xmlns:a="http://schemas.openxmlformats.org/drawingml/2006/main" xmlns:r="http://schemas.openxmlformats.org/officeDocument/2006/relationships" xmlns:p="http://schemas.openxmlformats.org/presentationml/2006/main">
-  <p:cSld>
-    <p:spTree>
-      <p:nvGrpSpPr>
-        <p:cNvPr id="1" name=""/>
-        <p:cNvGrpSpPr/>
-        <p:nvPr/>
-      </p:nvGrpSpPr>
-      <p:grpSpPr>
-        <a:xfrm>
-          <a:off x="0" y="0"/>
-          <a:ext cx="0" cy="0"/>
-          <a:chOff x="0" y="0"/>
-          <a:chExt cx="0" cy="0"/>
-        </a:xfrm>
-      </p:grpSpPr>
-      <p:sp>
-        <p:nvSpPr>
-          <p:cNvPr id="2" name="Espaço Reservado para Conteúdo 1">
-            <a:extLst>
-              <a:ext uri="{FF2B5EF4-FFF2-40B4-BE49-F238E27FC236}">
-                <a16:creationId xmlns:a16="http://schemas.microsoft.com/office/drawing/2014/main" id="{166DC2DA-C83D-4239-8944-D3F19565C0F9}"/>
-              </a:ext>
-            </a:extLst>
-          </p:cNvPr>
-          <p:cNvSpPr>
-            <a:spLocks noGrp="1"/>
-          </p:cNvSpPr>
-          <p:nvPr>
-            <p:ph idx="13"/>
-          </p:nvPr>
-        </p:nvSpPr>
-        <p:spPr/>
-        <p:txBody>
-          <a:bodyPr/>
-          <a:lstStyle/>
-          <a:p>
-            <a:pPr marL="0" indent="0">
-              <a:buNone/>
-            </a:pPr>
-            <a:r>
-              <a:rPr lang="pt-BR" dirty="0"/>
-              <a:t>Em Python, a sintaxe é a seguinte:</a:t>
-            </a:r>
-          </a:p>
-          <a:p>
-            <a:pPr marL="0" indent="0">
-              <a:buNone/>
-            </a:pPr>
-            <a:endParaRPr lang="pt-BR" dirty="0"/>
-          </a:p>
-          <a:p>
-            <a:pPr marL="0" indent="0">
-              <a:buNone/>
-            </a:pPr>
-            <a:endParaRPr lang="pt-BR" dirty="0"/>
-          </a:p>
-          <a:p>
-            <a:pPr marL="0" indent="0">
-              <a:buNone/>
-            </a:pPr>
-            <a:endParaRPr lang="pt-BR" dirty="0"/>
-          </a:p>
-          <a:p>
-            <a:pPr marL="0" indent="0">
-              <a:buNone/>
-            </a:pPr>
-            <a:endParaRPr lang="pt-BR" dirty="0"/>
-          </a:p>
-          <a:p>
-            <a:pPr marL="0" indent="0">
-              <a:buNone/>
-            </a:pPr>
-            <a:r>
-              <a:rPr lang="pt-BR" dirty="0"/>
-              <a:t>E uma função pode conter outra função dentro dela:</a:t>
-            </a:r>
-          </a:p>
-          <a:p>
-            <a:pPr marL="0" indent="0">
-              <a:buNone/>
-            </a:pPr>
-            <a:endParaRPr lang="pt-BR" dirty="0"/>
-          </a:p>
-          <a:p>
-            <a:endParaRPr lang="pt-BR" dirty="0"/>
-          </a:p>
-        </p:txBody>
-      </p:sp>
-      <p:graphicFrame>
-        <p:nvGraphicFramePr>
-          <p:cNvPr id="3" name="Tabela 2">
-            <a:extLst>
-              <a:ext uri="{FF2B5EF4-FFF2-40B4-BE49-F238E27FC236}">
-                <a16:creationId xmlns:a16="http://schemas.microsoft.com/office/drawing/2014/main" id="{51CCC295-9E16-4CF7-84B0-4EA266017E92}"/>
-              </a:ext>
-            </a:extLst>
-          </p:cNvPr>
-          <p:cNvGraphicFramePr>
-            <a:graphicFrameLocks noGrp="1"/>
-          </p:cNvGraphicFramePr>
-          <p:nvPr>
-            <p:extLst>
-              <p:ext uri="{D42A27DB-BD31-4B8C-83A1-F6EECF244321}">
-                <p14:modId xmlns:p14="http://schemas.microsoft.com/office/powerpoint/2010/main" val="2730453290"/>
-              </p:ext>
-            </p:extLst>
-          </p:nvPr>
-        </p:nvGraphicFramePr>
-        <p:xfrm>
-          <a:off x="378822" y="1159017"/>
-          <a:ext cx="8128000" cy="975360"/>
-        </p:xfrm>
-        <a:graphic>
-          <a:graphicData uri="http://schemas.openxmlformats.org/drawingml/2006/table">
-            <a:tbl>
-              <a:tblPr firstRow="1" bandRow="1">
-                <a:tableStyleId>{16D9F66E-5EB9-4882-86FB-DCBF35E3C3E4}</a:tableStyleId>
-              </a:tblPr>
-              <a:tblGrid>
-                <a:gridCol w="8128000">
-                  <a:extLst>
-                    <a:ext uri="{9D8B030D-6E8A-4147-A177-3AD203B41FA5}">
-                      <a16:colId xmlns:a16="http://schemas.microsoft.com/office/drawing/2014/main" val="2498973946"/>
-                    </a:ext>
-                  </a:extLst>
-                </a:gridCol>
-              </a:tblGrid>
-              <a:tr h="540784">
-                <a:tc>
-                  <a:txBody>
-                    <a:bodyPr/>
-                    <a:lstStyle/>
-                    <a:p>
-                      <a:pPr marL="0" indent="0">
-                        <a:buNone/>
-                      </a:pPr>
-                      <a:r>
-                        <a:rPr lang="pt-BR" sz="2000" dirty="0" err="1">
-                          <a:solidFill>
-                            <a:srgbClr val="CE6D0C"/>
-                          </a:solidFill>
-                          <a:latin typeface="Arial" panose="020B0604020202020204" pitchFamily="34" charset="0"/>
-                          <a:cs typeface="Arial" panose="020B0604020202020204" pitchFamily="34" charset="0"/>
-                        </a:rPr>
-                        <a:t>def</a:t>
-                      </a:r>
-                      <a:r>
-                        <a:rPr lang="pt-BR" sz="2000" dirty="0">
-                          <a:latin typeface="Arial" panose="020B0604020202020204" pitchFamily="34" charset="0"/>
-                          <a:cs typeface="Arial" panose="020B0604020202020204" pitchFamily="34" charset="0"/>
-                        </a:rPr>
-                        <a:t> </a:t>
-                      </a:r>
-                      <a:r>
-                        <a:rPr lang="pt-BR" sz="2000" dirty="0" err="1">
-                          <a:solidFill>
-                            <a:schemeClr val="accent2"/>
-                          </a:solidFill>
-                          <a:latin typeface="Arial" panose="020B0604020202020204" pitchFamily="34" charset="0"/>
-                          <a:cs typeface="Arial" panose="020B0604020202020204" pitchFamily="34" charset="0"/>
-                        </a:rPr>
-                        <a:t>nomefuncao</a:t>
-                      </a:r>
-                      <a:r>
-                        <a:rPr lang="pt-BR" sz="2000" dirty="0">
-                          <a:latin typeface="Arial" panose="020B0604020202020204" pitchFamily="34" charset="0"/>
-                          <a:cs typeface="Arial" panose="020B0604020202020204" pitchFamily="34" charset="0"/>
-                        </a:rPr>
-                        <a:t>():</a:t>
-                      </a:r>
-                    </a:p>
-                    <a:p>
-                      <a:pPr marL="0" indent="0">
-                        <a:buNone/>
-                      </a:pPr>
-                      <a:r>
-                        <a:rPr lang="pt-BR" sz="2000" dirty="0">
-                          <a:latin typeface="Arial" panose="020B0604020202020204" pitchFamily="34" charset="0"/>
-                          <a:cs typeface="Arial" panose="020B0604020202020204" pitchFamily="34" charset="0"/>
-                        </a:rPr>
-                        <a:t>	&lt;código&gt;</a:t>
-                      </a:r>
-                    </a:p>
-                    <a:p>
-                      <a:endParaRPr lang="pt-BR" dirty="0"/>
-                    </a:p>
-                  </a:txBody>
-                  <a:tcPr/>
-                </a:tc>
-                <a:extLst>
-                  <a:ext uri="{0D108BD9-81ED-4DB2-BD59-A6C34878D82A}">
-                    <a16:rowId xmlns:a16="http://schemas.microsoft.com/office/drawing/2014/main" val="3610202009"/>
-                  </a:ext>
-                </a:extLst>
-              </a:tr>
-            </a:tbl>
-          </a:graphicData>
-        </a:graphic>
-      </p:graphicFrame>
-      <p:graphicFrame>
-        <p:nvGraphicFramePr>
-          <p:cNvPr id="4" name="Tabela 3">
-            <a:extLst>
-              <a:ext uri="{FF2B5EF4-FFF2-40B4-BE49-F238E27FC236}">
-                <a16:creationId xmlns:a16="http://schemas.microsoft.com/office/drawing/2014/main" id="{084AC7D8-91F2-4F7F-87A4-9947B2CE5752}"/>
-              </a:ext>
-            </a:extLst>
-          </p:cNvPr>
-          <p:cNvGraphicFramePr>
-            <a:graphicFrameLocks noGrp="1"/>
-          </p:cNvGraphicFramePr>
-          <p:nvPr>
-            <p:extLst>
-              <p:ext uri="{D42A27DB-BD31-4B8C-83A1-F6EECF244321}">
-                <p14:modId xmlns:p14="http://schemas.microsoft.com/office/powerpoint/2010/main" val="1914509480"/>
-              </p:ext>
-            </p:extLst>
-          </p:nvPr>
-        </p:nvGraphicFramePr>
-        <p:xfrm>
-          <a:off x="378822" y="3663305"/>
-          <a:ext cx="8128000" cy="1584960"/>
-        </p:xfrm>
-        <a:graphic>
-          <a:graphicData uri="http://schemas.openxmlformats.org/drawingml/2006/table">
-            <a:tbl>
-              <a:tblPr firstRow="1" bandRow="1">
-                <a:tableStyleId>{16D9F66E-5EB9-4882-86FB-DCBF35E3C3E4}</a:tableStyleId>
-              </a:tblPr>
-              <a:tblGrid>
-                <a:gridCol w="8128000">
-                  <a:extLst>
-                    <a:ext uri="{9D8B030D-6E8A-4147-A177-3AD203B41FA5}">
-                      <a16:colId xmlns:a16="http://schemas.microsoft.com/office/drawing/2014/main" val="2323122284"/>
-                    </a:ext>
-                  </a:extLst>
-                </a:gridCol>
-              </a:tblGrid>
-              <a:tr h="370840">
-                <a:tc>
-                  <a:txBody>
-                    <a:bodyPr/>
-                    <a:lstStyle/>
-                    <a:p>
-                      <a:pPr marL="0" indent="0">
-                        <a:buNone/>
-                      </a:pPr>
-                      <a:r>
-                        <a:rPr lang="pt-BR" sz="2000" dirty="0" err="1">
-                          <a:solidFill>
-                            <a:srgbClr val="CE6D0C"/>
-                          </a:solidFill>
-                          <a:latin typeface="Arial" panose="020B0604020202020204" pitchFamily="34" charset="0"/>
-                          <a:cs typeface="Arial" panose="020B0604020202020204" pitchFamily="34" charset="0"/>
-                        </a:rPr>
-                        <a:t>def</a:t>
-                      </a:r>
-                      <a:r>
-                        <a:rPr lang="pt-BR" sz="2000" dirty="0">
-                          <a:latin typeface="Arial" panose="020B0604020202020204" pitchFamily="34" charset="0"/>
-                          <a:cs typeface="Arial" panose="020B0604020202020204" pitchFamily="34" charset="0"/>
-                        </a:rPr>
-                        <a:t> </a:t>
-                      </a:r>
-                      <a:r>
-                        <a:rPr lang="pt-BR" sz="2000" dirty="0" err="1">
-                          <a:solidFill>
-                            <a:schemeClr val="accent2"/>
-                          </a:solidFill>
-                          <a:latin typeface="Arial" panose="020B0604020202020204" pitchFamily="34" charset="0"/>
-                          <a:cs typeface="Arial" panose="020B0604020202020204" pitchFamily="34" charset="0"/>
-                        </a:rPr>
-                        <a:t>nomefuncao</a:t>
-                      </a:r>
-                      <a:r>
-                        <a:rPr lang="pt-BR" sz="2000" dirty="0">
-                          <a:latin typeface="Arial" panose="020B0604020202020204" pitchFamily="34" charset="0"/>
-                          <a:cs typeface="Arial" panose="020B0604020202020204" pitchFamily="34" charset="0"/>
-                        </a:rPr>
-                        <a:t>():</a:t>
-                      </a:r>
-                    </a:p>
-                    <a:p>
-                      <a:pPr marL="0" indent="0">
-                        <a:buNone/>
-                      </a:pPr>
-                      <a:r>
-                        <a:rPr lang="pt-BR" sz="2000" dirty="0"/>
-                        <a:t>	</a:t>
-                      </a:r>
-                      <a:r>
-                        <a:rPr lang="pt-BR" sz="2000" dirty="0" err="1">
-                          <a:solidFill>
-                            <a:srgbClr val="CE6D0C"/>
-                          </a:solidFill>
-                        </a:rPr>
-                        <a:t>def</a:t>
-                      </a:r>
-                      <a:r>
-                        <a:rPr lang="pt-BR" sz="2000" dirty="0"/>
-                        <a:t> </a:t>
-                      </a:r>
-                      <a:r>
-                        <a:rPr lang="pt-BR" sz="2000" dirty="0">
-                          <a:solidFill>
-                            <a:schemeClr val="accent2"/>
-                          </a:solidFill>
-                        </a:rPr>
-                        <a:t>nomefuncao2</a:t>
-                      </a:r>
-                      <a:r>
-                        <a:rPr lang="pt-BR" sz="2000" dirty="0"/>
-                        <a:t>():</a:t>
-                      </a:r>
-                    </a:p>
-                    <a:p>
-                      <a:pPr marL="0" indent="0">
-                        <a:buNone/>
-                      </a:pPr>
-                      <a:r>
-                        <a:rPr lang="pt-BR" sz="2000" dirty="0"/>
-                        <a:t>		&lt;codigo&gt;</a:t>
-                      </a:r>
-                    </a:p>
-                    <a:p>
-                      <a:pPr marL="0" indent="0">
-                        <a:buNone/>
-                      </a:pPr>
-                      <a:r>
-                        <a:rPr lang="pt-BR" sz="2000" dirty="0"/>
-                        <a:t>	&lt;codigo&gt;</a:t>
-                      </a:r>
-                    </a:p>
-                    <a:p>
-                      <a:endParaRPr lang="pt-BR" dirty="0"/>
-                    </a:p>
-                  </a:txBody>
-                  <a:tcPr/>
-                </a:tc>
-                <a:extLst>
-                  <a:ext uri="{0D108BD9-81ED-4DB2-BD59-A6C34878D82A}">
-                    <a16:rowId xmlns:a16="http://schemas.microsoft.com/office/drawing/2014/main" val="863103248"/>
-                  </a:ext>
-                </a:extLst>
-              </a:tr>
-            </a:tbl>
-          </a:graphicData>
-        </a:graphic>
-      </p:graphicFrame>
-    </p:spTree>
-    <p:extLst>
-      <p:ext uri="{BB962C8B-B14F-4D97-AF65-F5344CB8AC3E}">
-        <p14:creationId xmlns:p14="http://schemas.microsoft.com/office/powerpoint/2010/main" val="3719589337"/>
       </p:ext>
     </p:extLst>
   </p:cSld>
